--- a/Presentations/SysManage.pptx
+++ b/Presentations/SysManage.pptx
@@ -7541,8 +7541,8 @@
         </p:nvSpPr>
         <p:spPr>
           <a:xfrm>
-            <a:off x="731520" y="1280160"/>
-            <a:ext cx="2926080" cy="365760"/>
+            <a:off x="731520" y="1234440"/>
+            <a:ext cx="2377440" cy="292608"/>
           </a:xfrm>
           <a:prstGeom prst="roundRect">
             <a:avLst/>
@@ -7574,13 +7574,13 @@
           <a:p>
             <a:pPr algn="ctr"/>
             <a:r>
-              <a:rPr sz="1100" b="1">
-                <a:solidFill>
-                  <a:srgbClr val="FFFFFF"/>
-                </a:solidFill>
-                <a:latin typeface="Arial"/>
-              </a:rPr>
-              <a:t>Secrets &amp; Key Management</a:t>
+              <a:rPr sz="900" b="1">
+                <a:solidFill>
+                  <a:srgbClr val="FFFFFF"/>
+                </a:solidFill>
+                <a:latin typeface="Arial"/>
+              </a:rPr>
+              <a:t>Secrets &amp; Key Mgmt</a:t>
             </a:r>
           </a:p>
         </p:txBody>
@@ -7593,8 +7593,8 @@
         </p:nvSpPr>
         <p:spPr>
           <a:xfrm>
-            <a:off x="3931920" y="1280160"/>
-            <a:ext cx="7772400" cy="347472"/>
+            <a:off x="3291840" y="1234440"/>
+            <a:ext cx="3200400" cy="274320"/>
           </a:xfrm>
           <a:prstGeom prst="rect">
             <a:avLst/>
@@ -7608,7 +7608,7 @@
           <a:lstStyle/>
           <a:p>
             <a:r>
-              <a:rPr sz="1100" b="1">
+              <a:rPr sz="900" b="1">
                 <a:solidFill>
                   <a:srgbClr val="0D3D5C"/>
                 </a:solidFill>
@@ -7617,13 +7617,13 @@
               <a:t>OpenBAO / Vault</a:t>
             </a:r>
             <a:r>
-              <a:rPr sz="1000" b="0">
+              <a:rPr sz="800" b="0">
                 <a:solidFill>
                   <a:srgbClr val="666666"/>
                 </a:solidFill>
                 <a:latin typeface="Arial"/>
               </a:rPr>
-              <a:t>  —  Encrypted secrets storage, API keys, credential management</a:t>
+              <a:t> — Encrypted secrets, API keys</a:t>
             </a:r>
           </a:p>
         </p:txBody>
@@ -7636,8 +7636,8 @@
         </p:nvSpPr>
         <p:spPr>
           <a:xfrm>
-            <a:off x="731520" y="1801368"/>
-            <a:ext cx="2926080" cy="365760"/>
+            <a:off x="731520" y="1636776"/>
+            <a:ext cx="2377440" cy="292608"/>
           </a:xfrm>
           <a:prstGeom prst="roundRect">
             <a:avLst/>
@@ -7669,7 +7669,7 @@
           <a:p>
             <a:pPr algn="ctr"/>
             <a:r>
-              <a:rPr sz="1100" b="1">
+              <a:rPr sz="900" b="1">
                 <a:solidFill>
                   <a:srgbClr val="FFFFFF"/>
                 </a:solidFill>
@@ -7688,8 +7688,8 @@
         </p:nvSpPr>
         <p:spPr>
           <a:xfrm>
-            <a:off x="3931920" y="1801368"/>
-            <a:ext cx="7772400" cy="347472"/>
+            <a:off x="3291840" y="1636776"/>
+            <a:ext cx="3200400" cy="274320"/>
           </a:xfrm>
           <a:prstGeom prst="rect">
             <a:avLst/>
@@ -7703,7 +7703,7 @@
           <a:lstStyle/>
           <a:p>
             <a:r>
-              <a:rPr sz="1100" b="1">
+              <a:rPr sz="900" b="1">
                 <a:solidFill>
                   <a:srgbClr val="0D3D5C"/>
                 </a:solidFill>
@@ -7712,13 +7712,13 @@
               <a:t>OpenTelemetry</a:t>
             </a:r>
             <a:r>
-              <a:rPr sz="1000" b="0">
+              <a:rPr sz="800" b="0">
                 <a:solidFill>
                   <a:srgbClr val="666666"/>
                 </a:solidFill>
                 <a:latin typeface="Arial"/>
               </a:rPr>
-              <a:t>  —  Distributed tracing and metrics collection</a:t>
+              <a:t> — Distributed tracing &amp; metrics</a:t>
             </a:r>
           </a:p>
         </p:txBody>
@@ -7731,8 +7731,8 @@
         </p:nvSpPr>
         <p:spPr>
           <a:xfrm>
-            <a:off x="3931920" y="2167128"/>
-            <a:ext cx="7772400" cy="347472"/>
+            <a:off x="3291840" y="1929384"/>
+            <a:ext cx="3200400" cy="274320"/>
           </a:xfrm>
           <a:prstGeom prst="rect">
             <a:avLst/>
@@ -7746,7 +7746,7 @@
           <a:lstStyle/>
           <a:p>
             <a:r>
-              <a:rPr sz="1100" b="1">
+              <a:rPr sz="900" b="1">
                 <a:solidFill>
                   <a:srgbClr val="0D3D5C"/>
                 </a:solidFill>
@@ -7755,13 +7755,13 @@
               <a:t>Grafana</a:t>
             </a:r>
             <a:r>
-              <a:rPr sz="1000" b="0">
+              <a:rPr sz="800" b="0">
                 <a:solidFill>
                   <a:srgbClr val="666666"/>
                 </a:solidFill>
                 <a:latin typeface="Arial"/>
               </a:rPr>
-              <a:t>  —  Dashboard visualization and metrics</a:t>
+              <a:t> — Dashboard visualization</a:t>
             </a:r>
           </a:p>
         </p:txBody>
@@ -7774,8 +7774,8 @@
         </p:nvSpPr>
         <p:spPr>
           <a:xfrm>
-            <a:off x="3931920" y="2532888"/>
-            <a:ext cx="7772400" cy="347472"/>
+            <a:off x="3291840" y="2221992"/>
+            <a:ext cx="3200400" cy="274320"/>
           </a:xfrm>
           <a:prstGeom prst="rect">
             <a:avLst/>
@@ -7789,7 +7789,7 @@
           <a:lstStyle/>
           <a:p>
             <a:r>
-              <a:rPr sz="1100" b="1">
+              <a:rPr sz="900" b="1">
                 <a:solidFill>
                   <a:srgbClr val="0D3D5C"/>
                 </a:solidFill>
@@ -7798,13 +7798,13 @@
               <a:t>Prometheus</a:t>
             </a:r>
             <a:r>
-              <a:rPr sz="1000" b="0">
+              <a:rPr sz="800" b="0">
                 <a:solidFill>
                   <a:srgbClr val="666666"/>
                 </a:solidFill>
                 <a:latin typeface="Arial"/>
               </a:rPr>
-              <a:t>  —  Metrics collection and querying</a:t>
+              <a:t> — Metrics collection &amp; querying</a:t>
             </a:r>
           </a:p>
         </p:txBody>
@@ -7817,8 +7817,8 @@
         </p:nvSpPr>
         <p:spPr>
           <a:xfrm>
-            <a:off x="3931920" y="2898648"/>
-            <a:ext cx="7772400" cy="347472"/>
+            <a:off x="3291840" y="2514600"/>
+            <a:ext cx="3200400" cy="274320"/>
           </a:xfrm>
           <a:prstGeom prst="rect">
             <a:avLst/>
@@ -7832,7 +7832,7 @@
           <a:lstStyle/>
           <a:p>
             <a:r>
-              <a:rPr sz="1100" b="1">
+              <a:rPr sz="900" b="1">
                 <a:solidFill>
                   <a:srgbClr val="0D3D5C"/>
                 </a:solidFill>
@@ -7841,13 +7841,13 @@
               <a:t>Graylog</a:t>
             </a:r>
             <a:r>
-              <a:rPr sz="1000" b="0">
+              <a:rPr sz="800" b="0">
                 <a:solidFill>
                   <a:srgbClr val="666666"/>
                 </a:solidFill>
                 <a:latin typeface="Arial"/>
               </a:rPr>
-              <a:t>  —  Centralized log aggregation (GELF, syslog)</a:t>
+              <a:t> — Log aggregation (GELF, syslog)</a:t>
             </a:r>
           </a:p>
         </p:txBody>
@@ -7860,8 +7860,8 @@
         </p:nvSpPr>
         <p:spPr>
           <a:xfrm>
-            <a:off x="731520" y="3374136"/>
-            <a:ext cx="2926080" cy="365760"/>
+            <a:off x="731520" y="2880360"/>
+            <a:ext cx="2377440" cy="292608"/>
           </a:xfrm>
           <a:prstGeom prst="roundRect">
             <a:avLst/>
@@ -7893,7 +7893,7 @@
           <a:p>
             <a:pPr algn="ctr"/>
             <a:r>
-              <a:rPr sz="1100" b="1">
+              <a:rPr sz="900" b="1">
                 <a:solidFill>
                   <a:srgbClr val="FFFFFF"/>
                 </a:solidFill>
@@ -7912,8 +7912,8 @@
         </p:nvSpPr>
         <p:spPr>
           <a:xfrm>
-            <a:off x="3931920" y="3374136"/>
-            <a:ext cx="7772400" cy="347472"/>
+            <a:off x="3291840" y="2880360"/>
+            <a:ext cx="3200400" cy="274320"/>
           </a:xfrm>
           <a:prstGeom prst="rect">
             <a:avLst/>
@@ -7927,7 +7927,7 @@
           <a:lstStyle/>
           <a:p>
             <a:r>
-              <a:rPr sz="1100" b="1">
+              <a:rPr sz="900" b="1">
                 <a:solidFill>
                   <a:srgbClr val="0D3D5C"/>
                 </a:solidFill>
@@ -7936,13 +7936,13 @@
               <a:t>NIST NVD</a:t>
             </a:r>
             <a:r>
-              <a:rPr sz="1000" b="0">
+              <a:rPr sz="800" b="0">
                 <a:solidFill>
                   <a:srgbClr val="666666"/>
                 </a:solidFill>
                 <a:latin typeface="Arial"/>
               </a:rPr>
-              <a:t>  —  National Vulnerability Database (CVE)</a:t>
+              <a:t> — National Vulnerability Database</a:t>
             </a:r>
           </a:p>
         </p:txBody>
@@ -7955,8 +7955,8 @@
         </p:nvSpPr>
         <p:spPr>
           <a:xfrm>
-            <a:off x="3931920" y="3739896"/>
-            <a:ext cx="7772400" cy="347472"/>
+            <a:off x="3291840" y="3172968"/>
+            <a:ext cx="3200400" cy="274320"/>
           </a:xfrm>
           <a:prstGeom prst="rect">
             <a:avLst/>
@@ -7970,22 +7970,22 @@
           <a:lstStyle/>
           <a:p>
             <a:r>
-              <a:rPr sz="1100" b="1">
+              <a:rPr sz="900" b="1">
                 <a:solidFill>
                   <a:srgbClr val="0D3D5C"/>
                 </a:solidFill>
                 <a:latin typeface="Arial"/>
               </a:rPr>
-              <a:t>Ubuntu / Debian / Red Hat / Microsoft / FreeBSD</a:t>
-            </a:r>
-            <a:r>
-              <a:rPr sz="1000" b="0">
+              <a:t>Ubuntu / Debian / RHEL / MSRC / FreeBSD</a:t>
+            </a:r>
+            <a:r>
+              <a:rPr sz="800" b="0">
                 <a:solidFill>
                   <a:srgbClr val="666666"/>
                 </a:solidFill>
                 <a:latin typeface="Arial"/>
               </a:rPr>
-              <a:t>  —  OS-specific security advisories</a:t>
+              <a:t> — OS-specific advisories</a:t>
             </a:r>
           </a:p>
         </p:txBody>
@@ -7998,8 +7998,8 @@
         </p:nvSpPr>
         <p:spPr>
           <a:xfrm>
-            <a:off x="731520" y="4215384"/>
-            <a:ext cx="2926080" cy="365760"/>
+            <a:off x="6492240" y="1234440"/>
+            <a:ext cx="2377440" cy="292608"/>
           </a:xfrm>
           <a:prstGeom prst="roundRect">
             <a:avLst/>
@@ -8031,7 +8031,7 @@
           <a:p>
             <a:pPr algn="ctr"/>
             <a:r>
-              <a:rPr sz="1100" b="1">
+              <a:rPr sz="900" b="1">
                 <a:solidFill>
                   <a:srgbClr val="FFFFFF"/>
                 </a:solidFill>
@@ -8050,8 +8050,8 @@
         </p:nvSpPr>
         <p:spPr>
           <a:xfrm>
-            <a:off x="3931920" y="4215384"/>
-            <a:ext cx="7772400" cy="347472"/>
+            <a:off x="9052560" y="1234440"/>
+            <a:ext cx="3200400" cy="274320"/>
           </a:xfrm>
           <a:prstGeom prst="rect">
             <a:avLst/>
@@ -8065,7 +8065,7 @@
           <a:lstStyle/>
           <a:p>
             <a:r>
-              <a:rPr sz="1100" b="1">
+              <a:rPr sz="900" b="1">
                 <a:solidFill>
                   <a:srgbClr val="0D3D5C"/>
                 </a:solidFill>
@@ -8074,13 +8074,13 @@
               <a:t>Ubuntu Pro</a:t>
             </a:r>
             <a:r>
-              <a:rPr sz="1000" b="0">
+              <a:rPr sz="800" b="0">
                 <a:solidFill>
                   <a:srgbClr val="666666"/>
                 </a:solidFill>
                 <a:latin typeface="Arial"/>
               </a:rPr>
-              <a:t>  —  ESM, security patching, compliance</a:t>
+              <a:t> — ESM, patching, compliance</a:t>
             </a:r>
           </a:p>
         </p:txBody>
@@ -8093,8 +8093,8 @@
         </p:nvSpPr>
         <p:spPr>
           <a:xfrm>
-            <a:off x="3931920" y="4581144"/>
-            <a:ext cx="7772400" cy="347472"/>
+            <a:off x="9052560" y="1527048"/>
+            <a:ext cx="3200400" cy="274320"/>
           </a:xfrm>
           <a:prstGeom prst="rect">
             <a:avLst/>
@@ -8108,7 +8108,7 @@
           <a:lstStyle/>
           <a:p>
             <a:r>
-              <a:rPr sz="1100" b="1">
+              <a:rPr sz="900" b="1">
                 <a:solidFill>
                   <a:srgbClr val="0D3D5C"/>
                 </a:solidFill>
@@ -8117,13 +8117,13 @@
               <a:t>LXD / Incus</a:t>
             </a:r>
             <a:r>
-              <a:rPr sz="1000" b="0">
+              <a:rPr sz="800" b="0">
                 <a:solidFill>
                   <a:srgbClr val="666666"/>
                 </a:solidFill>
                 <a:latin typeface="Arial"/>
               </a:rPr>
-              <a:t>  —  Container management</a:t>
+              <a:t> — Container management</a:t>
             </a:r>
           </a:p>
         </p:txBody>
@@ -8136,8 +8136,8 @@
         </p:nvSpPr>
         <p:spPr>
           <a:xfrm>
-            <a:off x="3931920" y="4946904"/>
-            <a:ext cx="7772400" cy="347472"/>
+            <a:off x="9052560" y="1819656"/>
+            <a:ext cx="3200400" cy="274320"/>
           </a:xfrm>
           <a:prstGeom prst="rect">
             <a:avLst/>
@@ -8151,7 +8151,7 @@
           <a:lstStyle/>
           <a:p>
             <a:r>
-              <a:rPr sz="1100" b="1">
+              <a:rPr sz="900" b="1">
                 <a:solidFill>
                   <a:srgbClr val="0D3D5C"/>
                 </a:solidFill>
@@ -8160,13 +8160,13 @@
               <a:t>KVM / bhyve / VMM</a:t>
             </a:r>
             <a:r>
-              <a:rPr sz="1000" b="0">
+              <a:rPr sz="800" b="0">
                 <a:solidFill>
                   <a:srgbClr val="666666"/>
                 </a:solidFill>
                 <a:latin typeface="Arial"/>
               </a:rPr>
-              <a:t>  —  Hypervisor management</a:t>
+              <a:t> — Hypervisor management</a:t>
             </a:r>
           </a:p>
         </p:txBody>
@@ -8179,8 +8179,8 @@
         </p:nvSpPr>
         <p:spPr>
           <a:xfrm>
-            <a:off x="731520" y="5422392"/>
-            <a:ext cx="2926080" cy="365760"/>
+            <a:off x="6492240" y="2185416"/>
+            <a:ext cx="2377440" cy="292608"/>
           </a:xfrm>
           <a:prstGeom prst="roundRect">
             <a:avLst/>
@@ -8212,7 +8212,7 @@
           <a:p>
             <a:pPr algn="ctr"/>
             <a:r>
-              <a:rPr sz="1100" b="1">
+              <a:rPr sz="900" b="1">
                 <a:solidFill>
                   <a:srgbClr val="FFFFFF"/>
                 </a:solidFill>
@@ -8231,8 +8231,8 @@
         </p:nvSpPr>
         <p:spPr>
           <a:xfrm>
-            <a:off x="3931920" y="5422392"/>
-            <a:ext cx="7772400" cy="347472"/>
+            <a:off x="9052560" y="2185416"/>
+            <a:ext cx="3200400" cy="274320"/>
           </a:xfrm>
           <a:prstGeom prst="rect">
             <a:avLst/>
@@ -8246,7 +8246,7 @@
           <a:lstStyle/>
           <a:p>
             <a:r>
-              <a:rPr sz="1100" b="1">
+              <a:rPr sz="900" b="1">
                 <a:solidFill>
                   <a:srgbClr val="0D3D5C"/>
                 </a:solidFill>
@@ -8255,13 +8255,13 @@
               <a:t>SMTP / Email</a:t>
             </a:r>
             <a:r>
-              <a:rPr sz="1000" b="0">
+              <a:rPr sz="800" b="0">
                 <a:solidFill>
                   <a:srgbClr val="666666"/>
                 </a:solidFill>
                 <a:latin typeface="Arial"/>
               </a:rPr>
-              <a:t>  —  Alert delivery</a:t>
+              <a:t> — Alert delivery</a:t>
             </a:r>
           </a:p>
         </p:txBody>
@@ -8274,8 +8274,8 @@
         </p:nvSpPr>
         <p:spPr>
           <a:xfrm>
-            <a:off x="3931920" y="5788152"/>
-            <a:ext cx="7772400" cy="347472"/>
+            <a:off x="9052560" y="2478024"/>
+            <a:ext cx="3200400" cy="274320"/>
           </a:xfrm>
           <a:prstGeom prst="rect">
             <a:avLst/>
@@ -8289,7 +8289,7 @@
           <a:lstStyle/>
           <a:p>
             <a:r>
-              <a:rPr sz="1100" b="1">
+              <a:rPr sz="900" b="1">
                 <a:solidFill>
                   <a:srgbClr val="0D3D5C"/>
                 </a:solidFill>
@@ -8298,13 +8298,13 @@
               <a:t>Webhooks / Slack / Teams</a:t>
             </a:r>
             <a:r>
-              <a:rPr sz="1000" b="0">
+              <a:rPr sz="800" b="0">
                 <a:solidFill>
                   <a:srgbClr val="666666"/>
                 </a:solidFill>
                 <a:latin typeface="Arial"/>
               </a:rPr>
-              <a:t>  —  Real-time notifications</a:t>
+              <a:t> — Real-time notifications</a:t>
             </a:r>
           </a:p>
         </p:txBody>
@@ -8317,8 +8317,8 @@
         </p:nvSpPr>
         <p:spPr>
           <a:xfrm>
-            <a:off x="731520" y="6263640"/>
-            <a:ext cx="2926080" cy="365760"/>
+            <a:off x="6492240" y="2843784"/>
+            <a:ext cx="2377440" cy="292608"/>
           </a:xfrm>
           <a:prstGeom prst="roundRect">
             <a:avLst/>
@@ -8350,7 +8350,7 @@
           <a:p>
             <a:pPr algn="ctr"/>
             <a:r>
-              <a:rPr sz="1100" b="1">
+              <a:rPr sz="900" b="1">
                 <a:solidFill>
                   <a:srgbClr val="FFFFFF"/>
                 </a:solidFill>
@@ -8369,8 +8369,8 @@
         </p:nvSpPr>
         <p:spPr>
           <a:xfrm>
-            <a:off x="3931920" y="6263640"/>
-            <a:ext cx="7772400" cy="347472"/>
+            <a:off x="9052560" y="2843784"/>
+            <a:ext cx="3200400" cy="274320"/>
           </a:xfrm>
           <a:prstGeom prst="rect">
             <a:avLst/>
@@ -8384,7 +8384,7 @@
           <a:lstStyle/>
           <a:p>
             <a:r>
-              <a:rPr sz="1100" b="1">
+              <a:rPr sz="900" b="1">
                 <a:solidFill>
                   <a:srgbClr val="0D3D5C"/>
                 </a:solidFill>
@@ -8393,13 +8393,13 @@
               <a:t>UFW / iptables / nftables / PF</a:t>
             </a:r>
             <a:r>
-              <a:rPr sz="1000" b="0">
+              <a:rPr sz="800" b="0">
                 <a:solidFill>
                   <a:srgbClr val="666666"/>
                 </a:solidFill>
                 <a:latin typeface="Arial"/>
               </a:rPr>
-              <a:t>  —  Cross-platform firewall management</a:t>
+              <a:t> — Cross-platform firewall mgmt</a:t>
             </a:r>
           </a:p>
         </p:txBody>
@@ -8412,8 +8412,8 @@
         </p:nvSpPr>
         <p:spPr>
           <a:xfrm>
-            <a:off x="731520" y="5943600"/>
-            <a:ext cx="10515600" cy="365760"/>
+            <a:off x="731520" y="6035040"/>
+            <a:ext cx="10515600" cy="320040"/>
           </a:xfrm>
           <a:prstGeom prst="rect">
             <a:avLst/>
@@ -8427,7 +8427,7 @@
           <a:lstStyle/>
           <a:p>
             <a:r>
-              <a:rPr sz="1200" b="1">
+              <a:rPr sz="1100" b="1">
                 <a:solidFill>
                   <a:srgbClr val="1A2332"/>
                 </a:solidFill>
@@ -8536,7 +8536,7 @@
                 </a:solidFill>
                 <a:latin typeface="Arial"/>
               </a:rPr>
-              <a:t>Why Security Matters for Systems Management</a:t>
+              <a:t>Why Security Matters</a:t>
             </a:r>
           </a:p>
         </p:txBody>
@@ -13299,7 +13299,7 @@
           <a:p>
             <a:pPr algn="ctr"/>
             <a:r>
-              <a:rPr sz="1100" b="1">
+              <a:rPr sz="900" b="1">
                 <a:solidFill>
                   <a:srgbClr val="FFFFFF"/>
                 </a:solidFill>
@@ -13401,7 +13401,7 @@
           <a:p>
             <a:pPr algn="ctr"/>
             <a:r>
-              <a:rPr sz="1100" b="1">
+              <a:rPr sz="900" b="1">
                 <a:solidFill>
                   <a:srgbClr val="FFFFFF"/>
                 </a:solidFill>
@@ -13503,7 +13503,7 @@
           <a:p>
             <a:pPr algn="ctr"/>
             <a:r>
-              <a:rPr sz="1100" b="1">
+              <a:rPr sz="900" b="1">
                 <a:solidFill>
                   <a:srgbClr val="FFFFFF"/>
                 </a:solidFill>
@@ -13605,7 +13605,7 @@
           <a:p>
             <a:pPr algn="ctr"/>
             <a:r>
-              <a:rPr sz="1100" b="1">
+              <a:rPr sz="900" b="1">
                 <a:solidFill>
                   <a:srgbClr val="FFFFFF"/>
                 </a:solidFill>
@@ -13707,7 +13707,7 @@
           <a:p>
             <a:pPr algn="ctr"/>
             <a:r>
-              <a:rPr sz="1100" b="1">
+              <a:rPr sz="900" b="1">
                 <a:solidFill>
                   <a:srgbClr val="FFFFFF"/>
                 </a:solidFill>
@@ -13809,7 +13809,7 @@
           <a:p>
             <a:pPr algn="ctr"/>
             <a:r>
-              <a:rPr sz="1100" b="1">
+              <a:rPr sz="900" b="1">
                 <a:solidFill>
                   <a:srgbClr val="FFFFFF"/>
                 </a:solidFill>
@@ -14542,8 +14542,595 @@
         </p:nvSpPr>
         <p:spPr>
           <a:xfrm>
-            <a:off x="548640" y="1554480"/>
-            <a:ext cx="1691640" cy="1828800"/>
+            <a:off x="365760" y="1143000"/>
+            <a:ext cx="1463040" cy="1005840"/>
+          </a:xfrm>
+          <a:prstGeom prst="roundRect">
+            <a:avLst/>
+          </a:prstGeom>
+          <a:solidFill>
+            <a:srgbClr val="666666"/>
+          </a:solidFill>
+          <a:ln>
+            <a:noFill/>
+          </a:ln>
+        </p:spPr>
+        <p:style>
+          <a:lnRef idx="1">
+            <a:schemeClr val="accent1"/>
+          </a:lnRef>
+          <a:fillRef idx="3">
+            <a:schemeClr val="accent1"/>
+          </a:fillRef>
+          <a:effectRef idx="2">
+            <a:schemeClr val="accent1"/>
+          </a:effectRef>
+          <a:fontRef idx="minor">
+            <a:schemeClr val="lt1"/>
+          </a:fontRef>
+        </p:style>
+        <p:txBody>
+          <a:bodyPr rtlCol="0" anchor="ctr" wrap="square"/>
+          <a:lstStyle/>
+          <a:p>
+            <a:pPr algn="ctr">
+              <a:spcBef>
+                <a:spcPts val="200"/>
+              </a:spcBef>
+              <a:spcAft>
+                <a:spcPts val="200"/>
+              </a:spcAft>
+            </a:pPr>
+            <a:r>
+              <a:rPr sz="800" b="0">
+                <a:solidFill>
+                  <a:srgbClr val="FFFFFF"/>
+                </a:solidFill>
+                <a:latin typeface="Arial"/>
+              </a:rPr>
+              <a:t>v0.9.0</a:t>
+            </a:r>
+          </a:p>
+          <a:p>
+            <a:pPr algn="ctr">
+              <a:spcBef>
+                <a:spcPts val="200"/>
+              </a:spcBef>
+              <a:spcAft>
+                <a:spcPts val="200"/>
+              </a:spcAft>
+            </a:pPr>
+            <a:r>
+              <a:rPr sz="800" b="0">
+                <a:solidFill>
+                  <a:srgbClr val="FFFFFF"/>
+                </a:solidFill>
+                <a:latin typeface="Arial"/>
+              </a:rPr>
+              <a:t>Foundation
++ Core Platform</a:t>
+            </a:r>
+          </a:p>
+        </p:txBody>
+      </p:sp>
+      <p:sp>
+        <p:nvSpPr>
+          <p:cNvPr id="7" name="Rounded Rectangle 6"/>
+          <p:cNvSpPr/>
+          <p:nvPr/>
+        </p:nvSpPr>
+        <p:spPr>
+          <a:xfrm>
+            <a:off x="2011680" y="1143000"/>
+            <a:ext cx="1463040" cy="1005840"/>
+          </a:xfrm>
+          <a:prstGeom prst="roundRect">
+            <a:avLst/>
+          </a:prstGeom>
+          <a:solidFill>
+            <a:srgbClr val="666666"/>
+          </a:solidFill>
+          <a:ln>
+            <a:noFill/>
+          </a:ln>
+        </p:spPr>
+        <p:style>
+          <a:lnRef idx="1">
+            <a:schemeClr val="accent1"/>
+          </a:lnRef>
+          <a:fillRef idx="3">
+            <a:schemeClr val="accent1"/>
+          </a:fillRef>
+          <a:effectRef idx="2">
+            <a:schemeClr val="accent1"/>
+          </a:effectRef>
+          <a:fontRef idx="minor">
+            <a:schemeClr val="lt1"/>
+          </a:fontRef>
+        </p:style>
+        <p:txBody>
+          <a:bodyPr rtlCol="0" anchor="ctr" wrap="square"/>
+          <a:lstStyle/>
+          <a:p>
+            <a:pPr algn="ctr">
+              <a:spcBef>
+                <a:spcPts val="200"/>
+              </a:spcBef>
+              <a:spcAft>
+                <a:spcPts val="200"/>
+              </a:spcAft>
+            </a:pPr>
+            <a:r>
+              <a:rPr sz="800" b="0">
+                <a:solidFill>
+                  <a:srgbClr val="FFFFFF"/>
+                </a:solidFill>
+                <a:latin typeface="Arial"/>
+              </a:rPr>
+              <a:t>v0.9.1</a:t>
+            </a:r>
+          </a:p>
+          <a:p>
+            <a:pPr algn="ctr">
+              <a:spcBef>
+                <a:spcPts val="200"/>
+              </a:spcBef>
+              <a:spcAft>
+                <a:spcPts val="200"/>
+              </a:spcAft>
+            </a:pPr>
+            <a:r>
+              <a:rPr sz="800" b="0">
+                <a:solidFill>
+                  <a:srgbClr val="FFFFFF"/>
+                </a:solidFill>
+                <a:latin typeface="Arial"/>
+              </a:rPr>
+              <a:t>CI/CD
+&amp; Quality</a:t>
+            </a:r>
+          </a:p>
+        </p:txBody>
+      </p:sp>
+      <p:sp>
+        <p:nvSpPr>
+          <p:cNvPr id="8" name="Rounded Rectangle 7"/>
+          <p:cNvSpPr/>
+          <p:nvPr/>
+        </p:nvSpPr>
+        <p:spPr>
+          <a:xfrm>
+            <a:off x="3657600" y="1143000"/>
+            <a:ext cx="1463040" cy="1005840"/>
+          </a:xfrm>
+          <a:prstGeom prst="roundRect">
+            <a:avLst/>
+          </a:prstGeom>
+          <a:solidFill>
+            <a:srgbClr val="666666"/>
+          </a:solidFill>
+          <a:ln>
+            <a:noFill/>
+          </a:ln>
+        </p:spPr>
+        <p:style>
+          <a:lnRef idx="1">
+            <a:schemeClr val="accent1"/>
+          </a:lnRef>
+          <a:fillRef idx="3">
+            <a:schemeClr val="accent1"/>
+          </a:fillRef>
+          <a:effectRef idx="2">
+            <a:schemeClr val="accent1"/>
+          </a:effectRef>
+          <a:fontRef idx="minor">
+            <a:schemeClr val="lt1"/>
+          </a:fontRef>
+        </p:style>
+        <p:txBody>
+          <a:bodyPr rtlCol="0" anchor="ctr" wrap="square"/>
+          <a:lstStyle/>
+          <a:p>
+            <a:pPr algn="ctr">
+              <a:spcBef>
+                <a:spcPts val="200"/>
+              </a:spcBef>
+              <a:spcAft>
+                <a:spcPts val="200"/>
+              </a:spcAft>
+            </a:pPr>
+            <a:r>
+              <a:rPr sz="800" b="0">
+                <a:solidFill>
+                  <a:srgbClr val="FFFFFF"/>
+                </a:solidFill>
+                <a:latin typeface="Arial"/>
+              </a:rPr>
+              <a:t>v0.9.2</a:t>
+            </a:r>
+          </a:p>
+          <a:p>
+            <a:pPr algn="ctr">
+              <a:spcBef>
+                <a:spcPts val="200"/>
+              </a:spcBef>
+              <a:spcAft>
+                <a:spcPts val="200"/>
+              </a:spcAft>
+            </a:pPr>
+            <a:r>
+              <a:rPr sz="800" b="0">
+                <a:solidFill>
+                  <a:srgbClr val="FFFFFF"/>
+                </a:solidFill>
+                <a:latin typeface="Arial"/>
+              </a:rPr>
+              <a:t>Mgmt
+Features</a:t>
+            </a:r>
+          </a:p>
+        </p:txBody>
+      </p:sp>
+      <p:sp>
+        <p:nvSpPr>
+          <p:cNvPr id="9" name="Rounded Rectangle 8"/>
+          <p:cNvSpPr/>
+          <p:nvPr/>
+        </p:nvSpPr>
+        <p:spPr>
+          <a:xfrm>
+            <a:off x="5303520" y="1143000"/>
+            <a:ext cx="1463040" cy="1005840"/>
+          </a:xfrm>
+          <a:prstGeom prst="roundRect">
+            <a:avLst/>
+          </a:prstGeom>
+          <a:solidFill>
+            <a:srgbClr val="666666"/>
+          </a:solidFill>
+          <a:ln>
+            <a:noFill/>
+          </a:ln>
+        </p:spPr>
+        <p:style>
+          <a:lnRef idx="1">
+            <a:schemeClr val="accent1"/>
+          </a:lnRef>
+          <a:fillRef idx="3">
+            <a:schemeClr val="accent1"/>
+          </a:fillRef>
+          <a:effectRef idx="2">
+            <a:schemeClr val="accent1"/>
+          </a:effectRef>
+          <a:fontRef idx="minor">
+            <a:schemeClr val="lt1"/>
+          </a:fontRef>
+        </p:style>
+        <p:txBody>
+          <a:bodyPr rtlCol="0" anchor="ctr" wrap="square"/>
+          <a:lstStyle/>
+          <a:p>
+            <a:pPr algn="ctr">
+              <a:spcBef>
+                <a:spcPts val="200"/>
+              </a:spcBef>
+              <a:spcAft>
+                <a:spcPts val="200"/>
+              </a:spcAft>
+            </a:pPr>
+            <a:r>
+              <a:rPr sz="800" b="0">
+                <a:solidFill>
+                  <a:srgbClr val="FFFFFF"/>
+                </a:solidFill>
+                <a:latin typeface="Arial"/>
+              </a:rPr>
+              <a:t>v1.0.0</a:t>
+            </a:r>
+          </a:p>
+          <a:p>
+            <a:pPr algn="ctr">
+              <a:spcBef>
+                <a:spcPts val="200"/>
+              </a:spcBef>
+              <a:spcAft>
+                <a:spcPts val="200"/>
+              </a:spcAft>
+            </a:pPr>
+            <a:r>
+              <a:rPr sz="800" b="0">
+                <a:solidFill>
+                  <a:srgbClr val="FFFFFF"/>
+                </a:solidFill>
+                <a:latin typeface="Arial"/>
+              </a:rPr>
+              <a:t>Child Host
+Foundation</a:t>
+            </a:r>
+          </a:p>
+        </p:txBody>
+      </p:sp>
+      <p:sp>
+        <p:nvSpPr>
+          <p:cNvPr id="10" name="Rounded Rectangle 9"/>
+          <p:cNvSpPr/>
+          <p:nvPr/>
+        </p:nvSpPr>
+        <p:spPr>
+          <a:xfrm>
+            <a:off x="6949440" y="1143000"/>
+            <a:ext cx="1463040" cy="1005840"/>
+          </a:xfrm>
+          <a:prstGeom prst="roundRect">
+            <a:avLst/>
+          </a:prstGeom>
+          <a:solidFill>
+            <a:srgbClr val="666666"/>
+          </a:solidFill>
+          <a:ln>
+            <a:noFill/>
+          </a:ln>
+        </p:spPr>
+        <p:style>
+          <a:lnRef idx="1">
+            <a:schemeClr val="accent1"/>
+          </a:lnRef>
+          <a:fillRef idx="3">
+            <a:schemeClr val="accent1"/>
+          </a:fillRef>
+          <a:effectRef idx="2">
+            <a:schemeClr val="accent1"/>
+          </a:effectRef>
+          <a:fontRef idx="minor">
+            <a:schemeClr val="lt1"/>
+          </a:fontRef>
+        </p:style>
+        <p:txBody>
+          <a:bodyPr rtlCol="0" anchor="ctr" wrap="square"/>
+          <a:lstStyle/>
+          <a:p>
+            <a:pPr algn="ctr">
+              <a:spcBef>
+                <a:spcPts val="200"/>
+              </a:spcBef>
+              <a:spcAft>
+                <a:spcPts val="200"/>
+              </a:spcAft>
+            </a:pPr>
+            <a:r>
+              <a:rPr sz="800" b="0">
+                <a:solidFill>
+                  <a:srgbClr val="FFFFFF"/>
+                </a:solidFill>
+                <a:latin typeface="Arial"/>
+              </a:rPr>
+              <a:t>v1.0.1</a:t>
+            </a:r>
+          </a:p>
+          <a:p>
+            <a:pPr algn="ctr">
+              <a:spcBef>
+                <a:spcPts val="200"/>
+              </a:spcBef>
+              <a:spcAft>
+                <a:spcPts val="200"/>
+              </a:spcAft>
+            </a:pPr>
+            <a:r>
+              <a:rPr sz="800" b="0">
+                <a:solidFill>
+                  <a:srgbClr val="FFFFFF"/>
+                </a:solidFill>
+                <a:latin typeface="Arial"/>
+              </a:rPr>
+              <a:t>Virtualization
+Expansion</a:t>
+            </a:r>
+          </a:p>
+        </p:txBody>
+      </p:sp>
+      <p:sp>
+        <p:nvSpPr>
+          <p:cNvPr id="11" name="Rounded Rectangle 10"/>
+          <p:cNvSpPr/>
+          <p:nvPr/>
+        </p:nvSpPr>
+        <p:spPr>
+          <a:xfrm>
+            <a:off x="8595360" y="1143000"/>
+            <a:ext cx="1463040" cy="1005840"/>
+          </a:xfrm>
+          <a:prstGeom prst="roundRect">
+            <a:avLst/>
+          </a:prstGeom>
+          <a:solidFill>
+            <a:srgbClr val="666666"/>
+          </a:solidFill>
+          <a:ln>
+            <a:noFill/>
+          </a:ln>
+        </p:spPr>
+        <p:style>
+          <a:lnRef idx="1">
+            <a:schemeClr val="accent1"/>
+          </a:lnRef>
+          <a:fillRef idx="3">
+            <a:schemeClr val="accent1"/>
+          </a:fillRef>
+          <a:effectRef idx="2">
+            <a:schemeClr val="accent1"/>
+          </a:effectRef>
+          <a:fontRef idx="minor">
+            <a:schemeClr val="lt1"/>
+          </a:fontRef>
+        </p:style>
+        <p:txBody>
+          <a:bodyPr rtlCol="0" anchor="ctr" wrap="square"/>
+          <a:lstStyle/>
+          <a:p>
+            <a:pPr algn="ctr">
+              <a:spcBef>
+                <a:spcPts val="200"/>
+              </a:spcBef>
+              <a:spcAft>
+                <a:spcPts val="200"/>
+              </a:spcAft>
+            </a:pPr>
+            <a:r>
+              <a:rPr sz="800" b="0">
+                <a:solidFill>
+                  <a:srgbClr val="FFFFFF"/>
+                </a:solidFill>
+                <a:latin typeface="Arial"/>
+              </a:rPr>
+              <a:t>v1.0.2</a:t>
+            </a:r>
+          </a:p>
+          <a:p>
+            <a:pPr algn="ctr">
+              <a:spcBef>
+                <a:spcPts val="200"/>
+              </a:spcBef>
+              <a:spcAft>
+                <a:spcPts val="200"/>
+              </a:spcAft>
+            </a:pPr>
+            <a:r>
+              <a:rPr sz="800" b="0">
+                <a:solidFill>
+                  <a:srgbClr val="FFFFFF"/>
+                </a:solidFill>
+                <a:latin typeface="Arial"/>
+              </a:rPr>
+              <a:t>Platform
+Maturity</a:t>
+            </a:r>
+          </a:p>
+        </p:txBody>
+      </p:sp>
+      <p:sp>
+        <p:nvSpPr>
+          <p:cNvPr id="12" name="Rounded Rectangle 11"/>
+          <p:cNvSpPr/>
+          <p:nvPr/>
+        </p:nvSpPr>
+        <p:spPr>
+          <a:xfrm>
+            <a:off x="10241280" y="1143000"/>
+            <a:ext cx="1463040" cy="1005840"/>
+          </a:xfrm>
+          <a:prstGeom prst="roundRect">
+            <a:avLst/>
+          </a:prstGeom>
+          <a:solidFill>
+            <a:srgbClr val="666666"/>
+          </a:solidFill>
+          <a:ln>
+            <a:noFill/>
+          </a:ln>
+        </p:spPr>
+        <p:style>
+          <a:lnRef idx="1">
+            <a:schemeClr val="accent1"/>
+          </a:lnRef>
+          <a:fillRef idx="3">
+            <a:schemeClr val="accent1"/>
+          </a:fillRef>
+          <a:effectRef idx="2">
+            <a:schemeClr val="accent1"/>
+          </a:effectRef>
+          <a:fontRef idx="minor">
+            <a:schemeClr val="lt1"/>
+          </a:fontRef>
+        </p:style>
+        <p:txBody>
+          <a:bodyPr rtlCol="0" anchor="ctr" wrap="square"/>
+          <a:lstStyle/>
+          <a:p>
+            <a:pPr algn="ctr">
+              <a:spcBef>
+                <a:spcPts val="200"/>
+              </a:spcBef>
+              <a:spcAft>
+                <a:spcPts val="200"/>
+              </a:spcAft>
+            </a:pPr>
+            <a:r>
+              <a:rPr sz="800" b="0">
+                <a:solidFill>
+                  <a:srgbClr val="FFFFFF"/>
+                </a:solidFill>
+                <a:latin typeface="Arial"/>
+              </a:rPr>
+              <a:t>v1.1.0</a:t>
+            </a:r>
+          </a:p>
+          <a:p>
+            <a:pPr algn="ctr">
+              <a:spcBef>
+                <a:spcPts val="200"/>
+              </a:spcBef>
+              <a:spcAft>
+                <a:spcPts val="200"/>
+              </a:spcAft>
+            </a:pPr>
+            <a:r>
+              <a:rPr sz="800" b="0">
+                <a:solidFill>
+                  <a:srgbClr val="FFFFFF"/>
+                </a:solidFill>
+                <a:latin typeface="Arial"/>
+              </a:rPr>
+              <a:t>Pro+
+Launch</a:t>
+            </a:r>
+          </a:p>
+        </p:txBody>
+      </p:sp>
+      <p:sp>
+        <p:nvSpPr>
+          <p:cNvPr id="13" name="TextBox 12"/>
+          <p:cNvSpPr txBox="1"/>
+          <p:nvPr/>
+        </p:nvSpPr>
+        <p:spPr>
+          <a:xfrm>
+            <a:off x="365760" y="960120"/>
+            <a:ext cx="2743200" cy="182880"/>
+          </a:xfrm>
+          <a:prstGeom prst="rect">
+            <a:avLst/>
+          </a:prstGeom>
+          <a:noFill/>
+        </p:spPr>
+        <p:txBody>
+          <a:bodyPr wrap="none">
+            <a:spAutoFit/>
+          </a:bodyPr>
+          <a:lstStyle/>
+          <a:p>
+            <a:r>
+              <a:rPr sz="800" b="1">
+                <a:solidFill>
+                  <a:srgbClr val="666666"/>
+                </a:solidFill>
+                <a:latin typeface="Arial"/>
+              </a:rPr>
+              <a:t>Shipped</a:t>
+            </a:r>
+          </a:p>
+        </p:txBody>
+      </p:sp>
+      <p:sp>
+        <p:nvSpPr>
+          <p:cNvPr id="14" name="Rounded Rectangle 13"/>
+          <p:cNvSpPr/>
+          <p:nvPr/>
+        </p:nvSpPr>
+        <p:spPr>
+          <a:xfrm>
+            <a:off x="365760" y="2468880"/>
+            <a:ext cx="1719072" cy="1508760"/>
           </a:xfrm>
           <a:prstGeom prst="roundRect">
             <a:avLst/>
@@ -14582,7 +15169,7 @@
               </a:spcAft>
             </a:pPr>
             <a:r>
-              <a:rPr sz="1100" b="0">
+              <a:rPr sz="900" b="0">
                 <a:solidFill>
                   <a:srgbClr val="FFFFFF"/>
                 </a:solidFill>
@@ -14601,7 +15188,26 @@
               </a:spcAft>
             </a:pPr>
             <a:r>
-              <a:rPr sz="1100" b="0">
+              <a:rPr sz="900" b="0">
+                <a:solidFill>
+                  <a:srgbClr val="FFFFFF"/>
+                </a:solidFill>
+                <a:latin typeface="Arial"/>
+              </a:rPr>
+              <a:t>v1.2.0.0</a:t>
+            </a:r>
+          </a:p>
+          <a:p>
+            <a:pPr algn="ctr">
+              <a:spcBef>
+                <a:spcPts val="200"/>
+              </a:spcBef>
+              <a:spcAft>
+                <a:spcPts val="200"/>
+              </a:spcAft>
+            </a:pPr>
+            <a:r>
+              <a:rPr sz="900" b="0">
                 <a:solidFill>
                   <a:srgbClr val="FFFFFF"/>
                 </a:solidFill>
@@ -14620,7 +15226,7 @@
               </a:spcAft>
             </a:pPr>
             <a:r>
-              <a:rPr sz="1100" b="0">
+              <a:rPr sz="900" b="0">
                 <a:solidFill>
                   <a:srgbClr val="FFFFFF"/>
                 </a:solidFill>
@@ -14639,26 +15245,7 @@
               </a:spcAft>
             </a:pPr>
             <a:r>
-              <a:rPr sz="1100" b="0">
-                <a:solidFill>
-                  <a:srgbClr val="FFFFFF"/>
-                </a:solidFill>
-                <a:latin typeface="Arial"/>
-              </a:rPr>
-              <a:t/>
-            </a:r>
-          </a:p>
-          <a:p>
-            <a:pPr algn="ctr">
-              <a:spcBef>
-                <a:spcPts val="200"/>
-              </a:spcBef>
-              <a:spcAft>
-                <a:spcPts val="200"/>
-              </a:spcAft>
-            </a:pPr>
-            <a:r>
-              <a:rPr sz="1100" b="0">
+              <a:rPr sz="900" b="0">
                 <a:solidFill>
                   <a:srgbClr val="FFFFFF"/>
                 </a:solidFill>
@@ -14671,14 +15258,14 @@
       </p:sp>
       <p:sp>
         <p:nvSpPr>
-          <p:cNvPr id="7" name="Rounded Rectangle 6"/>
+          <p:cNvPr id="15" name="Rounded Rectangle 14"/>
           <p:cNvSpPr/>
           <p:nvPr/>
         </p:nvSpPr>
         <p:spPr>
           <a:xfrm>
-            <a:off x="2423160" y="1554480"/>
-            <a:ext cx="1691640" cy="1828800"/>
+            <a:off x="2267712" y="2468880"/>
+            <a:ext cx="1719072" cy="1508760"/>
           </a:xfrm>
           <a:prstGeom prst="roundRect">
             <a:avLst/>
@@ -14717,7 +15304,7 @@
               </a:spcAft>
             </a:pPr>
             <a:r>
-              <a:rPr sz="1100" b="0">
+              <a:rPr sz="900" b="0">
                 <a:solidFill>
                   <a:srgbClr val="FFFFFF"/>
                 </a:solidFill>
@@ -14736,7 +15323,26 @@
               </a:spcAft>
             </a:pPr>
             <a:r>
-              <a:rPr sz="1100" b="0">
+              <a:rPr sz="900" b="0">
+                <a:solidFill>
+                  <a:srgbClr val="FFFFFF"/>
+                </a:solidFill>
+                <a:latin typeface="Arial"/>
+              </a:rPr>
+              <a:t>v1.3.0.0</a:t>
+            </a:r>
+          </a:p>
+          <a:p>
+            <a:pPr algn="ctr">
+              <a:spcBef>
+                <a:spcPts val="200"/>
+              </a:spcBef>
+              <a:spcAft>
+                <a:spcPts val="200"/>
+              </a:spcAft>
+            </a:pPr>
+            <a:r>
+              <a:rPr sz="900" b="0">
                 <a:solidFill>
                   <a:srgbClr val="FFFFFF"/>
                 </a:solidFill>
@@ -14755,13 +15361,13 @@
               </a:spcAft>
             </a:pPr>
             <a:r>
-              <a:rPr sz="1100" b="0">
-                <a:solidFill>
-                  <a:srgbClr val="FFFFFF"/>
-                </a:solidFill>
-                <a:latin typeface="Arial"/>
-              </a:rPr>
-              <a:t>Phase 2 Features</a:t>
+              <a:rPr sz="900" b="0">
+                <a:solidFill>
+                  <a:srgbClr val="FFFFFF"/>
+                </a:solidFill>
+                <a:latin typeface="Arial"/>
+              </a:rPr>
+              <a:t>Pro+ Prof.</a:t>
             </a:r>
           </a:p>
           <a:p>
@@ -14774,26 +15380,7 @@
               </a:spcAft>
             </a:pPr>
             <a:r>
-              <a:rPr sz="1100" b="0">
-                <a:solidFill>
-                  <a:srgbClr val="FFFFFF"/>
-                </a:solidFill>
-                <a:latin typeface="Arial"/>
-              </a:rPr>
-              <a:t/>
-            </a:r>
-          </a:p>
-          <a:p>
-            <a:pPr algn="ctr">
-              <a:spcBef>
-                <a:spcPts val="200"/>
-              </a:spcBef>
-              <a:spcAft>
-                <a:spcPts val="200"/>
-              </a:spcAft>
-            </a:pPr>
-            <a:r>
-              <a:rPr sz="1100" b="0">
+              <a:rPr sz="900" b="0">
                 <a:solidFill>
                   <a:srgbClr val="FFFFFF"/>
                 </a:solidFill>
@@ -14806,14 +15393,14 @@
       </p:sp>
       <p:sp>
         <p:nvSpPr>
-          <p:cNvPr id="8" name="Rounded Rectangle 7"/>
+          <p:cNvPr id="16" name="Rounded Rectangle 15"/>
           <p:cNvSpPr/>
           <p:nvPr/>
         </p:nvSpPr>
         <p:spPr>
           <a:xfrm>
-            <a:off x="4297679" y="1554480"/>
-            <a:ext cx="1691640" cy="1828800"/>
+            <a:off x="4169664" y="2468880"/>
+            <a:ext cx="1719072" cy="1508760"/>
           </a:xfrm>
           <a:prstGeom prst="roundRect">
             <a:avLst/>
@@ -14852,7 +15439,7 @@
               </a:spcAft>
             </a:pPr>
             <a:r>
-              <a:rPr sz="1100" b="0">
+              <a:rPr sz="900" b="0">
                 <a:solidFill>
                   <a:srgbClr val="FFFFFF"/>
                 </a:solidFill>
@@ -14871,7 +15458,26 @@
               </a:spcAft>
             </a:pPr>
             <a:r>
-              <a:rPr sz="1100" b="0">
+              <a:rPr sz="900" b="0">
+                <a:solidFill>
+                  <a:srgbClr val="FFFFFF"/>
+                </a:solidFill>
+                <a:latin typeface="Arial"/>
+              </a:rPr>
+              <a:t>v1.4.0.0</a:t>
+            </a:r>
+          </a:p>
+          <a:p>
+            <a:pPr algn="ctr">
+              <a:spcBef>
+                <a:spcPts val="200"/>
+              </a:spcBef>
+              <a:spcAft>
+                <a:spcPts val="200"/>
+              </a:spcAft>
+            </a:pPr>
+            <a:r>
+              <a:rPr sz="900" b="0">
                 <a:solidFill>
                   <a:srgbClr val="FFFFFF"/>
                 </a:solidFill>
@@ -14890,7 +15496,7 @@
               </a:spcAft>
             </a:pPr>
             <a:r>
-              <a:rPr sz="1100" b="0">
+              <a:rPr sz="900" b="0">
                 <a:solidFill>
                   <a:srgbClr val="FFFFFF"/>
                 </a:solidFill>
@@ -14909,26 +15515,7 @@
               </a:spcAft>
             </a:pPr>
             <a:r>
-              <a:rPr sz="1100" b="0">
-                <a:solidFill>
-                  <a:srgbClr val="FFFFFF"/>
-                </a:solidFill>
-                <a:latin typeface="Arial"/>
-              </a:rPr>
-              <a:t/>
-            </a:r>
-          </a:p>
-          <a:p>
-            <a:pPr algn="ctr">
-              <a:spcBef>
-                <a:spcPts val="200"/>
-              </a:spcBef>
-              <a:spcAft>
-                <a:spcPts val="200"/>
-              </a:spcAft>
-            </a:pPr>
-            <a:r>
-              <a:rPr sz="1100" b="0">
+              <a:rPr sz="900" b="0">
                 <a:solidFill>
                   <a:srgbClr val="FFFFFF"/>
                 </a:solidFill>
@@ -14941,14 +15528,14 @@
       </p:sp>
       <p:sp>
         <p:nvSpPr>
-          <p:cNvPr id="9" name="Rounded Rectangle 8"/>
+          <p:cNvPr id="17" name="Rounded Rectangle 16"/>
           <p:cNvSpPr/>
           <p:nvPr/>
         </p:nvSpPr>
         <p:spPr>
           <a:xfrm>
-            <a:off x="6172199" y="1554480"/>
-            <a:ext cx="1691640" cy="1828800"/>
+            <a:off x="6071616" y="2468880"/>
+            <a:ext cx="1719072" cy="1508760"/>
           </a:xfrm>
           <a:prstGeom prst="roundRect">
             <a:avLst/>
@@ -14987,7 +15574,7 @@
               </a:spcAft>
             </a:pPr>
             <a:r>
-              <a:rPr sz="1100" b="0">
+              <a:rPr sz="900" b="0">
                 <a:solidFill>
                   <a:srgbClr val="FFFFFF"/>
                 </a:solidFill>
@@ -15006,7 +15593,26 @@
               </a:spcAft>
             </a:pPr>
             <a:r>
-              <a:rPr sz="1100" b="0">
+              <a:rPr sz="900" b="0">
+                <a:solidFill>
+                  <a:srgbClr val="FFFFFF"/>
+                </a:solidFill>
+                <a:latin typeface="Arial"/>
+              </a:rPr>
+              <a:t>v1.5.0.0</a:t>
+            </a:r>
+          </a:p>
+          <a:p>
+            <a:pPr algn="ctr">
+              <a:spcBef>
+                <a:spcPts val="200"/>
+              </a:spcBef>
+              <a:spcAft>
+                <a:spcPts val="200"/>
+              </a:spcAft>
+            </a:pPr>
+            <a:r>
+              <a:rPr sz="900" b="0">
                 <a:solidFill>
                   <a:srgbClr val="FFFFFF"/>
                 </a:solidFill>
@@ -15025,7 +15631,7 @@
               </a:spcAft>
             </a:pPr>
             <a:r>
-              <a:rPr sz="1100" b="0">
+              <a:rPr sz="900" b="0">
                 <a:solidFill>
                   <a:srgbClr val="FFFFFF"/>
                 </a:solidFill>
@@ -15044,26 +15650,7 @@
               </a:spcAft>
             </a:pPr>
             <a:r>
-              <a:rPr sz="1100" b="0">
-                <a:solidFill>
-                  <a:srgbClr val="FFFFFF"/>
-                </a:solidFill>
-                <a:latin typeface="Arial"/>
-              </a:rPr>
-              <a:t/>
-            </a:r>
-          </a:p>
-          <a:p>
-            <a:pPr algn="ctr">
-              <a:spcBef>
-                <a:spcPts val="200"/>
-              </a:spcBef>
-              <a:spcAft>
-                <a:spcPts val="200"/>
-              </a:spcAft>
-            </a:pPr>
-            <a:r>
-              <a:rPr sz="1100" b="0">
+              <a:rPr sz="900" b="0">
                 <a:solidFill>
                   <a:srgbClr val="FFFFFF"/>
                 </a:solidFill>
@@ -15076,14 +15663,14 @@
       </p:sp>
       <p:sp>
         <p:nvSpPr>
-          <p:cNvPr id="10" name="Rounded Rectangle 9"/>
+          <p:cNvPr id="18" name="Rounded Rectangle 17"/>
           <p:cNvSpPr/>
           <p:nvPr/>
         </p:nvSpPr>
         <p:spPr>
           <a:xfrm>
-            <a:off x="8046719" y="1554480"/>
-            <a:ext cx="1691640" cy="1828800"/>
+            <a:off x="7973568" y="2468880"/>
+            <a:ext cx="1719072" cy="1508760"/>
           </a:xfrm>
           <a:prstGeom prst="roundRect">
             <a:avLst/>
@@ -15122,7 +15709,7 @@
               </a:spcAft>
             </a:pPr>
             <a:r>
-              <a:rPr sz="1100" b="0">
+              <a:rPr sz="900" b="0">
                 <a:solidFill>
                   <a:srgbClr val="FFFFFF"/>
                 </a:solidFill>
@@ -15141,7 +15728,26 @@
               </a:spcAft>
             </a:pPr>
             <a:r>
-              <a:rPr sz="1100" b="0">
+              <a:rPr sz="900" b="0">
+                <a:solidFill>
+                  <a:srgbClr val="FFFFFF"/>
+                </a:solidFill>
+                <a:latin typeface="Arial"/>
+              </a:rPr>
+              <a:t>v1.6.0.0</a:t>
+            </a:r>
+          </a:p>
+          <a:p>
+            <a:pPr algn="ctr">
+              <a:spcBef>
+                <a:spcPts val="200"/>
+              </a:spcBef>
+              <a:spcAft>
+                <a:spcPts val="200"/>
+              </a:spcAft>
+            </a:pPr>
+            <a:r>
+              <a:rPr sz="900" b="0">
                 <a:solidFill>
                   <a:srgbClr val="FFFFFF"/>
                 </a:solidFill>
@@ -15160,13 +15766,13 @@
               </a:spcAft>
             </a:pPr>
             <a:r>
-              <a:rPr sz="1100" b="0">
-                <a:solidFill>
-                  <a:srgbClr val="FFFFFF"/>
-                </a:solidFill>
-                <a:latin typeface="Arial"/>
-              </a:rPr>
-              <a:t>Automation + Fleet</a:t>
+              <a:rPr sz="900" b="0">
+                <a:solidFill>
+                  <a:srgbClr val="FFFFFF"/>
+                </a:solidFill>
+                <a:latin typeface="Arial"/>
+              </a:rPr>
+              <a:t>Auto + Fleet</a:t>
             </a:r>
           </a:p>
           <a:p>
@@ -15179,26 +15785,7 @@
               </a:spcAft>
             </a:pPr>
             <a:r>
-              <a:rPr sz="1100" b="0">
-                <a:solidFill>
-                  <a:srgbClr val="FFFFFF"/>
-                </a:solidFill>
-                <a:latin typeface="Arial"/>
-              </a:rPr>
-              <a:t/>
-            </a:r>
-          </a:p>
-          <a:p>
-            <a:pPr algn="ctr">
-              <a:spcBef>
-                <a:spcPts val="200"/>
-              </a:spcBef>
-              <a:spcAft>
-                <a:spcPts val="200"/>
-              </a:spcAft>
-            </a:pPr>
-            <a:r>
-              <a:rPr sz="1100" b="0">
+              <a:rPr sz="900" b="0">
                 <a:solidFill>
                   <a:srgbClr val="FFFFFF"/>
                 </a:solidFill>
@@ -15211,14 +15798,14 @@
       </p:sp>
       <p:sp>
         <p:nvSpPr>
-          <p:cNvPr id="11" name="Rounded Rectangle 10"/>
+          <p:cNvPr id="19" name="Rounded Rectangle 18"/>
           <p:cNvSpPr/>
           <p:nvPr/>
         </p:nvSpPr>
         <p:spPr>
           <a:xfrm>
-            <a:off x="9921240" y="1554480"/>
-            <a:ext cx="1691640" cy="1828800"/>
+            <a:off x="9875520" y="2468880"/>
+            <a:ext cx="1719072" cy="1508760"/>
           </a:xfrm>
           <a:prstGeom prst="roundRect">
             <a:avLst/>
@@ -15257,7 +15844,7 @@
               </a:spcAft>
             </a:pPr>
             <a:r>
-              <a:rPr sz="1100" b="0">
+              <a:rPr sz="900" b="0">
                 <a:solidFill>
                   <a:srgbClr val="FFFFFF"/>
                 </a:solidFill>
@@ -15276,7 +15863,26 @@
               </a:spcAft>
             </a:pPr>
             <a:r>
-              <a:rPr sz="1100" b="0">
+              <a:rPr sz="900" b="0">
+                <a:solidFill>
+                  <a:srgbClr val="FFFFFF"/>
+                </a:solidFill>
+                <a:latin typeface="Arial"/>
+              </a:rPr>
+              <a:t>v1.7.0.0</a:t>
+            </a:r>
+          </a:p>
+          <a:p>
+            <a:pPr algn="ctr">
+              <a:spcBef>
+                <a:spcPts val="200"/>
+              </a:spcBef>
+              <a:spcAft>
+                <a:spcPts val="200"/>
+              </a:spcAft>
+            </a:pPr>
+            <a:r>
+              <a:rPr sz="900" b="0">
                 <a:solidFill>
                   <a:srgbClr val="FFFFFF"/>
                 </a:solidFill>
@@ -15295,7 +15901,7 @@
               </a:spcAft>
             </a:pPr>
             <a:r>
-              <a:rPr sz="1100" b="0">
+              <a:rPr sz="900" b="0">
                 <a:solidFill>
                   <a:srgbClr val="FFFFFF"/>
                 </a:solidFill>
@@ -15314,26 +15920,7 @@
               </a:spcAft>
             </a:pPr>
             <a:r>
-              <a:rPr sz="1100" b="0">
-                <a:solidFill>
-                  <a:srgbClr val="FFFFFF"/>
-                </a:solidFill>
-                <a:latin typeface="Arial"/>
-              </a:rPr>
-              <a:t/>
-            </a:r>
-          </a:p>
-          <a:p>
-            <a:pPr algn="ctr">
-              <a:spcBef>
-                <a:spcPts val="200"/>
-              </a:spcBef>
-              <a:spcAft>
-                <a:spcPts val="200"/>
-              </a:spcAft>
-            </a:pPr>
-            <a:r>
-              <a:rPr sz="1100" b="0">
+              <a:rPr sz="900" b="0">
                 <a:solidFill>
                   <a:srgbClr val="FFFFFF"/>
                 </a:solidFill>
@@ -15346,14 +15933,14 @@
       </p:sp>
       <p:sp>
         <p:nvSpPr>
-          <p:cNvPr id="12" name="Rounded Rectangle 11"/>
+          <p:cNvPr id="20" name="Rounded Rectangle 19"/>
           <p:cNvSpPr/>
           <p:nvPr/>
         </p:nvSpPr>
         <p:spPr>
           <a:xfrm>
-            <a:off x="548640" y="4023360"/>
-            <a:ext cx="1691640" cy="1828800"/>
+            <a:off x="365760" y="4251960"/>
+            <a:ext cx="1719072" cy="1508760"/>
           </a:xfrm>
           <a:prstGeom prst="roundRect">
             <a:avLst/>
@@ -15392,7 +15979,7 @@
               </a:spcAft>
             </a:pPr>
             <a:r>
-              <a:rPr sz="1100" b="0">
+              <a:rPr sz="900" b="0">
                 <a:solidFill>
                   <a:srgbClr val="FFFFFF"/>
                 </a:solidFill>
@@ -15411,7 +15998,26 @@
               </a:spcAft>
             </a:pPr>
             <a:r>
-              <a:rPr sz="1100" b="0">
+              <a:rPr sz="900" b="0">
+                <a:solidFill>
+                  <a:srgbClr val="FFFFFF"/>
+                </a:solidFill>
+                <a:latin typeface="Arial"/>
+              </a:rPr>
+              <a:t>v1.8.0.0</a:t>
+            </a:r>
+          </a:p>
+          <a:p>
+            <a:pPr algn="ctr">
+              <a:spcBef>
+                <a:spcPts val="200"/>
+              </a:spcBef>
+              <a:spcAft>
+                <a:spcPts val="200"/>
+              </a:spcAft>
+            </a:pPr>
+            <a:r>
+              <a:rPr sz="900" b="0">
                 <a:solidFill>
                   <a:srgbClr val="FFFFFF"/>
                 </a:solidFill>
@@ -15430,7 +16036,7 @@
               </a:spcAft>
             </a:pPr>
             <a:r>
-              <a:rPr sz="1100" b="0">
+              <a:rPr sz="900" b="0">
                 <a:solidFill>
                   <a:srgbClr val="FFFFFF"/>
                 </a:solidFill>
@@ -15449,26 +16055,7 @@
               </a:spcAft>
             </a:pPr>
             <a:r>
-              <a:rPr sz="1100" b="0">
-                <a:solidFill>
-                  <a:srgbClr val="FFFFFF"/>
-                </a:solidFill>
-                <a:latin typeface="Arial"/>
-              </a:rPr>
-              <a:t/>
-            </a:r>
-          </a:p>
-          <a:p>
-            <a:pPr algn="ctr">
-              <a:spcBef>
-                <a:spcPts val="200"/>
-              </a:spcBef>
-              <a:spcAft>
-                <a:spcPts val="200"/>
-              </a:spcAft>
-            </a:pPr>
-            <a:r>
-              <a:rPr sz="1100" b="0">
+              <a:rPr sz="900" b="0">
                 <a:solidFill>
                   <a:srgbClr val="FFFFFF"/>
                 </a:solidFill>
@@ -15481,14 +16068,14 @@
       </p:sp>
       <p:sp>
         <p:nvSpPr>
-          <p:cNvPr id="13" name="Rounded Rectangle 12"/>
+          <p:cNvPr id="21" name="Rounded Rectangle 20"/>
           <p:cNvSpPr/>
           <p:nvPr/>
         </p:nvSpPr>
         <p:spPr>
           <a:xfrm>
-            <a:off x="2423160" y="4023360"/>
-            <a:ext cx="1691640" cy="1828800"/>
+            <a:off x="2267712" y="4251960"/>
+            <a:ext cx="1719072" cy="1508760"/>
           </a:xfrm>
           <a:prstGeom prst="roundRect">
             <a:avLst/>
@@ -15527,7 +16114,7 @@
               </a:spcAft>
             </a:pPr>
             <a:r>
-              <a:rPr sz="1100" b="0">
+              <a:rPr sz="900" b="0">
                 <a:solidFill>
                   <a:srgbClr val="FFFFFF"/>
                 </a:solidFill>
@@ -15546,7 +16133,26 @@
               </a:spcAft>
             </a:pPr>
             <a:r>
-              <a:rPr sz="1100" b="0">
+              <a:rPr sz="900" b="0">
+                <a:solidFill>
+                  <a:srgbClr val="FFFFFF"/>
+                </a:solidFill>
+                <a:latin typeface="Arial"/>
+              </a:rPr>
+              <a:t>v2.0.0.0</a:t>
+            </a:r>
+          </a:p>
+          <a:p>
+            <a:pPr algn="ctr">
+              <a:spcBef>
+                <a:spcPts val="200"/>
+              </a:spcBef>
+              <a:spcAft>
+                <a:spcPts val="200"/>
+              </a:spcAft>
+            </a:pPr>
+            <a:r>
+              <a:rPr sz="900" b="0">
                 <a:solidFill>
                   <a:srgbClr val="FFFFFF"/>
                 </a:solidFill>
@@ -15565,13 +16171,13 @@
               </a:spcAft>
             </a:pPr>
             <a:r>
-              <a:rPr sz="1100" b="0">
-                <a:solidFill>
-                  <a:srgbClr val="FFFFFF"/>
-                </a:solidFill>
-                <a:latin typeface="Arial"/>
-              </a:rPr>
-              <a:t>Foundation v2</a:t>
+              <a:rPr sz="900" b="0">
+                <a:solidFill>
+                  <a:srgbClr val="FFFFFF"/>
+                </a:solidFill>
+                <a:latin typeface="Arial"/>
+              </a:rPr>
+              <a:t>Foundation</a:t>
             </a:r>
           </a:p>
           <a:p>
@@ -15584,26 +16190,7 @@
               </a:spcAft>
             </a:pPr>
             <a:r>
-              <a:rPr sz="1100" b="0">
-                <a:solidFill>
-                  <a:srgbClr val="FFFFFF"/>
-                </a:solidFill>
-                <a:latin typeface="Arial"/>
-              </a:rPr>
-              <a:t/>
-            </a:r>
-          </a:p>
-          <a:p>
-            <a:pPr algn="ctr">
-              <a:spcBef>
-                <a:spcPts val="200"/>
-              </a:spcBef>
-              <a:spcAft>
-                <a:spcPts val="200"/>
-              </a:spcAft>
-            </a:pPr>
-            <a:r>
-              <a:rPr sz="1100" b="0">
+              <a:rPr sz="900" b="0">
                 <a:solidFill>
                   <a:srgbClr val="FFFFFF"/>
                 </a:solidFill>
@@ -15616,14 +16203,14 @@
       </p:sp>
       <p:sp>
         <p:nvSpPr>
-          <p:cNvPr id="14" name="Rounded Rectangle 13"/>
+          <p:cNvPr id="22" name="Rounded Rectangle 21"/>
           <p:cNvSpPr/>
           <p:nvPr/>
         </p:nvSpPr>
         <p:spPr>
           <a:xfrm>
-            <a:off x="4297679" y="4023360"/>
-            <a:ext cx="1691640" cy="1828800"/>
+            <a:off x="4169664" y="4251960"/>
+            <a:ext cx="1719072" cy="1508760"/>
           </a:xfrm>
           <a:prstGeom prst="roundRect">
             <a:avLst/>
@@ -15662,7 +16249,7 @@
               </a:spcAft>
             </a:pPr>
             <a:r>
-              <a:rPr sz="1100" b="0">
+              <a:rPr sz="900" b="0">
                 <a:solidFill>
                   <a:srgbClr val="FFFFFF"/>
                 </a:solidFill>
@@ -15681,7 +16268,26 @@
               </a:spcAft>
             </a:pPr>
             <a:r>
-              <a:rPr sz="1100" b="0">
+              <a:rPr sz="900" b="0">
+                <a:solidFill>
+                  <a:srgbClr val="FFFFFF"/>
+                </a:solidFill>
+                <a:latin typeface="Arial"/>
+              </a:rPr>
+              <a:t>v2.1.0.0</a:t>
+            </a:r>
+          </a:p>
+          <a:p>
+            <a:pPr algn="ctr">
+              <a:spcBef>
+                <a:spcPts val="200"/>
+              </a:spcBef>
+              <a:spcAft>
+                <a:spcPts val="200"/>
+              </a:spcAft>
+            </a:pPr>
+            <a:r>
+              <a:rPr sz="900" b="0">
                 <a:solidFill>
                   <a:srgbClr val="FFFFFF"/>
                 </a:solidFill>
@@ -15700,7 +16306,7 @@
               </a:spcAft>
             </a:pPr>
             <a:r>
-              <a:rPr sz="1100" b="0">
+              <a:rPr sz="900" b="0">
                 <a:solidFill>
                   <a:srgbClr val="FFFFFF"/>
                 </a:solidFill>
@@ -15719,26 +16325,7 @@
               </a:spcAft>
             </a:pPr>
             <a:r>
-              <a:rPr sz="1100" b="0">
-                <a:solidFill>
-                  <a:srgbClr val="FFFFFF"/>
-                </a:solidFill>
-                <a:latin typeface="Arial"/>
-              </a:rPr>
-              <a:t/>
-            </a:r>
-          </a:p>
-          <a:p>
-            <a:pPr algn="ctr">
-              <a:spcBef>
-                <a:spcPts val="200"/>
-              </a:spcBef>
-              <a:spcAft>
-                <a:spcPts val="200"/>
-              </a:spcAft>
-            </a:pPr>
-            <a:r>
-              <a:rPr sz="1100" b="0">
+              <a:rPr sz="900" b="0">
                 <a:solidFill>
                   <a:srgbClr val="FFFFFF"/>
                 </a:solidFill>
@@ -15751,14 +16338,14 @@
       </p:sp>
       <p:sp>
         <p:nvSpPr>
-          <p:cNvPr id="15" name="Rounded Rectangle 14"/>
+          <p:cNvPr id="23" name="Rounded Rectangle 22"/>
           <p:cNvSpPr/>
           <p:nvPr/>
         </p:nvSpPr>
         <p:spPr>
           <a:xfrm>
-            <a:off x="6172199" y="4023360"/>
-            <a:ext cx="1691640" cy="1828800"/>
+            <a:off x="6071616" y="4251960"/>
+            <a:ext cx="1719072" cy="1508760"/>
           </a:xfrm>
           <a:prstGeom prst="roundRect">
             <a:avLst/>
@@ -15797,7 +16384,7 @@
               </a:spcAft>
             </a:pPr>
             <a:r>
-              <a:rPr sz="1100" b="0">
+              <a:rPr sz="900" b="0">
                 <a:solidFill>
                   <a:srgbClr val="FFFFFF"/>
                 </a:solidFill>
@@ -15816,7 +16403,26 @@
               </a:spcAft>
             </a:pPr>
             <a:r>
-              <a:rPr sz="1100" b="0">
+              <a:rPr sz="900" b="0">
+                <a:solidFill>
+                  <a:srgbClr val="FFFFFF"/>
+                </a:solidFill>
+                <a:latin typeface="Arial"/>
+              </a:rPr>
+              <a:t>v2.2.0.0</a:t>
+            </a:r>
+          </a:p>
+          <a:p>
+            <a:pPr algn="ctr">
+              <a:spcBef>
+                <a:spcPts val="200"/>
+              </a:spcBef>
+              <a:spcAft>
+                <a:spcPts val="200"/>
+              </a:spcAft>
+            </a:pPr>
+            <a:r>
+              <a:rPr sz="900" b="0">
                 <a:solidFill>
                   <a:srgbClr val="FFFFFF"/>
                 </a:solidFill>
@@ -15835,13 +16441,13 @@
               </a:spcAft>
             </a:pPr>
             <a:r>
-              <a:rPr sz="1100" b="0">
-                <a:solidFill>
-                  <a:srgbClr val="FFFFFF"/>
-                </a:solidFill>
-                <a:latin typeface="Arial"/>
-              </a:rPr>
-              <a:t>Virt + Obs + MFA</a:t>
+              <a:rPr sz="900" b="0">
+                <a:solidFill>
+                  <a:srgbClr val="FFFFFF"/>
+                </a:solidFill>
+                <a:latin typeface="Arial"/>
+              </a:rPr>
+              <a:t>Virt+Obs+MFA</a:t>
             </a:r>
           </a:p>
           <a:p>
@@ -15854,26 +16460,7 @@
               </a:spcAft>
             </a:pPr>
             <a:r>
-              <a:rPr sz="1100" b="0">
-                <a:solidFill>
-                  <a:srgbClr val="FFFFFF"/>
-                </a:solidFill>
-                <a:latin typeface="Arial"/>
-              </a:rPr>
-              <a:t/>
-            </a:r>
-          </a:p>
-          <a:p>
-            <a:pPr algn="ctr">
-              <a:spcBef>
-                <a:spcPts val="200"/>
-              </a:spcBef>
-              <a:spcAft>
-                <a:spcPts val="200"/>
-              </a:spcAft>
-            </a:pPr>
-            <a:r>
-              <a:rPr sz="1100" b="0">
+              <a:rPr sz="900" b="0">
                 <a:solidFill>
                   <a:srgbClr val="FFFFFF"/>
                 </a:solidFill>
@@ -15886,14 +16473,14 @@
       </p:sp>
       <p:sp>
         <p:nvSpPr>
-          <p:cNvPr id="16" name="Rounded Rectangle 15"/>
+          <p:cNvPr id="24" name="Rounded Rectangle 23"/>
           <p:cNvSpPr/>
           <p:nvPr/>
         </p:nvSpPr>
         <p:spPr>
           <a:xfrm>
-            <a:off x="8046719" y="4023360"/>
-            <a:ext cx="1691640" cy="1828800"/>
+            <a:off x="7973568" y="4251960"/>
+            <a:ext cx="1719072" cy="1508760"/>
           </a:xfrm>
           <a:prstGeom prst="roundRect">
             <a:avLst/>
@@ -15932,7 +16519,7 @@
               </a:spcAft>
             </a:pPr>
             <a:r>
-              <a:rPr sz="1100" b="0">
+              <a:rPr sz="900" b="0">
                 <a:solidFill>
                   <a:srgbClr val="FFFFFF"/>
                 </a:solidFill>
@@ -15951,7 +16538,26 @@
               </a:spcAft>
             </a:pPr>
             <a:r>
-              <a:rPr sz="1100" b="0">
+              <a:rPr sz="900" b="0">
+                <a:solidFill>
+                  <a:srgbClr val="FFFFFF"/>
+                </a:solidFill>
+                <a:latin typeface="Arial"/>
+              </a:rPr>
+              <a:t>v2.3.0.0</a:t>
+            </a:r>
+          </a:p>
+          <a:p>
+            <a:pPr algn="ctr">
+              <a:spcBef>
+                <a:spcPts val="200"/>
+              </a:spcBef>
+              <a:spcAft>
+                <a:spcPts val="200"/>
+              </a:spcAft>
+            </a:pPr>
+            <a:r>
+              <a:rPr sz="900" b="0">
                 <a:solidFill>
                   <a:srgbClr val="FFFFFF"/>
                 </a:solidFill>
@@ -15970,7 +16576,7 @@
               </a:spcAft>
             </a:pPr>
             <a:r>
-              <a:rPr sz="1100" b="0">
+              <a:rPr sz="900" b="0">
                 <a:solidFill>
                   <a:srgbClr val="FFFFFF"/>
                 </a:solidFill>
@@ -15989,26 +16595,7 @@
               </a:spcAft>
             </a:pPr>
             <a:r>
-              <a:rPr sz="1100" b="0">
-                <a:solidFill>
-                  <a:srgbClr val="FFFFFF"/>
-                </a:solidFill>
-                <a:latin typeface="Arial"/>
-              </a:rPr>
-              <a:t/>
-            </a:r>
-          </a:p>
-          <a:p>
-            <a:pPr algn="ctr">
-              <a:spcBef>
-                <a:spcPts val="200"/>
-              </a:spcBef>
-              <a:spcAft>
-                <a:spcPts val="200"/>
-              </a:spcAft>
-            </a:pPr>
-            <a:r>
-              <a:rPr sz="1100" b="0">
+              <a:rPr sz="900" b="0">
                 <a:solidFill>
                   <a:srgbClr val="FFFFFF"/>
                 </a:solidFill>
@@ -16021,14 +16608,14 @@
       </p:sp>
       <p:sp>
         <p:nvSpPr>
-          <p:cNvPr id="17" name="Rounded Rectangle 16"/>
+          <p:cNvPr id="25" name="Rounded Rectangle 24"/>
           <p:cNvSpPr/>
           <p:nvPr/>
         </p:nvSpPr>
         <p:spPr>
           <a:xfrm>
-            <a:off x="9921240" y="4023360"/>
-            <a:ext cx="1691640" cy="1828800"/>
+            <a:off x="9875520" y="4251960"/>
+            <a:ext cx="1719072" cy="1508760"/>
           </a:xfrm>
           <a:prstGeom prst="roundRect">
             <a:avLst/>
@@ -16067,7 +16654,7 @@
               </a:spcAft>
             </a:pPr>
             <a:r>
-              <a:rPr sz="1100" b="0">
+              <a:rPr sz="900" b="0">
                 <a:solidFill>
                   <a:srgbClr val="FFFFFF"/>
                 </a:solidFill>
@@ -16086,7 +16673,26 @@
               </a:spcAft>
             </a:pPr>
             <a:r>
-              <a:rPr sz="1100" b="0">
+              <a:rPr sz="900" b="0">
+                <a:solidFill>
+                  <a:srgbClr val="FFFFFF"/>
+                </a:solidFill>
+                <a:latin typeface="Arial"/>
+              </a:rPr>
+              <a:t>v3.0.0.0</a:t>
+            </a:r>
+          </a:p>
+          <a:p>
+            <a:pPr algn="ctr">
+              <a:spcBef>
+                <a:spcPts val="200"/>
+              </a:spcBef>
+              <a:spcAft>
+                <a:spcPts val="200"/>
+              </a:spcAft>
+            </a:pPr>
+            <a:r>
+              <a:rPr sz="900" b="0">
                 <a:solidFill>
                   <a:srgbClr val="FFFFFF"/>
                 </a:solidFill>
@@ -16105,7 +16711,7 @@
               </a:spcAft>
             </a:pPr>
             <a:r>
-              <a:rPr sz="1100" b="0">
+              <a:rPr sz="900" b="0">
                 <a:solidFill>
                   <a:srgbClr val="FFFFFF"/>
                 </a:solidFill>
@@ -16124,26 +16730,7 @@
               </a:spcAft>
             </a:pPr>
             <a:r>
-              <a:rPr sz="1100" b="0">
-                <a:solidFill>
-                  <a:srgbClr val="FFFFFF"/>
-                </a:solidFill>
-                <a:latin typeface="Arial"/>
-              </a:rPr>
-              <a:t/>
-            </a:r>
-          </a:p>
-          <a:p>
-            <a:pPr algn="ctr">
-              <a:spcBef>
-                <a:spcPts val="200"/>
-              </a:spcBef>
-              <a:spcAft>
-                <a:spcPts val="200"/>
-              </a:spcAft>
-            </a:pPr>
-            <a:r>
-              <a:rPr sz="1100" b="0">
+              <a:rPr sz="900" b="0">
                 <a:solidFill>
                   <a:srgbClr val="FFFFFF"/>
                 </a:solidFill>
@@ -16156,14 +16743,14 @@
       </p:sp>
       <p:sp>
         <p:nvSpPr>
-          <p:cNvPr id="18" name="TextBox 17"/>
+          <p:cNvPr id="26" name="TextBox 25"/>
           <p:cNvSpPr txBox="1"/>
           <p:nvPr/>
         </p:nvSpPr>
         <p:spPr>
           <a:xfrm>
-            <a:off x="2743200" y="5943600"/>
-            <a:ext cx="6400800" cy="457200"/>
+            <a:off x="2743200" y="5989320"/>
+            <a:ext cx="6400800" cy="365760"/>
           </a:xfrm>
           <a:prstGeom prst="rect">
             <a:avLst/>
@@ -16178,7 +16765,7 @@
           <a:p>
             <a:pPr algn="ctr"/>
             <a:r>
-              <a:rPr sz="1800" b="1">
+              <a:rPr sz="1600" b="1">
                 <a:solidFill>
                   <a:srgbClr val="0D3D5C"/>
                 </a:solidFill>
@@ -16381,7 +16968,7 @@
         </p:nvGraphicFramePr>
         <p:xfrm>
           <a:off x="731520" y="1371600"/>
-          <a:ext cx="10058400" cy="1463040"/>
+          <a:ext cx="9601200" cy="1463040"/>
         </p:xfrm>
         <a:graphic>
           <a:graphicData uri="http://schemas.openxmlformats.org/drawingml/2006/table">
@@ -16390,9 +16977,9 @@
                 <a:tableStyleId>{5C22544A-7EE6-4342-B048-85BDC9FD1C3A}</a:tableStyleId>
               </a:tblPr>
               <a:tblGrid>
+                <a:gridCol w="914400"/>
                 <a:gridCol w="1371600"/>
-                <a:gridCol w="4572000"/>
-                <a:gridCol w="2286000"/>
+                <a:gridCol w="5486400"/>
                 <a:gridCol w="1828800"/>
               </a:tblGrid>
               <a:tr h="365760">
@@ -16434,7 +17021,7 @@
                         </a:defRPr>
                       </a:pPr>
                       <a:r>
-                        <a:t>Description</a:t>
+                        <a:t>Version</a:t>
                       </a:r>
                     </a:p>
                   </a:txBody>
@@ -16458,7 +17045,7 @@
                         </a:defRPr>
                       </a:pPr>
                       <a:r>
-                        <a:t>Estimate</a:t>
+                        <a:t>Description</a:t>
                       </a:r>
                     </a:p>
                   </a:txBody>
@@ -16532,7 +17119,7 @@
                         </a:defRPr>
                       </a:pPr>
                       <a:r>
-                        <a:t>AV Management + Firewall Orchestration</a:t>
+                        <a:t>v1.4.0.0</a:t>
                       </a:r>
                     </a:p>
                   </a:txBody>
@@ -16556,7 +17143,7 @@
                         </a:defRPr>
                       </a:pPr>
                       <a:r>
-                        <a:t>~59 days (padded)</a:t>
+                        <a:t>AV Management + Firewall Orchestration</a:t>
                       </a:r>
                     </a:p>
                   </a:txBody>
@@ -16630,7 +17217,7 @@
                         </a:defRPr>
                       </a:pPr>
                       <a:r>
-                        <a:t>Stabilization</a:t>
+                        <a:t>v1.5.0.0</a:t>
                       </a:r>
                     </a:p>
                   </a:txBody>
@@ -16654,7 +17241,7 @@
                         </a:defRPr>
                       </a:pPr>
                       <a:r>
-                        <a:t>~13 days</a:t>
+                        <a:t>Stabilization</a:t>
                       </a:r>
                     </a:p>
                   </a:txBody>
@@ -16728,7 +17315,7 @@
                         </a:defRPr>
                       </a:pPr>
                       <a:r>
-                        <a:t>Automation + Fleet Management</a:t>
+                        <a:t>v1.6.0.0</a:t>
                       </a:r>
                     </a:p>
                   </a:txBody>
@@ -16752,7 +17339,7 @@
                         </a:defRPr>
                       </a:pPr>
                       <a:r>
-                        <a:t>~16 days</a:t>
+                        <a:t>Automation + Fleet Management</a:t>
                       </a:r>
                     </a:p>
                   </a:txBody>
@@ -16983,7 +17570,7 @@
         </p:nvGraphicFramePr>
         <p:xfrm>
           <a:off x="731520" y="1371600"/>
-          <a:ext cx="10058400" cy="1828800"/>
+          <a:ext cx="9601200" cy="1828800"/>
         </p:xfrm>
         <a:graphic>
           <a:graphicData uri="http://schemas.openxmlformats.org/drawingml/2006/table">
@@ -16992,9 +17579,9 @@
                 <a:tableStyleId>{5C22544A-7EE6-4342-B048-85BDC9FD1C3A}</a:tableStyleId>
               </a:tblPr>
               <a:tblGrid>
+                <a:gridCol w="914400"/>
                 <a:gridCol w="1371600"/>
-                <a:gridCol w="4572000"/>
-                <a:gridCol w="2286000"/>
+                <a:gridCol w="5486400"/>
                 <a:gridCol w="1828800"/>
               </a:tblGrid>
               <a:tr h="365760">
@@ -17036,7 +17623,7 @@
                         </a:defRPr>
                       </a:pPr>
                       <a:r>
-                        <a:t>Description</a:t>
+                        <a:t>Version</a:t>
                       </a:r>
                     </a:p>
                   </a:txBody>
@@ -17060,7 +17647,7 @@
                         </a:defRPr>
                       </a:pPr>
                       <a:r>
-                        <a:t>Estimate</a:t>
+                        <a:t>Description</a:t>
                       </a:r>
                     </a:p>
                   </a:txBody>
@@ -17134,7 +17721,7 @@
                         </a:defRPr>
                       </a:pPr>
                       <a:r>
-                        <a:t>Stabilization</a:t>
+                        <a:t>v1.7.0.0</a:t>
                       </a:r>
                     </a:p>
                   </a:txBody>
@@ -17158,7 +17745,7 @@
                         </a:defRPr>
                       </a:pPr>
                       <a:r>
-                        <a:t>~13 days</a:t>
+                        <a:t>Stabilization</a:t>
                       </a:r>
                     </a:p>
                   </a:txBody>
@@ -17232,7 +17819,7 @@
                         </a:defRPr>
                       </a:pPr>
                       <a:r>
-                        <a:t>Stabilization RC1</a:t>
+                        <a:t>v1.8.0.0</a:t>
                       </a:r>
                     </a:p>
                   </a:txBody>
@@ -17256,7 +17843,7 @@
                         </a:defRPr>
                       </a:pPr>
                       <a:r>
-                        <a:t>~13 days</a:t>
+                        <a:t>Stabilization RC1</a:t>
                       </a:r>
                     </a:p>
                   </a:txBody>
@@ -17330,7 +17917,7 @@
                         </a:defRPr>
                       </a:pPr>
                       <a:r>
-                        <a:t>Foundation Features v2.0.0.0</a:t>
+                        <a:t>v2.0.0.0</a:t>
                       </a:r>
                     </a:p>
                   </a:txBody>
@@ -17354,7 +17941,7 @@
                         </a:defRPr>
                       </a:pPr>
                       <a:r>
-                        <a:t>~25 days</a:t>
+                        <a:t>Foundation Features</a:t>
                       </a:r>
                     </a:p>
                   </a:txBody>
@@ -17428,7 +18015,7 @@
                         </a:defRPr>
                       </a:pPr>
                       <a:r>
-                        <a:t>Stabilization RC2</a:t>
+                        <a:t>v2.1.0.0</a:t>
                       </a:r>
                     </a:p>
                   </a:txBody>
@@ -17452,7 +18039,7 @@
                         </a:defRPr>
                       </a:pPr>
                       <a:r>
-                        <a:t>~13 days</a:t>
+                        <a:t>Stabilization RC2</a:t>
                       </a:r>
                     </a:p>
                   </a:txBody>
@@ -17683,7 +18270,7 @@
         </p:nvGraphicFramePr>
         <p:xfrm>
           <a:off x="731520" y="1371600"/>
-          <a:ext cx="10058400" cy="1463040"/>
+          <a:ext cx="9601200" cy="1463040"/>
         </p:xfrm>
         <a:graphic>
           <a:graphicData uri="http://schemas.openxmlformats.org/drawingml/2006/table">
@@ -17692,9 +18279,9 @@
                 <a:tableStyleId>{5C22544A-7EE6-4342-B048-85BDC9FD1C3A}</a:tableStyleId>
               </a:tblPr>
               <a:tblGrid>
+                <a:gridCol w="914400"/>
                 <a:gridCol w="1371600"/>
-                <a:gridCol w="4572000"/>
-                <a:gridCol w="2286000"/>
+                <a:gridCol w="5486400"/>
                 <a:gridCol w="1828800"/>
               </a:tblGrid>
               <a:tr h="365760">
@@ -17736,7 +18323,7 @@
                         </a:defRPr>
                       </a:pPr>
                       <a:r>
-                        <a:t>Description</a:t>
+                        <a:t>Version</a:t>
                       </a:r>
                     </a:p>
                   </a:txBody>
@@ -17760,7 +18347,7 @@
                         </a:defRPr>
                       </a:pPr>
                       <a:r>
-                        <a:t>Estimate</a:t>
+                        <a:t>Description</a:t>
                       </a:r>
                     </a:p>
                   </a:txBody>
@@ -17834,7 +18421,7 @@
                         </a:defRPr>
                       </a:pPr>
                       <a:r>
-                        <a:t>Virtualization + Observability + MFA</a:t>
+                        <a:t>v2.2.0.0</a:t>
                       </a:r>
                     </a:p>
                   </a:txBody>
@@ -17858,7 +18445,7 @@
                         </a:defRPr>
                       </a:pPr>
                       <a:r>
-                        <a:t>~130 days</a:t>
+                        <a:t>Virtualization + Observability + MFA</a:t>
                       </a:r>
                     </a:p>
                   </a:txBody>
@@ -17932,7 +18519,7 @@
                         </a:defRPr>
                       </a:pPr>
                       <a:r>
-                        <a:t>Air-Gapped Support</a:t>
+                        <a:t>v2.3.0.0</a:t>
                       </a:r>
                     </a:p>
                   </a:txBody>
@@ -17956,7 +18543,7 @@
                         </a:defRPr>
                       </a:pPr>
                       <a:r>
-                        <a:t>~39 days</a:t>
+                        <a:t>Air-Gapped Support</a:t>
                       </a:r>
                     </a:p>
                   </a:txBody>
@@ -18030,7 +18617,7 @@
                         </a:defRPr>
                       </a:pPr>
                       <a:r>
-                        <a:t>Enterprise GA v3.0.0.0</a:t>
+                        <a:t>v3.0.0.0</a:t>
                       </a:r>
                     </a:p>
                   </a:txBody>
@@ -18054,7 +18641,7 @@
                         </a:defRPr>
                       </a:pPr>
                       <a:r>
-                        <a:t>~31 days</a:t>
+                        <a:t>Enterprise GA</a:t>
                       </a:r>
                     </a:p>
                   </a:txBody>
@@ -20129,7 +20716,7 @@
                 </a:solidFill>
                 <a:latin typeface="Arial"/>
               </a:rPr>
-              <a:t>—  Engineering leader (1/3 of technology team)  •  Later acquired by Salesforce</a:t>
+              <a:t>—  Engineering leader (1/3 of technology team)  •  Acquired by Salesforce (now Salesforce Marketing Cloud)</a:t>
             </a:r>
           </a:p>
           <a:p>
@@ -20561,6 +21148,38 @@
                 </a:solidFill>
                 <a:latin typeface="Arial"/>
               </a:rPr>
+              <a:t>•  NGINX</a:t>
+            </a:r>
+          </a:p>
+          <a:p>
+            <a:pPr>
+              <a:spcBef>
+                <a:spcPts val="200"/>
+              </a:spcBef>
+            </a:pPr>
+            <a:r>
+              <a:rPr sz="1300" b="0">
+                <a:solidFill>
+                  <a:srgbClr val="666666"/>
+                </a:solidFill>
+                <a:latin typeface="Arial"/>
+              </a:rPr>
+              <a:t>     Infrastructure and operations engineering at NGINX, the world's most widely deployed web server and reverse proxy</a:t>
+            </a:r>
+          </a:p>
+          <a:p>
+            <a:pPr>
+              <a:spcBef>
+                <a:spcPts val="1000"/>
+              </a:spcBef>
+            </a:pPr>
+            <a:r>
+              <a:rPr sz="1600" b="1">
+                <a:solidFill>
+                  <a:srgbClr val="0D3D5C"/>
+                </a:solidFill>
+                <a:latin typeface="Arial"/>
+              </a:rPr>
               <a:t>•  Databricks (via Neon acquisition)</a:t>
             </a:r>
           </a:p>
@@ -20673,7 +21292,7 @@
                 </a:solidFill>
                 <a:latin typeface="Arial"/>
               </a:rPr>
-              <a:t>     Designed and operated large-scale continuous integration pipelines  •  GitHub Actions, ephemeral runners, caching optimization</a:t>
+              <a:t>     Designed and operated large-scale CI pipelines  •  GitHub Actions, ephemeral runners, caching optimization</a:t>
             </a:r>
           </a:p>
           <a:p>
@@ -20689,7 +21308,7 @@
                 </a:solidFill>
                 <a:latin typeface="Arial"/>
               </a:rPr>
-              <a:t>•  Open Source Contributor</a:t>
+              <a:t>•  Based in Germany</a:t>
             </a:r>
           </a:p>
           <a:p>
@@ -20705,39 +21324,7 @@
                 </a:solidFill>
                 <a:latin typeface="Arial"/>
               </a:rPr>
-              <a:t>     Active GitHub contributor  •  Published tools for AWS HA, Docker Swarm service registration, and Prometheus metrics</a:t>
-            </a:r>
-          </a:p>
-          <a:p>
-            <a:pPr>
-              <a:spcBef>
-                <a:spcPts val="1000"/>
-              </a:spcBef>
-            </a:pPr>
-            <a:r>
-              <a:rPr sz="1600" b="1">
-                <a:solidFill>
-                  <a:srgbClr val="0D3D5C"/>
-                </a:solidFill>
-                <a:latin typeface="Arial"/>
-              </a:rPr>
-              <a:t>•  Based in Germany</a:t>
-            </a:r>
-          </a:p>
-          <a:p>
-            <a:pPr>
-              <a:spcBef>
-                <a:spcPts val="200"/>
-              </a:spcBef>
-            </a:pPr>
-            <a:r>
-              <a:rPr sz="1300" b="0">
-                <a:solidFill>
-                  <a:srgbClr val="666666"/>
-                </a:solidFill>
-                <a:latin typeface="Arial"/>
-              </a:rPr>
-              <a:t>     Bringing European engineering perspective and timezone coverage to the team</a:t>
+              <a:t>     European engineering perspective and timezone coverage</a:t>
             </a:r>
           </a:p>
         </p:txBody>
@@ -21519,8 +22106,171 @@
         </p:nvSpPr>
         <p:spPr>
           <a:xfrm>
-            <a:off x="4114800" y="1645920"/>
-            <a:ext cx="3931920" cy="2560320"/>
+            <a:off x="731520" y="1828800"/>
+            <a:ext cx="2926080" cy="1828800"/>
+          </a:xfrm>
+          <a:prstGeom prst="roundRect">
+            <a:avLst/>
+          </a:prstGeom>
+          <a:solidFill>
+            <a:srgbClr val="388E3C"/>
+          </a:solidFill>
+          <a:ln>
+            <a:noFill/>
+          </a:ln>
+        </p:spPr>
+        <p:style>
+          <a:lnRef idx="1">
+            <a:schemeClr val="accent1"/>
+          </a:lnRef>
+          <a:fillRef idx="3">
+            <a:schemeClr val="accent1"/>
+          </a:fillRef>
+          <a:effectRef idx="2">
+            <a:schemeClr val="accent1"/>
+          </a:effectRef>
+          <a:fontRef idx="minor">
+            <a:schemeClr val="lt1"/>
+          </a:fontRef>
+        </p:style>
+        <p:txBody>
+          <a:bodyPr rtlCol="0" anchor="ctr" wrap="square"/>
+          <a:lstStyle/>
+          <a:p>
+            <a:pPr algn="ctr">
+              <a:spcBef>
+                <a:spcPts val="200"/>
+              </a:spcBef>
+              <a:spcAft>
+                <a:spcPts val="200"/>
+              </a:spcAft>
+            </a:pPr>
+            <a:r>
+              <a:rPr sz="1200" b="0">
+                <a:solidFill>
+                  <a:srgbClr val="FFFFFF"/>
+                </a:solidFill>
+                <a:latin typeface="Arial"/>
+              </a:rPr>
+              <a:t>SysManage Agent</a:t>
+            </a:r>
+          </a:p>
+          <a:p>
+            <a:pPr algn="ctr">
+              <a:spcBef>
+                <a:spcPts val="200"/>
+              </a:spcBef>
+              <a:spcAft>
+                <a:spcPts val="200"/>
+              </a:spcAft>
+            </a:pPr>
+            <a:r>
+              <a:rPr sz="1200" b="0">
+                <a:solidFill>
+                  <a:srgbClr val="FFFFFF"/>
+                </a:solidFill>
+                <a:latin typeface="Arial"/>
+              </a:rPr>
+              <a:t/>
+            </a:r>
+          </a:p>
+          <a:p>
+            <a:pPr algn="ctr">
+              <a:spcBef>
+                <a:spcPts val="200"/>
+              </a:spcBef>
+              <a:spcAft>
+                <a:spcPts val="200"/>
+              </a:spcAft>
+            </a:pPr>
+            <a:r>
+              <a:rPr sz="1200" b="0">
+                <a:solidFill>
+                  <a:srgbClr val="FFFFFF"/>
+                </a:solidFill>
+                <a:latin typeface="Arial"/>
+              </a:rPr>
+              <a:t>Local DB (SQLite)</a:t>
+            </a:r>
+          </a:p>
+          <a:p>
+            <a:pPr algn="ctr">
+              <a:spcBef>
+                <a:spcPts val="200"/>
+              </a:spcBef>
+              <a:spcAft>
+                <a:spcPts val="200"/>
+              </a:spcAft>
+            </a:pPr>
+            <a:r>
+              <a:rPr sz="1200" b="0">
+                <a:solidFill>
+                  <a:srgbClr val="FFFFFF"/>
+                </a:solidFill>
+                <a:latin typeface="Arial"/>
+              </a:rPr>
+              <a:t>System Metrics</a:t>
+            </a:r>
+          </a:p>
+        </p:txBody>
+      </p:sp>
+      <p:sp>
+        <p:nvSpPr>
+          <p:cNvPr id="7" name="TextBox 6"/>
+          <p:cNvSpPr txBox="1"/>
+          <p:nvPr/>
+        </p:nvSpPr>
+        <p:spPr>
+          <a:xfrm>
+            <a:off x="3749039" y="2194560"/>
+            <a:ext cx="1463040" cy="731520"/>
+          </a:xfrm>
+          <a:prstGeom prst="rect">
+            <a:avLst/>
+          </a:prstGeom>
+          <a:noFill/>
+        </p:spPr>
+        <p:txBody>
+          <a:bodyPr wrap="square">
+            <a:spAutoFit/>
+          </a:bodyPr>
+          <a:lstStyle/>
+          <a:p>
+            <a:pPr algn="ctr"/>
+            <a:r>
+              <a:rPr sz="1300" b="1">
+                <a:solidFill>
+                  <a:srgbClr val="1976D2"/>
+                </a:solidFill>
+                <a:latin typeface="Arial"/>
+              </a:rPr>
+              <a:t>mTLS</a:t>
+            </a:r>
+          </a:p>
+          <a:p>
+            <a:pPr algn="ctr"/>
+            <a:r>
+              <a:rPr sz="1600" b="1">
+                <a:solidFill>
+                  <a:srgbClr val="1976D2"/>
+                </a:solidFill>
+                <a:latin typeface="Arial"/>
+              </a:rPr>
+              <a:t>← →</a:t>
+            </a:r>
+          </a:p>
+        </p:txBody>
+      </p:sp>
+      <p:sp>
+        <p:nvSpPr>
+          <p:cNvPr id="8" name="Rounded Rectangle 7"/>
+          <p:cNvSpPr/>
+          <p:nvPr/>
+        </p:nvSpPr>
+        <p:spPr>
+          <a:xfrm>
+            <a:off x="5303520" y="1371600"/>
+            <a:ext cx="3931920" cy="2743200"/>
           </a:xfrm>
           <a:prstGeom prst="roundRect">
             <a:avLst/>
@@ -21648,13 +22398,13 @@
       </p:sp>
       <p:sp>
         <p:nvSpPr>
-          <p:cNvPr id="7" name="Rounded Rectangle 6"/>
+          <p:cNvPr id="9" name="Rounded Rectangle 8"/>
           <p:cNvSpPr/>
           <p:nvPr/>
         </p:nvSpPr>
         <p:spPr>
           <a:xfrm>
-            <a:off x="4114800" y="4754880"/>
+            <a:off x="5303520" y="4572000"/>
             <a:ext cx="3931920" cy="731520"/>
           </a:xfrm>
           <a:prstGeom prst="roundRect">
@@ -21700,318 +22450,14 @@
       </p:sp>
       <p:sp>
         <p:nvSpPr>
-          <p:cNvPr id="8" name="Rounded Rectangle 7"/>
+          <p:cNvPr id="10" name="Rounded Rectangle 9"/>
           <p:cNvSpPr/>
           <p:nvPr/>
         </p:nvSpPr>
         <p:spPr>
           <a:xfrm>
-            <a:off x="731520" y="2011680"/>
-            <a:ext cx="2560320" cy="1645920"/>
-          </a:xfrm>
-          <a:prstGeom prst="roundRect">
-            <a:avLst/>
-          </a:prstGeom>
-          <a:solidFill>
-            <a:srgbClr val="388E3C"/>
-          </a:solidFill>
-          <a:ln>
-            <a:noFill/>
-          </a:ln>
-        </p:spPr>
-        <p:style>
-          <a:lnRef idx="1">
-            <a:schemeClr val="accent1"/>
-          </a:lnRef>
-          <a:fillRef idx="3">
-            <a:schemeClr val="accent1"/>
-          </a:fillRef>
-          <a:effectRef idx="2">
-            <a:schemeClr val="accent1"/>
-          </a:effectRef>
-          <a:fontRef idx="minor">
-            <a:schemeClr val="lt1"/>
-          </a:fontRef>
-        </p:style>
-        <p:txBody>
-          <a:bodyPr rtlCol="0" anchor="ctr" wrap="square"/>
-          <a:lstStyle/>
-          <a:p>
-            <a:pPr algn="ctr">
-              <a:spcBef>
-                <a:spcPts val="200"/>
-              </a:spcBef>
-              <a:spcAft>
-                <a:spcPts val="200"/>
-              </a:spcAft>
-            </a:pPr>
-            <a:r>
-              <a:rPr sz="1200" b="0">
-                <a:solidFill>
-                  <a:srgbClr val="FFFFFF"/>
-                </a:solidFill>
-                <a:latin typeface="Arial"/>
-              </a:rPr>
-              <a:t>SysManage Agent</a:t>
-            </a:r>
-          </a:p>
-          <a:p>
-            <a:pPr algn="ctr">
-              <a:spcBef>
-                <a:spcPts val="200"/>
-              </a:spcBef>
-              <a:spcAft>
-                <a:spcPts val="200"/>
-              </a:spcAft>
-            </a:pPr>
-            <a:r>
-              <a:rPr sz="1200" b="0">
-                <a:solidFill>
-                  <a:srgbClr val="FFFFFF"/>
-                </a:solidFill>
-                <a:latin typeface="Arial"/>
-              </a:rPr>
-              <a:t/>
-            </a:r>
-          </a:p>
-          <a:p>
-            <a:pPr algn="ctr">
-              <a:spcBef>
-                <a:spcPts val="200"/>
-              </a:spcBef>
-              <a:spcAft>
-                <a:spcPts val="200"/>
-              </a:spcAft>
-            </a:pPr>
-            <a:r>
-              <a:rPr sz="1200" b="0">
-                <a:solidFill>
-                  <a:srgbClr val="FFFFFF"/>
-                </a:solidFill>
-                <a:latin typeface="Arial"/>
-              </a:rPr>
-              <a:t>Local DB (SQLite)</a:t>
-            </a:r>
-          </a:p>
-          <a:p>
-            <a:pPr algn="ctr">
-              <a:spcBef>
-                <a:spcPts val="200"/>
-              </a:spcBef>
-              <a:spcAft>
-                <a:spcPts val="200"/>
-              </a:spcAft>
-            </a:pPr>
-            <a:r>
-              <a:rPr sz="1200" b="0">
-                <a:solidFill>
-                  <a:srgbClr val="FFFFFF"/>
-                </a:solidFill>
-                <a:latin typeface="Arial"/>
-              </a:rPr>
-              <a:t>System Metrics</a:t>
-            </a:r>
-          </a:p>
-        </p:txBody>
-      </p:sp>
-      <p:sp>
-        <p:nvSpPr>
-          <p:cNvPr id="9" name="Rounded Rectangle 8"/>
-          <p:cNvSpPr/>
-          <p:nvPr/>
-        </p:nvSpPr>
-        <p:spPr>
-          <a:xfrm>
-            <a:off x="8686800" y="2011680"/>
-            <a:ext cx="2560320" cy="1645920"/>
-          </a:xfrm>
-          <a:prstGeom prst="roundRect">
-            <a:avLst/>
-          </a:prstGeom>
-          <a:solidFill>
-            <a:srgbClr val="388E3C"/>
-          </a:solidFill>
-          <a:ln>
-            <a:noFill/>
-          </a:ln>
-        </p:spPr>
-        <p:style>
-          <a:lnRef idx="1">
-            <a:schemeClr val="accent1"/>
-          </a:lnRef>
-          <a:fillRef idx="3">
-            <a:schemeClr val="accent1"/>
-          </a:fillRef>
-          <a:effectRef idx="2">
-            <a:schemeClr val="accent1"/>
-          </a:effectRef>
-          <a:fontRef idx="minor">
-            <a:schemeClr val="lt1"/>
-          </a:fontRef>
-        </p:style>
-        <p:txBody>
-          <a:bodyPr rtlCol="0" anchor="ctr" wrap="square"/>
-          <a:lstStyle/>
-          <a:p>
-            <a:pPr algn="ctr">
-              <a:spcBef>
-                <a:spcPts val="200"/>
-              </a:spcBef>
-              <a:spcAft>
-                <a:spcPts val="200"/>
-              </a:spcAft>
-            </a:pPr>
-            <a:r>
-              <a:rPr sz="1200" b="0">
-                <a:solidFill>
-                  <a:srgbClr val="FFFFFF"/>
-                </a:solidFill>
-                <a:latin typeface="Arial"/>
-              </a:rPr>
-              <a:t>SysManage Agent</a:t>
-            </a:r>
-          </a:p>
-          <a:p>
-            <a:pPr algn="ctr">
-              <a:spcBef>
-                <a:spcPts val="200"/>
-              </a:spcBef>
-              <a:spcAft>
-                <a:spcPts val="200"/>
-              </a:spcAft>
-            </a:pPr>
-            <a:r>
-              <a:rPr sz="1200" b="0">
-                <a:solidFill>
-                  <a:srgbClr val="FFFFFF"/>
-                </a:solidFill>
-                <a:latin typeface="Arial"/>
-              </a:rPr>
-              <a:t/>
-            </a:r>
-          </a:p>
-          <a:p>
-            <a:pPr algn="ctr">
-              <a:spcBef>
-                <a:spcPts val="200"/>
-              </a:spcBef>
-              <a:spcAft>
-                <a:spcPts val="200"/>
-              </a:spcAft>
-            </a:pPr>
-            <a:r>
-              <a:rPr sz="1200" b="0">
-                <a:solidFill>
-                  <a:srgbClr val="FFFFFF"/>
-                </a:solidFill>
-                <a:latin typeface="Arial"/>
-              </a:rPr>
-              <a:t>Local DB (SQLite)</a:t>
-            </a:r>
-          </a:p>
-          <a:p>
-            <a:pPr algn="ctr">
-              <a:spcBef>
-                <a:spcPts val="200"/>
-              </a:spcBef>
-              <a:spcAft>
-                <a:spcPts val="200"/>
-              </a:spcAft>
-            </a:pPr>
-            <a:r>
-              <a:rPr sz="1200" b="0">
-                <a:solidFill>
-                  <a:srgbClr val="FFFFFF"/>
-                </a:solidFill>
-                <a:latin typeface="Arial"/>
-              </a:rPr>
-              <a:t>System Metrics</a:t>
-            </a:r>
-          </a:p>
-        </p:txBody>
-      </p:sp>
-      <p:sp>
-        <p:nvSpPr>
-          <p:cNvPr id="10" name="TextBox 9"/>
-          <p:cNvSpPr txBox="1"/>
-          <p:nvPr/>
-        </p:nvSpPr>
-        <p:spPr>
-          <a:xfrm>
-            <a:off x="2743200" y="2286000"/>
-            <a:ext cx="1371600" cy="365760"/>
-          </a:xfrm>
-          <a:prstGeom prst="rect">
-            <a:avLst/>
-          </a:prstGeom>
-          <a:noFill/>
-        </p:spPr>
-        <p:txBody>
-          <a:bodyPr wrap="none">
-            <a:spAutoFit/>
-          </a:bodyPr>
-          <a:lstStyle/>
-          <a:p>
-            <a:pPr algn="ctr"/>
-            <a:r>
-              <a:rPr sz="1200" b="1">
-                <a:solidFill>
-                  <a:srgbClr val="1976D2"/>
-                </a:solidFill>
-                <a:latin typeface="Arial"/>
-              </a:rPr>
-              <a:t>mTLS
-↔</a:t>
-            </a:r>
-          </a:p>
-        </p:txBody>
-      </p:sp>
-      <p:sp>
-        <p:nvSpPr>
-          <p:cNvPr id="11" name="TextBox 10"/>
-          <p:cNvSpPr txBox="1"/>
-          <p:nvPr/>
-        </p:nvSpPr>
-        <p:spPr>
-          <a:xfrm>
-            <a:off x="8229600" y="2286000"/>
-            <a:ext cx="1371600" cy="365760"/>
-          </a:xfrm>
-          <a:prstGeom prst="rect">
-            <a:avLst/>
-          </a:prstGeom>
-          <a:noFill/>
-        </p:spPr>
-        <p:txBody>
-          <a:bodyPr wrap="none">
-            <a:spAutoFit/>
-          </a:bodyPr>
-          <a:lstStyle/>
-          <a:p>
-            <a:pPr algn="ctr"/>
-            <a:r>
-              <a:rPr sz="1200" b="1">
-                <a:solidFill>
-                  <a:srgbClr val="1976D2"/>
-                </a:solidFill>
-                <a:latin typeface="Arial"/>
-              </a:rPr>
-              <a:t>mTLS
-↔</a:t>
-            </a:r>
-          </a:p>
-        </p:txBody>
-      </p:sp>
-      <p:sp>
-        <p:nvSpPr>
-          <p:cNvPr id="12" name="Rounded Rectangle 11"/>
-          <p:cNvSpPr/>
-          <p:nvPr/>
-        </p:nvSpPr>
-        <p:spPr>
-          <a:xfrm>
-            <a:off x="8686800" y="4389120"/>
-            <a:ext cx="2560320" cy="1371600"/>
+            <a:off x="9601200" y="1371600"/>
+            <a:ext cx="2103120" cy="2743200"/>
           </a:xfrm>
           <a:prstGeom prst="roundRect">
             <a:avLst/>
@@ -22050,13 +22496,13 @@
               </a:spcAft>
             </a:pPr>
             <a:r>
-              <a:rPr sz="1100" b="0">
-                <a:solidFill>
-                  <a:srgbClr val="FFFFFF"/>
-                </a:solidFill>
-                <a:latin typeface="Arial"/>
-              </a:rPr>
-              <a:t>Pro+ Modules</a:t>
+              <a:rPr sz="1000" b="0">
+                <a:solidFill>
+                  <a:srgbClr val="FFFFFF"/>
+                </a:solidFill>
+                <a:latin typeface="Arial"/>
+              </a:rPr>
+              <a:t>Pro+</a:t>
             </a:r>
           </a:p>
           <a:p>
@@ -22069,13 +22515,13 @@
               </a:spcAft>
             </a:pPr>
             <a:r>
-              <a:rPr sz="1100" b="0">
-                <a:solidFill>
-                  <a:srgbClr val="FFFFFF"/>
-                </a:solidFill>
-                <a:latin typeface="Arial"/>
-              </a:rPr>
-              <a:t>Health • Compliance</a:t>
+              <a:rPr sz="1000" b="0">
+                <a:solidFill>
+                  <a:srgbClr val="FFFFFF"/>
+                </a:solidFill>
+                <a:latin typeface="Arial"/>
+              </a:rPr>
+              <a:t>Modules</a:t>
             </a:r>
           </a:p>
           <a:p>
@@ -22088,13 +22534,13 @@
               </a:spcAft>
             </a:pPr>
             <a:r>
-              <a:rPr sz="1100" b="0">
-                <a:solidFill>
-                  <a:srgbClr val="FFFFFF"/>
-                </a:solidFill>
-                <a:latin typeface="Arial"/>
-              </a:rPr>
-              <a:t>Reporting • Secrets</a:t>
+              <a:rPr sz="1000" b="0">
+                <a:solidFill>
+                  <a:srgbClr val="FFFFFF"/>
+                </a:solidFill>
+                <a:latin typeface="Arial"/>
+              </a:rPr>
+              <a:t/>
             </a:r>
           </a:p>
           <a:p>
@@ -22107,13 +22553,205 @@
               </a:spcAft>
             </a:pPr>
             <a:r>
-              <a:rPr sz="1100" b="0">
-                <a:solidFill>
-                  <a:srgbClr val="FFFFFF"/>
-                </a:solidFill>
-                <a:latin typeface="Arial"/>
-              </a:rPr>
-              <a:t>Containers • CVE</a:t>
+              <a:rPr sz="1000" b="0">
+                <a:solidFill>
+                  <a:srgbClr val="FFFFFF"/>
+                </a:solidFill>
+                <a:latin typeface="Arial"/>
+              </a:rPr>
+              <a:t>Health</a:t>
+            </a:r>
+          </a:p>
+          <a:p>
+            <a:pPr algn="ctr">
+              <a:spcBef>
+                <a:spcPts val="200"/>
+              </a:spcBef>
+              <a:spcAft>
+                <a:spcPts val="200"/>
+              </a:spcAft>
+            </a:pPr>
+            <a:r>
+              <a:rPr sz="1000" b="0">
+                <a:solidFill>
+                  <a:srgbClr val="FFFFFF"/>
+                </a:solidFill>
+                <a:latin typeface="Arial"/>
+              </a:rPr>
+              <a:t>Compliance</a:t>
+            </a:r>
+          </a:p>
+          <a:p>
+            <a:pPr algn="ctr">
+              <a:spcBef>
+                <a:spcPts val="200"/>
+              </a:spcBef>
+              <a:spcAft>
+                <a:spcPts val="200"/>
+              </a:spcAft>
+            </a:pPr>
+            <a:r>
+              <a:rPr sz="1000" b="0">
+                <a:solidFill>
+                  <a:srgbClr val="FFFFFF"/>
+                </a:solidFill>
+                <a:latin typeface="Arial"/>
+              </a:rPr>
+              <a:t>Reporting</a:t>
+            </a:r>
+          </a:p>
+          <a:p>
+            <a:pPr algn="ctr">
+              <a:spcBef>
+                <a:spcPts val="200"/>
+              </a:spcBef>
+              <a:spcAft>
+                <a:spcPts val="200"/>
+              </a:spcAft>
+            </a:pPr>
+            <a:r>
+              <a:rPr sz="1000" b="0">
+                <a:solidFill>
+                  <a:srgbClr val="FFFFFF"/>
+                </a:solidFill>
+                <a:latin typeface="Arial"/>
+              </a:rPr>
+              <a:t>Secrets</a:t>
+            </a:r>
+          </a:p>
+          <a:p>
+            <a:pPr algn="ctr">
+              <a:spcBef>
+                <a:spcPts val="200"/>
+              </a:spcBef>
+              <a:spcAft>
+                <a:spcPts val="200"/>
+              </a:spcAft>
+            </a:pPr>
+            <a:r>
+              <a:rPr sz="1000" b="0">
+                <a:solidFill>
+                  <a:srgbClr val="FFFFFF"/>
+                </a:solidFill>
+                <a:latin typeface="Arial"/>
+              </a:rPr>
+              <a:t>CVE</a:t>
+            </a:r>
+          </a:p>
+        </p:txBody>
+      </p:sp>
+      <p:sp>
+        <p:nvSpPr>
+          <p:cNvPr id="11" name="Rounded Rectangle 10"/>
+          <p:cNvSpPr/>
+          <p:nvPr/>
+        </p:nvSpPr>
+        <p:spPr>
+          <a:xfrm>
+            <a:off x="731520" y="4206240"/>
+            <a:ext cx="4206240" cy="1097280"/>
+          </a:xfrm>
+          <a:prstGeom prst="roundRect">
+            <a:avLst/>
+          </a:prstGeom>
+          <a:solidFill>
+            <a:srgbClr val="0D3D5C"/>
+          </a:solidFill>
+          <a:ln>
+            <a:noFill/>
+          </a:ln>
+        </p:spPr>
+        <p:style>
+          <a:lnRef idx="1">
+            <a:schemeClr val="accent1"/>
+          </a:lnRef>
+          <a:fillRef idx="3">
+            <a:schemeClr val="accent1"/>
+          </a:fillRef>
+          <a:effectRef idx="2">
+            <a:schemeClr val="accent1"/>
+          </a:effectRef>
+          <a:fontRef idx="minor">
+            <a:schemeClr val="lt1"/>
+          </a:fontRef>
+        </p:style>
+        <p:txBody>
+          <a:bodyPr rtlCol="0" anchor="ctr" wrap="square"/>
+          <a:lstStyle/>
+          <a:p>
+            <a:pPr algn="ctr">
+              <a:spcBef>
+                <a:spcPts val="200"/>
+              </a:spcBef>
+              <a:spcAft>
+                <a:spcPts val="200"/>
+              </a:spcAft>
+            </a:pPr>
+            <a:r>
+              <a:rPr sz="1000" b="0">
+                <a:solidFill>
+                  <a:srgbClr val="FFFFFF"/>
+                </a:solidFill>
+                <a:latin typeface="Arial"/>
+              </a:rPr>
+              <a:t>Message Queue Architecture</a:t>
+            </a:r>
+          </a:p>
+          <a:p>
+            <a:pPr algn="ctr">
+              <a:spcBef>
+                <a:spcPts val="200"/>
+              </a:spcBef>
+              <a:spcAft>
+                <a:spcPts val="200"/>
+              </a:spcAft>
+            </a:pPr>
+            <a:r>
+              <a:rPr sz="1000" b="0">
+                <a:solidFill>
+                  <a:srgbClr val="FFFFFF"/>
+                </a:solidFill>
+                <a:latin typeface="Arial"/>
+              </a:rPr>
+              <a:t>All agent ↔ server communication is queued</a:t>
+            </a:r>
+          </a:p>
+          <a:p>
+            <a:pPr algn="ctr">
+              <a:spcBef>
+                <a:spcPts val="200"/>
+              </a:spcBef>
+              <a:spcAft>
+                <a:spcPts val="200"/>
+              </a:spcAft>
+            </a:pPr>
+            <a:r>
+              <a:rPr sz="1000" b="0">
+                <a:solidFill>
+                  <a:srgbClr val="FFFFFF"/>
+                </a:solidFill>
+                <a:latin typeface="Arial"/>
+              </a:rPr>
+              <a:t>to the database. Background threads process</a:t>
+            </a:r>
+          </a:p>
+          <a:p>
+            <a:pPr algn="ctr">
+              <a:spcBef>
+                <a:spcPts val="200"/>
+              </a:spcBef>
+              <a:spcAft>
+                <a:spcPts val="200"/>
+              </a:spcAft>
+            </a:pPr>
+            <a:r>
+              <a:rPr sz="1000" b="0">
+                <a:solidFill>
+                  <a:srgbClr val="FFFFFF"/>
+                </a:solidFill>
+                <a:latin typeface="Arial"/>
+              </a:rPr>
+              <a:t>messages — no data loss on crash or restart.</a:t>
             </a:r>
           </a:p>
         </p:txBody>

--- a/Presentations/SysManage.pptx
+++ b/Presentations/SysManage.pptx
@@ -35,6 +35,8 @@
     <p:sldId id="283" r:id="rId34"/>
     <p:sldId id="284" r:id="rId35"/>
     <p:sldId id="285" r:id="rId36"/>
+    <p:sldId id="286" r:id="rId37"/>
+    <p:sldId id="287" r:id="rId38"/>
   </p:sldIdLst>
   <p:sldSz cx="12191695" cy="6858000" type="screen4x3"/>
   <p:notesSz cx="6858000" cy="9144000"/>
@@ -8412,8 +8414,8 @@
         </p:nvSpPr>
         <p:spPr>
           <a:xfrm>
-            <a:off x="731520" y="6035040"/>
-            <a:ext cx="10515600" cy="320040"/>
+            <a:off x="731520" y="5760720"/>
+            <a:ext cx="10515600" cy="457200"/>
           </a:xfrm>
           <a:prstGeom prst="rect">
             <a:avLst/>
@@ -8426,8 +8428,9 @@
           </a:bodyPr>
           <a:lstStyle/>
           <a:p>
-            <a:r>
-              <a:rPr sz="1100" b="1">
+            <a:pPr algn="ctr"/>
+            <a:r>
+              <a:rPr sz="1600" b="1">
                 <a:solidFill>
                   <a:srgbClr val="1A2332"/>
                 </a:solidFill>
@@ -8755,6 +8758,25 @@
               <a:t>•  Audit requirements — every action must be traceable and tamper-evident</a:t>
             </a:r>
           </a:p>
+          <a:p>
+            <a:pPr>
+              <a:spcBef>
+                <a:spcPts val="600"/>
+              </a:spcBef>
+              <a:spcAft>
+                <a:spcPts val="400"/>
+              </a:spcAft>
+            </a:pPr>
+            <a:r>
+              <a:rPr sz="1800" b="0">
+                <a:solidFill>
+                  <a:srgbClr val="1A2332"/>
+                </a:solidFill>
+                <a:latin typeface="Arial"/>
+              </a:rPr>
+              <a:t>•  Scalability testing in CI/CD — load testing in the pipeline to reduce DDoS attack impact</a:t>
+            </a:r>
+          </a:p>
         </p:txBody>
       </p:sp>
     </p:spTree>
@@ -12400,8 +12422,8 @@
         </p:nvSpPr>
         <p:spPr>
           <a:xfrm>
-            <a:off x="1188720" y="1380744"/>
-            <a:ext cx="4572000" cy="594360"/>
+            <a:off x="1234440" y="1380744"/>
+            <a:ext cx="4526280" cy="594360"/>
           </a:xfrm>
           <a:prstGeom prst="rect">
             <a:avLst/>
@@ -12502,8 +12524,8 @@
         </p:nvSpPr>
         <p:spPr>
           <a:xfrm>
-            <a:off x="1188720" y="2002536"/>
-            <a:ext cx="4572000" cy="594360"/>
+            <a:off x="1234440" y="2002536"/>
+            <a:ext cx="4526280" cy="594360"/>
           </a:xfrm>
           <a:prstGeom prst="rect">
             <a:avLst/>
@@ -12604,8 +12626,8 @@
         </p:nvSpPr>
         <p:spPr>
           <a:xfrm>
-            <a:off x="1188720" y="2624328"/>
-            <a:ext cx="4572000" cy="594360"/>
+            <a:off x="1234440" y="2624328"/>
+            <a:ext cx="4526280" cy="594360"/>
           </a:xfrm>
           <a:prstGeom prst="rect">
             <a:avLst/>
@@ -12706,8 +12728,8 @@
         </p:nvSpPr>
         <p:spPr>
           <a:xfrm>
-            <a:off x="1188720" y="3246120"/>
-            <a:ext cx="4572000" cy="594360"/>
+            <a:off x="1234440" y="3246120"/>
+            <a:ext cx="4526280" cy="594360"/>
           </a:xfrm>
           <a:prstGeom prst="rect">
             <a:avLst/>
@@ -12808,8 +12830,8 @@
         </p:nvSpPr>
         <p:spPr>
           <a:xfrm>
-            <a:off x="1188720" y="3867912"/>
-            <a:ext cx="4572000" cy="594360"/>
+            <a:off x="1234440" y="3867912"/>
+            <a:ext cx="4526280" cy="594360"/>
           </a:xfrm>
           <a:prstGeom prst="rect">
             <a:avLst/>
@@ -12910,8 +12932,8 @@
         </p:nvSpPr>
         <p:spPr>
           <a:xfrm>
-            <a:off x="1188720" y="4489704"/>
-            <a:ext cx="4572000" cy="594360"/>
+            <a:off x="1234440" y="4489704"/>
+            <a:ext cx="4526280" cy="594360"/>
           </a:xfrm>
           <a:prstGeom prst="rect">
             <a:avLst/>
@@ -13012,8 +13034,8 @@
         </p:nvSpPr>
         <p:spPr>
           <a:xfrm>
-            <a:off x="1188720" y="5111496"/>
-            <a:ext cx="4572000" cy="594360"/>
+            <a:off x="1234440" y="5111496"/>
+            <a:ext cx="4526280" cy="594360"/>
           </a:xfrm>
           <a:prstGeom prst="rect">
             <a:avLst/>
@@ -13114,8 +13136,8 @@
         </p:nvSpPr>
         <p:spPr>
           <a:xfrm>
-            <a:off x="6400800" y="1380744"/>
-            <a:ext cx="4572000" cy="594360"/>
+            <a:off x="6446520" y="1380744"/>
+            <a:ext cx="4526280" cy="594360"/>
           </a:xfrm>
           <a:prstGeom prst="rect">
             <a:avLst/>
@@ -13216,8 +13238,8 @@
         </p:nvSpPr>
         <p:spPr>
           <a:xfrm>
-            <a:off x="6400800" y="2002536"/>
-            <a:ext cx="4572000" cy="594360"/>
+            <a:off x="6446520" y="2002536"/>
+            <a:ext cx="4526280" cy="594360"/>
           </a:xfrm>
           <a:prstGeom prst="rect">
             <a:avLst/>
@@ -13267,7 +13289,7 @@
         <p:spPr>
           <a:xfrm>
             <a:off x="5943600" y="2660904"/>
-            <a:ext cx="347472" cy="347472"/>
+            <a:ext cx="411480" cy="411480"/>
           </a:xfrm>
           <a:prstGeom prst="ellipse">
             <a:avLst/>
@@ -13299,7 +13321,7 @@
           <a:p>
             <a:pPr algn="ctr"/>
             <a:r>
-              <a:rPr sz="900" b="1">
+              <a:rPr sz="1000" b="1">
                 <a:solidFill>
                   <a:srgbClr val="FFFFFF"/>
                 </a:solidFill>
@@ -13318,8 +13340,8 @@
         </p:nvSpPr>
         <p:spPr>
           <a:xfrm>
-            <a:off x="6400800" y="2624328"/>
-            <a:ext cx="4572000" cy="594360"/>
+            <a:off x="6446520" y="2624328"/>
+            <a:ext cx="4526280" cy="594360"/>
           </a:xfrm>
           <a:prstGeom prst="rect">
             <a:avLst/>
@@ -13369,7 +13391,7 @@
         <p:spPr>
           <a:xfrm>
             <a:off x="5943600" y="3282696"/>
-            <a:ext cx="347472" cy="347472"/>
+            <a:ext cx="411480" cy="411480"/>
           </a:xfrm>
           <a:prstGeom prst="ellipse">
             <a:avLst/>
@@ -13401,7 +13423,7 @@
           <a:p>
             <a:pPr algn="ctr"/>
             <a:r>
-              <a:rPr sz="900" b="1">
+              <a:rPr sz="1000" b="1">
                 <a:solidFill>
                   <a:srgbClr val="FFFFFF"/>
                 </a:solidFill>
@@ -13420,8 +13442,8 @@
         </p:nvSpPr>
         <p:spPr>
           <a:xfrm>
-            <a:off x="6400800" y="3246120"/>
-            <a:ext cx="4572000" cy="594360"/>
+            <a:off x="6446520" y="3246120"/>
+            <a:ext cx="4526280" cy="594360"/>
           </a:xfrm>
           <a:prstGeom prst="rect">
             <a:avLst/>
@@ -13471,7 +13493,7 @@
         <p:spPr>
           <a:xfrm>
             <a:off x="5943600" y="3904488"/>
-            <a:ext cx="347472" cy="347472"/>
+            <a:ext cx="411480" cy="411480"/>
           </a:xfrm>
           <a:prstGeom prst="ellipse">
             <a:avLst/>
@@ -13503,7 +13525,7 @@
           <a:p>
             <a:pPr algn="ctr"/>
             <a:r>
-              <a:rPr sz="900" b="1">
+              <a:rPr sz="1000" b="1">
                 <a:solidFill>
                   <a:srgbClr val="FFFFFF"/>
                 </a:solidFill>
@@ -13522,8 +13544,8 @@
         </p:nvSpPr>
         <p:spPr>
           <a:xfrm>
-            <a:off x="6400800" y="3867912"/>
-            <a:ext cx="4572000" cy="594360"/>
+            <a:off x="6446520" y="3867912"/>
+            <a:ext cx="4526280" cy="594360"/>
           </a:xfrm>
           <a:prstGeom prst="rect">
             <a:avLst/>
@@ -13573,7 +13595,7 @@
         <p:spPr>
           <a:xfrm>
             <a:off x="5943600" y="4526280"/>
-            <a:ext cx="347472" cy="347472"/>
+            <a:ext cx="411480" cy="411480"/>
           </a:xfrm>
           <a:prstGeom prst="ellipse">
             <a:avLst/>
@@ -13605,7 +13627,7 @@
           <a:p>
             <a:pPr algn="ctr"/>
             <a:r>
-              <a:rPr sz="900" b="1">
+              <a:rPr sz="1000" b="1">
                 <a:solidFill>
                   <a:srgbClr val="FFFFFF"/>
                 </a:solidFill>
@@ -13624,8 +13646,8 @@
         </p:nvSpPr>
         <p:spPr>
           <a:xfrm>
-            <a:off x="6400800" y="4489704"/>
-            <a:ext cx="4572000" cy="594360"/>
+            <a:off x="6446520" y="4489704"/>
+            <a:ext cx="4526280" cy="594360"/>
           </a:xfrm>
           <a:prstGeom prst="rect">
             <a:avLst/>
@@ -13675,7 +13697,7 @@
         <p:spPr>
           <a:xfrm>
             <a:off x="5943600" y="5148072"/>
-            <a:ext cx="347472" cy="347472"/>
+            <a:ext cx="411480" cy="411480"/>
           </a:xfrm>
           <a:prstGeom prst="ellipse">
             <a:avLst/>
@@ -13707,7 +13729,7 @@
           <a:p>
             <a:pPr algn="ctr"/>
             <a:r>
-              <a:rPr sz="900" b="1">
+              <a:rPr sz="1000" b="1">
                 <a:solidFill>
                   <a:srgbClr val="FFFFFF"/>
                 </a:solidFill>
@@ -13726,8 +13748,8 @@
         </p:nvSpPr>
         <p:spPr>
           <a:xfrm>
-            <a:off x="6400800" y="5111496"/>
-            <a:ext cx="4572000" cy="594360"/>
+            <a:off x="6446520" y="5111496"/>
+            <a:ext cx="4526280" cy="594360"/>
           </a:xfrm>
           <a:prstGeom prst="rect">
             <a:avLst/>
@@ -13777,7 +13799,7 @@
         <p:spPr>
           <a:xfrm>
             <a:off x="5943600" y="5769864"/>
-            <a:ext cx="347472" cy="347472"/>
+            <a:ext cx="411480" cy="411480"/>
           </a:xfrm>
           <a:prstGeom prst="ellipse">
             <a:avLst/>
@@ -13809,7 +13831,7 @@
           <a:p>
             <a:pPr algn="ctr"/>
             <a:r>
-              <a:rPr sz="900" b="1">
+              <a:rPr sz="1000" b="1">
                 <a:solidFill>
                   <a:srgbClr val="FFFFFF"/>
                 </a:solidFill>
@@ -13828,8 +13850,8 @@
         </p:nvSpPr>
         <p:spPr>
           <a:xfrm>
-            <a:off x="6400800" y="5733288"/>
-            <a:ext cx="4572000" cy="594360"/>
+            <a:off x="6446520" y="5733288"/>
+            <a:ext cx="4526280" cy="594360"/>
           </a:xfrm>
           <a:prstGeom prst="rect">
             <a:avLst/>
@@ -14450,7 +14472,7 @@
                 </a:solidFill>
                 <a:latin typeface="Arial"/>
               </a:rPr>
-              <a:t>Roadmap Overview</a:t>
+              <a:t>Codebase &amp; Development History</a:t>
             </a:r>
           </a:p>
         </p:txBody>
@@ -14542,14 +14564,14 @@
         </p:nvSpPr>
         <p:spPr>
           <a:xfrm>
-            <a:off x="365760" y="1143000"/>
-            <a:ext cx="1463040" cy="1005840"/>
+            <a:off x="457200" y="1188720"/>
+            <a:ext cx="2011680" cy="822960"/>
           </a:xfrm>
           <a:prstGeom prst="roundRect">
             <a:avLst/>
           </a:prstGeom>
           <a:solidFill>
-            <a:srgbClr val="666666"/>
+            <a:srgbClr val="0D3D5C"/>
           </a:solidFill>
           <a:ln>
             <a:noFill/>
@@ -14582,13 +14604,13 @@
               </a:spcAft>
             </a:pPr>
             <a:r>
-              <a:rPr sz="800" b="0">
-                <a:solidFill>
-                  <a:srgbClr val="FFFFFF"/>
-                </a:solidFill>
-                <a:latin typeface="Arial"/>
-              </a:rPr>
-              <a:t>v0.9.0</a:t>
+              <a:rPr sz="1300" b="0">
+                <a:solidFill>
+                  <a:srgbClr val="FFFFFF"/>
+                </a:solidFill>
+                <a:latin typeface="Arial"/>
+              </a:rPr>
+              <a:t>22 Months</a:t>
             </a:r>
           </a:p>
           <a:p>
@@ -14601,14 +14623,13 @@
               </a:spcAft>
             </a:pPr>
             <a:r>
-              <a:rPr sz="800" b="0">
-                <a:solidFill>
-                  <a:srgbClr val="FFFFFF"/>
-                </a:solidFill>
-                <a:latin typeface="Arial"/>
-              </a:rPr>
-              <a:t>Foundation
-+ Core Platform</a:t>
+              <a:rPr sz="1300" b="0">
+                <a:solidFill>
+                  <a:srgbClr val="FFFFFF"/>
+                </a:solidFill>
+                <a:latin typeface="Arial"/>
+              </a:rPr>
+              <a:t>Under Development</a:t>
             </a:r>
           </a:p>
         </p:txBody>
@@ -14621,14 +14642,14 @@
         </p:nvSpPr>
         <p:spPr>
           <a:xfrm>
-            <a:off x="2011680" y="1143000"/>
-            <a:ext cx="1463040" cy="1005840"/>
+            <a:off x="2743200" y="1188720"/>
+            <a:ext cx="2011680" cy="822960"/>
           </a:xfrm>
           <a:prstGeom prst="roundRect">
             <a:avLst/>
           </a:prstGeom>
           <a:solidFill>
-            <a:srgbClr val="666666"/>
+            <a:srgbClr val="0D3D5C"/>
           </a:solidFill>
           <a:ln>
             <a:noFill/>
@@ -14661,13 +14682,13 @@
               </a:spcAft>
             </a:pPr>
             <a:r>
-              <a:rPr sz="800" b="0">
-                <a:solidFill>
-                  <a:srgbClr val="FFFFFF"/>
-                </a:solidFill>
-                <a:latin typeface="Arial"/>
-              </a:rPr>
-              <a:t>v0.9.1</a:t>
+              <a:rPr sz="1300" b="0">
+                <a:solidFill>
+                  <a:srgbClr val="FFFFFF"/>
+                </a:solidFill>
+                <a:latin typeface="Arial"/>
+              </a:rPr>
+              <a:t>1M+ Lines</a:t>
             </a:r>
           </a:p>
           <a:p>
@@ -14680,14 +14701,13 @@
               </a:spcAft>
             </a:pPr>
             <a:r>
-              <a:rPr sz="800" b="0">
-                <a:solidFill>
-                  <a:srgbClr val="FFFFFF"/>
-                </a:solidFill>
-                <a:latin typeface="Arial"/>
-              </a:rPr>
-              <a:t>CI/CD
-&amp; Quality</a:t>
+              <a:rPr sz="1300" b="0">
+                <a:solidFill>
+                  <a:srgbClr val="FFFFFF"/>
+                </a:solidFill>
+                <a:latin typeface="Arial"/>
+              </a:rPr>
+              <a:t>of Code</a:t>
             </a:r>
           </a:p>
         </p:txBody>
@@ -14700,14 +14720,14 @@
         </p:nvSpPr>
         <p:spPr>
           <a:xfrm>
-            <a:off x="3657600" y="1143000"/>
-            <a:ext cx="1463040" cy="1005840"/>
+            <a:off x="5029200" y="1188720"/>
+            <a:ext cx="2011680" cy="822960"/>
           </a:xfrm>
           <a:prstGeom prst="roundRect">
             <a:avLst/>
           </a:prstGeom>
           <a:solidFill>
-            <a:srgbClr val="666666"/>
+            <a:srgbClr val="0D3D5C"/>
           </a:solidFill>
           <a:ln>
             <a:noFill/>
@@ -14740,13 +14760,13 @@
               </a:spcAft>
             </a:pPr>
             <a:r>
-              <a:rPr sz="800" b="0">
-                <a:solidFill>
-                  <a:srgbClr val="FFFFFF"/>
-                </a:solidFill>
-                <a:latin typeface="Arial"/>
-              </a:rPr>
-              <a:t>v0.9.2</a:t>
+              <a:rPr sz="1300" b="0">
+                <a:solidFill>
+                  <a:srgbClr val="FFFFFF"/>
+                </a:solidFill>
+                <a:latin typeface="Arial"/>
+              </a:rPr>
+              <a:t>2,400+</a:t>
             </a:r>
           </a:p>
           <a:p>
@@ -14759,14 +14779,13 @@
               </a:spcAft>
             </a:pPr>
             <a:r>
-              <a:rPr sz="800" b="0">
-                <a:solidFill>
-                  <a:srgbClr val="FFFFFF"/>
-                </a:solidFill>
-                <a:latin typeface="Arial"/>
-              </a:rPr>
-              <a:t>Mgmt
-Features</a:t>
+              <a:rPr sz="1300" b="0">
+                <a:solidFill>
+                  <a:srgbClr val="FFFFFF"/>
+                </a:solidFill>
+                <a:latin typeface="Arial"/>
+              </a:rPr>
+              <a:t>Commits</a:t>
             </a:r>
           </a:p>
         </p:txBody>
@@ -14779,14 +14798,14 @@
         </p:nvSpPr>
         <p:spPr>
           <a:xfrm>
-            <a:off x="5303520" y="1143000"/>
-            <a:ext cx="1463040" cy="1005840"/>
+            <a:off x="7315200" y="1188720"/>
+            <a:ext cx="2011680" cy="822960"/>
           </a:xfrm>
           <a:prstGeom prst="roundRect">
             <a:avLst/>
           </a:prstGeom>
           <a:solidFill>
-            <a:srgbClr val="666666"/>
+            <a:srgbClr val="0D3D5C"/>
           </a:solidFill>
           <a:ln>
             <a:noFill/>
@@ -14819,13 +14838,13 @@
               </a:spcAft>
             </a:pPr>
             <a:r>
-              <a:rPr sz="800" b="0">
-                <a:solidFill>
-                  <a:srgbClr val="FFFFFF"/>
-                </a:solidFill>
-                <a:latin typeface="Arial"/>
-              </a:rPr>
-              <a:t>v1.0.0</a:t>
+              <a:rPr sz="1300" b="0">
+                <a:solidFill>
+                  <a:srgbClr val="FFFFFF"/>
+                </a:solidFill>
+                <a:latin typeface="Arial"/>
+              </a:rPr>
+              <a:t>72</a:t>
             </a:r>
           </a:p>
           <a:p>
@@ -14838,14 +14857,13 @@
               </a:spcAft>
             </a:pPr>
             <a:r>
-              <a:rPr sz="800" b="0">
-                <a:solidFill>
-                  <a:srgbClr val="FFFFFF"/>
-                </a:solidFill>
-                <a:latin typeface="Arial"/>
-              </a:rPr>
-              <a:t>Child Host
-Foundation</a:t>
+              <a:rPr sz="1300" b="0">
+                <a:solidFill>
+                  <a:srgbClr val="FFFFFF"/>
+                </a:solidFill>
+                <a:latin typeface="Arial"/>
+              </a:rPr>
+              <a:t>Release Tags</a:t>
             </a:r>
           </a:p>
         </p:txBody>
@@ -14858,14 +14876,14 @@
         </p:nvSpPr>
         <p:spPr>
           <a:xfrm>
-            <a:off x="6949440" y="1143000"/>
-            <a:ext cx="1463040" cy="1005840"/>
+            <a:off x="9601200" y="1188720"/>
+            <a:ext cx="2011680" cy="822960"/>
           </a:xfrm>
           <a:prstGeom prst="roundRect">
             <a:avLst/>
           </a:prstGeom>
           <a:solidFill>
-            <a:srgbClr val="666666"/>
+            <a:srgbClr val="0D3D5C"/>
           </a:solidFill>
           <a:ln>
             <a:noFill/>
@@ -14898,13 +14916,13 @@
               </a:spcAft>
             </a:pPr>
             <a:r>
-              <a:rPr sz="800" b="0">
-                <a:solidFill>
-                  <a:srgbClr val="FFFFFF"/>
-                </a:solidFill>
-                <a:latin typeface="Arial"/>
-              </a:rPr>
-              <a:t>v1.0.1</a:t>
+              <a:rPr sz="1300" b="0">
+                <a:solidFill>
+                  <a:srgbClr val="FFFFFF"/>
+                </a:solidFill>
+                <a:latin typeface="Arial"/>
+              </a:rPr>
+              <a:t>4</a:t>
             </a:r>
           </a:p>
           <a:p>
@@ -14917,97 +14935,535 @@
               </a:spcAft>
             </a:pPr>
             <a:r>
-              <a:rPr sz="800" b="0">
-                <a:solidFill>
-                  <a:srgbClr val="FFFFFF"/>
-                </a:solidFill>
-                <a:latin typeface="Arial"/>
-              </a:rPr>
-              <a:t>Virtualization
-Expansion</a:t>
-            </a:r>
-          </a:p>
-        </p:txBody>
-      </p:sp>
-      <p:sp>
-        <p:nvSpPr>
-          <p:cNvPr id="11" name="Rounded Rectangle 10"/>
-          <p:cNvSpPr/>
-          <p:nvPr/>
-        </p:nvSpPr>
-        <p:spPr>
-          <a:xfrm>
-            <a:off x="8595360" y="1143000"/>
-            <a:ext cx="1463040" cy="1005840"/>
-          </a:xfrm>
-          <a:prstGeom prst="roundRect">
-            <a:avLst/>
-          </a:prstGeom>
-          <a:solidFill>
-            <a:srgbClr val="666666"/>
-          </a:solidFill>
-          <a:ln>
-            <a:noFill/>
-          </a:ln>
-        </p:spPr>
-        <p:style>
-          <a:lnRef idx="1">
-            <a:schemeClr val="accent1"/>
-          </a:lnRef>
-          <a:fillRef idx="3">
-            <a:schemeClr val="accent1"/>
-          </a:fillRef>
-          <a:effectRef idx="2">
-            <a:schemeClr val="accent1"/>
-          </a:effectRef>
-          <a:fontRef idx="minor">
-            <a:schemeClr val="lt1"/>
-          </a:fontRef>
-        </p:style>
-        <p:txBody>
-          <a:bodyPr rtlCol="0" anchor="ctr" wrap="square"/>
-          <a:lstStyle/>
-          <a:p>
-            <a:pPr algn="ctr">
-              <a:spcBef>
-                <a:spcPts val="200"/>
-              </a:spcBef>
-              <a:spcAft>
-                <a:spcPts val="200"/>
-              </a:spcAft>
-            </a:pPr>
-            <a:r>
-              <a:rPr sz="800" b="0">
-                <a:solidFill>
-                  <a:srgbClr val="FFFFFF"/>
-                </a:solidFill>
-                <a:latin typeface="Arial"/>
-              </a:rPr>
-              <a:t>v1.0.2</a:t>
-            </a:r>
-          </a:p>
-          <a:p>
-            <a:pPr algn="ctr">
-              <a:spcBef>
-                <a:spcPts val="200"/>
-              </a:spcBef>
-              <a:spcAft>
-                <a:spcPts val="200"/>
-              </a:spcAft>
-            </a:pPr>
-            <a:r>
-              <a:rPr sz="800" b="0">
-                <a:solidFill>
-                  <a:srgbClr val="FFFFFF"/>
-                </a:solidFill>
-                <a:latin typeface="Arial"/>
-              </a:rPr>
-              <a:t>Platform
-Maturity</a:t>
-            </a:r>
-          </a:p>
-        </p:txBody>
-      </p:sp>
+              <a:rPr sz="1300" b="0">
+                <a:solidFill>
+                  <a:srgbClr val="FFFFFF"/>
+                </a:solidFill>
+                <a:latin typeface="Arial"/>
+              </a:rPr>
+              <a:t>Repositories</a:t>
+            </a:r>
+          </a:p>
+        </p:txBody>
+      </p:sp>
+      <p:graphicFrame>
+        <p:nvGraphicFramePr>
+          <p:cNvPr id="11" name="Table 10"/>
+          <p:cNvGraphicFramePr>
+            <a:graphicFrameLocks noGrp="1"/>
+          </p:cNvGraphicFramePr>
+          <p:nvPr/>
+        </p:nvGraphicFramePr>
+        <p:xfrm>
+          <a:off x="457200" y="2286000"/>
+          <a:ext cx="10972800" cy="1600200"/>
+        </p:xfrm>
+        <a:graphic>
+          <a:graphicData uri="http://schemas.openxmlformats.org/drawingml/2006/table">
+            <a:tbl>
+              <a:tblPr firstRow="1" bandRow="1">
+                <a:tableStyleId>{5C22544A-7EE6-4342-B048-85BDC9FD1C3A}</a:tableStyleId>
+              </a:tblPr>
+              <a:tblGrid>
+                <a:gridCol w="3200400"/>
+                <a:gridCol w="1371600"/>
+                <a:gridCol w="4572000"/>
+                <a:gridCol w="1828800"/>
+              </a:tblGrid>
+              <a:tr h="320040">
+                <a:tc>
+                  <a:txBody>
+                    <a:bodyPr/>
+                    <a:lstStyle/>
+                    <a:p>
+                      <a:pPr>
+                        <a:defRPr sz="1200" b="1">
+                          <a:solidFill>
+                            <a:srgbClr val="FFFFFF"/>
+                          </a:solidFill>
+                          <a:latin typeface="Arial"/>
+                        </a:defRPr>
+                      </a:pPr>
+                      <a:r>
+                        <a:t>Repository</a:t>
+                      </a:r>
+                    </a:p>
+                  </a:txBody>
+                  <a:tcPr>
+                    <a:solidFill>
+                      <a:srgbClr val="0D3D5C"/>
+                    </a:solidFill>
+                  </a:tcPr>
+                </a:tc>
+                <a:tc>
+                  <a:txBody>
+                    <a:bodyPr/>
+                    <a:lstStyle/>
+                    <a:p>
+                      <a:pPr>
+                        <a:defRPr sz="1200" b="1">
+                          <a:solidFill>
+                            <a:srgbClr val="FFFFFF"/>
+                          </a:solidFill>
+                          <a:latin typeface="Arial"/>
+                        </a:defRPr>
+                      </a:pPr>
+                      <a:r>
+                        <a:t>Started</a:t>
+                      </a:r>
+                    </a:p>
+                  </a:txBody>
+                  <a:tcPr>
+                    <a:solidFill>
+                      <a:srgbClr val="0D3D5C"/>
+                    </a:solidFill>
+                  </a:tcPr>
+                </a:tc>
+                <a:tc>
+                  <a:txBody>
+                    <a:bodyPr/>
+                    <a:lstStyle/>
+                    <a:p>
+                      <a:pPr>
+                        <a:defRPr sz="1200" b="1">
+                          <a:solidFill>
+                            <a:srgbClr val="FFFFFF"/>
+                          </a:solidFill>
+                          <a:latin typeface="Arial"/>
+                        </a:defRPr>
+                      </a:pPr>
+                      <a:r>
+                        <a:t>Description</a:t>
+                      </a:r>
+                    </a:p>
+                  </a:txBody>
+                  <a:tcPr>
+                    <a:solidFill>
+                      <a:srgbClr val="0D3D5C"/>
+                    </a:solidFill>
+                  </a:tcPr>
+                </a:tc>
+                <a:tc>
+                  <a:txBody>
+                    <a:bodyPr/>
+                    <a:lstStyle/>
+                    <a:p>
+                      <a:pPr>
+                        <a:defRPr sz="1200" b="1">
+                          <a:solidFill>
+                            <a:srgbClr val="FFFFFF"/>
+                          </a:solidFill>
+                          <a:latin typeface="Arial"/>
+                        </a:defRPr>
+                      </a:pPr>
+                      <a:r>
+                        <a:t>Commits</a:t>
+                      </a:r>
+                    </a:p>
+                  </a:txBody>
+                  <a:tcPr>
+                    <a:solidFill>
+                      <a:srgbClr val="0D3D5C"/>
+                    </a:solidFill>
+                  </a:tcPr>
+                </a:tc>
+              </a:tr>
+              <a:tr h="320040">
+                <a:tc>
+                  <a:txBody>
+                    <a:bodyPr/>
+                    <a:lstStyle/>
+                    <a:p>
+                      <a:pPr>
+                        <a:defRPr sz="1100">
+                          <a:solidFill>
+                            <a:srgbClr val="1A2332"/>
+                          </a:solidFill>
+                          <a:latin typeface="Arial"/>
+                        </a:defRPr>
+                      </a:pPr>
+                      <a:r>
+                        <a:t>sysmanage</a:t>
+                      </a:r>
+                    </a:p>
+                  </a:txBody>
+                  <a:tcPr>
+                    <a:solidFill>
+                      <a:srgbClr val="FFFFFF"/>
+                    </a:solidFill>
+                  </a:tcPr>
+                </a:tc>
+                <a:tc>
+                  <a:txBody>
+                    <a:bodyPr/>
+                    <a:lstStyle/>
+                    <a:p>
+                      <a:pPr>
+                        <a:defRPr sz="1100">
+                          <a:solidFill>
+                            <a:srgbClr val="1A2332"/>
+                          </a:solidFill>
+                          <a:latin typeface="Arial"/>
+                        </a:defRPr>
+                      </a:pPr>
+                      <a:r>
+                        <a:t>Apr 2024</a:t>
+                      </a:r>
+                    </a:p>
+                  </a:txBody>
+                  <a:tcPr>
+                    <a:solidFill>
+                      <a:srgbClr val="FFFFFF"/>
+                    </a:solidFill>
+                  </a:tcPr>
+                </a:tc>
+                <a:tc>
+                  <a:txBody>
+                    <a:bodyPr/>
+                    <a:lstStyle/>
+                    <a:p>
+                      <a:pPr>
+                        <a:defRPr sz="1100">
+                          <a:solidFill>
+                            <a:srgbClr val="1A2332"/>
+                          </a:solidFill>
+                          <a:latin typeface="Arial"/>
+                        </a:defRPr>
+                      </a:pPr>
+                      <a:r>
+                        <a:t>Server: FastAPI + React</a:t>
+                      </a:r>
+                    </a:p>
+                  </a:txBody>
+                  <a:tcPr>
+                    <a:solidFill>
+                      <a:srgbClr val="FFFFFF"/>
+                    </a:solidFill>
+                  </a:tcPr>
+                </a:tc>
+                <a:tc>
+                  <a:txBody>
+                    <a:bodyPr/>
+                    <a:lstStyle/>
+                    <a:p>
+                      <a:pPr>
+                        <a:defRPr sz="1100">
+                          <a:solidFill>
+                            <a:srgbClr val="1A2332"/>
+                          </a:solidFill>
+                          <a:latin typeface="Arial"/>
+                        </a:defRPr>
+                      </a:pPr>
+                      <a:r>
+                        <a:t>1,047 commits</a:t>
+                      </a:r>
+                    </a:p>
+                  </a:txBody>
+                  <a:tcPr>
+                    <a:solidFill>
+                      <a:srgbClr val="FFFFFF"/>
+                    </a:solidFill>
+                  </a:tcPr>
+                </a:tc>
+              </a:tr>
+              <a:tr h="320040">
+                <a:tc>
+                  <a:txBody>
+                    <a:bodyPr/>
+                    <a:lstStyle/>
+                    <a:p>
+                      <a:pPr>
+                        <a:defRPr sz="1100">
+                          <a:solidFill>
+                            <a:srgbClr val="1A2332"/>
+                          </a:solidFill>
+                          <a:latin typeface="Arial"/>
+                        </a:defRPr>
+                      </a:pPr>
+                      <a:r>
+                        <a:t>sysmanage-agent</a:t>
+                      </a:r>
+                    </a:p>
+                  </a:txBody>
+                  <a:tcPr>
+                    <a:solidFill>
+                      <a:srgbClr val="E3F2FD"/>
+                    </a:solidFill>
+                  </a:tcPr>
+                </a:tc>
+                <a:tc>
+                  <a:txBody>
+                    <a:bodyPr/>
+                    <a:lstStyle/>
+                    <a:p>
+                      <a:pPr>
+                        <a:defRPr sz="1100">
+                          <a:solidFill>
+                            <a:srgbClr val="1A2332"/>
+                          </a:solidFill>
+                          <a:latin typeface="Arial"/>
+                        </a:defRPr>
+                      </a:pPr>
+                      <a:r>
+                        <a:t>Apr 2024</a:t>
+                      </a:r>
+                    </a:p>
+                  </a:txBody>
+                  <a:tcPr>
+                    <a:solidFill>
+                      <a:srgbClr val="E3F2FD"/>
+                    </a:solidFill>
+                  </a:tcPr>
+                </a:tc>
+                <a:tc>
+                  <a:txBody>
+                    <a:bodyPr/>
+                    <a:lstStyle/>
+                    <a:p>
+                      <a:pPr>
+                        <a:defRPr sz="1100">
+                          <a:solidFill>
+                            <a:srgbClr val="1A2332"/>
+                          </a:solidFill>
+                          <a:latin typeface="Arial"/>
+                        </a:defRPr>
+                      </a:pPr>
+                      <a:r>
+                        <a:t>Agent: Python cross-platform</a:t>
+                      </a:r>
+                    </a:p>
+                  </a:txBody>
+                  <a:tcPr>
+                    <a:solidFill>
+                      <a:srgbClr val="E3F2FD"/>
+                    </a:solidFill>
+                  </a:tcPr>
+                </a:tc>
+                <a:tc>
+                  <a:txBody>
+                    <a:bodyPr/>
+                    <a:lstStyle/>
+                    <a:p>
+                      <a:pPr>
+                        <a:defRPr sz="1100">
+                          <a:solidFill>
+                            <a:srgbClr val="1A2332"/>
+                          </a:solidFill>
+                          <a:latin typeface="Arial"/>
+                        </a:defRPr>
+                      </a:pPr>
+                      <a:r>
+                        <a:t>863 commits</a:t>
+                      </a:r>
+                    </a:p>
+                  </a:txBody>
+                  <a:tcPr>
+                    <a:solidFill>
+                      <a:srgbClr val="E3F2FD"/>
+                    </a:solidFill>
+                  </a:tcPr>
+                </a:tc>
+              </a:tr>
+              <a:tr h="320040">
+                <a:tc>
+                  <a:txBody>
+                    <a:bodyPr/>
+                    <a:lstStyle/>
+                    <a:p>
+                      <a:pPr>
+                        <a:defRPr sz="1100">
+                          <a:solidFill>
+                            <a:srgbClr val="1A2332"/>
+                          </a:solidFill>
+                          <a:latin typeface="Arial"/>
+                        </a:defRPr>
+                      </a:pPr>
+                      <a:r>
+                        <a:t>sysmanage-docs</a:t>
+                      </a:r>
+                    </a:p>
+                  </a:txBody>
+                  <a:tcPr>
+                    <a:solidFill>
+                      <a:srgbClr val="FFFFFF"/>
+                    </a:solidFill>
+                  </a:tcPr>
+                </a:tc>
+                <a:tc>
+                  <a:txBody>
+                    <a:bodyPr/>
+                    <a:lstStyle/>
+                    <a:p>
+                      <a:pPr>
+                        <a:defRPr sz="1100">
+                          <a:solidFill>
+                            <a:srgbClr val="1A2332"/>
+                          </a:solidFill>
+                          <a:latin typeface="Arial"/>
+                        </a:defRPr>
+                      </a:pPr>
+                      <a:r>
+                        <a:t>Sep 2025</a:t>
+                      </a:r>
+                    </a:p>
+                  </a:txBody>
+                  <a:tcPr>
+                    <a:solidFill>
+                      <a:srgbClr val="FFFFFF"/>
+                    </a:solidFill>
+                  </a:tcPr>
+                </a:tc>
+                <a:tc>
+                  <a:txBody>
+                    <a:bodyPr/>
+                    <a:lstStyle/>
+                    <a:p>
+                      <a:pPr>
+                        <a:defRPr sz="1100">
+                          <a:solidFill>
+                            <a:srgbClr val="1A2332"/>
+                          </a:solidFill>
+                          <a:latin typeface="Arial"/>
+                        </a:defRPr>
+                      </a:pPr>
+                      <a:r>
+                        <a:t>Docs site + packaging</a:t>
+                      </a:r>
+                    </a:p>
+                  </a:txBody>
+                  <a:tcPr>
+                    <a:solidFill>
+                      <a:srgbClr val="FFFFFF"/>
+                    </a:solidFill>
+                  </a:tcPr>
+                </a:tc>
+                <a:tc>
+                  <a:txBody>
+                    <a:bodyPr/>
+                    <a:lstStyle/>
+                    <a:p>
+                      <a:pPr>
+                        <a:defRPr sz="1100">
+                          <a:solidFill>
+                            <a:srgbClr val="1A2332"/>
+                          </a:solidFill>
+                          <a:latin typeface="Arial"/>
+                        </a:defRPr>
+                      </a:pPr>
+                      <a:r>
+                        <a:t>334 commits</a:t>
+                      </a:r>
+                    </a:p>
+                  </a:txBody>
+                  <a:tcPr>
+                    <a:solidFill>
+                      <a:srgbClr val="FFFFFF"/>
+                    </a:solidFill>
+                  </a:tcPr>
+                </a:tc>
+              </a:tr>
+              <a:tr h="320040">
+                <a:tc>
+                  <a:txBody>
+                    <a:bodyPr/>
+                    <a:lstStyle/>
+                    <a:p>
+                      <a:pPr>
+                        <a:defRPr sz="1100">
+                          <a:solidFill>
+                            <a:srgbClr val="1A2332"/>
+                          </a:solidFill>
+                          <a:latin typeface="Arial"/>
+                        </a:defRPr>
+                      </a:pPr>
+                      <a:r>
+                        <a:t>sysmanage-professional-plus</a:t>
+                      </a:r>
+                    </a:p>
+                  </a:txBody>
+                  <a:tcPr>
+                    <a:solidFill>
+                      <a:srgbClr val="E3F2FD"/>
+                    </a:solidFill>
+                  </a:tcPr>
+                </a:tc>
+                <a:tc>
+                  <a:txBody>
+                    <a:bodyPr/>
+                    <a:lstStyle/>
+                    <a:p>
+                      <a:pPr>
+                        <a:defRPr sz="1100">
+                          <a:solidFill>
+                            <a:srgbClr val="1A2332"/>
+                          </a:solidFill>
+                          <a:latin typeface="Arial"/>
+                        </a:defRPr>
+                      </a:pPr>
+                      <a:r>
+                        <a:t>Jan 2026</a:t>
+                      </a:r>
+                    </a:p>
+                  </a:txBody>
+                  <a:tcPr>
+                    <a:solidFill>
+                      <a:srgbClr val="E3F2FD"/>
+                    </a:solidFill>
+                  </a:tcPr>
+                </a:tc>
+                <a:tc>
+                  <a:txBody>
+                    <a:bodyPr/>
+                    <a:lstStyle/>
+                    <a:p>
+                      <a:pPr>
+                        <a:defRPr sz="1100">
+                          <a:solidFill>
+                            <a:srgbClr val="1A2332"/>
+                          </a:solidFill>
+                          <a:latin typeface="Arial"/>
+                        </a:defRPr>
+                      </a:pPr>
+                      <a:r>
+                        <a:t>Pro+ Cython modules</a:t>
+                      </a:r>
+                    </a:p>
+                  </a:txBody>
+                  <a:tcPr>
+                    <a:solidFill>
+                      <a:srgbClr val="E3F2FD"/>
+                    </a:solidFill>
+                  </a:tcPr>
+                </a:tc>
+                <a:tc>
+                  <a:txBody>
+                    <a:bodyPr/>
+                    <a:lstStyle/>
+                    <a:p>
+                      <a:pPr>
+                        <a:defRPr sz="1100">
+                          <a:solidFill>
+                            <a:srgbClr val="1A2332"/>
+                          </a:solidFill>
+                          <a:latin typeface="Arial"/>
+                        </a:defRPr>
+                      </a:pPr>
+                      <a:r>
+                        <a:t>171 commits</a:t>
+                      </a:r>
+                    </a:p>
+                  </a:txBody>
+                  <a:tcPr>
+                    <a:solidFill>
+                      <a:srgbClr val="E3F2FD"/>
+                    </a:solidFill>
+                  </a:tcPr>
+                </a:tc>
+              </a:tr>
+            </a:tbl>
+          </a:graphicData>
+        </a:graphic>
+      </p:graphicFrame>
       <p:sp>
         <p:nvSpPr>
           <p:cNvPr id="12" name="Rounded Rectangle 11"/>
@@ -15016,391 +15472,8 @@
         </p:nvSpPr>
         <p:spPr>
           <a:xfrm>
-            <a:off x="10241280" y="1143000"/>
-            <a:ext cx="1463040" cy="1005840"/>
-          </a:xfrm>
-          <a:prstGeom prst="roundRect">
-            <a:avLst/>
-          </a:prstGeom>
-          <a:solidFill>
-            <a:srgbClr val="666666"/>
-          </a:solidFill>
-          <a:ln>
-            <a:noFill/>
-          </a:ln>
-        </p:spPr>
-        <p:style>
-          <a:lnRef idx="1">
-            <a:schemeClr val="accent1"/>
-          </a:lnRef>
-          <a:fillRef idx="3">
-            <a:schemeClr val="accent1"/>
-          </a:fillRef>
-          <a:effectRef idx="2">
-            <a:schemeClr val="accent1"/>
-          </a:effectRef>
-          <a:fontRef idx="minor">
-            <a:schemeClr val="lt1"/>
-          </a:fontRef>
-        </p:style>
-        <p:txBody>
-          <a:bodyPr rtlCol="0" anchor="ctr" wrap="square"/>
-          <a:lstStyle/>
-          <a:p>
-            <a:pPr algn="ctr">
-              <a:spcBef>
-                <a:spcPts val="200"/>
-              </a:spcBef>
-              <a:spcAft>
-                <a:spcPts val="200"/>
-              </a:spcAft>
-            </a:pPr>
-            <a:r>
-              <a:rPr sz="800" b="0">
-                <a:solidFill>
-                  <a:srgbClr val="FFFFFF"/>
-                </a:solidFill>
-                <a:latin typeface="Arial"/>
-              </a:rPr>
-              <a:t>v1.1.0</a:t>
-            </a:r>
-          </a:p>
-          <a:p>
-            <a:pPr algn="ctr">
-              <a:spcBef>
-                <a:spcPts val="200"/>
-              </a:spcBef>
-              <a:spcAft>
-                <a:spcPts val="200"/>
-              </a:spcAft>
-            </a:pPr>
-            <a:r>
-              <a:rPr sz="800" b="0">
-                <a:solidFill>
-                  <a:srgbClr val="FFFFFF"/>
-                </a:solidFill>
-                <a:latin typeface="Arial"/>
-              </a:rPr>
-              <a:t>Pro+
-Launch</a:t>
-            </a:r>
-          </a:p>
-        </p:txBody>
-      </p:sp>
-      <p:sp>
-        <p:nvSpPr>
-          <p:cNvPr id="13" name="TextBox 12"/>
-          <p:cNvSpPr txBox="1"/>
-          <p:nvPr/>
-        </p:nvSpPr>
-        <p:spPr>
-          <a:xfrm>
-            <a:off x="365760" y="960120"/>
-            <a:ext cx="2743200" cy="182880"/>
-          </a:xfrm>
-          <a:prstGeom prst="rect">
-            <a:avLst/>
-          </a:prstGeom>
-          <a:noFill/>
-        </p:spPr>
-        <p:txBody>
-          <a:bodyPr wrap="none">
-            <a:spAutoFit/>
-          </a:bodyPr>
-          <a:lstStyle/>
-          <a:p>
-            <a:r>
-              <a:rPr sz="800" b="1">
-                <a:solidFill>
-                  <a:srgbClr val="666666"/>
-                </a:solidFill>
-                <a:latin typeface="Arial"/>
-              </a:rPr>
-              <a:t>Shipped</a:t>
-            </a:r>
-          </a:p>
-        </p:txBody>
-      </p:sp>
-      <p:sp>
-        <p:nvSpPr>
-          <p:cNvPr id="14" name="Rounded Rectangle 13"/>
-          <p:cNvSpPr/>
-          <p:nvPr/>
-        </p:nvSpPr>
-        <p:spPr>
-          <a:xfrm>
-            <a:off x="365760" y="2468880"/>
-            <a:ext cx="1719072" cy="1508760"/>
-          </a:xfrm>
-          <a:prstGeom prst="roundRect">
-            <a:avLst/>
-          </a:prstGeom>
-          <a:solidFill>
-            <a:srgbClr val="388E3C"/>
-          </a:solidFill>
-          <a:ln>
-            <a:noFill/>
-          </a:ln>
-        </p:spPr>
-        <p:style>
-          <a:lnRef idx="1">
-            <a:schemeClr val="accent1"/>
-          </a:lnRef>
-          <a:fillRef idx="3">
-            <a:schemeClr val="accent1"/>
-          </a:fillRef>
-          <a:effectRef idx="2">
-            <a:schemeClr val="accent1"/>
-          </a:effectRef>
-          <a:fontRef idx="minor">
-            <a:schemeClr val="lt1"/>
-          </a:fontRef>
-        </p:style>
-        <p:txBody>
-          <a:bodyPr rtlCol="0" anchor="ctr" wrap="square"/>
-          <a:lstStyle/>
-          <a:p>
-            <a:pPr algn="ctr">
-              <a:spcBef>
-                <a:spcPts val="200"/>
-              </a:spcBef>
-              <a:spcAft>
-                <a:spcPts val="200"/>
-              </a:spcAft>
-            </a:pPr>
-            <a:r>
-              <a:rPr sz="900" b="0">
-                <a:solidFill>
-                  <a:srgbClr val="FFFFFF"/>
-                </a:solidFill>
-                <a:latin typeface="Arial"/>
-              </a:rPr>
-              <a:t>Phase 1</a:t>
-            </a:r>
-          </a:p>
-          <a:p>
-            <a:pPr algn="ctr">
-              <a:spcBef>
-                <a:spcPts val="200"/>
-              </a:spcBef>
-              <a:spcAft>
-                <a:spcPts val="200"/>
-              </a:spcAft>
-            </a:pPr>
-            <a:r>
-              <a:rPr sz="900" b="0">
-                <a:solidFill>
-                  <a:srgbClr val="FFFFFF"/>
-                </a:solidFill>
-                <a:latin typeface="Arial"/>
-              </a:rPr>
-              <a:t>v1.2.0.0</a:t>
-            </a:r>
-          </a:p>
-          <a:p>
-            <a:pPr algn="ctr">
-              <a:spcBef>
-                <a:spcPts val="200"/>
-              </a:spcBef>
-              <a:spcAft>
-                <a:spcPts val="200"/>
-              </a:spcAft>
-            </a:pPr>
-            <a:r>
-              <a:rPr sz="900" b="0">
-                <a:solidFill>
-                  <a:srgbClr val="FFFFFF"/>
-                </a:solidFill>
-                <a:latin typeface="Arial"/>
-              </a:rPr>
-              <a:t/>
-            </a:r>
-          </a:p>
-          <a:p>
-            <a:pPr algn="ctr">
-              <a:spcBef>
-                <a:spcPts val="200"/>
-              </a:spcBef>
-              <a:spcAft>
-                <a:spcPts val="200"/>
-              </a:spcAft>
-            </a:pPr>
-            <a:r>
-              <a:rPr sz="900" b="0">
-                <a:solidFill>
-                  <a:srgbClr val="FFFFFF"/>
-                </a:solidFill>
-                <a:latin typeface="Arial"/>
-              </a:rPr>
-              <a:t>Stabilization</a:t>
-            </a:r>
-          </a:p>
-          <a:p>
-            <a:pPr algn="ctr">
-              <a:spcBef>
-                <a:spcPts val="200"/>
-              </a:spcBef>
-              <a:spcAft>
-                <a:spcPts val="200"/>
-              </a:spcAft>
-            </a:pPr>
-            <a:r>
-              <a:rPr sz="900" b="0">
-                <a:solidFill>
-                  <a:srgbClr val="FFFFFF"/>
-                </a:solidFill>
-                <a:latin typeface="Arial"/>
-              </a:rPr>
-              <a:t>✓ Done</a:t>
-            </a:r>
-          </a:p>
-        </p:txBody>
-      </p:sp>
-      <p:sp>
-        <p:nvSpPr>
-          <p:cNvPr id="15" name="Rounded Rectangle 14"/>
-          <p:cNvSpPr/>
-          <p:nvPr/>
-        </p:nvSpPr>
-        <p:spPr>
-          <a:xfrm>
-            <a:off x="2267712" y="2468880"/>
-            <a:ext cx="1719072" cy="1508760"/>
-          </a:xfrm>
-          <a:prstGeom prst="roundRect">
-            <a:avLst/>
-          </a:prstGeom>
-          <a:solidFill>
-            <a:srgbClr val="388E3C"/>
-          </a:solidFill>
-          <a:ln>
-            <a:noFill/>
-          </a:ln>
-        </p:spPr>
-        <p:style>
-          <a:lnRef idx="1">
-            <a:schemeClr val="accent1"/>
-          </a:lnRef>
-          <a:fillRef idx="3">
-            <a:schemeClr val="accent1"/>
-          </a:fillRef>
-          <a:effectRef idx="2">
-            <a:schemeClr val="accent1"/>
-          </a:effectRef>
-          <a:fontRef idx="minor">
-            <a:schemeClr val="lt1"/>
-          </a:fontRef>
-        </p:style>
-        <p:txBody>
-          <a:bodyPr rtlCol="0" anchor="ctr" wrap="square"/>
-          <a:lstStyle/>
-          <a:p>
-            <a:pPr algn="ctr">
-              <a:spcBef>
-                <a:spcPts val="200"/>
-              </a:spcBef>
-              <a:spcAft>
-                <a:spcPts val="200"/>
-              </a:spcAft>
-            </a:pPr>
-            <a:r>
-              <a:rPr sz="900" b="0">
-                <a:solidFill>
-                  <a:srgbClr val="FFFFFF"/>
-                </a:solidFill>
-                <a:latin typeface="Arial"/>
-              </a:rPr>
-              <a:t>Phase 2</a:t>
-            </a:r>
-          </a:p>
-          <a:p>
-            <a:pPr algn="ctr">
-              <a:spcBef>
-                <a:spcPts val="200"/>
-              </a:spcBef>
-              <a:spcAft>
-                <a:spcPts val="200"/>
-              </a:spcAft>
-            </a:pPr>
-            <a:r>
-              <a:rPr sz="900" b="0">
-                <a:solidFill>
-                  <a:srgbClr val="FFFFFF"/>
-                </a:solidFill>
-                <a:latin typeface="Arial"/>
-              </a:rPr>
-              <a:t>v1.3.0.0</a:t>
-            </a:r>
-          </a:p>
-          <a:p>
-            <a:pPr algn="ctr">
-              <a:spcBef>
-                <a:spcPts val="200"/>
-              </a:spcBef>
-              <a:spcAft>
-                <a:spcPts val="200"/>
-              </a:spcAft>
-            </a:pPr>
-            <a:r>
-              <a:rPr sz="900" b="0">
-                <a:solidFill>
-                  <a:srgbClr val="FFFFFF"/>
-                </a:solidFill>
-                <a:latin typeface="Arial"/>
-              </a:rPr>
-              <a:t/>
-            </a:r>
-          </a:p>
-          <a:p>
-            <a:pPr algn="ctr">
-              <a:spcBef>
-                <a:spcPts val="200"/>
-              </a:spcBef>
-              <a:spcAft>
-                <a:spcPts val="200"/>
-              </a:spcAft>
-            </a:pPr>
-            <a:r>
-              <a:rPr sz="900" b="0">
-                <a:solidFill>
-                  <a:srgbClr val="FFFFFF"/>
-                </a:solidFill>
-                <a:latin typeface="Arial"/>
-              </a:rPr>
-              <a:t>Pro+ Prof.</a:t>
-            </a:r>
-          </a:p>
-          <a:p>
-            <a:pPr algn="ctr">
-              <a:spcBef>
-                <a:spcPts val="200"/>
-              </a:spcBef>
-              <a:spcAft>
-                <a:spcPts val="200"/>
-              </a:spcAft>
-            </a:pPr>
-            <a:r>
-              <a:rPr sz="900" b="0">
-                <a:solidFill>
-                  <a:srgbClr val="FFFFFF"/>
-                </a:solidFill>
-                <a:latin typeface="Arial"/>
-              </a:rPr>
-              <a:t>✓ Done</a:t>
-            </a:r>
-          </a:p>
-        </p:txBody>
-      </p:sp>
-      <p:sp>
-        <p:nvSpPr>
-          <p:cNvPr id="16" name="Rounded Rectangle 15"/>
-          <p:cNvSpPr/>
-          <p:nvPr/>
-        </p:nvSpPr>
-        <p:spPr>
-          <a:xfrm>
-            <a:off x="4169664" y="2468880"/>
-            <a:ext cx="1719072" cy="1508760"/>
+            <a:off x="457200" y="4389120"/>
+            <a:ext cx="3474720" cy="640080"/>
           </a:xfrm>
           <a:prstGeom prst="roundRect">
             <a:avLst/>
@@ -15439,13 +15512,13 @@
               </a:spcAft>
             </a:pPr>
             <a:r>
-              <a:rPr sz="900" b="0">
-                <a:solidFill>
-                  <a:srgbClr val="FFFFFF"/>
-                </a:solidFill>
-                <a:latin typeface="Arial"/>
-              </a:rPr>
-              <a:t>Phase 3</a:t>
+              <a:rPr sz="1100" b="0">
+                <a:solidFill>
+                  <a:srgbClr val="FFFFFF"/>
+                </a:solidFill>
+                <a:latin typeface="Arial"/>
+              </a:rPr>
+              <a:t>Server DB</a:t>
             </a:r>
           </a:p>
           <a:p>
@@ -15458,84 +15531,27 @@
               </a:spcAft>
             </a:pPr>
             <a:r>
-              <a:rPr sz="900" b="0">
-                <a:solidFill>
-                  <a:srgbClr val="FFFFFF"/>
-                </a:solidFill>
-                <a:latin typeface="Arial"/>
-              </a:rPr>
-              <a:t>v1.4.0.0</a:t>
-            </a:r>
-          </a:p>
-          <a:p>
-            <a:pPr algn="ctr">
-              <a:spcBef>
-                <a:spcPts val="200"/>
-              </a:spcBef>
-              <a:spcAft>
-                <a:spcPts val="200"/>
-              </a:spcAft>
-            </a:pPr>
-            <a:r>
-              <a:rPr sz="900" b="0">
-                <a:solidFill>
-                  <a:srgbClr val="FFFFFF"/>
-                </a:solidFill>
-                <a:latin typeface="Arial"/>
-              </a:rPr>
-              <a:t/>
-            </a:r>
-          </a:p>
-          <a:p>
-            <a:pPr algn="ctr">
-              <a:spcBef>
-                <a:spcPts val="200"/>
-              </a:spcBef>
-              <a:spcAft>
-                <a:spcPts val="200"/>
-              </a:spcAft>
-            </a:pPr>
-            <a:r>
-              <a:rPr sz="900" b="0">
-                <a:solidFill>
-                  <a:srgbClr val="FFFFFF"/>
-                </a:solidFill>
-                <a:latin typeface="Arial"/>
-              </a:rPr>
-              <a:t>AV + Firewall</a:t>
-            </a:r>
-          </a:p>
-          <a:p>
-            <a:pPr algn="ctr">
-              <a:spcBef>
-                <a:spcPts val="200"/>
-              </a:spcBef>
-              <a:spcAft>
-                <a:spcPts val="200"/>
-              </a:spcAft>
-            </a:pPr>
-            <a:r>
-              <a:rPr sz="900" b="0">
-                <a:solidFill>
-                  <a:srgbClr val="FFFFFF"/>
-                </a:solidFill>
-                <a:latin typeface="Arial"/>
-              </a:rPr>
-              <a:t>Apr 2026</a:t>
-            </a:r>
-          </a:p>
-        </p:txBody>
-      </p:sp>
-      <p:sp>
-        <p:nvSpPr>
-          <p:cNvPr id="17" name="Rounded Rectangle 16"/>
+              <a:rPr sz="1100" b="0">
+                <a:solidFill>
+                  <a:srgbClr val="FFFFFF"/>
+                </a:solidFill>
+                <a:latin typeface="Arial"/>
+              </a:rPr>
+              <a:t>74 tables • 799 columns</a:t>
+            </a:r>
+          </a:p>
+        </p:txBody>
+      </p:sp>
+      <p:sp>
+        <p:nvSpPr>
+          <p:cNvPr id="13" name="Rounded Rectangle 12"/>
           <p:cNvSpPr/>
           <p:nvPr/>
         </p:nvSpPr>
         <p:spPr>
           <a:xfrm>
-            <a:off x="6071616" y="2468880"/>
-            <a:ext cx="1719072" cy="1508760"/>
+            <a:off x="4297680" y="4389120"/>
+            <a:ext cx="3474720" cy="640080"/>
           </a:xfrm>
           <a:prstGeom prst="roundRect">
             <a:avLst/>
@@ -15574,13 +15590,13 @@
               </a:spcAft>
             </a:pPr>
             <a:r>
-              <a:rPr sz="900" b="0">
-                <a:solidFill>
-                  <a:srgbClr val="FFFFFF"/>
-                </a:solidFill>
-                <a:latin typeface="Arial"/>
-              </a:rPr>
-              <a:t>Phase 4</a:t>
+              <a:rPr sz="1100" b="0">
+                <a:solidFill>
+                  <a:srgbClr val="FFFFFF"/>
+                </a:solidFill>
+                <a:latin typeface="Arial"/>
+              </a:rPr>
+              <a:t>Agent DB</a:t>
             </a:r>
           </a:p>
           <a:p>
@@ -15593,84 +15609,27 @@
               </a:spcAft>
             </a:pPr>
             <a:r>
-              <a:rPr sz="900" b="0">
-                <a:solidFill>
-                  <a:srgbClr val="FFFFFF"/>
-                </a:solidFill>
-                <a:latin typeface="Arial"/>
-              </a:rPr>
-              <a:t>v1.5.0.0</a:t>
-            </a:r>
-          </a:p>
-          <a:p>
-            <a:pPr algn="ctr">
-              <a:spcBef>
-                <a:spcPts val="200"/>
-              </a:spcBef>
-              <a:spcAft>
-                <a:spcPts val="200"/>
-              </a:spcAft>
-            </a:pPr>
-            <a:r>
-              <a:rPr sz="900" b="0">
-                <a:solidFill>
-                  <a:srgbClr val="FFFFFF"/>
-                </a:solidFill>
-                <a:latin typeface="Arial"/>
-              </a:rPr>
-              <a:t/>
-            </a:r>
-          </a:p>
-          <a:p>
-            <a:pPr algn="ctr">
-              <a:spcBef>
-                <a:spcPts val="200"/>
-              </a:spcBef>
-              <a:spcAft>
-                <a:spcPts val="200"/>
-              </a:spcAft>
-            </a:pPr>
-            <a:r>
-              <a:rPr sz="900" b="0">
-                <a:solidFill>
-                  <a:srgbClr val="FFFFFF"/>
-                </a:solidFill>
-                <a:latin typeface="Arial"/>
-              </a:rPr>
-              <a:t>Stabilization</a:t>
-            </a:r>
-          </a:p>
-          <a:p>
-            <a:pPr algn="ctr">
-              <a:spcBef>
-                <a:spcPts val="200"/>
-              </a:spcBef>
-              <a:spcAft>
-                <a:spcPts val="200"/>
-              </a:spcAft>
-            </a:pPr>
-            <a:r>
-              <a:rPr sz="900" b="0">
-                <a:solidFill>
-                  <a:srgbClr val="FFFFFF"/>
-                </a:solidFill>
-                <a:latin typeface="Arial"/>
-              </a:rPr>
-              <a:t>May 2026</a:t>
-            </a:r>
-          </a:p>
-        </p:txBody>
-      </p:sp>
-      <p:sp>
-        <p:nvSpPr>
-          <p:cNvPr id="18" name="Rounded Rectangle 17"/>
+              <a:rPr sz="1100" b="0">
+                <a:solidFill>
+                  <a:srgbClr val="FFFFFF"/>
+                </a:solidFill>
+                <a:latin typeface="Arial"/>
+              </a:rPr>
+              <a:t>7 tables</a:t>
+            </a:r>
+          </a:p>
+        </p:txBody>
+      </p:sp>
+      <p:sp>
+        <p:nvSpPr>
+          <p:cNvPr id="14" name="Rounded Rectangle 13"/>
           <p:cNvSpPr/>
           <p:nvPr/>
         </p:nvSpPr>
         <p:spPr>
           <a:xfrm>
-            <a:off x="7973568" y="2468880"/>
-            <a:ext cx="1719072" cy="1508760"/>
+            <a:off x="8138160" y="4389120"/>
+            <a:ext cx="3474720" cy="640080"/>
           </a:xfrm>
           <a:prstGeom prst="roundRect">
             <a:avLst/>
@@ -15709,13 +15668,13 @@
               </a:spcAft>
             </a:pPr>
             <a:r>
-              <a:rPr sz="900" b="0">
-                <a:solidFill>
-                  <a:srgbClr val="FFFFFF"/>
-                </a:solidFill>
-                <a:latin typeface="Arial"/>
-              </a:rPr>
-              <a:t>Phase 5</a:t>
+              <a:rPr sz="1100" b="0">
+                <a:solidFill>
+                  <a:srgbClr val="FFFFFF"/>
+                </a:solidFill>
+                <a:latin typeface="Arial"/>
+              </a:rPr>
+              <a:t>Test Suite</a:t>
             </a:r>
           </a:p>
           <a:p>
@@ -15728,1029 +15687,27 @@
               </a:spcAft>
             </a:pPr>
             <a:r>
-              <a:rPr sz="900" b="0">
-                <a:solidFill>
-                  <a:srgbClr val="FFFFFF"/>
-                </a:solidFill>
-                <a:latin typeface="Arial"/>
-              </a:rPr>
-              <a:t>v1.6.0.0</a:t>
-            </a:r>
-          </a:p>
-          <a:p>
-            <a:pPr algn="ctr">
-              <a:spcBef>
-                <a:spcPts val="200"/>
-              </a:spcBef>
-              <a:spcAft>
-                <a:spcPts val="200"/>
-              </a:spcAft>
-            </a:pPr>
-            <a:r>
-              <a:rPr sz="900" b="0">
-                <a:solidFill>
-                  <a:srgbClr val="FFFFFF"/>
-                </a:solidFill>
-                <a:latin typeface="Arial"/>
-              </a:rPr>
-              <a:t/>
-            </a:r>
-          </a:p>
-          <a:p>
-            <a:pPr algn="ctr">
-              <a:spcBef>
-                <a:spcPts val="200"/>
-              </a:spcBef>
-              <a:spcAft>
-                <a:spcPts val="200"/>
-              </a:spcAft>
-            </a:pPr>
-            <a:r>
-              <a:rPr sz="900" b="0">
-                <a:solidFill>
-                  <a:srgbClr val="FFFFFF"/>
-                </a:solidFill>
-                <a:latin typeface="Arial"/>
-              </a:rPr>
-              <a:t>Auto + Fleet</a:t>
-            </a:r>
-          </a:p>
-          <a:p>
-            <a:pPr algn="ctr">
-              <a:spcBef>
-                <a:spcPts val="200"/>
-              </a:spcBef>
-              <a:spcAft>
-                <a:spcPts val="200"/>
-              </a:spcAft>
-            </a:pPr>
-            <a:r>
-              <a:rPr sz="900" b="0">
-                <a:solidFill>
-                  <a:srgbClr val="FFFFFF"/>
-                </a:solidFill>
-                <a:latin typeface="Arial"/>
-              </a:rPr>
-              <a:t>May-Jun 2026</a:t>
-            </a:r>
-          </a:p>
-        </p:txBody>
-      </p:sp>
-      <p:sp>
-        <p:nvSpPr>
-          <p:cNvPr id="19" name="Rounded Rectangle 18"/>
-          <p:cNvSpPr/>
-          <p:nvPr/>
-        </p:nvSpPr>
-        <p:spPr>
-          <a:xfrm>
-            <a:off x="9875520" y="2468880"/>
-            <a:ext cx="1719072" cy="1508760"/>
-          </a:xfrm>
-          <a:prstGeom prst="roundRect">
-            <a:avLst/>
-          </a:prstGeom>
-          <a:solidFill>
-            <a:srgbClr val="1976D2"/>
-          </a:solidFill>
-          <a:ln>
-            <a:noFill/>
-          </a:ln>
-        </p:spPr>
-        <p:style>
-          <a:lnRef idx="1">
-            <a:schemeClr val="accent1"/>
-          </a:lnRef>
-          <a:fillRef idx="3">
-            <a:schemeClr val="accent1"/>
-          </a:fillRef>
-          <a:effectRef idx="2">
-            <a:schemeClr val="accent1"/>
-          </a:effectRef>
-          <a:fontRef idx="minor">
-            <a:schemeClr val="lt1"/>
-          </a:fontRef>
-        </p:style>
-        <p:txBody>
-          <a:bodyPr rtlCol="0" anchor="ctr" wrap="square"/>
-          <a:lstStyle/>
-          <a:p>
-            <a:pPr algn="ctr">
-              <a:spcBef>
-                <a:spcPts val="200"/>
-              </a:spcBef>
-              <a:spcAft>
-                <a:spcPts val="200"/>
-              </a:spcAft>
-            </a:pPr>
-            <a:r>
-              <a:rPr sz="900" b="0">
-                <a:solidFill>
-                  <a:srgbClr val="FFFFFF"/>
-                </a:solidFill>
-                <a:latin typeface="Arial"/>
-              </a:rPr>
-              <a:t>Phase 6</a:t>
-            </a:r>
-          </a:p>
-          <a:p>
-            <a:pPr algn="ctr">
-              <a:spcBef>
-                <a:spcPts val="200"/>
-              </a:spcBef>
-              <a:spcAft>
-                <a:spcPts val="200"/>
-              </a:spcAft>
-            </a:pPr>
-            <a:r>
-              <a:rPr sz="900" b="0">
-                <a:solidFill>
-                  <a:srgbClr val="FFFFFF"/>
-                </a:solidFill>
-                <a:latin typeface="Arial"/>
-              </a:rPr>
-              <a:t>v1.7.0.0</a:t>
-            </a:r>
-          </a:p>
-          <a:p>
-            <a:pPr algn="ctr">
-              <a:spcBef>
-                <a:spcPts val="200"/>
-              </a:spcBef>
-              <a:spcAft>
-                <a:spcPts val="200"/>
-              </a:spcAft>
-            </a:pPr>
-            <a:r>
-              <a:rPr sz="900" b="0">
-                <a:solidFill>
-                  <a:srgbClr val="FFFFFF"/>
-                </a:solidFill>
-                <a:latin typeface="Arial"/>
-              </a:rPr>
-              <a:t/>
-            </a:r>
-          </a:p>
-          <a:p>
-            <a:pPr algn="ctr">
-              <a:spcBef>
-                <a:spcPts val="200"/>
-              </a:spcBef>
-              <a:spcAft>
-                <a:spcPts val="200"/>
-              </a:spcAft>
-            </a:pPr>
-            <a:r>
-              <a:rPr sz="900" b="0">
-                <a:solidFill>
-                  <a:srgbClr val="FFFFFF"/>
-                </a:solidFill>
-                <a:latin typeface="Arial"/>
-              </a:rPr>
-              <a:t>Stabilization</a:t>
-            </a:r>
-          </a:p>
-          <a:p>
-            <a:pPr algn="ctr">
-              <a:spcBef>
-                <a:spcPts val="200"/>
-              </a:spcBef>
-              <a:spcAft>
-                <a:spcPts val="200"/>
-              </a:spcAft>
-            </a:pPr>
-            <a:r>
-              <a:rPr sz="900" b="0">
-                <a:solidFill>
-                  <a:srgbClr val="FFFFFF"/>
-                </a:solidFill>
-                <a:latin typeface="Arial"/>
-              </a:rPr>
-              <a:t>Jun 2026</a:t>
-            </a:r>
-          </a:p>
-        </p:txBody>
-      </p:sp>
-      <p:sp>
-        <p:nvSpPr>
-          <p:cNvPr id="20" name="Rounded Rectangle 19"/>
-          <p:cNvSpPr/>
-          <p:nvPr/>
-        </p:nvSpPr>
-        <p:spPr>
-          <a:xfrm>
-            <a:off x="365760" y="4251960"/>
-            <a:ext cx="1719072" cy="1508760"/>
-          </a:xfrm>
-          <a:prstGeom prst="roundRect">
-            <a:avLst/>
-          </a:prstGeom>
-          <a:solidFill>
-            <a:srgbClr val="1976D2"/>
-          </a:solidFill>
-          <a:ln>
-            <a:noFill/>
-          </a:ln>
-        </p:spPr>
-        <p:style>
-          <a:lnRef idx="1">
-            <a:schemeClr val="accent1"/>
-          </a:lnRef>
-          <a:fillRef idx="3">
-            <a:schemeClr val="accent1"/>
-          </a:fillRef>
-          <a:effectRef idx="2">
-            <a:schemeClr val="accent1"/>
-          </a:effectRef>
-          <a:fontRef idx="minor">
-            <a:schemeClr val="lt1"/>
-          </a:fontRef>
-        </p:style>
-        <p:txBody>
-          <a:bodyPr rtlCol="0" anchor="ctr" wrap="square"/>
-          <a:lstStyle/>
-          <a:p>
-            <a:pPr algn="ctr">
-              <a:spcBef>
-                <a:spcPts val="200"/>
-              </a:spcBef>
-              <a:spcAft>
-                <a:spcPts val="200"/>
-              </a:spcAft>
-            </a:pPr>
-            <a:r>
-              <a:rPr sz="900" b="0">
-                <a:solidFill>
-                  <a:srgbClr val="FFFFFF"/>
-                </a:solidFill>
-                <a:latin typeface="Arial"/>
-              </a:rPr>
-              <a:t>Phase 7</a:t>
-            </a:r>
-          </a:p>
-          <a:p>
-            <a:pPr algn="ctr">
-              <a:spcBef>
-                <a:spcPts val="200"/>
-              </a:spcBef>
-              <a:spcAft>
-                <a:spcPts val="200"/>
-              </a:spcAft>
-            </a:pPr>
-            <a:r>
-              <a:rPr sz="900" b="0">
-                <a:solidFill>
-                  <a:srgbClr val="FFFFFF"/>
-                </a:solidFill>
-                <a:latin typeface="Arial"/>
-              </a:rPr>
-              <a:t>v1.8.0.0</a:t>
-            </a:r>
-          </a:p>
-          <a:p>
-            <a:pPr algn="ctr">
-              <a:spcBef>
-                <a:spcPts val="200"/>
-              </a:spcBef>
-              <a:spcAft>
-                <a:spcPts val="200"/>
-              </a:spcAft>
-            </a:pPr>
-            <a:r>
-              <a:rPr sz="900" b="0">
-                <a:solidFill>
-                  <a:srgbClr val="FFFFFF"/>
-                </a:solidFill>
-                <a:latin typeface="Arial"/>
-              </a:rPr>
-              <a:t/>
-            </a:r>
-          </a:p>
-          <a:p>
-            <a:pPr algn="ctr">
-              <a:spcBef>
-                <a:spcPts val="200"/>
-              </a:spcBef>
-              <a:spcAft>
-                <a:spcPts val="200"/>
-              </a:spcAft>
-            </a:pPr>
-            <a:r>
-              <a:rPr sz="900" b="0">
-                <a:solidFill>
-                  <a:srgbClr val="FFFFFF"/>
-                </a:solidFill>
-                <a:latin typeface="Arial"/>
-              </a:rPr>
-              <a:t>Stab. RC1</a:t>
-            </a:r>
-          </a:p>
-          <a:p>
-            <a:pPr algn="ctr">
-              <a:spcBef>
-                <a:spcPts val="200"/>
-              </a:spcBef>
-              <a:spcAft>
-                <a:spcPts val="200"/>
-              </a:spcAft>
-            </a:pPr>
-            <a:r>
-              <a:rPr sz="900" b="0">
-                <a:solidFill>
-                  <a:srgbClr val="FFFFFF"/>
-                </a:solidFill>
-                <a:latin typeface="Arial"/>
-              </a:rPr>
-              <a:t>Jun 2026</a:t>
-            </a:r>
-          </a:p>
-        </p:txBody>
-      </p:sp>
-      <p:sp>
-        <p:nvSpPr>
-          <p:cNvPr id="21" name="Rounded Rectangle 20"/>
-          <p:cNvSpPr/>
-          <p:nvPr/>
-        </p:nvSpPr>
-        <p:spPr>
-          <a:xfrm>
-            <a:off x="2267712" y="4251960"/>
-            <a:ext cx="1719072" cy="1508760"/>
-          </a:xfrm>
-          <a:prstGeom prst="roundRect">
-            <a:avLst/>
-          </a:prstGeom>
-          <a:solidFill>
-            <a:srgbClr val="1976D2"/>
-          </a:solidFill>
-          <a:ln>
-            <a:noFill/>
-          </a:ln>
-        </p:spPr>
-        <p:style>
-          <a:lnRef idx="1">
-            <a:schemeClr val="accent1"/>
-          </a:lnRef>
-          <a:fillRef idx="3">
-            <a:schemeClr val="accent1"/>
-          </a:fillRef>
-          <a:effectRef idx="2">
-            <a:schemeClr val="accent1"/>
-          </a:effectRef>
-          <a:fontRef idx="minor">
-            <a:schemeClr val="lt1"/>
-          </a:fontRef>
-        </p:style>
-        <p:txBody>
-          <a:bodyPr rtlCol="0" anchor="ctr" wrap="square"/>
-          <a:lstStyle/>
-          <a:p>
-            <a:pPr algn="ctr">
-              <a:spcBef>
-                <a:spcPts val="200"/>
-              </a:spcBef>
-              <a:spcAft>
-                <a:spcPts val="200"/>
-              </a:spcAft>
-            </a:pPr>
-            <a:r>
-              <a:rPr sz="900" b="0">
-                <a:solidFill>
-                  <a:srgbClr val="FFFFFF"/>
-                </a:solidFill>
-                <a:latin typeface="Arial"/>
-              </a:rPr>
-              <a:t>Phase 8</a:t>
-            </a:r>
-          </a:p>
-          <a:p>
-            <a:pPr algn="ctr">
-              <a:spcBef>
-                <a:spcPts val="200"/>
-              </a:spcBef>
-              <a:spcAft>
-                <a:spcPts val="200"/>
-              </a:spcAft>
-            </a:pPr>
-            <a:r>
-              <a:rPr sz="900" b="0">
-                <a:solidFill>
-                  <a:srgbClr val="FFFFFF"/>
-                </a:solidFill>
-                <a:latin typeface="Arial"/>
-              </a:rPr>
-              <a:t>v2.0.0.0</a:t>
-            </a:r>
-          </a:p>
-          <a:p>
-            <a:pPr algn="ctr">
-              <a:spcBef>
-                <a:spcPts val="200"/>
-              </a:spcBef>
-              <a:spcAft>
-                <a:spcPts val="200"/>
-              </a:spcAft>
-            </a:pPr>
-            <a:r>
-              <a:rPr sz="900" b="0">
-                <a:solidFill>
-                  <a:srgbClr val="FFFFFF"/>
-                </a:solidFill>
-                <a:latin typeface="Arial"/>
-              </a:rPr>
-              <a:t/>
-            </a:r>
-          </a:p>
-          <a:p>
-            <a:pPr algn="ctr">
-              <a:spcBef>
-                <a:spcPts val="200"/>
-              </a:spcBef>
-              <a:spcAft>
-                <a:spcPts val="200"/>
-              </a:spcAft>
-            </a:pPr>
-            <a:r>
-              <a:rPr sz="900" b="0">
-                <a:solidFill>
-                  <a:srgbClr val="FFFFFF"/>
-                </a:solidFill>
-                <a:latin typeface="Arial"/>
-              </a:rPr>
-              <a:t>Foundation</a:t>
-            </a:r>
-          </a:p>
-          <a:p>
-            <a:pPr algn="ctr">
-              <a:spcBef>
-                <a:spcPts val="200"/>
-              </a:spcBef>
-              <a:spcAft>
-                <a:spcPts val="200"/>
-              </a:spcAft>
-            </a:pPr>
-            <a:r>
-              <a:rPr sz="900" b="0">
-                <a:solidFill>
-                  <a:srgbClr val="FFFFFF"/>
-                </a:solidFill>
-                <a:latin typeface="Arial"/>
-              </a:rPr>
-              <a:t>Jul 2026</a:t>
-            </a:r>
-          </a:p>
-        </p:txBody>
-      </p:sp>
-      <p:sp>
-        <p:nvSpPr>
-          <p:cNvPr id="22" name="Rounded Rectangle 21"/>
-          <p:cNvSpPr/>
-          <p:nvPr/>
-        </p:nvSpPr>
-        <p:spPr>
-          <a:xfrm>
-            <a:off x="4169664" y="4251960"/>
-            <a:ext cx="1719072" cy="1508760"/>
-          </a:xfrm>
-          <a:prstGeom prst="roundRect">
-            <a:avLst/>
-          </a:prstGeom>
-          <a:solidFill>
-            <a:srgbClr val="1976D2"/>
-          </a:solidFill>
-          <a:ln>
-            <a:noFill/>
-          </a:ln>
-        </p:spPr>
-        <p:style>
-          <a:lnRef idx="1">
-            <a:schemeClr val="accent1"/>
-          </a:lnRef>
-          <a:fillRef idx="3">
-            <a:schemeClr val="accent1"/>
-          </a:fillRef>
-          <a:effectRef idx="2">
-            <a:schemeClr val="accent1"/>
-          </a:effectRef>
-          <a:fontRef idx="minor">
-            <a:schemeClr val="lt1"/>
-          </a:fontRef>
-        </p:style>
-        <p:txBody>
-          <a:bodyPr rtlCol="0" anchor="ctr" wrap="square"/>
-          <a:lstStyle/>
-          <a:p>
-            <a:pPr algn="ctr">
-              <a:spcBef>
-                <a:spcPts val="200"/>
-              </a:spcBef>
-              <a:spcAft>
-                <a:spcPts val="200"/>
-              </a:spcAft>
-            </a:pPr>
-            <a:r>
-              <a:rPr sz="900" b="0">
-                <a:solidFill>
-                  <a:srgbClr val="FFFFFF"/>
-                </a:solidFill>
-                <a:latin typeface="Arial"/>
-              </a:rPr>
-              <a:t>Phase 9</a:t>
-            </a:r>
-          </a:p>
-          <a:p>
-            <a:pPr algn="ctr">
-              <a:spcBef>
-                <a:spcPts val="200"/>
-              </a:spcBef>
-              <a:spcAft>
-                <a:spcPts val="200"/>
-              </a:spcAft>
-            </a:pPr>
-            <a:r>
-              <a:rPr sz="900" b="0">
-                <a:solidFill>
-                  <a:srgbClr val="FFFFFF"/>
-                </a:solidFill>
-                <a:latin typeface="Arial"/>
-              </a:rPr>
-              <a:t>v2.1.0.0</a:t>
-            </a:r>
-          </a:p>
-          <a:p>
-            <a:pPr algn="ctr">
-              <a:spcBef>
-                <a:spcPts val="200"/>
-              </a:spcBef>
-              <a:spcAft>
-                <a:spcPts val="200"/>
-              </a:spcAft>
-            </a:pPr>
-            <a:r>
-              <a:rPr sz="900" b="0">
-                <a:solidFill>
-                  <a:srgbClr val="FFFFFF"/>
-                </a:solidFill>
-                <a:latin typeface="Arial"/>
-              </a:rPr>
-              <a:t/>
-            </a:r>
-          </a:p>
-          <a:p>
-            <a:pPr algn="ctr">
-              <a:spcBef>
-                <a:spcPts val="200"/>
-              </a:spcBef>
-              <a:spcAft>
-                <a:spcPts val="200"/>
-              </a:spcAft>
-            </a:pPr>
-            <a:r>
-              <a:rPr sz="900" b="0">
-                <a:solidFill>
-                  <a:srgbClr val="FFFFFF"/>
-                </a:solidFill>
-                <a:latin typeface="Arial"/>
-              </a:rPr>
-              <a:t>Stab. RC2</a:t>
-            </a:r>
-          </a:p>
-          <a:p>
-            <a:pPr algn="ctr">
-              <a:spcBef>
-                <a:spcPts val="200"/>
-              </a:spcBef>
-              <a:spcAft>
-                <a:spcPts val="200"/>
-              </a:spcAft>
-            </a:pPr>
-            <a:r>
-              <a:rPr sz="900" b="0">
-                <a:solidFill>
-                  <a:srgbClr val="FFFFFF"/>
-                </a:solidFill>
-                <a:latin typeface="Arial"/>
-              </a:rPr>
-              <a:t>Aug 2026</a:t>
-            </a:r>
-          </a:p>
-        </p:txBody>
-      </p:sp>
-      <p:sp>
-        <p:nvSpPr>
-          <p:cNvPr id="23" name="Rounded Rectangle 22"/>
-          <p:cNvSpPr/>
-          <p:nvPr/>
-        </p:nvSpPr>
-        <p:spPr>
-          <a:xfrm>
-            <a:off x="6071616" y="4251960"/>
-            <a:ext cx="1719072" cy="1508760"/>
-          </a:xfrm>
-          <a:prstGeom prst="roundRect">
-            <a:avLst/>
-          </a:prstGeom>
-          <a:solidFill>
-            <a:srgbClr val="1976D2"/>
-          </a:solidFill>
-          <a:ln>
-            <a:noFill/>
-          </a:ln>
-        </p:spPr>
-        <p:style>
-          <a:lnRef idx="1">
-            <a:schemeClr val="accent1"/>
-          </a:lnRef>
-          <a:fillRef idx="3">
-            <a:schemeClr val="accent1"/>
-          </a:fillRef>
-          <a:effectRef idx="2">
-            <a:schemeClr val="accent1"/>
-          </a:effectRef>
-          <a:fontRef idx="minor">
-            <a:schemeClr val="lt1"/>
-          </a:fontRef>
-        </p:style>
-        <p:txBody>
-          <a:bodyPr rtlCol="0" anchor="ctr" wrap="square"/>
-          <a:lstStyle/>
-          <a:p>
-            <a:pPr algn="ctr">
-              <a:spcBef>
-                <a:spcPts val="200"/>
-              </a:spcBef>
-              <a:spcAft>
-                <a:spcPts val="200"/>
-              </a:spcAft>
-            </a:pPr>
-            <a:r>
-              <a:rPr sz="900" b="0">
-                <a:solidFill>
-                  <a:srgbClr val="FFFFFF"/>
-                </a:solidFill>
-                <a:latin typeface="Arial"/>
-              </a:rPr>
-              <a:t>Phase 10</a:t>
-            </a:r>
-          </a:p>
-          <a:p>
-            <a:pPr algn="ctr">
-              <a:spcBef>
-                <a:spcPts val="200"/>
-              </a:spcBef>
-              <a:spcAft>
-                <a:spcPts val="200"/>
-              </a:spcAft>
-            </a:pPr>
-            <a:r>
-              <a:rPr sz="900" b="0">
-                <a:solidFill>
-                  <a:srgbClr val="FFFFFF"/>
-                </a:solidFill>
-                <a:latin typeface="Arial"/>
-              </a:rPr>
-              <a:t>v2.2.0.0</a:t>
-            </a:r>
-          </a:p>
-          <a:p>
-            <a:pPr algn="ctr">
-              <a:spcBef>
-                <a:spcPts val="200"/>
-              </a:spcBef>
-              <a:spcAft>
-                <a:spcPts val="200"/>
-              </a:spcAft>
-            </a:pPr>
-            <a:r>
-              <a:rPr sz="900" b="0">
-                <a:solidFill>
-                  <a:srgbClr val="FFFFFF"/>
-                </a:solidFill>
-                <a:latin typeface="Arial"/>
-              </a:rPr>
-              <a:t/>
-            </a:r>
-          </a:p>
-          <a:p>
-            <a:pPr algn="ctr">
-              <a:spcBef>
-                <a:spcPts val="200"/>
-              </a:spcBef>
-              <a:spcAft>
-                <a:spcPts val="200"/>
-              </a:spcAft>
-            </a:pPr>
-            <a:r>
-              <a:rPr sz="900" b="0">
-                <a:solidFill>
-                  <a:srgbClr val="FFFFFF"/>
-                </a:solidFill>
-                <a:latin typeface="Arial"/>
-              </a:rPr>
-              <a:t>Virt+Obs+MFA</a:t>
-            </a:r>
-          </a:p>
-          <a:p>
-            <a:pPr algn="ctr">
-              <a:spcBef>
-                <a:spcPts val="200"/>
-              </a:spcBef>
-              <a:spcAft>
-                <a:spcPts val="200"/>
-              </a:spcAft>
-            </a:pPr>
-            <a:r>
-              <a:rPr sz="900" b="0">
-                <a:solidFill>
-                  <a:srgbClr val="FFFFFF"/>
-                </a:solidFill>
-                <a:latin typeface="Arial"/>
-              </a:rPr>
-              <a:t>Dec 2026</a:t>
-            </a:r>
-          </a:p>
-        </p:txBody>
-      </p:sp>
-      <p:sp>
-        <p:nvSpPr>
-          <p:cNvPr id="24" name="Rounded Rectangle 23"/>
-          <p:cNvSpPr/>
-          <p:nvPr/>
-        </p:nvSpPr>
-        <p:spPr>
-          <a:xfrm>
-            <a:off x="7973568" y="4251960"/>
-            <a:ext cx="1719072" cy="1508760"/>
-          </a:xfrm>
-          <a:prstGeom prst="roundRect">
-            <a:avLst/>
-          </a:prstGeom>
-          <a:solidFill>
-            <a:srgbClr val="1976D2"/>
-          </a:solidFill>
-          <a:ln>
-            <a:noFill/>
-          </a:ln>
-        </p:spPr>
-        <p:style>
-          <a:lnRef idx="1">
-            <a:schemeClr val="accent1"/>
-          </a:lnRef>
-          <a:fillRef idx="3">
-            <a:schemeClr val="accent1"/>
-          </a:fillRef>
-          <a:effectRef idx="2">
-            <a:schemeClr val="accent1"/>
-          </a:effectRef>
-          <a:fontRef idx="minor">
-            <a:schemeClr val="lt1"/>
-          </a:fontRef>
-        </p:style>
-        <p:txBody>
-          <a:bodyPr rtlCol="0" anchor="ctr" wrap="square"/>
-          <a:lstStyle/>
-          <a:p>
-            <a:pPr algn="ctr">
-              <a:spcBef>
-                <a:spcPts val="200"/>
-              </a:spcBef>
-              <a:spcAft>
-                <a:spcPts val="200"/>
-              </a:spcAft>
-            </a:pPr>
-            <a:r>
-              <a:rPr sz="900" b="0">
-                <a:solidFill>
-                  <a:srgbClr val="FFFFFF"/>
-                </a:solidFill>
-                <a:latin typeface="Arial"/>
-              </a:rPr>
-              <a:t>Phase 11</a:t>
-            </a:r>
-          </a:p>
-          <a:p>
-            <a:pPr algn="ctr">
-              <a:spcBef>
-                <a:spcPts val="200"/>
-              </a:spcBef>
-              <a:spcAft>
-                <a:spcPts val="200"/>
-              </a:spcAft>
-            </a:pPr>
-            <a:r>
-              <a:rPr sz="900" b="0">
-                <a:solidFill>
-                  <a:srgbClr val="FFFFFF"/>
-                </a:solidFill>
-                <a:latin typeface="Arial"/>
-              </a:rPr>
-              <a:t>v2.3.0.0</a:t>
-            </a:r>
-          </a:p>
-          <a:p>
-            <a:pPr algn="ctr">
-              <a:spcBef>
-                <a:spcPts val="200"/>
-              </a:spcBef>
-              <a:spcAft>
-                <a:spcPts val="200"/>
-              </a:spcAft>
-            </a:pPr>
-            <a:r>
-              <a:rPr sz="900" b="0">
-                <a:solidFill>
-                  <a:srgbClr val="FFFFFF"/>
-                </a:solidFill>
-                <a:latin typeface="Arial"/>
-              </a:rPr>
-              <a:t/>
-            </a:r>
-          </a:p>
-          <a:p>
-            <a:pPr algn="ctr">
-              <a:spcBef>
-                <a:spcPts val="200"/>
-              </a:spcBef>
-              <a:spcAft>
-                <a:spcPts val="200"/>
-              </a:spcAft>
-            </a:pPr>
-            <a:r>
-              <a:rPr sz="900" b="0">
-                <a:solidFill>
-                  <a:srgbClr val="FFFFFF"/>
-                </a:solidFill>
-                <a:latin typeface="Arial"/>
-              </a:rPr>
-              <a:t>Air-Gapped</a:t>
-            </a:r>
-          </a:p>
-          <a:p>
-            <a:pPr algn="ctr">
-              <a:spcBef>
-                <a:spcPts val="200"/>
-              </a:spcBef>
-              <a:spcAft>
-                <a:spcPts val="200"/>
-              </a:spcAft>
-            </a:pPr>
-            <a:r>
-              <a:rPr sz="900" b="0">
-                <a:solidFill>
-                  <a:srgbClr val="FFFFFF"/>
-                </a:solidFill>
-                <a:latin typeface="Arial"/>
-              </a:rPr>
-              <a:t>Jan 2027</a:t>
-            </a:r>
-          </a:p>
-        </p:txBody>
-      </p:sp>
-      <p:sp>
-        <p:nvSpPr>
-          <p:cNvPr id="25" name="Rounded Rectangle 24"/>
-          <p:cNvSpPr/>
-          <p:nvPr/>
-        </p:nvSpPr>
-        <p:spPr>
-          <a:xfrm>
-            <a:off x="9875520" y="4251960"/>
-            <a:ext cx="1719072" cy="1508760"/>
-          </a:xfrm>
-          <a:prstGeom prst="roundRect">
-            <a:avLst/>
-          </a:prstGeom>
-          <a:solidFill>
-            <a:srgbClr val="1976D2"/>
-          </a:solidFill>
-          <a:ln>
-            <a:noFill/>
-          </a:ln>
-        </p:spPr>
-        <p:style>
-          <a:lnRef idx="1">
-            <a:schemeClr val="accent1"/>
-          </a:lnRef>
-          <a:fillRef idx="3">
-            <a:schemeClr val="accent1"/>
-          </a:fillRef>
-          <a:effectRef idx="2">
-            <a:schemeClr val="accent1"/>
-          </a:effectRef>
-          <a:fontRef idx="minor">
-            <a:schemeClr val="lt1"/>
-          </a:fontRef>
-        </p:style>
-        <p:txBody>
-          <a:bodyPr rtlCol="0" anchor="ctr" wrap="square"/>
-          <a:lstStyle/>
-          <a:p>
-            <a:pPr algn="ctr">
-              <a:spcBef>
-                <a:spcPts val="200"/>
-              </a:spcBef>
-              <a:spcAft>
-                <a:spcPts val="200"/>
-              </a:spcAft>
-            </a:pPr>
-            <a:r>
-              <a:rPr sz="900" b="0">
-                <a:solidFill>
-                  <a:srgbClr val="FFFFFF"/>
-                </a:solidFill>
-                <a:latin typeface="Arial"/>
-              </a:rPr>
-              <a:t>Phase 12</a:t>
-            </a:r>
-          </a:p>
-          <a:p>
-            <a:pPr algn="ctr">
-              <a:spcBef>
-                <a:spcPts val="200"/>
-              </a:spcBef>
-              <a:spcAft>
-                <a:spcPts val="200"/>
-              </a:spcAft>
-            </a:pPr>
-            <a:r>
-              <a:rPr sz="900" b="0">
-                <a:solidFill>
-                  <a:srgbClr val="FFFFFF"/>
-                </a:solidFill>
-                <a:latin typeface="Arial"/>
-              </a:rPr>
-              <a:t>v3.0.0.0</a:t>
-            </a:r>
-          </a:p>
-          <a:p>
-            <a:pPr algn="ctr">
-              <a:spcBef>
-                <a:spcPts val="200"/>
-              </a:spcBef>
-              <a:spcAft>
-                <a:spcPts val="200"/>
-              </a:spcAft>
-            </a:pPr>
-            <a:r>
-              <a:rPr sz="900" b="0">
-                <a:solidFill>
-                  <a:srgbClr val="FFFFFF"/>
-                </a:solidFill>
-                <a:latin typeface="Arial"/>
-              </a:rPr>
-              <a:t/>
-            </a:r>
-          </a:p>
-          <a:p>
-            <a:pPr algn="ctr">
-              <a:spcBef>
-                <a:spcPts val="200"/>
-              </a:spcBef>
-              <a:spcAft>
-                <a:spcPts val="200"/>
-              </a:spcAft>
-            </a:pPr>
-            <a:r>
-              <a:rPr sz="900" b="0">
-                <a:solidFill>
-                  <a:srgbClr val="FFFFFF"/>
-                </a:solidFill>
-                <a:latin typeface="Arial"/>
-              </a:rPr>
-              <a:t>Enterprise GA</a:t>
-            </a:r>
-          </a:p>
-          <a:p>
-            <a:pPr algn="ctr">
-              <a:spcBef>
-                <a:spcPts val="200"/>
-              </a:spcBef>
-              <a:spcAft>
-                <a:spcPts val="200"/>
-              </a:spcAft>
-            </a:pPr>
-            <a:r>
-              <a:rPr sz="900" b="0">
-                <a:solidFill>
-                  <a:srgbClr val="FFFFFF"/>
-                </a:solidFill>
-                <a:latin typeface="Arial"/>
-              </a:rPr>
-              <a:t>Feb 2027</a:t>
-            </a:r>
-          </a:p>
-        </p:txBody>
-      </p:sp>
-      <p:sp>
-        <p:nvSpPr>
-          <p:cNvPr id="26" name="TextBox 25"/>
+              <a:rPr sz="1100" b="0">
+                <a:solidFill>
+                  <a:srgbClr val="FFFFFF"/>
+                </a:solidFill>
+                <a:latin typeface="Arial"/>
+              </a:rPr>
+              <a:t>775 files • 271K lines</a:t>
+            </a:r>
+          </a:p>
+        </p:txBody>
+      </p:sp>
+      <p:sp>
+        <p:nvSpPr>
+          <p:cNvPr id="15" name="TextBox 14"/>
           <p:cNvSpPr txBox="1"/>
           <p:nvPr/>
         </p:nvSpPr>
         <p:spPr>
           <a:xfrm>
-            <a:off x="2743200" y="5989320"/>
-            <a:ext cx="6400800" cy="365760"/>
+            <a:off x="457200" y="5303520"/>
+            <a:ext cx="10972800" cy="457200"/>
           </a:xfrm>
           <a:prstGeom prst="rect">
             <a:avLst/>
@@ -16758,20 +15715,29 @@
           <a:noFill/>
         </p:spPr>
         <p:txBody>
-          <a:bodyPr wrap="none">
+          <a:bodyPr wrap="square">
             <a:spAutoFit/>
           </a:bodyPr>
           <a:lstStyle/>
           <a:p>
-            <a:pPr algn="ctr"/>
-            <a:r>
-              <a:rPr sz="1600" b="1">
+            <a:pPr algn="l"/>
+            <a:r>
+              <a:rPr sz="1200" b="1">
                 <a:solidFill>
                   <a:srgbClr val="0D3D5C"/>
                 </a:solidFill>
                 <a:latin typeface="Arial"/>
               </a:rPr>
-              <a:t>Target: v3.0.0.0 Enterprise GA — Q1 2027</a:t>
+              <a:t>Development velocity:  </a:t>
+            </a:r>
+            <a:r>
+              <a:rPr sz="1100" b="0">
+                <a:solidFill>
+                  <a:srgbClr val="666666"/>
+                </a:solidFill>
+                <a:latin typeface="Arial"/>
+              </a:rPr>
+              <a:t>Q2 2024 → project start  |  Q3-Q4 2025 → major feature build (730+ commits)  |  Q1 2026 → Pro+ launch + stabilization</a:t>
             </a:r>
           </a:p>
         </p:txBody>
@@ -16785,6 +15751,2430 @@
 </file>
 
 <file path=ppt/slides/slide26.xml><?xml version="1.0" encoding="utf-8"?>
+<p:sld xmlns:a="http://schemas.openxmlformats.org/drawingml/2006/main" xmlns:p="http://schemas.openxmlformats.org/presentationml/2006/main" xmlns:r="http://schemas.openxmlformats.org/officeDocument/2006/relationships">
+  <p:cSld>
+    <p:bg>
+      <p:bgPr>
+        <a:solidFill>
+          <a:srgbClr val="F5F6F8"/>
+        </a:solidFill>
+        <a:effectLst/>
+      </p:bgPr>
+    </p:bg>
+    <p:spTree>
+      <p:nvGrpSpPr>
+        <p:cNvPr id="1" name=""/>
+        <p:cNvGrpSpPr/>
+        <p:nvPr/>
+      </p:nvGrpSpPr>
+      <p:grpSpPr/>
+      <p:sp>
+        <p:nvSpPr>
+          <p:cNvPr id="2" name="Rectangle 1"/>
+          <p:cNvSpPr/>
+          <p:nvPr/>
+        </p:nvSpPr>
+        <p:spPr>
+          <a:xfrm>
+            <a:off x="0" y="0"/>
+            <a:ext cx="12191695" cy="1005840"/>
+          </a:xfrm>
+          <a:prstGeom prst="rect">
+            <a:avLst/>
+          </a:prstGeom>
+          <a:solidFill>
+            <a:srgbClr val="0D3D5C"/>
+          </a:solidFill>
+          <a:ln>
+            <a:noFill/>
+          </a:ln>
+        </p:spPr>
+        <p:style>
+          <a:lnRef idx="1">
+            <a:schemeClr val="accent1"/>
+          </a:lnRef>
+          <a:fillRef idx="3">
+            <a:schemeClr val="accent1"/>
+          </a:fillRef>
+          <a:effectRef idx="2">
+            <a:schemeClr val="accent1"/>
+          </a:effectRef>
+          <a:fontRef idx="minor">
+            <a:schemeClr val="lt1"/>
+          </a:fontRef>
+        </p:style>
+        <p:txBody>
+          <a:bodyPr rtlCol="0" anchor="ctr"/>
+          <a:lstStyle/>
+          <a:p>
+            <a:pPr algn="ctr"/>
+          </a:p>
+        </p:txBody>
+      </p:sp>
+      <p:sp>
+        <p:nvSpPr>
+          <p:cNvPr id="3" name="TextBox 2"/>
+          <p:cNvSpPr txBox="1"/>
+          <p:nvPr/>
+        </p:nvSpPr>
+        <p:spPr>
+          <a:xfrm>
+            <a:off x="731520" y="137160"/>
+            <a:ext cx="10058400" cy="731520"/>
+          </a:xfrm>
+          <a:prstGeom prst="rect">
+            <a:avLst/>
+          </a:prstGeom>
+          <a:noFill/>
+        </p:spPr>
+        <p:txBody>
+          <a:bodyPr wrap="square">
+            <a:spAutoFit/>
+          </a:bodyPr>
+          <a:lstStyle/>
+          <a:p>
+            <a:r>
+              <a:rPr sz="3600" b="1">
+                <a:solidFill>
+                  <a:srgbClr val="FFFFFF"/>
+                </a:solidFill>
+                <a:latin typeface="Arial"/>
+              </a:rPr>
+              <a:t>Roadmap Overview</a:t>
+            </a:r>
+          </a:p>
+        </p:txBody>
+      </p:sp>
+      <p:sp>
+        <p:nvSpPr>
+          <p:cNvPr id="4" name="Rectangle 3"/>
+          <p:cNvSpPr/>
+          <p:nvPr/>
+        </p:nvSpPr>
+        <p:spPr>
+          <a:xfrm>
+            <a:off x="0" y="6537960"/>
+            <a:ext cx="12191695" cy="320040"/>
+          </a:xfrm>
+          <a:prstGeom prst="rect">
+            <a:avLst/>
+          </a:prstGeom>
+          <a:solidFill>
+            <a:srgbClr val="0D3D5C"/>
+          </a:solidFill>
+          <a:ln>
+            <a:noFill/>
+          </a:ln>
+        </p:spPr>
+        <p:style>
+          <a:lnRef idx="1">
+            <a:schemeClr val="accent1"/>
+          </a:lnRef>
+          <a:fillRef idx="3">
+            <a:schemeClr val="accent1"/>
+          </a:fillRef>
+          <a:effectRef idx="2">
+            <a:schemeClr val="accent1"/>
+          </a:effectRef>
+          <a:fontRef idx="minor">
+            <a:schemeClr val="lt1"/>
+          </a:fontRef>
+        </p:style>
+        <p:txBody>
+          <a:bodyPr rtlCol="0" anchor="ctr"/>
+          <a:lstStyle/>
+          <a:p>
+            <a:pPr algn="ctr"/>
+          </a:p>
+        </p:txBody>
+      </p:sp>
+      <p:sp>
+        <p:nvSpPr>
+          <p:cNvPr id="5" name="TextBox 4"/>
+          <p:cNvSpPr txBox="1"/>
+          <p:nvPr/>
+        </p:nvSpPr>
+        <p:spPr>
+          <a:xfrm>
+            <a:off x="457200" y="6556248"/>
+            <a:ext cx="5486400" cy="274320"/>
+          </a:xfrm>
+          <a:prstGeom prst="rect">
+            <a:avLst/>
+          </a:prstGeom>
+          <a:noFill/>
+        </p:spPr>
+        <p:txBody>
+          <a:bodyPr wrap="none">
+            <a:spAutoFit/>
+          </a:bodyPr>
+          <a:lstStyle/>
+          <a:p>
+            <a:pPr>
+              <a:defRPr sz="900">
+                <a:solidFill>
+                  <a:srgbClr val="FFFFFF"/>
+                </a:solidFill>
+                <a:latin typeface="Arial"/>
+              </a:defRPr>
+            </a:pPr>
+            <a:r>
+              <a:t>SysManage  |  sysmanage.org</a:t>
+            </a:r>
+          </a:p>
+        </p:txBody>
+      </p:sp>
+      <p:sp>
+        <p:nvSpPr>
+          <p:cNvPr id="6" name="Rounded Rectangle 5"/>
+          <p:cNvSpPr/>
+          <p:nvPr/>
+        </p:nvSpPr>
+        <p:spPr>
+          <a:xfrm>
+            <a:off x="365760" y="1143000"/>
+            <a:ext cx="1463040" cy="1005840"/>
+          </a:xfrm>
+          <a:prstGeom prst="roundRect">
+            <a:avLst/>
+          </a:prstGeom>
+          <a:solidFill>
+            <a:srgbClr val="666666"/>
+          </a:solidFill>
+          <a:ln>
+            <a:noFill/>
+          </a:ln>
+        </p:spPr>
+        <p:style>
+          <a:lnRef idx="1">
+            <a:schemeClr val="accent1"/>
+          </a:lnRef>
+          <a:fillRef idx="3">
+            <a:schemeClr val="accent1"/>
+          </a:fillRef>
+          <a:effectRef idx="2">
+            <a:schemeClr val="accent1"/>
+          </a:effectRef>
+          <a:fontRef idx="minor">
+            <a:schemeClr val="lt1"/>
+          </a:fontRef>
+        </p:style>
+        <p:txBody>
+          <a:bodyPr rtlCol="0" anchor="ctr" wrap="square"/>
+          <a:lstStyle/>
+          <a:p>
+            <a:pPr algn="ctr">
+              <a:spcBef>
+                <a:spcPts val="200"/>
+              </a:spcBef>
+              <a:spcAft>
+                <a:spcPts val="200"/>
+              </a:spcAft>
+            </a:pPr>
+            <a:r>
+              <a:rPr sz="800" b="0">
+                <a:solidFill>
+                  <a:srgbClr val="FFFFFF"/>
+                </a:solidFill>
+                <a:latin typeface="Arial"/>
+              </a:rPr>
+              <a:t>v0.9.0</a:t>
+            </a:r>
+          </a:p>
+          <a:p>
+            <a:pPr algn="ctr">
+              <a:spcBef>
+                <a:spcPts val="200"/>
+              </a:spcBef>
+              <a:spcAft>
+                <a:spcPts val="200"/>
+              </a:spcAft>
+            </a:pPr>
+            <a:r>
+              <a:rPr sz="800" b="0">
+                <a:solidFill>
+                  <a:srgbClr val="FFFFFF"/>
+                </a:solidFill>
+                <a:latin typeface="Arial"/>
+              </a:rPr>
+              <a:t>Foundation
++ Core Platform</a:t>
+            </a:r>
+          </a:p>
+        </p:txBody>
+      </p:sp>
+      <p:sp>
+        <p:nvSpPr>
+          <p:cNvPr id="7" name="Rounded Rectangle 6"/>
+          <p:cNvSpPr/>
+          <p:nvPr/>
+        </p:nvSpPr>
+        <p:spPr>
+          <a:xfrm>
+            <a:off x="2011680" y="1143000"/>
+            <a:ext cx="1463040" cy="1005840"/>
+          </a:xfrm>
+          <a:prstGeom prst="roundRect">
+            <a:avLst/>
+          </a:prstGeom>
+          <a:solidFill>
+            <a:srgbClr val="666666"/>
+          </a:solidFill>
+          <a:ln>
+            <a:noFill/>
+          </a:ln>
+        </p:spPr>
+        <p:style>
+          <a:lnRef idx="1">
+            <a:schemeClr val="accent1"/>
+          </a:lnRef>
+          <a:fillRef idx="3">
+            <a:schemeClr val="accent1"/>
+          </a:fillRef>
+          <a:effectRef idx="2">
+            <a:schemeClr val="accent1"/>
+          </a:effectRef>
+          <a:fontRef idx="minor">
+            <a:schemeClr val="lt1"/>
+          </a:fontRef>
+        </p:style>
+        <p:txBody>
+          <a:bodyPr rtlCol="0" anchor="ctr" wrap="square"/>
+          <a:lstStyle/>
+          <a:p>
+            <a:pPr algn="ctr">
+              <a:spcBef>
+                <a:spcPts val="200"/>
+              </a:spcBef>
+              <a:spcAft>
+                <a:spcPts val="200"/>
+              </a:spcAft>
+            </a:pPr>
+            <a:r>
+              <a:rPr sz="800" b="0">
+                <a:solidFill>
+                  <a:srgbClr val="FFFFFF"/>
+                </a:solidFill>
+                <a:latin typeface="Arial"/>
+              </a:rPr>
+              <a:t>v0.9.1</a:t>
+            </a:r>
+          </a:p>
+          <a:p>
+            <a:pPr algn="ctr">
+              <a:spcBef>
+                <a:spcPts val="200"/>
+              </a:spcBef>
+              <a:spcAft>
+                <a:spcPts val="200"/>
+              </a:spcAft>
+            </a:pPr>
+            <a:r>
+              <a:rPr sz="800" b="0">
+                <a:solidFill>
+                  <a:srgbClr val="FFFFFF"/>
+                </a:solidFill>
+                <a:latin typeface="Arial"/>
+              </a:rPr>
+              <a:t>CI/CD
+&amp; Quality</a:t>
+            </a:r>
+          </a:p>
+        </p:txBody>
+      </p:sp>
+      <p:sp>
+        <p:nvSpPr>
+          <p:cNvPr id="8" name="Rounded Rectangle 7"/>
+          <p:cNvSpPr/>
+          <p:nvPr/>
+        </p:nvSpPr>
+        <p:spPr>
+          <a:xfrm>
+            <a:off x="3657600" y="1143000"/>
+            <a:ext cx="1463040" cy="1005840"/>
+          </a:xfrm>
+          <a:prstGeom prst="roundRect">
+            <a:avLst/>
+          </a:prstGeom>
+          <a:solidFill>
+            <a:srgbClr val="666666"/>
+          </a:solidFill>
+          <a:ln>
+            <a:noFill/>
+          </a:ln>
+        </p:spPr>
+        <p:style>
+          <a:lnRef idx="1">
+            <a:schemeClr val="accent1"/>
+          </a:lnRef>
+          <a:fillRef idx="3">
+            <a:schemeClr val="accent1"/>
+          </a:fillRef>
+          <a:effectRef idx="2">
+            <a:schemeClr val="accent1"/>
+          </a:effectRef>
+          <a:fontRef idx="minor">
+            <a:schemeClr val="lt1"/>
+          </a:fontRef>
+        </p:style>
+        <p:txBody>
+          <a:bodyPr rtlCol="0" anchor="ctr" wrap="square"/>
+          <a:lstStyle/>
+          <a:p>
+            <a:pPr algn="ctr">
+              <a:spcBef>
+                <a:spcPts val="200"/>
+              </a:spcBef>
+              <a:spcAft>
+                <a:spcPts val="200"/>
+              </a:spcAft>
+            </a:pPr>
+            <a:r>
+              <a:rPr sz="800" b="0">
+                <a:solidFill>
+                  <a:srgbClr val="FFFFFF"/>
+                </a:solidFill>
+                <a:latin typeface="Arial"/>
+              </a:rPr>
+              <a:t>v0.9.2</a:t>
+            </a:r>
+          </a:p>
+          <a:p>
+            <a:pPr algn="ctr">
+              <a:spcBef>
+                <a:spcPts val="200"/>
+              </a:spcBef>
+              <a:spcAft>
+                <a:spcPts val="200"/>
+              </a:spcAft>
+            </a:pPr>
+            <a:r>
+              <a:rPr sz="800" b="0">
+                <a:solidFill>
+                  <a:srgbClr val="FFFFFF"/>
+                </a:solidFill>
+                <a:latin typeface="Arial"/>
+              </a:rPr>
+              <a:t>Mgmt
+Features</a:t>
+            </a:r>
+          </a:p>
+        </p:txBody>
+      </p:sp>
+      <p:sp>
+        <p:nvSpPr>
+          <p:cNvPr id="9" name="Rounded Rectangle 8"/>
+          <p:cNvSpPr/>
+          <p:nvPr/>
+        </p:nvSpPr>
+        <p:spPr>
+          <a:xfrm>
+            <a:off x="5303520" y="1143000"/>
+            <a:ext cx="1463040" cy="1005840"/>
+          </a:xfrm>
+          <a:prstGeom prst="roundRect">
+            <a:avLst/>
+          </a:prstGeom>
+          <a:solidFill>
+            <a:srgbClr val="666666"/>
+          </a:solidFill>
+          <a:ln>
+            <a:noFill/>
+          </a:ln>
+        </p:spPr>
+        <p:style>
+          <a:lnRef idx="1">
+            <a:schemeClr val="accent1"/>
+          </a:lnRef>
+          <a:fillRef idx="3">
+            <a:schemeClr val="accent1"/>
+          </a:fillRef>
+          <a:effectRef idx="2">
+            <a:schemeClr val="accent1"/>
+          </a:effectRef>
+          <a:fontRef idx="minor">
+            <a:schemeClr val="lt1"/>
+          </a:fontRef>
+        </p:style>
+        <p:txBody>
+          <a:bodyPr rtlCol="0" anchor="ctr" wrap="square"/>
+          <a:lstStyle/>
+          <a:p>
+            <a:pPr algn="ctr">
+              <a:spcBef>
+                <a:spcPts val="200"/>
+              </a:spcBef>
+              <a:spcAft>
+                <a:spcPts val="200"/>
+              </a:spcAft>
+            </a:pPr>
+            <a:r>
+              <a:rPr sz="800" b="0">
+                <a:solidFill>
+                  <a:srgbClr val="FFFFFF"/>
+                </a:solidFill>
+                <a:latin typeface="Arial"/>
+              </a:rPr>
+              <a:t>v1.0.0</a:t>
+            </a:r>
+          </a:p>
+          <a:p>
+            <a:pPr algn="ctr">
+              <a:spcBef>
+                <a:spcPts val="200"/>
+              </a:spcBef>
+              <a:spcAft>
+                <a:spcPts val="200"/>
+              </a:spcAft>
+            </a:pPr>
+            <a:r>
+              <a:rPr sz="800" b="0">
+                <a:solidFill>
+                  <a:srgbClr val="FFFFFF"/>
+                </a:solidFill>
+                <a:latin typeface="Arial"/>
+              </a:rPr>
+              <a:t>Child Host
+Foundation</a:t>
+            </a:r>
+          </a:p>
+        </p:txBody>
+      </p:sp>
+      <p:sp>
+        <p:nvSpPr>
+          <p:cNvPr id="10" name="Rounded Rectangle 9"/>
+          <p:cNvSpPr/>
+          <p:nvPr/>
+        </p:nvSpPr>
+        <p:spPr>
+          <a:xfrm>
+            <a:off x="6949440" y="1143000"/>
+            <a:ext cx="1463040" cy="1005840"/>
+          </a:xfrm>
+          <a:prstGeom prst="roundRect">
+            <a:avLst/>
+          </a:prstGeom>
+          <a:solidFill>
+            <a:srgbClr val="666666"/>
+          </a:solidFill>
+          <a:ln>
+            <a:noFill/>
+          </a:ln>
+        </p:spPr>
+        <p:style>
+          <a:lnRef idx="1">
+            <a:schemeClr val="accent1"/>
+          </a:lnRef>
+          <a:fillRef idx="3">
+            <a:schemeClr val="accent1"/>
+          </a:fillRef>
+          <a:effectRef idx="2">
+            <a:schemeClr val="accent1"/>
+          </a:effectRef>
+          <a:fontRef idx="minor">
+            <a:schemeClr val="lt1"/>
+          </a:fontRef>
+        </p:style>
+        <p:txBody>
+          <a:bodyPr rtlCol="0" anchor="ctr" wrap="square"/>
+          <a:lstStyle/>
+          <a:p>
+            <a:pPr algn="ctr">
+              <a:spcBef>
+                <a:spcPts val="200"/>
+              </a:spcBef>
+              <a:spcAft>
+                <a:spcPts val="200"/>
+              </a:spcAft>
+            </a:pPr>
+            <a:r>
+              <a:rPr sz="800" b="0">
+                <a:solidFill>
+                  <a:srgbClr val="FFFFFF"/>
+                </a:solidFill>
+                <a:latin typeface="Arial"/>
+              </a:rPr>
+              <a:t>v1.0.1</a:t>
+            </a:r>
+          </a:p>
+          <a:p>
+            <a:pPr algn="ctr">
+              <a:spcBef>
+                <a:spcPts val="200"/>
+              </a:spcBef>
+              <a:spcAft>
+                <a:spcPts val="200"/>
+              </a:spcAft>
+            </a:pPr>
+            <a:r>
+              <a:rPr sz="800" b="0">
+                <a:solidFill>
+                  <a:srgbClr val="FFFFFF"/>
+                </a:solidFill>
+                <a:latin typeface="Arial"/>
+              </a:rPr>
+              <a:t>Virtualization
+Expansion</a:t>
+            </a:r>
+          </a:p>
+        </p:txBody>
+      </p:sp>
+      <p:sp>
+        <p:nvSpPr>
+          <p:cNvPr id="11" name="Rounded Rectangle 10"/>
+          <p:cNvSpPr/>
+          <p:nvPr/>
+        </p:nvSpPr>
+        <p:spPr>
+          <a:xfrm>
+            <a:off x="8595360" y="1143000"/>
+            <a:ext cx="1463040" cy="1005840"/>
+          </a:xfrm>
+          <a:prstGeom prst="roundRect">
+            <a:avLst/>
+          </a:prstGeom>
+          <a:solidFill>
+            <a:srgbClr val="666666"/>
+          </a:solidFill>
+          <a:ln>
+            <a:noFill/>
+          </a:ln>
+        </p:spPr>
+        <p:style>
+          <a:lnRef idx="1">
+            <a:schemeClr val="accent1"/>
+          </a:lnRef>
+          <a:fillRef idx="3">
+            <a:schemeClr val="accent1"/>
+          </a:fillRef>
+          <a:effectRef idx="2">
+            <a:schemeClr val="accent1"/>
+          </a:effectRef>
+          <a:fontRef idx="minor">
+            <a:schemeClr val="lt1"/>
+          </a:fontRef>
+        </p:style>
+        <p:txBody>
+          <a:bodyPr rtlCol="0" anchor="ctr" wrap="square"/>
+          <a:lstStyle/>
+          <a:p>
+            <a:pPr algn="ctr">
+              <a:spcBef>
+                <a:spcPts val="200"/>
+              </a:spcBef>
+              <a:spcAft>
+                <a:spcPts val="200"/>
+              </a:spcAft>
+            </a:pPr>
+            <a:r>
+              <a:rPr sz="800" b="0">
+                <a:solidFill>
+                  <a:srgbClr val="FFFFFF"/>
+                </a:solidFill>
+                <a:latin typeface="Arial"/>
+              </a:rPr>
+              <a:t>v1.0.2</a:t>
+            </a:r>
+          </a:p>
+          <a:p>
+            <a:pPr algn="ctr">
+              <a:spcBef>
+                <a:spcPts val="200"/>
+              </a:spcBef>
+              <a:spcAft>
+                <a:spcPts val="200"/>
+              </a:spcAft>
+            </a:pPr>
+            <a:r>
+              <a:rPr sz="800" b="0">
+                <a:solidFill>
+                  <a:srgbClr val="FFFFFF"/>
+                </a:solidFill>
+                <a:latin typeface="Arial"/>
+              </a:rPr>
+              <a:t>Platform
+Maturity</a:t>
+            </a:r>
+          </a:p>
+        </p:txBody>
+      </p:sp>
+      <p:sp>
+        <p:nvSpPr>
+          <p:cNvPr id="12" name="Rounded Rectangle 11"/>
+          <p:cNvSpPr/>
+          <p:nvPr/>
+        </p:nvSpPr>
+        <p:spPr>
+          <a:xfrm>
+            <a:off x="10241280" y="1143000"/>
+            <a:ext cx="1463040" cy="1005840"/>
+          </a:xfrm>
+          <a:prstGeom prst="roundRect">
+            <a:avLst/>
+          </a:prstGeom>
+          <a:solidFill>
+            <a:srgbClr val="666666"/>
+          </a:solidFill>
+          <a:ln>
+            <a:noFill/>
+          </a:ln>
+        </p:spPr>
+        <p:style>
+          <a:lnRef idx="1">
+            <a:schemeClr val="accent1"/>
+          </a:lnRef>
+          <a:fillRef idx="3">
+            <a:schemeClr val="accent1"/>
+          </a:fillRef>
+          <a:effectRef idx="2">
+            <a:schemeClr val="accent1"/>
+          </a:effectRef>
+          <a:fontRef idx="minor">
+            <a:schemeClr val="lt1"/>
+          </a:fontRef>
+        </p:style>
+        <p:txBody>
+          <a:bodyPr rtlCol="0" anchor="ctr" wrap="square"/>
+          <a:lstStyle/>
+          <a:p>
+            <a:pPr algn="ctr">
+              <a:spcBef>
+                <a:spcPts val="200"/>
+              </a:spcBef>
+              <a:spcAft>
+                <a:spcPts val="200"/>
+              </a:spcAft>
+            </a:pPr>
+            <a:r>
+              <a:rPr sz="800" b="0">
+                <a:solidFill>
+                  <a:srgbClr val="FFFFFF"/>
+                </a:solidFill>
+                <a:latin typeface="Arial"/>
+              </a:rPr>
+              <a:t>v1.1.0</a:t>
+            </a:r>
+          </a:p>
+          <a:p>
+            <a:pPr algn="ctr">
+              <a:spcBef>
+                <a:spcPts val="200"/>
+              </a:spcBef>
+              <a:spcAft>
+                <a:spcPts val="200"/>
+              </a:spcAft>
+            </a:pPr>
+            <a:r>
+              <a:rPr sz="800" b="0">
+                <a:solidFill>
+                  <a:srgbClr val="FFFFFF"/>
+                </a:solidFill>
+                <a:latin typeface="Arial"/>
+              </a:rPr>
+              <a:t>Pro+
+Launch</a:t>
+            </a:r>
+          </a:p>
+        </p:txBody>
+      </p:sp>
+      <p:sp>
+        <p:nvSpPr>
+          <p:cNvPr id="13" name="TextBox 12"/>
+          <p:cNvSpPr txBox="1"/>
+          <p:nvPr/>
+        </p:nvSpPr>
+        <p:spPr>
+          <a:xfrm>
+            <a:off x="365760" y="960120"/>
+            <a:ext cx="2743200" cy="182880"/>
+          </a:xfrm>
+          <a:prstGeom prst="rect">
+            <a:avLst/>
+          </a:prstGeom>
+          <a:noFill/>
+        </p:spPr>
+        <p:txBody>
+          <a:bodyPr wrap="none">
+            <a:spAutoFit/>
+          </a:bodyPr>
+          <a:lstStyle/>
+          <a:p>
+            <a:r>
+              <a:rPr sz="800" b="1">
+                <a:solidFill>
+                  <a:srgbClr val="666666"/>
+                </a:solidFill>
+                <a:latin typeface="Arial"/>
+              </a:rPr>
+              <a:t>Shipped</a:t>
+            </a:r>
+          </a:p>
+        </p:txBody>
+      </p:sp>
+      <p:sp>
+        <p:nvSpPr>
+          <p:cNvPr id="14" name="Rounded Rectangle 13"/>
+          <p:cNvSpPr/>
+          <p:nvPr/>
+        </p:nvSpPr>
+        <p:spPr>
+          <a:xfrm>
+            <a:off x="365760" y="2468880"/>
+            <a:ext cx="1719072" cy="1508760"/>
+          </a:xfrm>
+          <a:prstGeom prst="roundRect">
+            <a:avLst/>
+          </a:prstGeom>
+          <a:solidFill>
+            <a:srgbClr val="388E3C"/>
+          </a:solidFill>
+          <a:ln>
+            <a:noFill/>
+          </a:ln>
+        </p:spPr>
+        <p:style>
+          <a:lnRef idx="1">
+            <a:schemeClr val="accent1"/>
+          </a:lnRef>
+          <a:fillRef idx="3">
+            <a:schemeClr val="accent1"/>
+          </a:fillRef>
+          <a:effectRef idx="2">
+            <a:schemeClr val="accent1"/>
+          </a:effectRef>
+          <a:fontRef idx="minor">
+            <a:schemeClr val="lt1"/>
+          </a:fontRef>
+        </p:style>
+        <p:txBody>
+          <a:bodyPr rtlCol="0" anchor="ctr" wrap="square"/>
+          <a:lstStyle/>
+          <a:p>
+            <a:pPr algn="ctr">
+              <a:spcBef>
+                <a:spcPts val="200"/>
+              </a:spcBef>
+              <a:spcAft>
+                <a:spcPts val="200"/>
+              </a:spcAft>
+            </a:pPr>
+            <a:r>
+              <a:rPr sz="900" b="0">
+                <a:solidFill>
+                  <a:srgbClr val="FFFFFF"/>
+                </a:solidFill>
+                <a:latin typeface="Arial"/>
+              </a:rPr>
+              <a:t>Phase 1</a:t>
+            </a:r>
+          </a:p>
+          <a:p>
+            <a:pPr algn="ctr">
+              <a:spcBef>
+                <a:spcPts val="200"/>
+              </a:spcBef>
+              <a:spcAft>
+                <a:spcPts val="200"/>
+              </a:spcAft>
+            </a:pPr>
+            <a:r>
+              <a:rPr sz="900" b="0">
+                <a:solidFill>
+                  <a:srgbClr val="FFFFFF"/>
+                </a:solidFill>
+                <a:latin typeface="Arial"/>
+              </a:rPr>
+              <a:t>v1.2.0.0</a:t>
+            </a:r>
+          </a:p>
+          <a:p>
+            <a:pPr algn="ctr">
+              <a:spcBef>
+                <a:spcPts val="200"/>
+              </a:spcBef>
+              <a:spcAft>
+                <a:spcPts val="200"/>
+              </a:spcAft>
+            </a:pPr>
+            <a:r>
+              <a:rPr sz="900" b="0">
+                <a:solidFill>
+                  <a:srgbClr val="FFFFFF"/>
+                </a:solidFill>
+                <a:latin typeface="Arial"/>
+              </a:rPr>
+              <a:t/>
+            </a:r>
+          </a:p>
+          <a:p>
+            <a:pPr algn="ctr">
+              <a:spcBef>
+                <a:spcPts val="200"/>
+              </a:spcBef>
+              <a:spcAft>
+                <a:spcPts val="200"/>
+              </a:spcAft>
+            </a:pPr>
+            <a:r>
+              <a:rPr sz="900" b="0">
+                <a:solidFill>
+                  <a:srgbClr val="FFFFFF"/>
+                </a:solidFill>
+                <a:latin typeface="Arial"/>
+              </a:rPr>
+              <a:t>Stabilization</a:t>
+            </a:r>
+          </a:p>
+          <a:p>
+            <a:pPr algn="ctr">
+              <a:spcBef>
+                <a:spcPts val="200"/>
+              </a:spcBef>
+              <a:spcAft>
+                <a:spcPts val="200"/>
+              </a:spcAft>
+            </a:pPr>
+            <a:r>
+              <a:rPr sz="900" b="0">
+                <a:solidFill>
+                  <a:srgbClr val="FFFFFF"/>
+                </a:solidFill>
+                <a:latin typeface="Arial"/>
+              </a:rPr>
+              <a:t>✓ Done</a:t>
+            </a:r>
+          </a:p>
+        </p:txBody>
+      </p:sp>
+      <p:sp>
+        <p:nvSpPr>
+          <p:cNvPr id="15" name="Rounded Rectangle 14"/>
+          <p:cNvSpPr/>
+          <p:nvPr/>
+        </p:nvSpPr>
+        <p:spPr>
+          <a:xfrm>
+            <a:off x="2267712" y="2468880"/>
+            <a:ext cx="1719072" cy="1508760"/>
+          </a:xfrm>
+          <a:prstGeom prst="roundRect">
+            <a:avLst/>
+          </a:prstGeom>
+          <a:solidFill>
+            <a:srgbClr val="388E3C"/>
+          </a:solidFill>
+          <a:ln>
+            <a:noFill/>
+          </a:ln>
+        </p:spPr>
+        <p:style>
+          <a:lnRef idx="1">
+            <a:schemeClr val="accent1"/>
+          </a:lnRef>
+          <a:fillRef idx="3">
+            <a:schemeClr val="accent1"/>
+          </a:fillRef>
+          <a:effectRef idx="2">
+            <a:schemeClr val="accent1"/>
+          </a:effectRef>
+          <a:fontRef idx="minor">
+            <a:schemeClr val="lt1"/>
+          </a:fontRef>
+        </p:style>
+        <p:txBody>
+          <a:bodyPr rtlCol="0" anchor="ctr" wrap="square"/>
+          <a:lstStyle/>
+          <a:p>
+            <a:pPr algn="ctr">
+              <a:spcBef>
+                <a:spcPts val="200"/>
+              </a:spcBef>
+              <a:spcAft>
+                <a:spcPts val="200"/>
+              </a:spcAft>
+            </a:pPr>
+            <a:r>
+              <a:rPr sz="900" b="0">
+                <a:solidFill>
+                  <a:srgbClr val="FFFFFF"/>
+                </a:solidFill>
+                <a:latin typeface="Arial"/>
+              </a:rPr>
+              <a:t>Phase 2</a:t>
+            </a:r>
+          </a:p>
+          <a:p>
+            <a:pPr algn="ctr">
+              <a:spcBef>
+                <a:spcPts val="200"/>
+              </a:spcBef>
+              <a:spcAft>
+                <a:spcPts val="200"/>
+              </a:spcAft>
+            </a:pPr>
+            <a:r>
+              <a:rPr sz="900" b="0">
+                <a:solidFill>
+                  <a:srgbClr val="FFFFFF"/>
+                </a:solidFill>
+                <a:latin typeface="Arial"/>
+              </a:rPr>
+              <a:t>v1.3.0.0</a:t>
+            </a:r>
+          </a:p>
+          <a:p>
+            <a:pPr algn="ctr">
+              <a:spcBef>
+                <a:spcPts val="200"/>
+              </a:spcBef>
+              <a:spcAft>
+                <a:spcPts val="200"/>
+              </a:spcAft>
+            </a:pPr>
+            <a:r>
+              <a:rPr sz="900" b="0">
+                <a:solidFill>
+                  <a:srgbClr val="FFFFFF"/>
+                </a:solidFill>
+                <a:latin typeface="Arial"/>
+              </a:rPr>
+              <a:t/>
+            </a:r>
+          </a:p>
+          <a:p>
+            <a:pPr algn="ctr">
+              <a:spcBef>
+                <a:spcPts val="200"/>
+              </a:spcBef>
+              <a:spcAft>
+                <a:spcPts val="200"/>
+              </a:spcAft>
+            </a:pPr>
+            <a:r>
+              <a:rPr sz="900" b="0">
+                <a:solidFill>
+                  <a:srgbClr val="FFFFFF"/>
+                </a:solidFill>
+                <a:latin typeface="Arial"/>
+              </a:rPr>
+              <a:t>Pro+ Prof.</a:t>
+            </a:r>
+          </a:p>
+          <a:p>
+            <a:pPr algn="ctr">
+              <a:spcBef>
+                <a:spcPts val="200"/>
+              </a:spcBef>
+              <a:spcAft>
+                <a:spcPts val="200"/>
+              </a:spcAft>
+            </a:pPr>
+            <a:r>
+              <a:rPr sz="900" b="0">
+                <a:solidFill>
+                  <a:srgbClr val="FFFFFF"/>
+                </a:solidFill>
+                <a:latin typeface="Arial"/>
+              </a:rPr>
+              <a:t>✓ Done</a:t>
+            </a:r>
+          </a:p>
+        </p:txBody>
+      </p:sp>
+      <p:sp>
+        <p:nvSpPr>
+          <p:cNvPr id="16" name="Rounded Rectangle 15"/>
+          <p:cNvSpPr/>
+          <p:nvPr/>
+        </p:nvSpPr>
+        <p:spPr>
+          <a:xfrm>
+            <a:off x="4169664" y="2468880"/>
+            <a:ext cx="1719072" cy="1508760"/>
+          </a:xfrm>
+          <a:prstGeom prst="roundRect">
+            <a:avLst/>
+          </a:prstGeom>
+          <a:solidFill>
+            <a:srgbClr val="1976D2"/>
+          </a:solidFill>
+          <a:ln>
+            <a:noFill/>
+          </a:ln>
+        </p:spPr>
+        <p:style>
+          <a:lnRef idx="1">
+            <a:schemeClr val="accent1"/>
+          </a:lnRef>
+          <a:fillRef idx="3">
+            <a:schemeClr val="accent1"/>
+          </a:fillRef>
+          <a:effectRef idx="2">
+            <a:schemeClr val="accent1"/>
+          </a:effectRef>
+          <a:fontRef idx="minor">
+            <a:schemeClr val="lt1"/>
+          </a:fontRef>
+        </p:style>
+        <p:txBody>
+          <a:bodyPr rtlCol="0" anchor="ctr" wrap="square"/>
+          <a:lstStyle/>
+          <a:p>
+            <a:pPr algn="ctr">
+              <a:spcBef>
+                <a:spcPts val="200"/>
+              </a:spcBef>
+              <a:spcAft>
+                <a:spcPts val="200"/>
+              </a:spcAft>
+            </a:pPr>
+            <a:r>
+              <a:rPr sz="900" b="0">
+                <a:solidFill>
+                  <a:srgbClr val="FFFFFF"/>
+                </a:solidFill>
+                <a:latin typeface="Arial"/>
+              </a:rPr>
+              <a:t>Phase 3</a:t>
+            </a:r>
+          </a:p>
+          <a:p>
+            <a:pPr algn="ctr">
+              <a:spcBef>
+                <a:spcPts val="200"/>
+              </a:spcBef>
+              <a:spcAft>
+                <a:spcPts val="200"/>
+              </a:spcAft>
+            </a:pPr>
+            <a:r>
+              <a:rPr sz="900" b="0">
+                <a:solidFill>
+                  <a:srgbClr val="FFFFFF"/>
+                </a:solidFill>
+                <a:latin typeface="Arial"/>
+              </a:rPr>
+              <a:t>v1.4.0.0</a:t>
+            </a:r>
+          </a:p>
+          <a:p>
+            <a:pPr algn="ctr">
+              <a:spcBef>
+                <a:spcPts val="200"/>
+              </a:spcBef>
+              <a:spcAft>
+                <a:spcPts val="200"/>
+              </a:spcAft>
+            </a:pPr>
+            <a:r>
+              <a:rPr sz="900" b="0">
+                <a:solidFill>
+                  <a:srgbClr val="FFFFFF"/>
+                </a:solidFill>
+                <a:latin typeface="Arial"/>
+              </a:rPr>
+              <a:t/>
+            </a:r>
+          </a:p>
+          <a:p>
+            <a:pPr algn="ctr">
+              <a:spcBef>
+                <a:spcPts val="200"/>
+              </a:spcBef>
+              <a:spcAft>
+                <a:spcPts val="200"/>
+              </a:spcAft>
+            </a:pPr>
+            <a:r>
+              <a:rPr sz="900" b="0">
+                <a:solidFill>
+                  <a:srgbClr val="FFFFFF"/>
+                </a:solidFill>
+                <a:latin typeface="Arial"/>
+              </a:rPr>
+              <a:t>AV + Firewall</a:t>
+            </a:r>
+          </a:p>
+          <a:p>
+            <a:pPr algn="ctr">
+              <a:spcBef>
+                <a:spcPts val="200"/>
+              </a:spcBef>
+              <a:spcAft>
+                <a:spcPts val="200"/>
+              </a:spcAft>
+            </a:pPr>
+            <a:r>
+              <a:rPr sz="900" b="0">
+                <a:solidFill>
+                  <a:srgbClr val="FFFFFF"/>
+                </a:solidFill>
+                <a:latin typeface="Arial"/>
+              </a:rPr>
+              <a:t>Apr 2026</a:t>
+            </a:r>
+          </a:p>
+        </p:txBody>
+      </p:sp>
+      <p:sp>
+        <p:nvSpPr>
+          <p:cNvPr id="17" name="Rounded Rectangle 16"/>
+          <p:cNvSpPr/>
+          <p:nvPr/>
+        </p:nvSpPr>
+        <p:spPr>
+          <a:xfrm>
+            <a:off x="6071616" y="2468880"/>
+            <a:ext cx="1719072" cy="1508760"/>
+          </a:xfrm>
+          <a:prstGeom prst="roundRect">
+            <a:avLst/>
+          </a:prstGeom>
+          <a:solidFill>
+            <a:srgbClr val="1976D2"/>
+          </a:solidFill>
+          <a:ln>
+            <a:noFill/>
+          </a:ln>
+        </p:spPr>
+        <p:style>
+          <a:lnRef idx="1">
+            <a:schemeClr val="accent1"/>
+          </a:lnRef>
+          <a:fillRef idx="3">
+            <a:schemeClr val="accent1"/>
+          </a:fillRef>
+          <a:effectRef idx="2">
+            <a:schemeClr val="accent1"/>
+          </a:effectRef>
+          <a:fontRef idx="minor">
+            <a:schemeClr val="lt1"/>
+          </a:fontRef>
+        </p:style>
+        <p:txBody>
+          <a:bodyPr rtlCol="0" anchor="ctr" wrap="square"/>
+          <a:lstStyle/>
+          <a:p>
+            <a:pPr algn="ctr">
+              <a:spcBef>
+                <a:spcPts val="200"/>
+              </a:spcBef>
+              <a:spcAft>
+                <a:spcPts val="200"/>
+              </a:spcAft>
+            </a:pPr>
+            <a:r>
+              <a:rPr sz="900" b="0">
+                <a:solidFill>
+                  <a:srgbClr val="FFFFFF"/>
+                </a:solidFill>
+                <a:latin typeface="Arial"/>
+              </a:rPr>
+              <a:t>Phase 4</a:t>
+            </a:r>
+          </a:p>
+          <a:p>
+            <a:pPr algn="ctr">
+              <a:spcBef>
+                <a:spcPts val="200"/>
+              </a:spcBef>
+              <a:spcAft>
+                <a:spcPts val="200"/>
+              </a:spcAft>
+            </a:pPr>
+            <a:r>
+              <a:rPr sz="900" b="0">
+                <a:solidFill>
+                  <a:srgbClr val="FFFFFF"/>
+                </a:solidFill>
+                <a:latin typeface="Arial"/>
+              </a:rPr>
+              <a:t>v1.5.0.0</a:t>
+            </a:r>
+          </a:p>
+          <a:p>
+            <a:pPr algn="ctr">
+              <a:spcBef>
+                <a:spcPts val="200"/>
+              </a:spcBef>
+              <a:spcAft>
+                <a:spcPts val="200"/>
+              </a:spcAft>
+            </a:pPr>
+            <a:r>
+              <a:rPr sz="900" b="0">
+                <a:solidFill>
+                  <a:srgbClr val="FFFFFF"/>
+                </a:solidFill>
+                <a:latin typeface="Arial"/>
+              </a:rPr>
+              <a:t/>
+            </a:r>
+          </a:p>
+          <a:p>
+            <a:pPr algn="ctr">
+              <a:spcBef>
+                <a:spcPts val="200"/>
+              </a:spcBef>
+              <a:spcAft>
+                <a:spcPts val="200"/>
+              </a:spcAft>
+            </a:pPr>
+            <a:r>
+              <a:rPr sz="900" b="0">
+                <a:solidFill>
+                  <a:srgbClr val="FFFFFF"/>
+                </a:solidFill>
+                <a:latin typeface="Arial"/>
+              </a:rPr>
+              <a:t>Stabilization</a:t>
+            </a:r>
+          </a:p>
+          <a:p>
+            <a:pPr algn="ctr">
+              <a:spcBef>
+                <a:spcPts val="200"/>
+              </a:spcBef>
+              <a:spcAft>
+                <a:spcPts val="200"/>
+              </a:spcAft>
+            </a:pPr>
+            <a:r>
+              <a:rPr sz="900" b="0">
+                <a:solidFill>
+                  <a:srgbClr val="FFFFFF"/>
+                </a:solidFill>
+                <a:latin typeface="Arial"/>
+              </a:rPr>
+              <a:t>May 2026</a:t>
+            </a:r>
+          </a:p>
+        </p:txBody>
+      </p:sp>
+      <p:sp>
+        <p:nvSpPr>
+          <p:cNvPr id="18" name="Rounded Rectangle 17"/>
+          <p:cNvSpPr/>
+          <p:nvPr/>
+        </p:nvSpPr>
+        <p:spPr>
+          <a:xfrm>
+            <a:off x="7973568" y="2468880"/>
+            <a:ext cx="1719072" cy="1508760"/>
+          </a:xfrm>
+          <a:prstGeom prst="roundRect">
+            <a:avLst/>
+          </a:prstGeom>
+          <a:solidFill>
+            <a:srgbClr val="1976D2"/>
+          </a:solidFill>
+          <a:ln>
+            <a:noFill/>
+          </a:ln>
+        </p:spPr>
+        <p:style>
+          <a:lnRef idx="1">
+            <a:schemeClr val="accent1"/>
+          </a:lnRef>
+          <a:fillRef idx="3">
+            <a:schemeClr val="accent1"/>
+          </a:fillRef>
+          <a:effectRef idx="2">
+            <a:schemeClr val="accent1"/>
+          </a:effectRef>
+          <a:fontRef idx="minor">
+            <a:schemeClr val="lt1"/>
+          </a:fontRef>
+        </p:style>
+        <p:txBody>
+          <a:bodyPr rtlCol="0" anchor="ctr" wrap="square"/>
+          <a:lstStyle/>
+          <a:p>
+            <a:pPr algn="ctr">
+              <a:spcBef>
+                <a:spcPts val="200"/>
+              </a:spcBef>
+              <a:spcAft>
+                <a:spcPts val="200"/>
+              </a:spcAft>
+            </a:pPr>
+            <a:r>
+              <a:rPr sz="900" b="0">
+                <a:solidFill>
+                  <a:srgbClr val="FFFFFF"/>
+                </a:solidFill>
+                <a:latin typeface="Arial"/>
+              </a:rPr>
+              <a:t>Phase 5</a:t>
+            </a:r>
+          </a:p>
+          <a:p>
+            <a:pPr algn="ctr">
+              <a:spcBef>
+                <a:spcPts val="200"/>
+              </a:spcBef>
+              <a:spcAft>
+                <a:spcPts val="200"/>
+              </a:spcAft>
+            </a:pPr>
+            <a:r>
+              <a:rPr sz="900" b="0">
+                <a:solidFill>
+                  <a:srgbClr val="FFFFFF"/>
+                </a:solidFill>
+                <a:latin typeface="Arial"/>
+              </a:rPr>
+              <a:t>v1.6.0.0</a:t>
+            </a:r>
+          </a:p>
+          <a:p>
+            <a:pPr algn="ctr">
+              <a:spcBef>
+                <a:spcPts val="200"/>
+              </a:spcBef>
+              <a:spcAft>
+                <a:spcPts val="200"/>
+              </a:spcAft>
+            </a:pPr>
+            <a:r>
+              <a:rPr sz="900" b="0">
+                <a:solidFill>
+                  <a:srgbClr val="FFFFFF"/>
+                </a:solidFill>
+                <a:latin typeface="Arial"/>
+              </a:rPr>
+              <a:t/>
+            </a:r>
+          </a:p>
+          <a:p>
+            <a:pPr algn="ctr">
+              <a:spcBef>
+                <a:spcPts val="200"/>
+              </a:spcBef>
+              <a:spcAft>
+                <a:spcPts val="200"/>
+              </a:spcAft>
+            </a:pPr>
+            <a:r>
+              <a:rPr sz="900" b="0">
+                <a:solidFill>
+                  <a:srgbClr val="FFFFFF"/>
+                </a:solidFill>
+                <a:latin typeface="Arial"/>
+              </a:rPr>
+              <a:t>Auto + Fleet</a:t>
+            </a:r>
+          </a:p>
+          <a:p>
+            <a:pPr algn="ctr">
+              <a:spcBef>
+                <a:spcPts val="200"/>
+              </a:spcBef>
+              <a:spcAft>
+                <a:spcPts val="200"/>
+              </a:spcAft>
+            </a:pPr>
+            <a:r>
+              <a:rPr sz="900" b="0">
+                <a:solidFill>
+                  <a:srgbClr val="FFFFFF"/>
+                </a:solidFill>
+                <a:latin typeface="Arial"/>
+              </a:rPr>
+              <a:t>May-Jun 2026</a:t>
+            </a:r>
+          </a:p>
+        </p:txBody>
+      </p:sp>
+      <p:sp>
+        <p:nvSpPr>
+          <p:cNvPr id="19" name="Rounded Rectangle 18"/>
+          <p:cNvSpPr/>
+          <p:nvPr/>
+        </p:nvSpPr>
+        <p:spPr>
+          <a:xfrm>
+            <a:off x="9875520" y="2468880"/>
+            <a:ext cx="1719072" cy="1508760"/>
+          </a:xfrm>
+          <a:prstGeom prst="roundRect">
+            <a:avLst/>
+          </a:prstGeom>
+          <a:solidFill>
+            <a:srgbClr val="1976D2"/>
+          </a:solidFill>
+          <a:ln>
+            <a:noFill/>
+          </a:ln>
+        </p:spPr>
+        <p:style>
+          <a:lnRef idx="1">
+            <a:schemeClr val="accent1"/>
+          </a:lnRef>
+          <a:fillRef idx="3">
+            <a:schemeClr val="accent1"/>
+          </a:fillRef>
+          <a:effectRef idx="2">
+            <a:schemeClr val="accent1"/>
+          </a:effectRef>
+          <a:fontRef idx="minor">
+            <a:schemeClr val="lt1"/>
+          </a:fontRef>
+        </p:style>
+        <p:txBody>
+          <a:bodyPr rtlCol="0" anchor="ctr" wrap="square"/>
+          <a:lstStyle/>
+          <a:p>
+            <a:pPr algn="ctr">
+              <a:spcBef>
+                <a:spcPts val="200"/>
+              </a:spcBef>
+              <a:spcAft>
+                <a:spcPts val="200"/>
+              </a:spcAft>
+            </a:pPr>
+            <a:r>
+              <a:rPr sz="900" b="0">
+                <a:solidFill>
+                  <a:srgbClr val="FFFFFF"/>
+                </a:solidFill>
+                <a:latin typeface="Arial"/>
+              </a:rPr>
+              <a:t>Phase 6</a:t>
+            </a:r>
+          </a:p>
+          <a:p>
+            <a:pPr algn="ctr">
+              <a:spcBef>
+                <a:spcPts val="200"/>
+              </a:spcBef>
+              <a:spcAft>
+                <a:spcPts val="200"/>
+              </a:spcAft>
+            </a:pPr>
+            <a:r>
+              <a:rPr sz="900" b="0">
+                <a:solidFill>
+                  <a:srgbClr val="FFFFFF"/>
+                </a:solidFill>
+                <a:latin typeface="Arial"/>
+              </a:rPr>
+              <a:t>v1.7.0.0</a:t>
+            </a:r>
+          </a:p>
+          <a:p>
+            <a:pPr algn="ctr">
+              <a:spcBef>
+                <a:spcPts val="200"/>
+              </a:spcBef>
+              <a:spcAft>
+                <a:spcPts val="200"/>
+              </a:spcAft>
+            </a:pPr>
+            <a:r>
+              <a:rPr sz="900" b="0">
+                <a:solidFill>
+                  <a:srgbClr val="FFFFFF"/>
+                </a:solidFill>
+                <a:latin typeface="Arial"/>
+              </a:rPr>
+              <a:t/>
+            </a:r>
+          </a:p>
+          <a:p>
+            <a:pPr algn="ctr">
+              <a:spcBef>
+                <a:spcPts val="200"/>
+              </a:spcBef>
+              <a:spcAft>
+                <a:spcPts val="200"/>
+              </a:spcAft>
+            </a:pPr>
+            <a:r>
+              <a:rPr sz="900" b="0">
+                <a:solidFill>
+                  <a:srgbClr val="FFFFFF"/>
+                </a:solidFill>
+                <a:latin typeface="Arial"/>
+              </a:rPr>
+              <a:t>Stabilization</a:t>
+            </a:r>
+          </a:p>
+          <a:p>
+            <a:pPr algn="ctr">
+              <a:spcBef>
+                <a:spcPts val="200"/>
+              </a:spcBef>
+              <a:spcAft>
+                <a:spcPts val="200"/>
+              </a:spcAft>
+            </a:pPr>
+            <a:r>
+              <a:rPr sz="900" b="0">
+                <a:solidFill>
+                  <a:srgbClr val="FFFFFF"/>
+                </a:solidFill>
+                <a:latin typeface="Arial"/>
+              </a:rPr>
+              <a:t>Jun 2026</a:t>
+            </a:r>
+          </a:p>
+        </p:txBody>
+      </p:sp>
+      <p:sp>
+        <p:nvSpPr>
+          <p:cNvPr id="20" name="Rounded Rectangle 19"/>
+          <p:cNvSpPr/>
+          <p:nvPr/>
+        </p:nvSpPr>
+        <p:spPr>
+          <a:xfrm>
+            <a:off x="365760" y="4251960"/>
+            <a:ext cx="1719072" cy="1508760"/>
+          </a:xfrm>
+          <a:prstGeom prst="roundRect">
+            <a:avLst/>
+          </a:prstGeom>
+          <a:solidFill>
+            <a:srgbClr val="1976D2"/>
+          </a:solidFill>
+          <a:ln>
+            <a:noFill/>
+          </a:ln>
+        </p:spPr>
+        <p:style>
+          <a:lnRef idx="1">
+            <a:schemeClr val="accent1"/>
+          </a:lnRef>
+          <a:fillRef idx="3">
+            <a:schemeClr val="accent1"/>
+          </a:fillRef>
+          <a:effectRef idx="2">
+            <a:schemeClr val="accent1"/>
+          </a:effectRef>
+          <a:fontRef idx="minor">
+            <a:schemeClr val="lt1"/>
+          </a:fontRef>
+        </p:style>
+        <p:txBody>
+          <a:bodyPr rtlCol="0" anchor="ctr" wrap="square"/>
+          <a:lstStyle/>
+          <a:p>
+            <a:pPr algn="ctr">
+              <a:spcBef>
+                <a:spcPts val="200"/>
+              </a:spcBef>
+              <a:spcAft>
+                <a:spcPts val="200"/>
+              </a:spcAft>
+            </a:pPr>
+            <a:r>
+              <a:rPr sz="900" b="0">
+                <a:solidFill>
+                  <a:srgbClr val="FFFFFF"/>
+                </a:solidFill>
+                <a:latin typeface="Arial"/>
+              </a:rPr>
+              <a:t>Phase 7</a:t>
+            </a:r>
+          </a:p>
+          <a:p>
+            <a:pPr algn="ctr">
+              <a:spcBef>
+                <a:spcPts val="200"/>
+              </a:spcBef>
+              <a:spcAft>
+                <a:spcPts val="200"/>
+              </a:spcAft>
+            </a:pPr>
+            <a:r>
+              <a:rPr sz="900" b="0">
+                <a:solidFill>
+                  <a:srgbClr val="FFFFFF"/>
+                </a:solidFill>
+                <a:latin typeface="Arial"/>
+              </a:rPr>
+              <a:t>v1.8.0.0</a:t>
+            </a:r>
+          </a:p>
+          <a:p>
+            <a:pPr algn="ctr">
+              <a:spcBef>
+                <a:spcPts val="200"/>
+              </a:spcBef>
+              <a:spcAft>
+                <a:spcPts val="200"/>
+              </a:spcAft>
+            </a:pPr>
+            <a:r>
+              <a:rPr sz="900" b="0">
+                <a:solidFill>
+                  <a:srgbClr val="FFFFFF"/>
+                </a:solidFill>
+                <a:latin typeface="Arial"/>
+              </a:rPr>
+              <a:t/>
+            </a:r>
+          </a:p>
+          <a:p>
+            <a:pPr algn="ctr">
+              <a:spcBef>
+                <a:spcPts val="200"/>
+              </a:spcBef>
+              <a:spcAft>
+                <a:spcPts val="200"/>
+              </a:spcAft>
+            </a:pPr>
+            <a:r>
+              <a:rPr sz="900" b="0">
+                <a:solidFill>
+                  <a:srgbClr val="FFFFFF"/>
+                </a:solidFill>
+                <a:latin typeface="Arial"/>
+              </a:rPr>
+              <a:t>Stab. RC1</a:t>
+            </a:r>
+          </a:p>
+          <a:p>
+            <a:pPr algn="ctr">
+              <a:spcBef>
+                <a:spcPts val="200"/>
+              </a:spcBef>
+              <a:spcAft>
+                <a:spcPts val="200"/>
+              </a:spcAft>
+            </a:pPr>
+            <a:r>
+              <a:rPr sz="900" b="0">
+                <a:solidFill>
+                  <a:srgbClr val="FFFFFF"/>
+                </a:solidFill>
+                <a:latin typeface="Arial"/>
+              </a:rPr>
+              <a:t>Jun 2026</a:t>
+            </a:r>
+          </a:p>
+        </p:txBody>
+      </p:sp>
+      <p:sp>
+        <p:nvSpPr>
+          <p:cNvPr id="21" name="Rounded Rectangle 20"/>
+          <p:cNvSpPr/>
+          <p:nvPr/>
+        </p:nvSpPr>
+        <p:spPr>
+          <a:xfrm>
+            <a:off x="2267712" y="4251960"/>
+            <a:ext cx="1719072" cy="1508760"/>
+          </a:xfrm>
+          <a:prstGeom prst="roundRect">
+            <a:avLst/>
+          </a:prstGeom>
+          <a:solidFill>
+            <a:srgbClr val="1976D2"/>
+          </a:solidFill>
+          <a:ln>
+            <a:noFill/>
+          </a:ln>
+        </p:spPr>
+        <p:style>
+          <a:lnRef idx="1">
+            <a:schemeClr val="accent1"/>
+          </a:lnRef>
+          <a:fillRef idx="3">
+            <a:schemeClr val="accent1"/>
+          </a:fillRef>
+          <a:effectRef idx="2">
+            <a:schemeClr val="accent1"/>
+          </a:effectRef>
+          <a:fontRef idx="minor">
+            <a:schemeClr val="lt1"/>
+          </a:fontRef>
+        </p:style>
+        <p:txBody>
+          <a:bodyPr rtlCol="0" anchor="ctr" wrap="square"/>
+          <a:lstStyle/>
+          <a:p>
+            <a:pPr algn="ctr">
+              <a:spcBef>
+                <a:spcPts val="200"/>
+              </a:spcBef>
+              <a:spcAft>
+                <a:spcPts val="200"/>
+              </a:spcAft>
+            </a:pPr>
+            <a:r>
+              <a:rPr sz="900" b="0">
+                <a:solidFill>
+                  <a:srgbClr val="FFFFFF"/>
+                </a:solidFill>
+                <a:latin typeface="Arial"/>
+              </a:rPr>
+              <a:t>Phase 8</a:t>
+            </a:r>
+          </a:p>
+          <a:p>
+            <a:pPr algn="ctr">
+              <a:spcBef>
+                <a:spcPts val="200"/>
+              </a:spcBef>
+              <a:spcAft>
+                <a:spcPts val="200"/>
+              </a:spcAft>
+            </a:pPr>
+            <a:r>
+              <a:rPr sz="900" b="0">
+                <a:solidFill>
+                  <a:srgbClr val="FFFFFF"/>
+                </a:solidFill>
+                <a:latin typeface="Arial"/>
+              </a:rPr>
+              <a:t>v2.0.0.0</a:t>
+            </a:r>
+          </a:p>
+          <a:p>
+            <a:pPr algn="ctr">
+              <a:spcBef>
+                <a:spcPts val="200"/>
+              </a:spcBef>
+              <a:spcAft>
+                <a:spcPts val="200"/>
+              </a:spcAft>
+            </a:pPr>
+            <a:r>
+              <a:rPr sz="900" b="0">
+                <a:solidFill>
+                  <a:srgbClr val="FFFFFF"/>
+                </a:solidFill>
+                <a:latin typeface="Arial"/>
+              </a:rPr>
+              <a:t/>
+            </a:r>
+          </a:p>
+          <a:p>
+            <a:pPr algn="ctr">
+              <a:spcBef>
+                <a:spcPts val="200"/>
+              </a:spcBef>
+              <a:spcAft>
+                <a:spcPts val="200"/>
+              </a:spcAft>
+            </a:pPr>
+            <a:r>
+              <a:rPr sz="900" b="0">
+                <a:solidFill>
+                  <a:srgbClr val="FFFFFF"/>
+                </a:solidFill>
+                <a:latin typeface="Arial"/>
+              </a:rPr>
+              <a:t>Foundation</a:t>
+            </a:r>
+          </a:p>
+          <a:p>
+            <a:pPr algn="ctr">
+              <a:spcBef>
+                <a:spcPts val="200"/>
+              </a:spcBef>
+              <a:spcAft>
+                <a:spcPts val="200"/>
+              </a:spcAft>
+            </a:pPr>
+            <a:r>
+              <a:rPr sz="900" b="0">
+                <a:solidFill>
+                  <a:srgbClr val="FFFFFF"/>
+                </a:solidFill>
+                <a:latin typeface="Arial"/>
+              </a:rPr>
+              <a:t>Jul 2026</a:t>
+            </a:r>
+          </a:p>
+        </p:txBody>
+      </p:sp>
+      <p:sp>
+        <p:nvSpPr>
+          <p:cNvPr id="22" name="Rounded Rectangle 21"/>
+          <p:cNvSpPr/>
+          <p:nvPr/>
+        </p:nvSpPr>
+        <p:spPr>
+          <a:xfrm>
+            <a:off x="4169664" y="4251960"/>
+            <a:ext cx="1719072" cy="1508760"/>
+          </a:xfrm>
+          <a:prstGeom prst="roundRect">
+            <a:avLst/>
+          </a:prstGeom>
+          <a:solidFill>
+            <a:srgbClr val="1976D2"/>
+          </a:solidFill>
+          <a:ln>
+            <a:noFill/>
+          </a:ln>
+        </p:spPr>
+        <p:style>
+          <a:lnRef idx="1">
+            <a:schemeClr val="accent1"/>
+          </a:lnRef>
+          <a:fillRef idx="3">
+            <a:schemeClr val="accent1"/>
+          </a:fillRef>
+          <a:effectRef idx="2">
+            <a:schemeClr val="accent1"/>
+          </a:effectRef>
+          <a:fontRef idx="minor">
+            <a:schemeClr val="lt1"/>
+          </a:fontRef>
+        </p:style>
+        <p:txBody>
+          <a:bodyPr rtlCol="0" anchor="ctr" wrap="square"/>
+          <a:lstStyle/>
+          <a:p>
+            <a:pPr algn="ctr">
+              <a:spcBef>
+                <a:spcPts val="200"/>
+              </a:spcBef>
+              <a:spcAft>
+                <a:spcPts val="200"/>
+              </a:spcAft>
+            </a:pPr>
+            <a:r>
+              <a:rPr sz="900" b="0">
+                <a:solidFill>
+                  <a:srgbClr val="FFFFFF"/>
+                </a:solidFill>
+                <a:latin typeface="Arial"/>
+              </a:rPr>
+              <a:t>Phase 9</a:t>
+            </a:r>
+          </a:p>
+          <a:p>
+            <a:pPr algn="ctr">
+              <a:spcBef>
+                <a:spcPts val="200"/>
+              </a:spcBef>
+              <a:spcAft>
+                <a:spcPts val="200"/>
+              </a:spcAft>
+            </a:pPr>
+            <a:r>
+              <a:rPr sz="900" b="0">
+                <a:solidFill>
+                  <a:srgbClr val="FFFFFF"/>
+                </a:solidFill>
+                <a:latin typeface="Arial"/>
+              </a:rPr>
+              <a:t>v2.1.0.0</a:t>
+            </a:r>
+          </a:p>
+          <a:p>
+            <a:pPr algn="ctr">
+              <a:spcBef>
+                <a:spcPts val="200"/>
+              </a:spcBef>
+              <a:spcAft>
+                <a:spcPts val="200"/>
+              </a:spcAft>
+            </a:pPr>
+            <a:r>
+              <a:rPr sz="900" b="0">
+                <a:solidFill>
+                  <a:srgbClr val="FFFFFF"/>
+                </a:solidFill>
+                <a:latin typeface="Arial"/>
+              </a:rPr>
+              <a:t/>
+            </a:r>
+          </a:p>
+          <a:p>
+            <a:pPr algn="ctr">
+              <a:spcBef>
+                <a:spcPts val="200"/>
+              </a:spcBef>
+              <a:spcAft>
+                <a:spcPts val="200"/>
+              </a:spcAft>
+            </a:pPr>
+            <a:r>
+              <a:rPr sz="900" b="0">
+                <a:solidFill>
+                  <a:srgbClr val="FFFFFF"/>
+                </a:solidFill>
+                <a:latin typeface="Arial"/>
+              </a:rPr>
+              <a:t>Stab. RC2</a:t>
+            </a:r>
+          </a:p>
+          <a:p>
+            <a:pPr algn="ctr">
+              <a:spcBef>
+                <a:spcPts val="200"/>
+              </a:spcBef>
+              <a:spcAft>
+                <a:spcPts val="200"/>
+              </a:spcAft>
+            </a:pPr>
+            <a:r>
+              <a:rPr sz="900" b="0">
+                <a:solidFill>
+                  <a:srgbClr val="FFFFFF"/>
+                </a:solidFill>
+                <a:latin typeface="Arial"/>
+              </a:rPr>
+              <a:t>Aug 2026</a:t>
+            </a:r>
+          </a:p>
+        </p:txBody>
+      </p:sp>
+      <p:sp>
+        <p:nvSpPr>
+          <p:cNvPr id="23" name="Rounded Rectangle 22"/>
+          <p:cNvSpPr/>
+          <p:nvPr/>
+        </p:nvSpPr>
+        <p:spPr>
+          <a:xfrm>
+            <a:off x="6071616" y="4251960"/>
+            <a:ext cx="1719072" cy="1508760"/>
+          </a:xfrm>
+          <a:prstGeom prst="roundRect">
+            <a:avLst/>
+          </a:prstGeom>
+          <a:solidFill>
+            <a:srgbClr val="1976D2"/>
+          </a:solidFill>
+          <a:ln>
+            <a:noFill/>
+          </a:ln>
+        </p:spPr>
+        <p:style>
+          <a:lnRef idx="1">
+            <a:schemeClr val="accent1"/>
+          </a:lnRef>
+          <a:fillRef idx="3">
+            <a:schemeClr val="accent1"/>
+          </a:fillRef>
+          <a:effectRef idx="2">
+            <a:schemeClr val="accent1"/>
+          </a:effectRef>
+          <a:fontRef idx="minor">
+            <a:schemeClr val="lt1"/>
+          </a:fontRef>
+        </p:style>
+        <p:txBody>
+          <a:bodyPr rtlCol="0" anchor="ctr" wrap="square"/>
+          <a:lstStyle/>
+          <a:p>
+            <a:pPr algn="ctr">
+              <a:spcBef>
+                <a:spcPts val="200"/>
+              </a:spcBef>
+              <a:spcAft>
+                <a:spcPts val="200"/>
+              </a:spcAft>
+            </a:pPr>
+            <a:r>
+              <a:rPr sz="900" b="0">
+                <a:solidFill>
+                  <a:srgbClr val="FFFFFF"/>
+                </a:solidFill>
+                <a:latin typeface="Arial"/>
+              </a:rPr>
+              <a:t>Phase 10</a:t>
+            </a:r>
+          </a:p>
+          <a:p>
+            <a:pPr algn="ctr">
+              <a:spcBef>
+                <a:spcPts val="200"/>
+              </a:spcBef>
+              <a:spcAft>
+                <a:spcPts val="200"/>
+              </a:spcAft>
+            </a:pPr>
+            <a:r>
+              <a:rPr sz="900" b="0">
+                <a:solidFill>
+                  <a:srgbClr val="FFFFFF"/>
+                </a:solidFill>
+                <a:latin typeface="Arial"/>
+              </a:rPr>
+              <a:t>v2.2.0.0</a:t>
+            </a:r>
+          </a:p>
+          <a:p>
+            <a:pPr algn="ctr">
+              <a:spcBef>
+                <a:spcPts val="200"/>
+              </a:spcBef>
+              <a:spcAft>
+                <a:spcPts val="200"/>
+              </a:spcAft>
+            </a:pPr>
+            <a:r>
+              <a:rPr sz="900" b="0">
+                <a:solidFill>
+                  <a:srgbClr val="FFFFFF"/>
+                </a:solidFill>
+                <a:latin typeface="Arial"/>
+              </a:rPr>
+              <a:t/>
+            </a:r>
+          </a:p>
+          <a:p>
+            <a:pPr algn="ctr">
+              <a:spcBef>
+                <a:spcPts val="200"/>
+              </a:spcBef>
+              <a:spcAft>
+                <a:spcPts val="200"/>
+              </a:spcAft>
+            </a:pPr>
+            <a:r>
+              <a:rPr sz="900" b="0">
+                <a:solidFill>
+                  <a:srgbClr val="FFFFFF"/>
+                </a:solidFill>
+                <a:latin typeface="Arial"/>
+              </a:rPr>
+              <a:t>Virt+Obs+MFA</a:t>
+            </a:r>
+          </a:p>
+          <a:p>
+            <a:pPr algn="ctr">
+              <a:spcBef>
+                <a:spcPts val="200"/>
+              </a:spcBef>
+              <a:spcAft>
+                <a:spcPts val="200"/>
+              </a:spcAft>
+            </a:pPr>
+            <a:r>
+              <a:rPr sz="900" b="0">
+                <a:solidFill>
+                  <a:srgbClr val="FFFFFF"/>
+                </a:solidFill>
+                <a:latin typeface="Arial"/>
+              </a:rPr>
+              <a:t>Dec 2026</a:t>
+            </a:r>
+          </a:p>
+        </p:txBody>
+      </p:sp>
+      <p:sp>
+        <p:nvSpPr>
+          <p:cNvPr id="24" name="Rounded Rectangle 23"/>
+          <p:cNvSpPr/>
+          <p:nvPr/>
+        </p:nvSpPr>
+        <p:spPr>
+          <a:xfrm>
+            <a:off x="7973568" y="4251960"/>
+            <a:ext cx="1719072" cy="1508760"/>
+          </a:xfrm>
+          <a:prstGeom prst="roundRect">
+            <a:avLst/>
+          </a:prstGeom>
+          <a:solidFill>
+            <a:srgbClr val="1976D2"/>
+          </a:solidFill>
+          <a:ln>
+            <a:noFill/>
+          </a:ln>
+        </p:spPr>
+        <p:style>
+          <a:lnRef idx="1">
+            <a:schemeClr val="accent1"/>
+          </a:lnRef>
+          <a:fillRef idx="3">
+            <a:schemeClr val="accent1"/>
+          </a:fillRef>
+          <a:effectRef idx="2">
+            <a:schemeClr val="accent1"/>
+          </a:effectRef>
+          <a:fontRef idx="minor">
+            <a:schemeClr val="lt1"/>
+          </a:fontRef>
+        </p:style>
+        <p:txBody>
+          <a:bodyPr rtlCol="0" anchor="ctr" wrap="square"/>
+          <a:lstStyle/>
+          <a:p>
+            <a:pPr algn="ctr">
+              <a:spcBef>
+                <a:spcPts val="200"/>
+              </a:spcBef>
+              <a:spcAft>
+                <a:spcPts val="200"/>
+              </a:spcAft>
+            </a:pPr>
+            <a:r>
+              <a:rPr sz="900" b="0">
+                <a:solidFill>
+                  <a:srgbClr val="FFFFFF"/>
+                </a:solidFill>
+                <a:latin typeface="Arial"/>
+              </a:rPr>
+              <a:t>Phase 11</a:t>
+            </a:r>
+          </a:p>
+          <a:p>
+            <a:pPr algn="ctr">
+              <a:spcBef>
+                <a:spcPts val="200"/>
+              </a:spcBef>
+              <a:spcAft>
+                <a:spcPts val="200"/>
+              </a:spcAft>
+            </a:pPr>
+            <a:r>
+              <a:rPr sz="900" b="0">
+                <a:solidFill>
+                  <a:srgbClr val="FFFFFF"/>
+                </a:solidFill>
+                <a:latin typeface="Arial"/>
+              </a:rPr>
+              <a:t>v2.3.0.0</a:t>
+            </a:r>
+          </a:p>
+          <a:p>
+            <a:pPr algn="ctr">
+              <a:spcBef>
+                <a:spcPts val="200"/>
+              </a:spcBef>
+              <a:spcAft>
+                <a:spcPts val="200"/>
+              </a:spcAft>
+            </a:pPr>
+            <a:r>
+              <a:rPr sz="900" b="0">
+                <a:solidFill>
+                  <a:srgbClr val="FFFFFF"/>
+                </a:solidFill>
+                <a:latin typeface="Arial"/>
+              </a:rPr>
+              <a:t/>
+            </a:r>
+          </a:p>
+          <a:p>
+            <a:pPr algn="ctr">
+              <a:spcBef>
+                <a:spcPts val="200"/>
+              </a:spcBef>
+              <a:spcAft>
+                <a:spcPts val="200"/>
+              </a:spcAft>
+            </a:pPr>
+            <a:r>
+              <a:rPr sz="900" b="0">
+                <a:solidFill>
+                  <a:srgbClr val="FFFFFF"/>
+                </a:solidFill>
+                <a:latin typeface="Arial"/>
+              </a:rPr>
+              <a:t>Air-Gapped</a:t>
+            </a:r>
+          </a:p>
+          <a:p>
+            <a:pPr algn="ctr">
+              <a:spcBef>
+                <a:spcPts val="200"/>
+              </a:spcBef>
+              <a:spcAft>
+                <a:spcPts val="200"/>
+              </a:spcAft>
+            </a:pPr>
+            <a:r>
+              <a:rPr sz="900" b="0">
+                <a:solidFill>
+                  <a:srgbClr val="FFFFFF"/>
+                </a:solidFill>
+                <a:latin typeface="Arial"/>
+              </a:rPr>
+              <a:t>Jan 2027</a:t>
+            </a:r>
+          </a:p>
+        </p:txBody>
+      </p:sp>
+      <p:sp>
+        <p:nvSpPr>
+          <p:cNvPr id="25" name="Rounded Rectangle 24"/>
+          <p:cNvSpPr/>
+          <p:nvPr/>
+        </p:nvSpPr>
+        <p:spPr>
+          <a:xfrm>
+            <a:off x="9875520" y="4251960"/>
+            <a:ext cx="1719072" cy="1508760"/>
+          </a:xfrm>
+          <a:prstGeom prst="roundRect">
+            <a:avLst/>
+          </a:prstGeom>
+          <a:solidFill>
+            <a:srgbClr val="1976D2"/>
+          </a:solidFill>
+          <a:ln>
+            <a:noFill/>
+          </a:ln>
+        </p:spPr>
+        <p:style>
+          <a:lnRef idx="1">
+            <a:schemeClr val="accent1"/>
+          </a:lnRef>
+          <a:fillRef idx="3">
+            <a:schemeClr val="accent1"/>
+          </a:fillRef>
+          <a:effectRef idx="2">
+            <a:schemeClr val="accent1"/>
+          </a:effectRef>
+          <a:fontRef idx="minor">
+            <a:schemeClr val="lt1"/>
+          </a:fontRef>
+        </p:style>
+        <p:txBody>
+          <a:bodyPr rtlCol="0" anchor="ctr" wrap="square"/>
+          <a:lstStyle/>
+          <a:p>
+            <a:pPr algn="ctr">
+              <a:spcBef>
+                <a:spcPts val="200"/>
+              </a:spcBef>
+              <a:spcAft>
+                <a:spcPts val="200"/>
+              </a:spcAft>
+            </a:pPr>
+            <a:r>
+              <a:rPr sz="900" b="0">
+                <a:solidFill>
+                  <a:srgbClr val="FFFFFF"/>
+                </a:solidFill>
+                <a:latin typeface="Arial"/>
+              </a:rPr>
+              <a:t>Phase 12</a:t>
+            </a:r>
+          </a:p>
+          <a:p>
+            <a:pPr algn="ctr">
+              <a:spcBef>
+                <a:spcPts val="200"/>
+              </a:spcBef>
+              <a:spcAft>
+                <a:spcPts val="200"/>
+              </a:spcAft>
+            </a:pPr>
+            <a:r>
+              <a:rPr sz="900" b="0">
+                <a:solidFill>
+                  <a:srgbClr val="FFFFFF"/>
+                </a:solidFill>
+                <a:latin typeface="Arial"/>
+              </a:rPr>
+              <a:t>v3.0.0.0</a:t>
+            </a:r>
+          </a:p>
+          <a:p>
+            <a:pPr algn="ctr">
+              <a:spcBef>
+                <a:spcPts val="200"/>
+              </a:spcBef>
+              <a:spcAft>
+                <a:spcPts val="200"/>
+              </a:spcAft>
+            </a:pPr>
+            <a:r>
+              <a:rPr sz="900" b="0">
+                <a:solidFill>
+                  <a:srgbClr val="FFFFFF"/>
+                </a:solidFill>
+                <a:latin typeface="Arial"/>
+              </a:rPr>
+              <a:t/>
+            </a:r>
+          </a:p>
+          <a:p>
+            <a:pPr algn="ctr">
+              <a:spcBef>
+                <a:spcPts val="200"/>
+              </a:spcBef>
+              <a:spcAft>
+                <a:spcPts val="200"/>
+              </a:spcAft>
+            </a:pPr>
+            <a:r>
+              <a:rPr sz="900" b="0">
+                <a:solidFill>
+                  <a:srgbClr val="FFFFFF"/>
+                </a:solidFill>
+                <a:latin typeface="Arial"/>
+              </a:rPr>
+              <a:t>Enterprise GA</a:t>
+            </a:r>
+          </a:p>
+          <a:p>
+            <a:pPr algn="ctr">
+              <a:spcBef>
+                <a:spcPts val="200"/>
+              </a:spcBef>
+              <a:spcAft>
+                <a:spcPts val="200"/>
+              </a:spcAft>
+            </a:pPr>
+            <a:r>
+              <a:rPr sz="900" b="0">
+                <a:solidFill>
+                  <a:srgbClr val="FFFFFF"/>
+                </a:solidFill>
+                <a:latin typeface="Arial"/>
+              </a:rPr>
+              <a:t>Feb 2027</a:t>
+            </a:r>
+          </a:p>
+        </p:txBody>
+      </p:sp>
+      <p:sp>
+        <p:nvSpPr>
+          <p:cNvPr id="26" name="TextBox 25"/>
+          <p:cNvSpPr txBox="1"/>
+          <p:nvPr/>
+        </p:nvSpPr>
+        <p:spPr>
+          <a:xfrm>
+            <a:off x="2743200" y="5989320"/>
+            <a:ext cx="6400800" cy="365760"/>
+          </a:xfrm>
+          <a:prstGeom prst="rect">
+            <a:avLst/>
+          </a:prstGeom>
+          <a:noFill/>
+        </p:spPr>
+        <p:txBody>
+          <a:bodyPr wrap="none">
+            <a:spAutoFit/>
+          </a:bodyPr>
+          <a:lstStyle/>
+          <a:p>
+            <a:pPr algn="ctr"/>
+            <a:r>
+              <a:rPr sz="1600" b="1">
+                <a:solidFill>
+                  <a:srgbClr val="0D3D5C"/>
+                </a:solidFill>
+                <a:latin typeface="Arial"/>
+              </a:rPr>
+              <a:t>Target: v3.0.0.0 Enterprise GA — Q1 2027</a:t>
+            </a:r>
+          </a:p>
+        </p:txBody>
+      </p:sp>
+    </p:spTree>
+  </p:cSld>
+  <p:clrMapOvr>
+    <a:masterClrMapping/>
+  </p:clrMapOvr>
+</p:sld>
+</file>
+
+<file path=ppt/slides/slide27.xml><?xml version="1.0" encoding="utf-8"?>
 <p:sld xmlns:a="http://schemas.openxmlformats.org/drawingml/2006/main" xmlns:p="http://schemas.openxmlformats.org/presentationml/2006/main" xmlns:r="http://schemas.openxmlformats.org/officeDocument/2006/relationships">
   <p:cSld>
     <p:bg>
@@ -17386,7 +18776,7 @@
 </p:sld>
 </file>
 
-<file path=ppt/slides/slide27.xml><?xml version="1.0" encoding="utf-8"?>
+<file path=ppt/slides/slide28.xml><?xml version="1.0" encoding="utf-8"?>
 <p:sld xmlns:a="http://schemas.openxmlformats.org/drawingml/2006/main" xmlns:p="http://schemas.openxmlformats.org/presentationml/2006/main" xmlns:r="http://schemas.openxmlformats.org/officeDocument/2006/relationships">
   <p:cSld>
     <p:bg>
@@ -18086,7 +19476,7 @@
 </p:sld>
 </file>
 
-<file path=ppt/slides/slide28.xml><?xml version="1.0" encoding="utf-8"?>
+<file path=ppt/slides/slide29.xml><?xml version="1.0" encoding="utf-8"?>
 <p:sld xmlns:a="http://schemas.openxmlformats.org/drawingml/2006/main" xmlns:p="http://schemas.openxmlformats.org/presentationml/2006/main" xmlns:r="http://schemas.openxmlformats.org/officeDocument/2006/relationships">
   <p:cSld>
     <p:bg>
@@ -18688,743 +20078,6 @@
 </p:sld>
 </file>
 
-<file path=ppt/slides/slide29.xml><?xml version="1.0" encoding="utf-8"?>
-<p:sld xmlns:a="http://schemas.openxmlformats.org/drawingml/2006/main" xmlns:p="http://schemas.openxmlformats.org/presentationml/2006/main" xmlns:r="http://schemas.openxmlformats.org/officeDocument/2006/relationships">
-  <p:cSld>
-    <p:bg>
-      <p:bgPr>
-        <a:solidFill>
-          <a:srgbClr val="F5F6F8"/>
-        </a:solidFill>
-        <a:effectLst/>
-      </p:bgPr>
-    </p:bg>
-    <p:spTree>
-      <p:nvGrpSpPr>
-        <p:cNvPr id="1" name=""/>
-        <p:cNvGrpSpPr/>
-        <p:nvPr/>
-      </p:nvGrpSpPr>
-      <p:grpSpPr/>
-      <p:sp>
-        <p:nvSpPr>
-          <p:cNvPr id="2" name="Rectangle 1"/>
-          <p:cNvSpPr/>
-          <p:nvPr/>
-        </p:nvSpPr>
-        <p:spPr>
-          <a:xfrm>
-            <a:off x="0" y="0"/>
-            <a:ext cx="12191695" cy="1005840"/>
-          </a:xfrm>
-          <a:prstGeom prst="rect">
-            <a:avLst/>
-          </a:prstGeom>
-          <a:solidFill>
-            <a:srgbClr val="0D3D5C"/>
-          </a:solidFill>
-          <a:ln>
-            <a:noFill/>
-          </a:ln>
-        </p:spPr>
-        <p:style>
-          <a:lnRef idx="1">
-            <a:schemeClr val="accent1"/>
-          </a:lnRef>
-          <a:fillRef idx="3">
-            <a:schemeClr val="accent1"/>
-          </a:fillRef>
-          <a:effectRef idx="2">
-            <a:schemeClr val="accent1"/>
-          </a:effectRef>
-          <a:fontRef idx="minor">
-            <a:schemeClr val="lt1"/>
-          </a:fontRef>
-        </p:style>
-        <p:txBody>
-          <a:bodyPr rtlCol="0" anchor="ctr"/>
-          <a:lstStyle/>
-          <a:p>
-            <a:pPr algn="ctr"/>
-          </a:p>
-        </p:txBody>
-      </p:sp>
-      <p:sp>
-        <p:nvSpPr>
-          <p:cNvPr id="3" name="TextBox 2"/>
-          <p:cNvSpPr txBox="1"/>
-          <p:nvPr/>
-        </p:nvSpPr>
-        <p:spPr>
-          <a:xfrm>
-            <a:off x="731520" y="137160"/>
-            <a:ext cx="10058400" cy="731520"/>
-          </a:xfrm>
-          <a:prstGeom prst="rect">
-            <a:avLst/>
-          </a:prstGeom>
-          <a:noFill/>
-        </p:spPr>
-        <p:txBody>
-          <a:bodyPr wrap="square">
-            <a:spAutoFit/>
-          </a:bodyPr>
-          <a:lstStyle/>
-          <a:p>
-            <a:r>
-              <a:rPr sz="3600" b="1">
-                <a:solidFill>
-                  <a:srgbClr val="FFFFFF"/>
-                </a:solidFill>
-                <a:latin typeface="Arial"/>
-              </a:rPr>
-              <a:t>Key Takeaways</a:t>
-            </a:r>
-          </a:p>
-        </p:txBody>
-      </p:sp>
-      <p:sp>
-        <p:nvSpPr>
-          <p:cNvPr id="4" name="Rectangle 3"/>
-          <p:cNvSpPr/>
-          <p:nvPr/>
-        </p:nvSpPr>
-        <p:spPr>
-          <a:xfrm>
-            <a:off x="0" y="6537960"/>
-            <a:ext cx="12191695" cy="320040"/>
-          </a:xfrm>
-          <a:prstGeom prst="rect">
-            <a:avLst/>
-          </a:prstGeom>
-          <a:solidFill>
-            <a:srgbClr val="0D3D5C"/>
-          </a:solidFill>
-          <a:ln>
-            <a:noFill/>
-          </a:ln>
-        </p:spPr>
-        <p:style>
-          <a:lnRef idx="1">
-            <a:schemeClr val="accent1"/>
-          </a:lnRef>
-          <a:fillRef idx="3">
-            <a:schemeClr val="accent1"/>
-          </a:fillRef>
-          <a:effectRef idx="2">
-            <a:schemeClr val="accent1"/>
-          </a:effectRef>
-          <a:fontRef idx="minor">
-            <a:schemeClr val="lt1"/>
-          </a:fontRef>
-        </p:style>
-        <p:txBody>
-          <a:bodyPr rtlCol="0" anchor="ctr"/>
-          <a:lstStyle/>
-          <a:p>
-            <a:pPr algn="ctr"/>
-          </a:p>
-        </p:txBody>
-      </p:sp>
-      <p:sp>
-        <p:nvSpPr>
-          <p:cNvPr id="5" name="TextBox 4"/>
-          <p:cNvSpPr txBox="1"/>
-          <p:nvPr/>
-        </p:nvSpPr>
-        <p:spPr>
-          <a:xfrm>
-            <a:off x="457200" y="6556248"/>
-            <a:ext cx="5486400" cy="274320"/>
-          </a:xfrm>
-          <a:prstGeom prst="rect">
-            <a:avLst/>
-          </a:prstGeom>
-          <a:noFill/>
-        </p:spPr>
-        <p:txBody>
-          <a:bodyPr wrap="none">
-            <a:spAutoFit/>
-          </a:bodyPr>
-          <a:lstStyle/>
-          <a:p>
-            <a:pPr>
-              <a:defRPr sz="900">
-                <a:solidFill>
-                  <a:srgbClr val="FFFFFF"/>
-                </a:solidFill>
-                <a:latin typeface="Arial"/>
-              </a:defRPr>
-            </a:pPr>
-            <a:r>
-              <a:t>SysManage  |  sysmanage.org</a:t>
-            </a:r>
-          </a:p>
-        </p:txBody>
-      </p:sp>
-      <p:sp>
-        <p:nvSpPr>
-          <p:cNvPr id="6" name="Rounded Rectangle 5"/>
-          <p:cNvSpPr/>
-          <p:nvPr/>
-        </p:nvSpPr>
-        <p:spPr>
-          <a:xfrm>
-            <a:off x="731520" y="1371600"/>
-            <a:ext cx="137160" cy="640080"/>
-          </a:xfrm>
-          <a:prstGeom prst="roundRect">
-            <a:avLst/>
-          </a:prstGeom>
-          <a:solidFill>
-            <a:srgbClr val="1976D2"/>
-          </a:solidFill>
-          <a:ln>
-            <a:noFill/>
-          </a:ln>
-        </p:spPr>
-        <p:style>
-          <a:lnRef idx="1">
-            <a:schemeClr val="accent1"/>
-          </a:lnRef>
-          <a:fillRef idx="3">
-            <a:schemeClr val="accent1"/>
-          </a:fillRef>
-          <a:effectRef idx="2">
-            <a:schemeClr val="accent1"/>
-          </a:effectRef>
-          <a:fontRef idx="minor">
-            <a:schemeClr val="lt1"/>
-          </a:fontRef>
-        </p:style>
-        <p:txBody>
-          <a:bodyPr rtlCol="0" anchor="ctr"/>
-          <a:lstStyle/>
-          <a:p>
-            <a:pPr algn="ctr"/>
-          </a:p>
-        </p:txBody>
-      </p:sp>
-      <p:sp>
-        <p:nvSpPr>
-          <p:cNvPr id="7" name="TextBox 6"/>
-          <p:cNvSpPr txBox="1"/>
-          <p:nvPr/>
-        </p:nvSpPr>
-        <p:spPr>
-          <a:xfrm>
-            <a:off x="1188720" y="1325880"/>
-            <a:ext cx="9144000" cy="365760"/>
-          </a:xfrm>
-          <a:prstGeom prst="rect">
-            <a:avLst/>
-          </a:prstGeom>
-          <a:noFill/>
-        </p:spPr>
-        <p:txBody>
-          <a:bodyPr wrap="none">
-            <a:spAutoFit/>
-          </a:bodyPr>
-          <a:lstStyle/>
-          <a:p>
-            <a:r>
-              <a:rPr sz="2000" b="1">
-                <a:solidFill>
-                  <a:srgbClr val="0D3D5C"/>
-                </a:solidFill>
-                <a:latin typeface="Arial"/>
-              </a:rPr>
-              <a:t>Cross-Platform</a:t>
-            </a:r>
-          </a:p>
-        </p:txBody>
-      </p:sp>
-      <p:sp>
-        <p:nvSpPr>
-          <p:cNvPr id="8" name="TextBox 7"/>
-          <p:cNvSpPr txBox="1"/>
-          <p:nvPr/>
-        </p:nvSpPr>
-        <p:spPr>
-          <a:xfrm>
-            <a:off x="1188720" y="1691640"/>
-            <a:ext cx="9144000" cy="365760"/>
-          </a:xfrm>
-          <a:prstGeom prst="rect">
-            <a:avLst/>
-          </a:prstGeom>
-          <a:noFill/>
-        </p:spPr>
-        <p:txBody>
-          <a:bodyPr wrap="none">
-            <a:spAutoFit/>
-          </a:bodyPr>
-          <a:lstStyle/>
-          <a:p>
-            <a:r>
-              <a:rPr sz="1500" b="0">
-                <a:solidFill>
-                  <a:srgbClr val="666666"/>
-                </a:solidFill>
-                <a:latin typeface="Arial"/>
-              </a:rPr>
-              <a:t>6 operating systems — Linux, macOS, Windows, FreeBSD, OpenBSD, NetBSD</a:t>
-            </a:r>
-          </a:p>
-        </p:txBody>
-      </p:sp>
-      <p:sp>
-        <p:nvSpPr>
-          <p:cNvPr id="9" name="Rounded Rectangle 8"/>
-          <p:cNvSpPr/>
-          <p:nvPr/>
-        </p:nvSpPr>
-        <p:spPr>
-          <a:xfrm>
-            <a:off x="731520" y="2331720"/>
-            <a:ext cx="137160" cy="640080"/>
-          </a:xfrm>
-          <a:prstGeom prst="roundRect">
-            <a:avLst/>
-          </a:prstGeom>
-          <a:solidFill>
-            <a:srgbClr val="1976D2"/>
-          </a:solidFill>
-          <a:ln>
-            <a:noFill/>
-          </a:ln>
-        </p:spPr>
-        <p:style>
-          <a:lnRef idx="1">
-            <a:schemeClr val="accent1"/>
-          </a:lnRef>
-          <a:fillRef idx="3">
-            <a:schemeClr val="accent1"/>
-          </a:fillRef>
-          <a:effectRef idx="2">
-            <a:schemeClr val="accent1"/>
-          </a:effectRef>
-          <a:fontRef idx="minor">
-            <a:schemeClr val="lt1"/>
-          </a:fontRef>
-        </p:style>
-        <p:txBody>
-          <a:bodyPr rtlCol="0" anchor="ctr"/>
-          <a:lstStyle/>
-          <a:p>
-            <a:pPr algn="ctr"/>
-          </a:p>
-        </p:txBody>
-      </p:sp>
-      <p:sp>
-        <p:nvSpPr>
-          <p:cNvPr id="10" name="TextBox 9"/>
-          <p:cNvSpPr txBox="1"/>
-          <p:nvPr/>
-        </p:nvSpPr>
-        <p:spPr>
-          <a:xfrm>
-            <a:off x="1188720" y="2286000"/>
-            <a:ext cx="9144000" cy="365760"/>
-          </a:xfrm>
-          <a:prstGeom prst="rect">
-            <a:avLst/>
-          </a:prstGeom>
-          <a:noFill/>
-        </p:spPr>
-        <p:txBody>
-          <a:bodyPr wrap="none">
-            <a:spAutoFit/>
-          </a:bodyPr>
-          <a:lstStyle/>
-          <a:p>
-            <a:r>
-              <a:rPr sz="2000" b="1">
-                <a:solidFill>
-                  <a:srgbClr val="0D3D5C"/>
-                </a:solidFill>
-                <a:latin typeface="Arial"/>
-              </a:rPr>
-              <a:t>Security-First</a:t>
-            </a:r>
-          </a:p>
-        </p:txBody>
-      </p:sp>
-      <p:sp>
-        <p:nvSpPr>
-          <p:cNvPr id="11" name="TextBox 10"/>
-          <p:cNvSpPr txBox="1"/>
-          <p:nvPr/>
-        </p:nvSpPr>
-        <p:spPr>
-          <a:xfrm>
-            <a:off x="1188720" y="2651760"/>
-            <a:ext cx="9144000" cy="365760"/>
-          </a:xfrm>
-          <a:prstGeom prst="rect">
-            <a:avLst/>
-          </a:prstGeom>
-          <a:noFill/>
-        </p:spPr>
-        <p:txBody>
-          <a:bodyPr wrap="none">
-            <a:spAutoFit/>
-          </a:bodyPr>
-          <a:lstStyle/>
-          <a:p>
-            <a:r>
-              <a:rPr sz="1500" b="0">
-                <a:solidFill>
-                  <a:srgbClr val="666666"/>
-                </a:solidFill>
-                <a:latin typeface="Arial"/>
-              </a:rPr>
-              <a:t>mTLS, JWT rotation, tamper-evident auditing, encrypted secrets, zero inbound agent ports</a:t>
-            </a:r>
-          </a:p>
-        </p:txBody>
-      </p:sp>
-      <p:sp>
-        <p:nvSpPr>
-          <p:cNvPr id="12" name="Rounded Rectangle 11"/>
-          <p:cNvSpPr/>
-          <p:nvPr/>
-        </p:nvSpPr>
-        <p:spPr>
-          <a:xfrm>
-            <a:off x="731520" y="3291840"/>
-            <a:ext cx="137160" cy="640080"/>
-          </a:xfrm>
-          <a:prstGeom prst="roundRect">
-            <a:avLst/>
-          </a:prstGeom>
-          <a:solidFill>
-            <a:srgbClr val="1976D2"/>
-          </a:solidFill>
-          <a:ln>
-            <a:noFill/>
-          </a:ln>
-        </p:spPr>
-        <p:style>
-          <a:lnRef idx="1">
-            <a:schemeClr val="accent1"/>
-          </a:lnRef>
-          <a:fillRef idx="3">
-            <a:schemeClr val="accent1"/>
-          </a:fillRef>
-          <a:effectRef idx="2">
-            <a:schemeClr val="accent1"/>
-          </a:effectRef>
-          <a:fontRef idx="minor">
-            <a:schemeClr val="lt1"/>
-          </a:fontRef>
-        </p:style>
-        <p:txBody>
-          <a:bodyPr rtlCol="0" anchor="ctr"/>
-          <a:lstStyle/>
-          <a:p>
-            <a:pPr algn="ctr"/>
-          </a:p>
-        </p:txBody>
-      </p:sp>
-      <p:sp>
-        <p:nvSpPr>
-          <p:cNvPr id="13" name="TextBox 12"/>
-          <p:cNvSpPr txBox="1"/>
-          <p:nvPr/>
-        </p:nvSpPr>
-        <p:spPr>
-          <a:xfrm>
-            <a:off x="1188720" y="3246120"/>
-            <a:ext cx="9144000" cy="365760"/>
-          </a:xfrm>
-          <a:prstGeom prst="rect">
-            <a:avLst/>
-          </a:prstGeom>
-          <a:noFill/>
-        </p:spPr>
-        <p:txBody>
-          <a:bodyPr wrap="none">
-            <a:spAutoFit/>
-          </a:bodyPr>
-          <a:lstStyle/>
-          <a:p>
-            <a:r>
-              <a:rPr sz="2000" b="1">
-                <a:solidFill>
-                  <a:srgbClr val="0D3D5C"/>
-                </a:solidFill>
-                <a:latin typeface="Arial"/>
-              </a:rPr>
-              <a:t>Open Source Core</a:t>
-            </a:r>
-          </a:p>
-        </p:txBody>
-      </p:sp>
-      <p:sp>
-        <p:nvSpPr>
-          <p:cNvPr id="14" name="TextBox 13"/>
-          <p:cNvSpPr txBox="1"/>
-          <p:nvPr/>
-        </p:nvSpPr>
-        <p:spPr>
-          <a:xfrm>
-            <a:off x="1188720" y="3611880"/>
-            <a:ext cx="9144000" cy="365760"/>
-          </a:xfrm>
-          <a:prstGeom prst="rect">
-            <a:avLst/>
-          </a:prstGeom>
-          <a:noFill/>
-        </p:spPr>
-        <p:txBody>
-          <a:bodyPr wrap="none">
-            <a:spAutoFit/>
-          </a:bodyPr>
-          <a:lstStyle/>
-          <a:p>
-            <a:r>
-              <a:rPr sz="1500" b="0">
-                <a:solidFill>
-                  <a:srgbClr val="666666"/>
-                </a:solidFill>
-                <a:latin typeface="Arial"/>
-              </a:rPr>
-              <a:t>AGPLv3 — transparent, auditable, community-driven foundation</a:t>
-            </a:r>
-          </a:p>
-        </p:txBody>
-      </p:sp>
-      <p:sp>
-        <p:nvSpPr>
-          <p:cNvPr id="15" name="Rounded Rectangle 14"/>
-          <p:cNvSpPr/>
-          <p:nvPr/>
-        </p:nvSpPr>
-        <p:spPr>
-          <a:xfrm>
-            <a:off x="731520" y="4251960"/>
-            <a:ext cx="137160" cy="640080"/>
-          </a:xfrm>
-          <a:prstGeom prst="roundRect">
-            <a:avLst/>
-          </a:prstGeom>
-          <a:solidFill>
-            <a:srgbClr val="1976D2"/>
-          </a:solidFill>
-          <a:ln>
-            <a:noFill/>
-          </a:ln>
-        </p:spPr>
-        <p:style>
-          <a:lnRef idx="1">
-            <a:schemeClr val="accent1"/>
-          </a:lnRef>
-          <a:fillRef idx="3">
-            <a:schemeClr val="accent1"/>
-          </a:fillRef>
-          <a:effectRef idx="2">
-            <a:schemeClr val="accent1"/>
-          </a:effectRef>
-          <a:fontRef idx="minor">
-            <a:schemeClr val="lt1"/>
-          </a:fontRef>
-        </p:style>
-        <p:txBody>
-          <a:bodyPr rtlCol="0" anchor="ctr"/>
-          <a:lstStyle/>
-          <a:p>
-            <a:pPr algn="ctr"/>
-          </a:p>
-        </p:txBody>
-      </p:sp>
-      <p:sp>
-        <p:nvSpPr>
-          <p:cNvPr id="16" name="TextBox 15"/>
-          <p:cNvSpPr txBox="1"/>
-          <p:nvPr/>
-        </p:nvSpPr>
-        <p:spPr>
-          <a:xfrm>
-            <a:off x="1188720" y="4206240"/>
-            <a:ext cx="9144000" cy="365760"/>
-          </a:xfrm>
-          <a:prstGeom prst="rect">
-            <a:avLst/>
-          </a:prstGeom>
-          <a:noFill/>
-        </p:spPr>
-        <p:txBody>
-          <a:bodyPr wrap="none">
-            <a:spAutoFit/>
-          </a:bodyPr>
-          <a:lstStyle/>
-          <a:p>
-            <a:r>
-              <a:rPr sz="2000" b="1">
-                <a:solidFill>
-                  <a:srgbClr val="0D3D5C"/>
-                </a:solidFill>
-                <a:latin typeface="Arial"/>
-              </a:rPr>
-              <a:t>Commercial Pro+</a:t>
-            </a:r>
-          </a:p>
-        </p:txBody>
-      </p:sp>
-      <p:sp>
-        <p:nvSpPr>
-          <p:cNvPr id="17" name="TextBox 16"/>
-          <p:cNvSpPr txBox="1"/>
-          <p:nvPr/>
-        </p:nvSpPr>
-        <p:spPr>
-          <a:xfrm>
-            <a:off x="1188720" y="4572000"/>
-            <a:ext cx="9144000" cy="365760"/>
-          </a:xfrm>
-          <a:prstGeom prst="rect">
-            <a:avLst/>
-          </a:prstGeom>
-          <a:noFill/>
-        </p:spPr>
-        <p:txBody>
-          <a:bodyPr wrap="none">
-            <a:spAutoFit/>
-          </a:bodyPr>
-          <a:lstStyle/>
-          <a:p>
-            <a:r>
-              <a:rPr sz="1500" b="0">
-                <a:solidFill>
-                  <a:srgbClr val="666666"/>
-                </a:solidFill>
-                <a:latin typeface="Arial"/>
-              </a:rPr>
-              <a:t>Professional &amp; Enterprise tiers for compliance, AI health, CVE scanning, and more</a:t>
-            </a:r>
-          </a:p>
-        </p:txBody>
-      </p:sp>
-      <p:sp>
-        <p:nvSpPr>
-          <p:cNvPr id="18" name="Rounded Rectangle 17"/>
-          <p:cNvSpPr/>
-          <p:nvPr/>
-        </p:nvSpPr>
-        <p:spPr>
-          <a:xfrm>
-            <a:off x="731520" y="5212080"/>
-            <a:ext cx="137160" cy="640080"/>
-          </a:xfrm>
-          <a:prstGeom prst="roundRect">
-            <a:avLst/>
-          </a:prstGeom>
-          <a:solidFill>
-            <a:srgbClr val="1976D2"/>
-          </a:solidFill>
-          <a:ln>
-            <a:noFill/>
-          </a:ln>
-        </p:spPr>
-        <p:style>
-          <a:lnRef idx="1">
-            <a:schemeClr val="accent1"/>
-          </a:lnRef>
-          <a:fillRef idx="3">
-            <a:schemeClr val="accent1"/>
-          </a:fillRef>
-          <a:effectRef idx="2">
-            <a:schemeClr val="accent1"/>
-          </a:effectRef>
-          <a:fontRef idx="minor">
-            <a:schemeClr val="lt1"/>
-          </a:fontRef>
-        </p:style>
-        <p:txBody>
-          <a:bodyPr rtlCol="0" anchor="ctr"/>
-          <a:lstStyle/>
-          <a:p>
-            <a:pPr algn="ctr"/>
-          </a:p>
-        </p:txBody>
-      </p:sp>
-      <p:sp>
-        <p:nvSpPr>
-          <p:cNvPr id="19" name="TextBox 18"/>
-          <p:cNvSpPr txBox="1"/>
-          <p:nvPr/>
-        </p:nvSpPr>
-        <p:spPr>
-          <a:xfrm>
-            <a:off x="1188720" y="5166360"/>
-            <a:ext cx="9144000" cy="365760"/>
-          </a:xfrm>
-          <a:prstGeom prst="rect">
-            <a:avLst/>
-          </a:prstGeom>
-          <a:noFill/>
-        </p:spPr>
-        <p:txBody>
-          <a:bodyPr wrap="none">
-            <a:spAutoFit/>
-          </a:bodyPr>
-          <a:lstStyle/>
-          <a:p>
-            <a:r>
-              <a:rPr sz="2000" b="1">
-                <a:solidFill>
-                  <a:srgbClr val="0D3D5C"/>
-                </a:solidFill>
-                <a:latin typeface="Arial"/>
-              </a:rPr>
-              <a:t>Active Roadmap</a:t>
-            </a:r>
-          </a:p>
-        </p:txBody>
-      </p:sp>
-      <p:sp>
-        <p:nvSpPr>
-          <p:cNvPr id="20" name="TextBox 19"/>
-          <p:cNvSpPr txBox="1"/>
-          <p:nvPr/>
-        </p:nvSpPr>
-        <p:spPr>
-          <a:xfrm>
-            <a:off x="1188720" y="5532120"/>
-            <a:ext cx="9144000" cy="365760"/>
-          </a:xfrm>
-          <a:prstGeom prst="rect">
-            <a:avLst/>
-          </a:prstGeom>
-          <a:noFill/>
-        </p:spPr>
-        <p:txBody>
-          <a:bodyPr wrap="none">
-            <a:spAutoFit/>
-          </a:bodyPr>
-          <a:lstStyle/>
-          <a:p>
-            <a:r>
-              <a:rPr sz="1500" b="0">
-                <a:solidFill>
-                  <a:srgbClr val="666666"/>
-                </a:solidFill>
-                <a:latin typeface="Arial"/>
-              </a:rPr>
-              <a:t>12-phase plan targeting v3.0.0.0 Enterprise GA in Q1 2027</a:t>
-            </a:r>
-          </a:p>
-        </p:txBody>
-      </p:sp>
-    </p:spTree>
-  </p:cSld>
-  <p:clrMapOvr>
-    <a:masterClrMapping/>
-  </p:clrMapOvr>
-</p:sld>
-</file>
-
 <file path=ppt/slides/slide3.xml><?xml version="1.0" encoding="utf-8"?>
 <p:sld xmlns:a="http://schemas.openxmlformats.org/drawingml/2006/main" xmlns:p="http://schemas.openxmlformats.org/presentationml/2006/main" xmlns:r="http://schemas.openxmlformats.org/officeDocument/2006/relationships">
   <p:cSld>
@@ -19745,6 +20398,1406 @@
 </file>
 
 <file path=ppt/slides/slide30.xml><?xml version="1.0" encoding="utf-8"?>
+<p:sld xmlns:a="http://schemas.openxmlformats.org/drawingml/2006/main" xmlns:p="http://schemas.openxmlformats.org/presentationml/2006/main" xmlns:r="http://schemas.openxmlformats.org/officeDocument/2006/relationships">
+  <p:cSld>
+    <p:bg>
+      <p:bgPr>
+        <a:solidFill>
+          <a:srgbClr val="F5F6F8"/>
+        </a:solidFill>
+        <a:effectLst/>
+      </p:bgPr>
+    </p:bg>
+    <p:spTree>
+      <p:nvGrpSpPr>
+        <p:cNvPr id="1" name=""/>
+        <p:cNvGrpSpPr/>
+        <p:nvPr/>
+      </p:nvGrpSpPr>
+      <p:grpSpPr/>
+      <p:sp>
+        <p:nvSpPr>
+          <p:cNvPr id="2" name="Rectangle 1"/>
+          <p:cNvSpPr/>
+          <p:nvPr/>
+        </p:nvSpPr>
+        <p:spPr>
+          <a:xfrm>
+            <a:off x="0" y="0"/>
+            <a:ext cx="12191695" cy="1005840"/>
+          </a:xfrm>
+          <a:prstGeom prst="rect">
+            <a:avLst/>
+          </a:prstGeom>
+          <a:solidFill>
+            <a:srgbClr val="0D3D5C"/>
+          </a:solidFill>
+          <a:ln>
+            <a:noFill/>
+          </a:ln>
+        </p:spPr>
+        <p:style>
+          <a:lnRef idx="1">
+            <a:schemeClr val="accent1"/>
+          </a:lnRef>
+          <a:fillRef idx="3">
+            <a:schemeClr val="accent1"/>
+          </a:fillRef>
+          <a:effectRef idx="2">
+            <a:schemeClr val="accent1"/>
+          </a:effectRef>
+          <a:fontRef idx="minor">
+            <a:schemeClr val="lt1"/>
+          </a:fontRef>
+        </p:style>
+        <p:txBody>
+          <a:bodyPr rtlCol="0" anchor="ctr"/>
+          <a:lstStyle/>
+          <a:p>
+            <a:pPr algn="ctr"/>
+          </a:p>
+        </p:txBody>
+      </p:sp>
+      <p:sp>
+        <p:nvSpPr>
+          <p:cNvPr id="3" name="TextBox 2"/>
+          <p:cNvSpPr txBox="1"/>
+          <p:nvPr/>
+        </p:nvSpPr>
+        <p:spPr>
+          <a:xfrm>
+            <a:off x="731520" y="137160"/>
+            <a:ext cx="10058400" cy="731520"/>
+          </a:xfrm>
+          <a:prstGeom prst="rect">
+            <a:avLst/>
+          </a:prstGeom>
+          <a:noFill/>
+        </p:spPr>
+        <p:txBody>
+          <a:bodyPr wrap="square">
+            <a:spAutoFit/>
+          </a:bodyPr>
+          <a:lstStyle/>
+          <a:p>
+            <a:r>
+              <a:rPr sz="3600" b="1">
+                <a:solidFill>
+                  <a:srgbClr val="FFFFFF"/>
+                </a:solidFill>
+                <a:latin typeface="Arial"/>
+              </a:rPr>
+              <a:t>Key Takeaways</a:t>
+            </a:r>
+          </a:p>
+        </p:txBody>
+      </p:sp>
+      <p:sp>
+        <p:nvSpPr>
+          <p:cNvPr id="4" name="Rectangle 3"/>
+          <p:cNvSpPr/>
+          <p:nvPr/>
+        </p:nvSpPr>
+        <p:spPr>
+          <a:xfrm>
+            <a:off x="0" y="6537960"/>
+            <a:ext cx="12191695" cy="320040"/>
+          </a:xfrm>
+          <a:prstGeom prst="rect">
+            <a:avLst/>
+          </a:prstGeom>
+          <a:solidFill>
+            <a:srgbClr val="0D3D5C"/>
+          </a:solidFill>
+          <a:ln>
+            <a:noFill/>
+          </a:ln>
+        </p:spPr>
+        <p:style>
+          <a:lnRef idx="1">
+            <a:schemeClr val="accent1"/>
+          </a:lnRef>
+          <a:fillRef idx="3">
+            <a:schemeClr val="accent1"/>
+          </a:fillRef>
+          <a:effectRef idx="2">
+            <a:schemeClr val="accent1"/>
+          </a:effectRef>
+          <a:fontRef idx="minor">
+            <a:schemeClr val="lt1"/>
+          </a:fontRef>
+        </p:style>
+        <p:txBody>
+          <a:bodyPr rtlCol="0" anchor="ctr"/>
+          <a:lstStyle/>
+          <a:p>
+            <a:pPr algn="ctr"/>
+          </a:p>
+        </p:txBody>
+      </p:sp>
+      <p:sp>
+        <p:nvSpPr>
+          <p:cNvPr id="5" name="TextBox 4"/>
+          <p:cNvSpPr txBox="1"/>
+          <p:nvPr/>
+        </p:nvSpPr>
+        <p:spPr>
+          <a:xfrm>
+            <a:off x="457200" y="6556248"/>
+            <a:ext cx="5486400" cy="274320"/>
+          </a:xfrm>
+          <a:prstGeom prst="rect">
+            <a:avLst/>
+          </a:prstGeom>
+          <a:noFill/>
+        </p:spPr>
+        <p:txBody>
+          <a:bodyPr wrap="none">
+            <a:spAutoFit/>
+          </a:bodyPr>
+          <a:lstStyle/>
+          <a:p>
+            <a:pPr>
+              <a:defRPr sz="900">
+                <a:solidFill>
+                  <a:srgbClr val="FFFFFF"/>
+                </a:solidFill>
+                <a:latin typeface="Arial"/>
+              </a:defRPr>
+            </a:pPr>
+            <a:r>
+              <a:t>SysManage  |  sysmanage.org</a:t>
+            </a:r>
+          </a:p>
+        </p:txBody>
+      </p:sp>
+      <p:sp>
+        <p:nvSpPr>
+          <p:cNvPr id="6" name="Rounded Rectangle 5"/>
+          <p:cNvSpPr/>
+          <p:nvPr/>
+        </p:nvSpPr>
+        <p:spPr>
+          <a:xfrm>
+            <a:off x="731520" y="1371600"/>
+            <a:ext cx="137160" cy="640080"/>
+          </a:xfrm>
+          <a:prstGeom prst="roundRect">
+            <a:avLst/>
+          </a:prstGeom>
+          <a:solidFill>
+            <a:srgbClr val="1976D2"/>
+          </a:solidFill>
+          <a:ln>
+            <a:noFill/>
+          </a:ln>
+        </p:spPr>
+        <p:style>
+          <a:lnRef idx="1">
+            <a:schemeClr val="accent1"/>
+          </a:lnRef>
+          <a:fillRef idx="3">
+            <a:schemeClr val="accent1"/>
+          </a:fillRef>
+          <a:effectRef idx="2">
+            <a:schemeClr val="accent1"/>
+          </a:effectRef>
+          <a:fontRef idx="minor">
+            <a:schemeClr val="lt1"/>
+          </a:fontRef>
+        </p:style>
+        <p:txBody>
+          <a:bodyPr rtlCol="0" anchor="ctr"/>
+          <a:lstStyle/>
+          <a:p>
+            <a:pPr algn="ctr"/>
+          </a:p>
+        </p:txBody>
+      </p:sp>
+      <p:sp>
+        <p:nvSpPr>
+          <p:cNvPr id="7" name="TextBox 6"/>
+          <p:cNvSpPr txBox="1"/>
+          <p:nvPr/>
+        </p:nvSpPr>
+        <p:spPr>
+          <a:xfrm>
+            <a:off x="1188720" y="1325880"/>
+            <a:ext cx="9144000" cy="365760"/>
+          </a:xfrm>
+          <a:prstGeom prst="rect">
+            <a:avLst/>
+          </a:prstGeom>
+          <a:noFill/>
+        </p:spPr>
+        <p:txBody>
+          <a:bodyPr wrap="none">
+            <a:spAutoFit/>
+          </a:bodyPr>
+          <a:lstStyle/>
+          <a:p>
+            <a:r>
+              <a:rPr sz="2000" b="1">
+                <a:solidFill>
+                  <a:srgbClr val="0D3D5C"/>
+                </a:solidFill>
+                <a:latin typeface="Arial"/>
+              </a:rPr>
+              <a:t>Cross-Platform</a:t>
+            </a:r>
+          </a:p>
+        </p:txBody>
+      </p:sp>
+      <p:sp>
+        <p:nvSpPr>
+          <p:cNvPr id="8" name="TextBox 7"/>
+          <p:cNvSpPr txBox="1"/>
+          <p:nvPr/>
+        </p:nvSpPr>
+        <p:spPr>
+          <a:xfrm>
+            <a:off x="1188720" y="1691640"/>
+            <a:ext cx="9144000" cy="365760"/>
+          </a:xfrm>
+          <a:prstGeom prst="rect">
+            <a:avLst/>
+          </a:prstGeom>
+          <a:noFill/>
+        </p:spPr>
+        <p:txBody>
+          <a:bodyPr wrap="none">
+            <a:spAutoFit/>
+          </a:bodyPr>
+          <a:lstStyle/>
+          <a:p>
+            <a:r>
+              <a:rPr sz="1500" b="0">
+                <a:solidFill>
+                  <a:srgbClr val="666666"/>
+                </a:solidFill>
+                <a:latin typeface="Arial"/>
+              </a:rPr>
+              <a:t>6 operating systems — Linux, macOS, Windows, FreeBSD, OpenBSD, NetBSD</a:t>
+            </a:r>
+          </a:p>
+        </p:txBody>
+      </p:sp>
+      <p:sp>
+        <p:nvSpPr>
+          <p:cNvPr id="9" name="Rounded Rectangle 8"/>
+          <p:cNvSpPr/>
+          <p:nvPr/>
+        </p:nvSpPr>
+        <p:spPr>
+          <a:xfrm>
+            <a:off x="731520" y="2331720"/>
+            <a:ext cx="137160" cy="640080"/>
+          </a:xfrm>
+          <a:prstGeom prst="roundRect">
+            <a:avLst/>
+          </a:prstGeom>
+          <a:solidFill>
+            <a:srgbClr val="1976D2"/>
+          </a:solidFill>
+          <a:ln>
+            <a:noFill/>
+          </a:ln>
+        </p:spPr>
+        <p:style>
+          <a:lnRef idx="1">
+            <a:schemeClr val="accent1"/>
+          </a:lnRef>
+          <a:fillRef idx="3">
+            <a:schemeClr val="accent1"/>
+          </a:fillRef>
+          <a:effectRef idx="2">
+            <a:schemeClr val="accent1"/>
+          </a:effectRef>
+          <a:fontRef idx="minor">
+            <a:schemeClr val="lt1"/>
+          </a:fontRef>
+        </p:style>
+        <p:txBody>
+          <a:bodyPr rtlCol="0" anchor="ctr"/>
+          <a:lstStyle/>
+          <a:p>
+            <a:pPr algn="ctr"/>
+          </a:p>
+        </p:txBody>
+      </p:sp>
+      <p:sp>
+        <p:nvSpPr>
+          <p:cNvPr id="10" name="TextBox 9"/>
+          <p:cNvSpPr txBox="1"/>
+          <p:nvPr/>
+        </p:nvSpPr>
+        <p:spPr>
+          <a:xfrm>
+            <a:off x="1188720" y="2286000"/>
+            <a:ext cx="9144000" cy="365760"/>
+          </a:xfrm>
+          <a:prstGeom prst="rect">
+            <a:avLst/>
+          </a:prstGeom>
+          <a:noFill/>
+        </p:spPr>
+        <p:txBody>
+          <a:bodyPr wrap="none">
+            <a:spAutoFit/>
+          </a:bodyPr>
+          <a:lstStyle/>
+          <a:p>
+            <a:r>
+              <a:rPr sz="2000" b="1">
+                <a:solidFill>
+                  <a:srgbClr val="0D3D5C"/>
+                </a:solidFill>
+                <a:latin typeface="Arial"/>
+              </a:rPr>
+              <a:t>Security-First</a:t>
+            </a:r>
+          </a:p>
+        </p:txBody>
+      </p:sp>
+      <p:sp>
+        <p:nvSpPr>
+          <p:cNvPr id="11" name="TextBox 10"/>
+          <p:cNvSpPr txBox="1"/>
+          <p:nvPr/>
+        </p:nvSpPr>
+        <p:spPr>
+          <a:xfrm>
+            <a:off x="1188720" y="2651760"/>
+            <a:ext cx="9144000" cy="365760"/>
+          </a:xfrm>
+          <a:prstGeom prst="rect">
+            <a:avLst/>
+          </a:prstGeom>
+          <a:noFill/>
+        </p:spPr>
+        <p:txBody>
+          <a:bodyPr wrap="none">
+            <a:spAutoFit/>
+          </a:bodyPr>
+          <a:lstStyle/>
+          <a:p>
+            <a:r>
+              <a:rPr sz="1500" b="0">
+                <a:solidFill>
+                  <a:srgbClr val="666666"/>
+                </a:solidFill>
+                <a:latin typeface="Arial"/>
+              </a:rPr>
+              <a:t>mTLS, JWT rotation, tamper-evident auditing, encrypted secrets, zero inbound agent ports</a:t>
+            </a:r>
+          </a:p>
+        </p:txBody>
+      </p:sp>
+      <p:sp>
+        <p:nvSpPr>
+          <p:cNvPr id="12" name="Rounded Rectangle 11"/>
+          <p:cNvSpPr/>
+          <p:nvPr/>
+        </p:nvSpPr>
+        <p:spPr>
+          <a:xfrm>
+            <a:off x="731520" y="3291840"/>
+            <a:ext cx="137160" cy="640080"/>
+          </a:xfrm>
+          <a:prstGeom prst="roundRect">
+            <a:avLst/>
+          </a:prstGeom>
+          <a:solidFill>
+            <a:srgbClr val="1976D2"/>
+          </a:solidFill>
+          <a:ln>
+            <a:noFill/>
+          </a:ln>
+        </p:spPr>
+        <p:style>
+          <a:lnRef idx="1">
+            <a:schemeClr val="accent1"/>
+          </a:lnRef>
+          <a:fillRef idx="3">
+            <a:schemeClr val="accent1"/>
+          </a:fillRef>
+          <a:effectRef idx="2">
+            <a:schemeClr val="accent1"/>
+          </a:effectRef>
+          <a:fontRef idx="minor">
+            <a:schemeClr val="lt1"/>
+          </a:fontRef>
+        </p:style>
+        <p:txBody>
+          <a:bodyPr rtlCol="0" anchor="ctr"/>
+          <a:lstStyle/>
+          <a:p>
+            <a:pPr algn="ctr"/>
+          </a:p>
+        </p:txBody>
+      </p:sp>
+      <p:sp>
+        <p:nvSpPr>
+          <p:cNvPr id="13" name="TextBox 12"/>
+          <p:cNvSpPr txBox="1"/>
+          <p:nvPr/>
+        </p:nvSpPr>
+        <p:spPr>
+          <a:xfrm>
+            <a:off x="1188720" y="3246120"/>
+            <a:ext cx="9144000" cy="365760"/>
+          </a:xfrm>
+          <a:prstGeom prst="rect">
+            <a:avLst/>
+          </a:prstGeom>
+          <a:noFill/>
+        </p:spPr>
+        <p:txBody>
+          <a:bodyPr wrap="none">
+            <a:spAutoFit/>
+          </a:bodyPr>
+          <a:lstStyle/>
+          <a:p>
+            <a:r>
+              <a:rPr sz="2000" b="1">
+                <a:solidFill>
+                  <a:srgbClr val="0D3D5C"/>
+                </a:solidFill>
+                <a:latin typeface="Arial"/>
+              </a:rPr>
+              <a:t>Open Source Core</a:t>
+            </a:r>
+          </a:p>
+        </p:txBody>
+      </p:sp>
+      <p:sp>
+        <p:nvSpPr>
+          <p:cNvPr id="14" name="TextBox 13"/>
+          <p:cNvSpPr txBox="1"/>
+          <p:nvPr/>
+        </p:nvSpPr>
+        <p:spPr>
+          <a:xfrm>
+            <a:off x="1188720" y="3611880"/>
+            <a:ext cx="9144000" cy="365760"/>
+          </a:xfrm>
+          <a:prstGeom prst="rect">
+            <a:avLst/>
+          </a:prstGeom>
+          <a:noFill/>
+        </p:spPr>
+        <p:txBody>
+          <a:bodyPr wrap="none">
+            <a:spAutoFit/>
+          </a:bodyPr>
+          <a:lstStyle/>
+          <a:p>
+            <a:r>
+              <a:rPr sz="1500" b="0">
+                <a:solidFill>
+                  <a:srgbClr val="666666"/>
+                </a:solidFill>
+                <a:latin typeface="Arial"/>
+              </a:rPr>
+              <a:t>AGPLv3 — transparent, auditable, community-driven foundation</a:t>
+            </a:r>
+          </a:p>
+        </p:txBody>
+      </p:sp>
+      <p:sp>
+        <p:nvSpPr>
+          <p:cNvPr id="15" name="Rounded Rectangle 14"/>
+          <p:cNvSpPr/>
+          <p:nvPr/>
+        </p:nvSpPr>
+        <p:spPr>
+          <a:xfrm>
+            <a:off x="731520" y="4251960"/>
+            <a:ext cx="137160" cy="640080"/>
+          </a:xfrm>
+          <a:prstGeom prst="roundRect">
+            <a:avLst/>
+          </a:prstGeom>
+          <a:solidFill>
+            <a:srgbClr val="1976D2"/>
+          </a:solidFill>
+          <a:ln>
+            <a:noFill/>
+          </a:ln>
+        </p:spPr>
+        <p:style>
+          <a:lnRef idx="1">
+            <a:schemeClr val="accent1"/>
+          </a:lnRef>
+          <a:fillRef idx="3">
+            <a:schemeClr val="accent1"/>
+          </a:fillRef>
+          <a:effectRef idx="2">
+            <a:schemeClr val="accent1"/>
+          </a:effectRef>
+          <a:fontRef idx="minor">
+            <a:schemeClr val="lt1"/>
+          </a:fontRef>
+        </p:style>
+        <p:txBody>
+          <a:bodyPr rtlCol="0" anchor="ctr"/>
+          <a:lstStyle/>
+          <a:p>
+            <a:pPr algn="ctr"/>
+          </a:p>
+        </p:txBody>
+      </p:sp>
+      <p:sp>
+        <p:nvSpPr>
+          <p:cNvPr id="16" name="TextBox 15"/>
+          <p:cNvSpPr txBox="1"/>
+          <p:nvPr/>
+        </p:nvSpPr>
+        <p:spPr>
+          <a:xfrm>
+            <a:off x="1188720" y="4206240"/>
+            <a:ext cx="9144000" cy="365760"/>
+          </a:xfrm>
+          <a:prstGeom prst="rect">
+            <a:avLst/>
+          </a:prstGeom>
+          <a:noFill/>
+        </p:spPr>
+        <p:txBody>
+          <a:bodyPr wrap="none">
+            <a:spAutoFit/>
+          </a:bodyPr>
+          <a:lstStyle/>
+          <a:p>
+            <a:r>
+              <a:rPr sz="2000" b="1">
+                <a:solidFill>
+                  <a:srgbClr val="0D3D5C"/>
+                </a:solidFill>
+                <a:latin typeface="Arial"/>
+              </a:rPr>
+              <a:t>Commercial Pro+</a:t>
+            </a:r>
+          </a:p>
+        </p:txBody>
+      </p:sp>
+      <p:sp>
+        <p:nvSpPr>
+          <p:cNvPr id="17" name="TextBox 16"/>
+          <p:cNvSpPr txBox="1"/>
+          <p:nvPr/>
+        </p:nvSpPr>
+        <p:spPr>
+          <a:xfrm>
+            <a:off x="1188720" y="4572000"/>
+            <a:ext cx="9144000" cy="365760"/>
+          </a:xfrm>
+          <a:prstGeom prst="rect">
+            <a:avLst/>
+          </a:prstGeom>
+          <a:noFill/>
+        </p:spPr>
+        <p:txBody>
+          <a:bodyPr wrap="none">
+            <a:spAutoFit/>
+          </a:bodyPr>
+          <a:lstStyle/>
+          <a:p>
+            <a:r>
+              <a:rPr sz="1500" b="0">
+                <a:solidFill>
+                  <a:srgbClr val="666666"/>
+                </a:solidFill>
+                <a:latin typeface="Arial"/>
+              </a:rPr>
+              <a:t>Professional &amp; Enterprise tiers for compliance, AI health, CVE scanning, and more</a:t>
+            </a:r>
+          </a:p>
+        </p:txBody>
+      </p:sp>
+      <p:sp>
+        <p:nvSpPr>
+          <p:cNvPr id="18" name="Rounded Rectangle 17"/>
+          <p:cNvSpPr/>
+          <p:nvPr/>
+        </p:nvSpPr>
+        <p:spPr>
+          <a:xfrm>
+            <a:off x="731520" y="5212080"/>
+            <a:ext cx="137160" cy="640080"/>
+          </a:xfrm>
+          <a:prstGeom prst="roundRect">
+            <a:avLst/>
+          </a:prstGeom>
+          <a:solidFill>
+            <a:srgbClr val="1976D2"/>
+          </a:solidFill>
+          <a:ln>
+            <a:noFill/>
+          </a:ln>
+        </p:spPr>
+        <p:style>
+          <a:lnRef idx="1">
+            <a:schemeClr val="accent1"/>
+          </a:lnRef>
+          <a:fillRef idx="3">
+            <a:schemeClr val="accent1"/>
+          </a:fillRef>
+          <a:effectRef idx="2">
+            <a:schemeClr val="accent1"/>
+          </a:effectRef>
+          <a:fontRef idx="minor">
+            <a:schemeClr val="lt1"/>
+          </a:fontRef>
+        </p:style>
+        <p:txBody>
+          <a:bodyPr rtlCol="0" anchor="ctr"/>
+          <a:lstStyle/>
+          <a:p>
+            <a:pPr algn="ctr"/>
+          </a:p>
+        </p:txBody>
+      </p:sp>
+      <p:sp>
+        <p:nvSpPr>
+          <p:cNvPr id="19" name="TextBox 18"/>
+          <p:cNvSpPr txBox="1"/>
+          <p:nvPr/>
+        </p:nvSpPr>
+        <p:spPr>
+          <a:xfrm>
+            <a:off x="1188720" y="5166360"/>
+            <a:ext cx="9144000" cy="365760"/>
+          </a:xfrm>
+          <a:prstGeom prst="rect">
+            <a:avLst/>
+          </a:prstGeom>
+          <a:noFill/>
+        </p:spPr>
+        <p:txBody>
+          <a:bodyPr wrap="none">
+            <a:spAutoFit/>
+          </a:bodyPr>
+          <a:lstStyle/>
+          <a:p>
+            <a:r>
+              <a:rPr sz="2000" b="1">
+                <a:solidFill>
+                  <a:srgbClr val="0D3D5C"/>
+                </a:solidFill>
+                <a:latin typeface="Arial"/>
+              </a:rPr>
+              <a:t>Active Roadmap</a:t>
+            </a:r>
+          </a:p>
+        </p:txBody>
+      </p:sp>
+      <p:sp>
+        <p:nvSpPr>
+          <p:cNvPr id="20" name="TextBox 19"/>
+          <p:cNvSpPr txBox="1"/>
+          <p:nvPr/>
+        </p:nvSpPr>
+        <p:spPr>
+          <a:xfrm>
+            <a:off x="1188720" y="5532120"/>
+            <a:ext cx="9144000" cy="365760"/>
+          </a:xfrm>
+          <a:prstGeom prst="rect">
+            <a:avLst/>
+          </a:prstGeom>
+          <a:noFill/>
+        </p:spPr>
+        <p:txBody>
+          <a:bodyPr wrap="none">
+            <a:spAutoFit/>
+          </a:bodyPr>
+          <a:lstStyle/>
+          <a:p>
+            <a:r>
+              <a:rPr sz="1500" b="0">
+                <a:solidFill>
+                  <a:srgbClr val="666666"/>
+                </a:solidFill>
+                <a:latin typeface="Arial"/>
+              </a:rPr>
+              <a:t>12-phase plan targeting v3.0.0.0 Enterprise GA in Q1 2027</a:t>
+            </a:r>
+          </a:p>
+        </p:txBody>
+      </p:sp>
+    </p:spTree>
+  </p:cSld>
+  <p:clrMapOvr>
+    <a:masterClrMapping/>
+  </p:clrMapOvr>
+</p:sld>
+</file>
+
+<file path=ppt/slides/slide31.xml><?xml version="1.0" encoding="utf-8"?>
+<p:sld xmlns:a="http://schemas.openxmlformats.org/drawingml/2006/main" xmlns:p="http://schemas.openxmlformats.org/presentationml/2006/main" xmlns:r="http://schemas.openxmlformats.org/officeDocument/2006/relationships">
+  <p:cSld>
+    <p:bg>
+      <p:bgPr>
+        <a:solidFill>
+          <a:srgbClr val="F5F6F8"/>
+        </a:solidFill>
+        <a:effectLst/>
+      </p:bgPr>
+    </p:bg>
+    <p:spTree>
+      <p:nvGrpSpPr>
+        <p:cNvPr id="1" name=""/>
+        <p:cNvGrpSpPr/>
+        <p:nvPr/>
+      </p:nvGrpSpPr>
+      <p:grpSpPr/>
+      <p:sp>
+        <p:nvSpPr>
+          <p:cNvPr id="2" name="Rectangle 1"/>
+          <p:cNvSpPr/>
+          <p:nvPr/>
+        </p:nvSpPr>
+        <p:spPr>
+          <a:xfrm>
+            <a:off x="0" y="0"/>
+            <a:ext cx="12191695" cy="1005840"/>
+          </a:xfrm>
+          <a:prstGeom prst="rect">
+            <a:avLst/>
+          </a:prstGeom>
+          <a:solidFill>
+            <a:srgbClr val="0D3D5C"/>
+          </a:solidFill>
+          <a:ln>
+            <a:noFill/>
+          </a:ln>
+        </p:spPr>
+        <p:style>
+          <a:lnRef idx="1">
+            <a:schemeClr val="accent1"/>
+          </a:lnRef>
+          <a:fillRef idx="3">
+            <a:schemeClr val="accent1"/>
+          </a:fillRef>
+          <a:effectRef idx="2">
+            <a:schemeClr val="accent1"/>
+          </a:effectRef>
+          <a:fontRef idx="minor">
+            <a:schemeClr val="lt1"/>
+          </a:fontRef>
+        </p:style>
+        <p:txBody>
+          <a:bodyPr rtlCol="0" anchor="ctr"/>
+          <a:lstStyle/>
+          <a:p>
+            <a:pPr algn="ctr"/>
+          </a:p>
+        </p:txBody>
+      </p:sp>
+      <p:sp>
+        <p:nvSpPr>
+          <p:cNvPr id="3" name="TextBox 2"/>
+          <p:cNvSpPr txBox="1"/>
+          <p:nvPr/>
+        </p:nvSpPr>
+        <p:spPr>
+          <a:xfrm>
+            <a:off x="731520" y="137160"/>
+            <a:ext cx="10058400" cy="731520"/>
+          </a:xfrm>
+          <a:prstGeom prst="rect">
+            <a:avLst/>
+          </a:prstGeom>
+          <a:noFill/>
+        </p:spPr>
+        <p:txBody>
+          <a:bodyPr wrap="square">
+            <a:spAutoFit/>
+          </a:bodyPr>
+          <a:lstStyle/>
+          <a:p>
+            <a:r>
+              <a:rPr sz="3600" b="1">
+                <a:solidFill>
+                  <a:srgbClr val="FFFFFF"/>
+                </a:solidFill>
+                <a:latin typeface="Arial"/>
+              </a:rPr>
+              <a:t>Partnership Opportunities</a:t>
+            </a:r>
+          </a:p>
+        </p:txBody>
+      </p:sp>
+      <p:sp>
+        <p:nvSpPr>
+          <p:cNvPr id="4" name="Rectangle 3"/>
+          <p:cNvSpPr/>
+          <p:nvPr/>
+        </p:nvSpPr>
+        <p:spPr>
+          <a:xfrm>
+            <a:off x="0" y="6537960"/>
+            <a:ext cx="12191695" cy="320040"/>
+          </a:xfrm>
+          <a:prstGeom prst="rect">
+            <a:avLst/>
+          </a:prstGeom>
+          <a:solidFill>
+            <a:srgbClr val="0D3D5C"/>
+          </a:solidFill>
+          <a:ln>
+            <a:noFill/>
+          </a:ln>
+        </p:spPr>
+        <p:style>
+          <a:lnRef idx="1">
+            <a:schemeClr val="accent1"/>
+          </a:lnRef>
+          <a:fillRef idx="3">
+            <a:schemeClr val="accent1"/>
+          </a:fillRef>
+          <a:effectRef idx="2">
+            <a:schemeClr val="accent1"/>
+          </a:effectRef>
+          <a:fontRef idx="minor">
+            <a:schemeClr val="lt1"/>
+          </a:fontRef>
+        </p:style>
+        <p:txBody>
+          <a:bodyPr rtlCol="0" anchor="ctr"/>
+          <a:lstStyle/>
+          <a:p>
+            <a:pPr algn="ctr"/>
+          </a:p>
+        </p:txBody>
+      </p:sp>
+      <p:sp>
+        <p:nvSpPr>
+          <p:cNvPr id="5" name="TextBox 4"/>
+          <p:cNvSpPr txBox="1"/>
+          <p:nvPr/>
+        </p:nvSpPr>
+        <p:spPr>
+          <a:xfrm>
+            <a:off x="457200" y="6556248"/>
+            <a:ext cx="5486400" cy="274320"/>
+          </a:xfrm>
+          <a:prstGeom prst="rect">
+            <a:avLst/>
+          </a:prstGeom>
+          <a:noFill/>
+        </p:spPr>
+        <p:txBody>
+          <a:bodyPr wrap="none">
+            <a:spAutoFit/>
+          </a:bodyPr>
+          <a:lstStyle/>
+          <a:p>
+            <a:pPr>
+              <a:defRPr sz="900">
+                <a:solidFill>
+                  <a:srgbClr val="FFFFFF"/>
+                </a:solidFill>
+                <a:latin typeface="Arial"/>
+              </a:defRPr>
+            </a:pPr>
+            <a:r>
+              <a:t>SysManage  |  sysmanage.org</a:t>
+            </a:r>
+          </a:p>
+        </p:txBody>
+      </p:sp>
+      <p:sp>
+        <p:nvSpPr>
+          <p:cNvPr id="6" name="Rounded Rectangle 5"/>
+          <p:cNvSpPr/>
+          <p:nvPr/>
+        </p:nvSpPr>
+        <p:spPr>
+          <a:xfrm>
+            <a:off x="731520" y="1371600"/>
+            <a:ext cx="5029200" cy="3200400"/>
+          </a:xfrm>
+          <a:prstGeom prst="roundRect">
+            <a:avLst/>
+          </a:prstGeom>
+          <a:solidFill>
+            <a:srgbClr val="0D3D5C"/>
+          </a:solidFill>
+          <a:ln>
+            <a:noFill/>
+          </a:ln>
+        </p:spPr>
+        <p:style>
+          <a:lnRef idx="1">
+            <a:schemeClr val="accent1"/>
+          </a:lnRef>
+          <a:fillRef idx="3">
+            <a:schemeClr val="accent1"/>
+          </a:fillRef>
+          <a:effectRef idx="2">
+            <a:schemeClr val="accent1"/>
+          </a:effectRef>
+          <a:fontRef idx="minor">
+            <a:schemeClr val="lt1"/>
+          </a:fontRef>
+        </p:style>
+        <p:txBody>
+          <a:bodyPr rtlCol="0" anchor="ctr" wrap="square"/>
+          <a:lstStyle/>
+          <a:p>
+            <a:pPr algn="l">
+              <a:spcBef>
+                <a:spcPts val="200"/>
+              </a:spcBef>
+              <a:spcAft>
+                <a:spcPts val="200"/>
+              </a:spcAft>
+            </a:pPr>
+            <a:r>
+              <a:rPr sz="1300" b="0">
+                <a:solidFill>
+                  <a:srgbClr val="FFFFFF"/>
+                </a:solidFill>
+                <a:latin typeface="Arial"/>
+              </a:rPr>
+              <a:t>Customers</a:t>
+            </a:r>
+          </a:p>
+          <a:p>
+            <a:pPr algn="l">
+              <a:spcBef>
+                <a:spcPts val="200"/>
+              </a:spcBef>
+              <a:spcAft>
+                <a:spcPts val="200"/>
+              </a:spcAft>
+            </a:pPr>
+            <a:r>
+              <a:rPr sz="1300" b="0">
+                <a:solidFill>
+                  <a:srgbClr val="FFFFFF"/>
+                </a:solidFill>
+                <a:latin typeface="Arial"/>
+              </a:rPr>
+              <a:t/>
+            </a:r>
+          </a:p>
+          <a:p>
+            <a:pPr algn="l">
+              <a:spcBef>
+                <a:spcPts val="200"/>
+              </a:spcBef>
+              <a:spcAft>
+                <a:spcPts val="200"/>
+              </a:spcAft>
+            </a:pPr>
+            <a:r>
+              <a:rPr sz="1300" b="0">
+                <a:solidFill>
+                  <a:srgbClr val="FFFFFF"/>
+                </a:solidFill>
+                <a:latin typeface="Arial"/>
+              </a:rPr>
+              <a:t>•  Organizations managing heterogeneous</a:t>
+            </a:r>
+          </a:p>
+          <a:p>
+            <a:pPr algn="l">
+              <a:spcBef>
+                <a:spcPts val="200"/>
+              </a:spcBef>
+              <a:spcAft>
+                <a:spcPts val="200"/>
+              </a:spcAft>
+            </a:pPr>
+            <a:r>
+              <a:rPr sz="1300" b="0">
+                <a:solidFill>
+                  <a:srgbClr val="FFFFFF"/>
+                </a:solidFill>
+                <a:latin typeface="Arial"/>
+              </a:rPr>
+              <a:t>    OS estates (Linux, macOS, Windows, *BSD)</a:t>
+            </a:r>
+          </a:p>
+          <a:p>
+            <a:pPr algn="l">
+              <a:spcBef>
+                <a:spcPts val="200"/>
+              </a:spcBef>
+              <a:spcAft>
+                <a:spcPts val="200"/>
+              </a:spcAft>
+            </a:pPr>
+            <a:r>
+              <a:rPr sz="1300" b="0">
+                <a:solidFill>
+                  <a:srgbClr val="FFFFFF"/>
+                </a:solidFill>
+                <a:latin typeface="Arial"/>
+              </a:rPr>
+              <a:t>•  Compliance-driven environments</a:t>
+            </a:r>
+          </a:p>
+          <a:p>
+            <a:pPr algn="l">
+              <a:spcBef>
+                <a:spcPts val="200"/>
+              </a:spcBef>
+              <a:spcAft>
+                <a:spcPts val="200"/>
+              </a:spcAft>
+            </a:pPr>
+            <a:r>
+              <a:rPr sz="1300" b="0">
+                <a:solidFill>
+                  <a:srgbClr val="FFFFFF"/>
+                </a:solidFill>
+                <a:latin typeface="Arial"/>
+              </a:rPr>
+              <a:t>    (SOC2, HIPAA, FedRAMP, CIS, DISA STIG)</a:t>
+            </a:r>
+          </a:p>
+          <a:p>
+            <a:pPr algn="l">
+              <a:spcBef>
+                <a:spcPts val="200"/>
+              </a:spcBef>
+              <a:spcAft>
+                <a:spcPts val="200"/>
+              </a:spcAft>
+            </a:pPr>
+            <a:r>
+              <a:rPr sz="1300" b="0">
+                <a:solidFill>
+                  <a:srgbClr val="FFFFFF"/>
+                </a:solidFill>
+                <a:latin typeface="Arial"/>
+              </a:rPr>
+              <a:t>•  Teams replacing expensive commercial</a:t>
+            </a:r>
+          </a:p>
+          <a:p>
+            <a:pPr algn="l">
+              <a:spcBef>
+                <a:spcPts val="200"/>
+              </a:spcBef>
+              <a:spcAft>
+                <a:spcPts val="200"/>
+              </a:spcAft>
+            </a:pPr>
+            <a:r>
+              <a:rPr sz="1300" b="0">
+                <a:solidFill>
+                  <a:srgbClr val="FFFFFF"/>
+                </a:solidFill>
+                <a:latin typeface="Arial"/>
+              </a:rPr>
+              <a:t>    management tools with open source</a:t>
+            </a:r>
+          </a:p>
+          <a:p>
+            <a:pPr algn="l">
+              <a:spcBef>
+                <a:spcPts val="200"/>
+              </a:spcBef>
+              <a:spcAft>
+                <a:spcPts val="200"/>
+              </a:spcAft>
+            </a:pPr>
+            <a:r>
+              <a:rPr sz="1300" b="0">
+                <a:solidFill>
+                  <a:srgbClr val="FFFFFF"/>
+                </a:solidFill>
+                <a:latin typeface="Arial"/>
+              </a:rPr>
+              <a:t>•  MSPs and IT service providers</a:t>
+            </a:r>
+          </a:p>
+        </p:txBody>
+      </p:sp>
+      <p:sp>
+        <p:nvSpPr>
+          <p:cNvPr id="7" name="Rounded Rectangle 6"/>
+          <p:cNvSpPr/>
+          <p:nvPr/>
+        </p:nvSpPr>
+        <p:spPr>
+          <a:xfrm>
+            <a:off x="6400800" y="1371600"/>
+            <a:ext cx="5029200" cy="3200400"/>
+          </a:xfrm>
+          <a:prstGeom prst="roundRect">
+            <a:avLst/>
+          </a:prstGeom>
+          <a:solidFill>
+            <a:srgbClr val="1976D2"/>
+          </a:solidFill>
+          <a:ln>
+            <a:noFill/>
+          </a:ln>
+        </p:spPr>
+        <p:style>
+          <a:lnRef idx="1">
+            <a:schemeClr val="accent1"/>
+          </a:lnRef>
+          <a:fillRef idx="3">
+            <a:schemeClr val="accent1"/>
+          </a:fillRef>
+          <a:effectRef idx="2">
+            <a:schemeClr val="accent1"/>
+          </a:effectRef>
+          <a:fontRef idx="minor">
+            <a:schemeClr val="lt1"/>
+          </a:fontRef>
+        </p:style>
+        <p:txBody>
+          <a:bodyPr rtlCol="0" anchor="ctr" wrap="square"/>
+          <a:lstStyle/>
+          <a:p>
+            <a:pPr algn="l">
+              <a:spcBef>
+                <a:spcPts val="200"/>
+              </a:spcBef>
+              <a:spcAft>
+                <a:spcPts val="200"/>
+              </a:spcAft>
+            </a:pPr>
+            <a:r>
+              <a:rPr sz="1300" b="0">
+                <a:solidFill>
+                  <a:srgbClr val="FFFFFF"/>
+                </a:solidFill>
+                <a:latin typeface="Arial"/>
+              </a:rPr>
+              <a:t>Channel Partners</a:t>
+            </a:r>
+          </a:p>
+          <a:p>
+            <a:pPr algn="l">
+              <a:spcBef>
+                <a:spcPts val="200"/>
+              </a:spcBef>
+              <a:spcAft>
+                <a:spcPts val="200"/>
+              </a:spcAft>
+            </a:pPr>
+            <a:r>
+              <a:rPr sz="1300" b="0">
+                <a:solidFill>
+                  <a:srgbClr val="FFFFFF"/>
+                </a:solidFill>
+                <a:latin typeface="Arial"/>
+              </a:rPr>
+              <a:t/>
+            </a:r>
+          </a:p>
+          <a:p>
+            <a:pPr algn="l">
+              <a:spcBef>
+                <a:spcPts val="200"/>
+              </a:spcBef>
+              <a:spcAft>
+                <a:spcPts val="200"/>
+              </a:spcAft>
+            </a:pPr>
+            <a:r>
+              <a:rPr sz="1300" b="0">
+                <a:solidFill>
+                  <a:srgbClr val="FFFFFF"/>
+                </a:solidFill>
+                <a:latin typeface="Arial"/>
+              </a:rPr>
+              <a:t>•  Managed service providers (MSPs)</a:t>
+            </a:r>
+          </a:p>
+          <a:p>
+            <a:pPr algn="l">
+              <a:spcBef>
+                <a:spcPts val="200"/>
+              </a:spcBef>
+              <a:spcAft>
+                <a:spcPts val="200"/>
+              </a:spcAft>
+            </a:pPr>
+            <a:r>
+              <a:rPr sz="1300" b="0">
+                <a:solidFill>
+                  <a:srgbClr val="FFFFFF"/>
+                </a:solidFill>
+                <a:latin typeface="Arial"/>
+              </a:rPr>
+              <a:t>•  Systems integrators &amp; consultancies</a:t>
+            </a:r>
+          </a:p>
+          <a:p>
+            <a:pPr algn="l">
+              <a:spcBef>
+                <a:spcPts val="200"/>
+              </a:spcBef>
+              <a:spcAft>
+                <a:spcPts val="200"/>
+              </a:spcAft>
+            </a:pPr>
+            <a:r>
+              <a:rPr sz="1300" b="0">
+                <a:solidFill>
+                  <a:srgbClr val="FFFFFF"/>
+                </a:solidFill>
+                <a:latin typeface="Arial"/>
+              </a:rPr>
+              <a:t>•  Value-added resellers (VARs)</a:t>
+            </a:r>
+          </a:p>
+          <a:p>
+            <a:pPr algn="l">
+              <a:spcBef>
+                <a:spcPts val="200"/>
+              </a:spcBef>
+              <a:spcAft>
+                <a:spcPts val="200"/>
+              </a:spcAft>
+            </a:pPr>
+            <a:r>
+              <a:rPr sz="1300" b="0">
+                <a:solidFill>
+                  <a:srgbClr val="FFFFFF"/>
+                </a:solidFill>
+                <a:latin typeface="Arial"/>
+              </a:rPr>
+              <a:t>•  Cloud hosting providers</a:t>
+            </a:r>
+          </a:p>
+          <a:p>
+            <a:pPr algn="l">
+              <a:spcBef>
+                <a:spcPts val="200"/>
+              </a:spcBef>
+              <a:spcAft>
+                <a:spcPts val="200"/>
+              </a:spcAft>
+            </a:pPr>
+            <a:r>
+              <a:rPr sz="1300" b="0">
+                <a:solidFill>
+                  <a:srgbClr val="FFFFFF"/>
+                </a:solidFill>
+                <a:latin typeface="Arial"/>
+              </a:rPr>
+              <a:t>•  Security &amp; compliance consultancies</a:t>
+            </a:r>
+          </a:p>
+          <a:p>
+            <a:pPr algn="l">
+              <a:spcBef>
+                <a:spcPts val="200"/>
+              </a:spcBef>
+              <a:spcAft>
+                <a:spcPts val="200"/>
+              </a:spcAft>
+            </a:pPr>
+            <a:r>
+              <a:rPr sz="1300" b="0">
+                <a:solidFill>
+                  <a:srgbClr val="FFFFFF"/>
+                </a:solidFill>
+                <a:latin typeface="Arial"/>
+              </a:rPr>
+              <a:t>•  Regional technology distributors</a:t>
+            </a:r>
+          </a:p>
+        </p:txBody>
+      </p:sp>
+      <p:sp>
+        <p:nvSpPr>
+          <p:cNvPr id="8" name="Rounded Rectangle 7"/>
+          <p:cNvSpPr/>
+          <p:nvPr/>
+        </p:nvSpPr>
+        <p:spPr>
+          <a:xfrm>
+            <a:off x="731520" y="5029200"/>
+            <a:ext cx="10698480" cy="914400"/>
+          </a:xfrm>
+          <a:prstGeom prst="roundRect">
+            <a:avLst/>
+          </a:prstGeom>
+          <a:solidFill>
+            <a:srgbClr val="2E7D47"/>
+          </a:solidFill>
+          <a:ln>
+            <a:noFill/>
+          </a:ln>
+        </p:spPr>
+        <p:style>
+          <a:lnRef idx="1">
+            <a:schemeClr val="accent1"/>
+          </a:lnRef>
+          <a:fillRef idx="3">
+            <a:schemeClr val="accent1"/>
+          </a:fillRef>
+          <a:effectRef idx="2">
+            <a:schemeClr val="accent1"/>
+          </a:effectRef>
+          <a:fontRef idx="minor">
+            <a:schemeClr val="lt1"/>
+          </a:fontRef>
+        </p:style>
+        <p:txBody>
+          <a:bodyPr rtlCol="0" anchor="ctr" wrap="square"/>
+          <a:lstStyle/>
+          <a:p>
+            <a:pPr algn="ctr">
+              <a:spcBef>
+                <a:spcPts val="200"/>
+              </a:spcBef>
+              <a:spcAft>
+                <a:spcPts val="200"/>
+              </a:spcAft>
+            </a:pPr>
+            <a:r>
+              <a:rPr sz="1300" b="0">
+                <a:solidFill>
+                  <a:srgbClr val="FFFFFF"/>
+                </a:solidFill>
+                <a:latin typeface="Arial"/>
+              </a:rPr>
+              <a:t>We're actively seeking both direct customers and channel partners</a:t>
+            </a:r>
+          </a:p>
+          <a:p>
+            <a:pPr algn="ctr">
+              <a:spcBef>
+                <a:spcPts val="200"/>
+              </a:spcBef>
+              <a:spcAft>
+                <a:spcPts val="200"/>
+              </a:spcAft>
+            </a:pPr>
+            <a:r>
+              <a:rPr sz="1300" b="0">
+                <a:solidFill>
+                  <a:srgbClr val="FFFFFF"/>
+                </a:solidFill>
+                <a:latin typeface="Arial"/>
+              </a:rPr>
+              <a:t>Open source core lowers barrier to entry  •  Pro+ tiers create partner revenue opportunities</a:t>
+            </a:r>
+          </a:p>
+        </p:txBody>
+      </p:sp>
+    </p:spTree>
+  </p:cSld>
+  <p:clrMapOvr>
+    <a:masterClrMapping/>
+  </p:clrMapOvr>
+</p:sld>
+</file>
+
+<file path=ppt/slides/slide32.xml><?xml version="1.0" encoding="utf-8"?>
 <p:sld xmlns:a="http://schemas.openxmlformats.org/drawingml/2006/main" xmlns:p="http://schemas.openxmlformats.org/presentationml/2006/main" xmlns:r="http://schemas.openxmlformats.org/officeDocument/2006/relationships">
   <p:cSld>
     <p:bg>
@@ -19829,8 +21882,8 @@
         </p:nvSpPr>
         <p:spPr>
           <a:xfrm>
-            <a:off x="1828800" y="3931920"/>
-            <a:ext cx="8229600" cy="1828800"/>
+            <a:off x="1828800" y="4114800"/>
+            <a:ext cx="8229600" cy="731520"/>
           </a:xfrm>
           <a:prstGeom prst="rect">
             <a:avLst/>
@@ -19838,72 +21891,20 @@
           <a:noFill/>
         </p:spPr>
         <p:txBody>
-          <a:bodyPr wrap="square">
+          <a:bodyPr wrap="none">
             <a:spAutoFit/>
           </a:bodyPr>
           <a:lstStyle/>
           <a:p>
-            <a:pPr algn="ctr">
-              <a:spcBef>
-                <a:spcPts val="600"/>
-              </a:spcBef>
-            </a:pPr>
-            <a:r>
-              <a:rPr sz="1800" b="0">
+            <a:pPr algn="ctr"/>
+            <a:r>
+              <a:rPr sz="2200" b="0">
                 <a:solidFill>
                   <a:srgbClr val="BBDEFB"/>
                 </a:solidFill>
                 <a:latin typeface="Arial"/>
               </a:rPr>
               <a:t>sysmanage.org</a:t>
-            </a:r>
-          </a:p>
-          <a:p>
-            <a:pPr algn="ctr">
-              <a:spcBef>
-                <a:spcPts val="600"/>
-              </a:spcBef>
-            </a:pPr>
-            <a:r>
-              <a:rPr sz="1800" b="0">
-                <a:solidFill>
-                  <a:srgbClr val="BBDEFB"/>
-                </a:solidFill>
-                <a:latin typeface="Arial"/>
-              </a:rPr>
-              <a:t>github.com/bceverly/sysmanage</a:t>
-            </a:r>
-          </a:p>
-          <a:p>
-            <a:pPr algn="ctr">
-              <a:spcBef>
-                <a:spcPts val="600"/>
-              </a:spcBef>
-            </a:pPr>
-            <a:r>
-              <a:rPr sz="1800" b="0">
-                <a:solidFill>
-                  <a:srgbClr val="BBDEFB"/>
-                </a:solidFill>
-                <a:latin typeface="Arial"/>
-              </a:rPr>
-              <a:t>github.com/bceverly/sysmanage-agent</a:t>
-            </a:r>
-          </a:p>
-          <a:p>
-            <a:pPr algn="ctr">
-              <a:spcBef>
-                <a:spcPts val="600"/>
-              </a:spcBef>
-            </a:pPr>
-            <a:r>
-              <a:rPr sz="1800" b="0">
-                <a:solidFill>
-                  <a:srgbClr val="BBDEFB"/>
-                </a:solidFill>
-                <a:latin typeface="Arial"/>
-              </a:rPr>
-              <a:t>github.com/bceverly/sysmanage-docs</a:t>
             </a:r>
           </a:p>
         </p:txBody>
@@ -19916,7 +21917,7 @@
         </p:nvSpPr>
         <p:spPr>
           <a:xfrm>
-            <a:off x="2743200" y="5486400"/>
+            <a:off x="2743200" y="5029200"/>
             <a:ext cx="6400800" cy="457200"/>
           </a:xfrm>
           <a:prstGeom prst="rect">
@@ -20546,9 +22547,33 @@
           </a:p>
         </p:txBody>
       </p:sp>
-      <p:sp>
-        <p:nvSpPr>
-          <p:cNvPr id="6" name="Rounded Rectangle 5"/>
+      <p:pic>
+        <p:nvPicPr>
+          <p:cNvPr id="6" name="Picture 5" descr="bryan-everly.jpg"/>
+          <p:cNvPicPr>
+            <a:picLocks noChangeAspect="1"/>
+          </p:cNvPicPr>
+          <p:nvPr/>
+        </p:nvPicPr>
+        <p:blipFill>
+          <a:blip r:embed="rId2"/>
+          <a:stretch>
+            <a:fillRect/>
+          </a:stretch>
+        </p:blipFill>
+        <p:spPr>
+          <a:xfrm>
+            <a:off x="9601200" y="1143000"/>
+            <a:ext cx="1371600" cy="1371600"/>
+          </a:xfrm>
+          <a:prstGeom prst="rect">
+            <a:avLst/>
+          </a:prstGeom>
+        </p:spPr>
+      </p:pic>
+      <p:sp>
+        <p:nvSpPr>
+          <p:cNvPr id="7" name="Rounded Rectangle 6"/>
           <p:cNvSpPr/>
           <p:nvPr/>
         </p:nvSpPr>
@@ -20600,7 +22625,7 @@
       </p:sp>
       <p:sp>
         <p:nvSpPr>
-          <p:cNvPr id="7" name="TextBox 6"/>
+          <p:cNvPr id="8" name="TextBox 7"/>
           <p:cNvSpPr txBox="1"/>
           <p:nvPr/>
         </p:nvSpPr>
@@ -20848,7 +22873,7 @@
       </p:sp>
       <p:sp>
         <p:nvSpPr>
-          <p:cNvPr id="8" name="TextBox 7"/>
+          <p:cNvPr id="9" name="TextBox 8"/>
           <p:cNvSpPr txBox="1"/>
           <p:nvPr/>
         </p:nvSpPr>
@@ -21062,9 +23087,33 @@
           </a:p>
         </p:txBody>
       </p:sp>
-      <p:sp>
-        <p:nvSpPr>
-          <p:cNvPr id="6" name="Rounded Rectangle 5"/>
+      <p:pic>
+        <p:nvPicPr>
+          <p:cNvPr id="6" name="Picture 5" descr="fedor-dikarev.jpg"/>
+          <p:cNvPicPr>
+            <a:picLocks noChangeAspect="1"/>
+          </p:cNvPicPr>
+          <p:nvPr/>
+        </p:nvPicPr>
+        <p:blipFill>
+          <a:blip r:embed="rId2"/>
+          <a:stretch>
+            <a:fillRect/>
+          </a:stretch>
+        </p:blipFill>
+        <p:spPr>
+          <a:xfrm>
+            <a:off x="9601200" y="1143000"/>
+            <a:ext cx="1371600" cy="1371600"/>
+          </a:xfrm>
+          <a:prstGeom prst="rect">
+            <a:avLst/>
+          </a:prstGeom>
+        </p:spPr>
+      </p:pic>
+      <p:sp>
+        <p:nvSpPr>
+          <p:cNvPr id="7" name="Rounded Rectangle 6"/>
           <p:cNvSpPr/>
           <p:nvPr/>
         </p:nvSpPr>
@@ -21116,7 +23165,7 @@
       </p:sp>
       <p:sp>
         <p:nvSpPr>
-          <p:cNvPr id="7" name="TextBox 6"/>
+          <p:cNvPr id="8" name="TextBox 7"/>
           <p:cNvSpPr txBox="1"/>
           <p:nvPr/>
         </p:nvSpPr>

--- a/Presentations/SysManage.pptx
+++ b/Presentations/SysManage.pptx
@@ -13321,7 +13321,7 @@
           <a:p>
             <a:pPr algn="ctr"/>
             <a:r>
-              <a:rPr sz="1000" b="1">
+              <a:rPr sz="700" b="1">
                 <a:solidFill>
                   <a:srgbClr val="FFFFFF"/>
                 </a:solidFill>
@@ -13423,7 +13423,7 @@
           <a:p>
             <a:pPr algn="ctr"/>
             <a:r>
-              <a:rPr sz="1000" b="1">
+              <a:rPr sz="700" b="1">
                 <a:solidFill>
                   <a:srgbClr val="FFFFFF"/>
                 </a:solidFill>
@@ -13525,7 +13525,7 @@
           <a:p>
             <a:pPr algn="ctr"/>
             <a:r>
-              <a:rPr sz="1000" b="1">
+              <a:rPr sz="700" b="1">
                 <a:solidFill>
                   <a:srgbClr val="FFFFFF"/>
                 </a:solidFill>
@@ -13627,7 +13627,7 @@
           <a:p>
             <a:pPr algn="ctr"/>
             <a:r>
-              <a:rPr sz="1000" b="1">
+              <a:rPr sz="700" b="1">
                 <a:solidFill>
                   <a:srgbClr val="FFFFFF"/>
                 </a:solidFill>
@@ -13729,7 +13729,7 @@
           <a:p>
             <a:pPr algn="ctr"/>
             <a:r>
-              <a:rPr sz="1000" b="1">
+              <a:rPr sz="700" b="1">
                 <a:solidFill>
                   <a:srgbClr val="FFFFFF"/>
                 </a:solidFill>
@@ -13831,7 +13831,7 @@
           <a:p>
             <a:pPr algn="ctr"/>
             <a:r>
-              <a:rPr sz="1000" b="1">
+              <a:rPr sz="700" b="1">
                 <a:solidFill>
                   <a:srgbClr val="FFFFFF"/>
                 </a:solidFill>

--- a/Presentations/SysManage.pptx
+++ b/Presentations/SysManage.pptx
@@ -12403,7 +12403,7 @@
           <a:p>
             <a:pPr algn="ctr"/>
             <a:r>
-              <a:rPr sz="1100" b="1">
+              <a:rPr sz="700" b="1">
                 <a:solidFill>
                   <a:srgbClr val="FFFFFF"/>
                 </a:solidFill>
@@ -12505,7 +12505,7 @@
           <a:p>
             <a:pPr algn="ctr"/>
             <a:r>
-              <a:rPr sz="1100" b="1">
+              <a:rPr sz="700" b="1">
                 <a:solidFill>
                   <a:srgbClr val="FFFFFF"/>
                 </a:solidFill>
@@ -12607,7 +12607,7 @@
           <a:p>
             <a:pPr algn="ctr"/>
             <a:r>
-              <a:rPr sz="1100" b="1">
+              <a:rPr sz="700" b="1">
                 <a:solidFill>
                   <a:srgbClr val="FFFFFF"/>
                 </a:solidFill>
@@ -12709,7 +12709,7 @@
           <a:p>
             <a:pPr algn="ctr"/>
             <a:r>
-              <a:rPr sz="1100" b="1">
+              <a:rPr sz="700" b="1">
                 <a:solidFill>
                   <a:srgbClr val="FFFFFF"/>
                 </a:solidFill>
@@ -12811,7 +12811,7 @@
           <a:p>
             <a:pPr algn="ctr"/>
             <a:r>
-              <a:rPr sz="1100" b="1">
+              <a:rPr sz="700" b="1">
                 <a:solidFill>
                   <a:srgbClr val="FFFFFF"/>
                 </a:solidFill>
@@ -12913,7 +12913,7 @@
           <a:p>
             <a:pPr algn="ctr"/>
             <a:r>
-              <a:rPr sz="1100" b="1">
+              <a:rPr sz="700" b="1">
                 <a:solidFill>
                   <a:srgbClr val="FFFFFF"/>
                 </a:solidFill>
@@ -13015,7 +13015,7 @@
           <a:p>
             <a:pPr algn="ctr"/>
             <a:r>
-              <a:rPr sz="1100" b="1">
+              <a:rPr sz="700" b="1">
                 <a:solidFill>
                   <a:srgbClr val="FFFFFF"/>
                 </a:solidFill>
@@ -13117,7 +13117,7 @@
           <a:p>
             <a:pPr algn="ctr"/>
             <a:r>
-              <a:rPr sz="1100" b="1">
+              <a:rPr sz="700" b="1">
                 <a:solidFill>
                   <a:srgbClr val="FFFFFF"/>
                 </a:solidFill>
@@ -13219,7 +13219,7 @@
           <a:p>
             <a:pPr algn="ctr"/>
             <a:r>
-              <a:rPr sz="1100" b="1">
+              <a:rPr sz="700" b="1">
                 <a:solidFill>
                   <a:srgbClr val="FFFFFF"/>
                 </a:solidFill>

--- a/Presentations/SysManage.pptx
+++ b/Presentations/SysManage.pptx
@@ -16519,8 +16519,8 @@
         </p:nvSpPr>
         <p:spPr>
           <a:xfrm>
-            <a:off x="365760" y="2468880"/>
-            <a:ext cx="1719072" cy="1508760"/>
+            <a:off x="274320" y="2468880"/>
+            <a:ext cx="1508760" cy="1417320"/>
           </a:xfrm>
           <a:prstGeom prst="roundRect">
             <a:avLst/>
@@ -16559,7 +16559,7 @@
               </a:spcAft>
             </a:pPr>
             <a:r>
-              <a:rPr sz="900" b="0">
+              <a:rPr sz="800" b="0">
                 <a:solidFill>
                   <a:srgbClr val="FFFFFF"/>
                 </a:solidFill>
@@ -16578,7 +16578,7 @@
               </a:spcAft>
             </a:pPr>
             <a:r>
-              <a:rPr sz="900" b="0">
+              <a:rPr sz="800" b="0">
                 <a:solidFill>
                   <a:srgbClr val="FFFFFF"/>
                 </a:solidFill>
@@ -16597,7 +16597,7 @@
               </a:spcAft>
             </a:pPr>
             <a:r>
-              <a:rPr sz="900" b="0">
+              <a:rPr sz="800" b="0">
                 <a:solidFill>
                   <a:srgbClr val="FFFFFF"/>
                 </a:solidFill>
@@ -16616,7 +16616,7 @@
               </a:spcAft>
             </a:pPr>
             <a:r>
-              <a:rPr sz="900" b="0">
+              <a:rPr sz="800" b="0">
                 <a:solidFill>
                   <a:srgbClr val="FFFFFF"/>
                 </a:solidFill>
@@ -16635,7 +16635,7 @@
               </a:spcAft>
             </a:pPr>
             <a:r>
-              <a:rPr sz="900" b="0">
+              <a:rPr sz="800" b="0">
                 <a:solidFill>
                   <a:srgbClr val="FFFFFF"/>
                 </a:solidFill>
@@ -16654,8 +16654,8 @@
         </p:nvSpPr>
         <p:spPr>
           <a:xfrm>
-            <a:off x="2267712" y="2468880"/>
-            <a:ext cx="1719072" cy="1508760"/>
+            <a:off x="1938528" y="2468880"/>
+            <a:ext cx="1508760" cy="1417320"/>
           </a:xfrm>
           <a:prstGeom prst="roundRect">
             <a:avLst/>
@@ -16694,7 +16694,7 @@
               </a:spcAft>
             </a:pPr>
             <a:r>
-              <a:rPr sz="900" b="0">
+              <a:rPr sz="800" b="0">
                 <a:solidFill>
                   <a:srgbClr val="FFFFFF"/>
                 </a:solidFill>
@@ -16713,7 +16713,7 @@
               </a:spcAft>
             </a:pPr>
             <a:r>
-              <a:rPr sz="900" b="0">
+              <a:rPr sz="800" b="0">
                 <a:solidFill>
                   <a:srgbClr val="FFFFFF"/>
                 </a:solidFill>
@@ -16732,7 +16732,7 @@
               </a:spcAft>
             </a:pPr>
             <a:r>
-              <a:rPr sz="900" b="0">
+              <a:rPr sz="800" b="0">
                 <a:solidFill>
                   <a:srgbClr val="FFFFFF"/>
                 </a:solidFill>
@@ -16751,7 +16751,7 @@
               </a:spcAft>
             </a:pPr>
             <a:r>
-              <a:rPr sz="900" b="0">
+              <a:rPr sz="800" b="0">
                 <a:solidFill>
                   <a:srgbClr val="FFFFFF"/>
                 </a:solidFill>
@@ -16770,7 +16770,7 @@
               </a:spcAft>
             </a:pPr>
             <a:r>
-              <a:rPr sz="900" b="0">
+              <a:rPr sz="800" b="0">
                 <a:solidFill>
                   <a:srgbClr val="FFFFFF"/>
                 </a:solidFill>
@@ -16789,8 +16789,8 @@
         </p:nvSpPr>
         <p:spPr>
           <a:xfrm>
-            <a:off x="4169664" y="2468880"/>
-            <a:ext cx="1719072" cy="1508760"/>
+            <a:off x="3602736" y="2468880"/>
+            <a:ext cx="1508760" cy="1417320"/>
           </a:xfrm>
           <a:prstGeom prst="roundRect">
             <a:avLst/>
@@ -16829,7 +16829,7 @@
               </a:spcAft>
             </a:pPr>
             <a:r>
-              <a:rPr sz="900" b="0">
+              <a:rPr sz="800" b="0">
                 <a:solidFill>
                   <a:srgbClr val="FFFFFF"/>
                 </a:solidFill>
@@ -16848,7 +16848,7 @@
               </a:spcAft>
             </a:pPr>
             <a:r>
-              <a:rPr sz="900" b="0">
+              <a:rPr sz="800" b="0">
                 <a:solidFill>
                   <a:srgbClr val="FFFFFF"/>
                 </a:solidFill>
@@ -16867,7 +16867,7 @@
               </a:spcAft>
             </a:pPr>
             <a:r>
-              <a:rPr sz="900" b="0">
+              <a:rPr sz="800" b="0">
                 <a:solidFill>
                   <a:srgbClr val="FFFFFF"/>
                 </a:solidFill>
@@ -16886,7 +16886,7 @@
               </a:spcAft>
             </a:pPr>
             <a:r>
-              <a:rPr sz="900" b="0">
+              <a:rPr sz="800" b="0">
                 <a:solidFill>
                   <a:srgbClr val="FFFFFF"/>
                 </a:solidFill>
@@ -16905,7 +16905,7 @@
               </a:spcAft>
             </a:pPr>
             <a:r>
-              <a:rPr sz="900" b="0">
+              <a:rPr sz="800" b="0">
                 <a:solidFill>
                   <a:srgbClr val="FFFFFF"/>
                 </a:solidFill>
@@ -16924,8 +16924,8 @@
         </p:nvSpPr>
         <p:spPr>
           <a:xfrm>
-            <a:off x="6071616" y="2468880"/>
-            <a:ext cx="1719072" cy="1508760"/>
+            <a:off x="5266944" y="2468880"/>
+            <a:ext cx="1508760" cy="1417320"/>
           </a:xfrm>
           <a:prstGeom prst="roundRect">
             <a:avLst/>
@@ -16964,7 +16964,7 @@
               </a:spcAft>
             </a:pPr>
             <a:r>
-              <a:rPr sz="900" b="0">
+              <a:rPr sz="800" b="0">
                 <a:solidFill>
                   <a:srgbClr val="FFFFFF"/>
                 </a:solidFill>
@@ -16983,7 +16983,7 @@
               </a:spcAft>
             </a:pPr>
             <a:r>
-              <a:rPr sz="900" b="0">
+              <a:rPr sz="800" b="0">
                 <a:solidFill>
                   <a:srgbClr val="FFFFFF"/>
                 </a:solidFill>
@@ -17002,7 +17002,7 @@
               </a:spcAft>
             </a:pPr>
             <a:r>
-              <a:rPr sz="900" b="0">
+              <a:rPr sz="800" b="0">
                 <a:solidFill>
                   <a:srgbClr val="FFFFFF"/>
                 </a:solidFill>
@@ -17021,7 +17021,7 @@
               </a:spcAft>
             </a:pPr>
             <a:r>
-              <a:rPr sz="900" b="0">
+              <a:rPr sz="800" b="0">
                 <a:solidFill>
                   <a:srgbClr val="FFFFFF"/>
                 </a:solidFill>
@@ -17040,7 +17040,7 @@
               </a:spcAft>
             </a:pPr>
             <a:r>
-              <a:rPr sz="900" b="0">
+              <a:rPr sz="800" b="0">
                 <a:solidFill>
                   <a:srgbClr val="FFFFFF"/>
                 </a:solidFill>
@@ -17059,8 +17059,8 @@
         </p:nvSpPr>
         <p:spPr>
           <a:xfrm>
-            <a:off x="7973568" y="2468880"/>
-            <a:ext cx="1719072" cy="1508760"/>
+            <a:off x="6931152" y="2468880"/>
+            <a:ext cx="1508760" cy="1417320"/>
           </a:xfrm>
           <a:prstGeom prst="roundRect">
             <a:avLst/>
@@ -17099,7 +17099,7 @@
               </a:spcAft>
             </a:pPr>
             <a:r>
-              <a:rPr sz="900" b="0">
+              <a:rPr sz="800" b="0">
                 <a:solidFill>
                   <a:srgbClr val="FFFFFF"/>
                 </a:solidFill>
@@ -17118,7 +17118,7 @@
               </a:spcAft>
             </a:pPr>
             <a:r>
-              <a:rPr sz="900" b="0">
+              <a:rPr sz="800" b="0">
                 <a:solidFill>
                   <a:srgbClr val="FFFFFF"/>
                 </a:solidFill>
@@ -17137,7 +17137,7 @@
               </a:spcAft>
             </a:pPr>
             <a:r>
-              <a:rPr sz="900" b="0">
+              <a:rPr sz="800" b="0">
                 <a:solidFill>
                   <a:srgbClr val="FFFFFF"/>
                 </a:solidFill>
@@ -17156,7 +17156,7 @@
               </a:spcAft>
             </a:pPr>
             <a:r>
-              <a:rPr sz="900" b="0">
+              <a:rPr sz="800" b="0">
                 <a:solidFill>
                   <a:srgbClr val="FFFFFF"/>
                 </a:solidFill>
@@ -17175,7 +17175,7 @@
               </a:spcAft>
             </a:pPr>
             <a:r>
-              <a:rPr sz="900" b="0">
+              <a:rPr sz="800" b="0">
                 <a:solidFill>
                   <a:srgbClr val="FFFFFF"/>
                 </a:solidFill>
@@ -17194,8 +17194,8 @@
         </p:nvSpPr>
         <p:spPr>
           <a:xfrm>
-            <a:off x="9875520" y="2468880"/>
-            <a:ext cx="1719072" cy="1508760"/>
+            <a:off x="8595360" y="2468880"/>
+            <a:ext cx="1508760" cy="1417320"/>
           </a:xfrm>
           <a:prstGeom prst="roundRect">
             <a:avLst/>
@@ -17234,7 +17234,7 @@
               </a:spcAft>
             </a:pPr>
             <a:r>
-              <a:rPr sz="900" b="0">
+              <a:rPr sz="800" b="0">
                 <a:solidFill>
                   <a:srgbClr val="FFFFFF"/>
                 </a:solidFill>
@@ -17253,7 +17253,7 @@
               </a:spcAft>
             </a:pPr>
             <a:r>
-              <a:rPr sz="900" b="0">
+              <a:rPr sz="800" b="0">
                 <a:solidFill>
                   <a:srgbClr val="FFFFFF"/>
                 </a:solidFill>
@@ -17272,7 +17272,7 @@
               </a:spcAft>
             </a:pPr>
             <a:r>
-              <a:rPr sz="900" b="0">
+              <a:rPr sz="800" b="0">
                 <a:solidFill>
                   <a:srgbClr val="FFFFFF"/>
                 </a:solidFill>
@@ -17291,7 +17291,7 @@
               </a:spcAft>
             </a:pPr>
             <a:r>
-              <a:rPr sz="900" b="0">
+              <a:rPr sz="800" b="0">
                 <a:solidFill>
                   <a:srgbClr val="FFFFFF"/>
                 </a:solidFill>
@@ -17310,7 +17310,7 @@
               </a:spcAft>
             </a:pPr>
             <a:r>
-              <a:rPr sz="900" b="0">
+              <a:rPr sz="800" b="0">
                 <a:solidFill>
                   <a:srgbClr val="FFFFFF"/>
                 </a:solidFill>
@@ -17329,8 +17329,8 @@
         </p:nvSpPr>
         <p:spPr>
           <a:xfrm>
-            <a:off x="365760" y="4251960"/>
-            <a:ext cx="1719072" cy="1508760"/>
+            <a:off x="10259568" y="2468880"/>
+            <a:ext cx="1508760" cy="1417320"/>
           </a:xfrm>
           <a:prstGeom prst="roundRect">
             <a:avLst/>
@@ -17369,7 +17369,7 @@
               </a:spcAft>
             </a:pPr>
             <a:r>
-              <a:rPr sz="900" b="0">
+              <a:rPr sz="800" b="0">
                 <a:solidFill>
                   <a:srgbClr val="FFFFFF"/>
                 </a:solidFill>
@@ -17388,7 +17388,7 @@
               </a:spcAft>
             </a:pPr>
             <a:r>
-              <a:rPr sz="900" b="0">
+              <a:rPr sz="800" b="0">
                 <a:solidFill>
                   <a:srgbClr val="FFFFFF"/>
                 </a:solidFill>
@@ -17407,7 +17407,7 @@
               </a:spcAft>
             </a:pPr>
             <a:r>
-              <a:rPr sz="900" b="0">
+              <a:rPr sz="800" b="0">
                 <a:solidFill>
                   <a:srgbClr val="FFFFFF"/>
                 </a:solidFill>
@@ -17426,7 +17426,7 @@
               </a:spcAft>
             </a:pPr>
             <a:r>
-              <a:rPr sz="900" b="0">
+              <a:rPr sz="800" b="0">
                 <a:solidFill>
                   <a:srgbClr val="FFFFFF"/>
                 </a:solidFill>
@@ -17445,7 +17445,7 @@
               </a:spcAft>
             </a:pPr>
             <a:r>
-              <a:rPr sz="900" b="0">
+              <a:rPr sz="800" b="0">
                 <a:solidFill>
                   <a:srgbClr val="FFFFFF"/>
                 </a:solidFill>
@@ -17464,8 +17464,8 @@
         </p:nvSpPr>
         <p:spPr>
           <a:xfrm>
-            <a:off x="2267712" y="4251960"/>
-            <a:ext cx="1719072" cy="1508760"/>
+            <a:off x="274320" y="4160520"/>
+            <a:ext cx="1508760" cy="1417320"/>
           </a:xfrm>
           <a:prstGeom prst="roundRect">
             <a:avLst/>
@@ -17504,7 +17504,7 @@
               </a:spcAft>
             </a:pPr>
             <a:r>
-              <a:rPr sz="900" b="0">
+              <a:rPr sz="800" b="0">
                 <a:solidFill>
                   <a:srgbClr val="FFFFFF"/>
                 </a:solidFill>
@@ -17523,7 +17523,7 @@
               </a:spcAft>
             </a:pPr>
             <a:r>
-              <a:rPr sz="900" b="0">
+              <a:rPr sz="800" b="0">
                 <a:solidFill>
                   <a:srgbClr val="FFFFFF"/>
                 </a:solidFill>
@@ -17542,7 +17542,7 @@
               </a:spcAft>
             </a:pPr>
             <a:r>
-              <a:rPr sz="900" b="0">
+              <a:rPr sz="800" b="0">
                 <a:solidFill>
                   <a:srgbClr val="FFFFFF"/>
                 </a:solidFill>
@@ -17561,7 +17561,7 @@
               </a:spcAft>
             </a:pPr>
             <a:r>
-              <a:rPr sz="900" b="0">
+              <a:rPr sz="800" b="0">
                 <a:solidFill>
                   <a:srgbClr val="FFFFFF"/>
                 </a:solidFill>
@@ -17580,7 +17580,7 @@
               </a:spcAft>
             </a:pPr>
             <a:r>
-              <a:rPr sz="900" b="0">
+              <a:rPr sz="800" b="0">
                 <a:solidFill>
                   <a:srgbClr val="FFFFFF"/>
                 </a:solidFill>
@@ -17599,8 +17599,8 @@
         </p:nvSpPr>
         <p:spPr>
           <a:xfrm>
-            <a:off x="4169664" y="4251960"/>
-            <a:ext cx="1719072" cy="1508760"/>
+            <a:off x="1938528" y="4160520"/>
+            <a:ext cx="1508760" cy="1417320"/>
           </a:xfrm>
           <a:prstGeom prst="roundRect">
             <a:avLst/>
@@ -17639,7 +17639,7 @@
               </a:spcAft>
             </a:pPr>
             <a:r>
-              <a:rPr sz="900" b="0">
+              <a:rPr sz="800" b="0">
                 <a:solidFill>
                   <a:srgbClr val="FFFFFF"/>
                 </a:solidFill>
@@ -17658,7 +17658,7 @@
               </a:spcAft>
             </a:pPr>
             <a:r>
-              <a:rPr sz="900" b="0">
+              <a:rPr sz="800" b="0">
                 <a:solidFill>
                   <a:srgbClr val="FFFFFF"/>
                 </a:solidFill>
@@ -17677,7 +17677,7 @@
               </a:spcAft>
             </a:pPr>
             <a:r>
-              <a:rPr sz="900" b="0">
+              <a:rPr sz="800" b="0">
                 <a:solidFill>
                   <a:srgbClr val="FFFFFF"/>
                 </a:solidFill>
@@ -17696,7 +17696,7 @@
               </a:spcAft>
             </a:pPr>
             <a:r>
-              <a:rPr sz="900" b="0">
+              <a:rPr sz="800" b="0">
                 <a:solidFill>
                   <a:srgbClr val="FFFFFF"/>
                 </a:solidFill>
@@ -17715,7 +17715,7 @@
               </a:spcAft>
             </a:pPr>
             <a:r>
-              <a:rPr sz="900" b="0">
+              <a:rPr sz="800" b="0">
                 <a:solidFill>
                   <a:srgbClr val="FFFFFF"/>
                 </a:solidFill>
@@ -17734,8 +17734,8 @@
         </p:nvSpPr>
         <p:spPr>
           <a:xfrm>
-            <a:off x="6071616" y="4251960"/>
-            <a:ext cx="1719072" cy="1508760"/>
+            <a:off x="3602736" y="4160520"/>
+            <a:ext cx="1508760" cy="1417320"/>
           </a:xfrm>
           <a:prstGeom prst="roundRect">
             <a:avLst/>
@@ -17774,7 +17774,7 @@
               </a:spcAft>
             </a:pPr>
             <a:r>
-              <a:rPr sz="900" b="0">
+              <a:rPr sz="800" b="0">
                 <a:solidFill>
                   <a:srgbClr val="FFFFFF"/>
                 </a:solidFill>
@@ -17793,7 +17793,7 @@
               </a:spcAft>
             </a:pPr>
             <a:r>
-              <a:rPr sz="900" b="0">
+              <a:rPr sz="800" b="0">
                 <a:solidFill>
                   <a:srgbClr val="FFFFFF"/>
                 </a:solidFill>
@@ -17812,7 +17812,7 @@
               </a:spcAft>
             </a:pPr>
             <a:r>
-              <a:rPr sz="900" b="0">
+              <a:rPr sz="800" b="0">
                 <a:solidFill>
                   <a:srgbClr val="FFFFFF"/>
                 </a:solidFill>
@@ -17831,7 +17831,7 @@
               </a:spcAft>
             </a:pPr>
             <a:r>
-              <a:rPr sz="900" b="0">
+              <a:rPr sz="800" b="0">
                 <a:solidFill>
                   <a:srgbClr val="FFFFFF"/>
                 </a:solidFill>
@@ -17850,7 +17850,7 @@
               </a:spcAft>
             </a:pPr>
             <a:r>
-              <a:rPr sz="900" b="0">
+              <a:rPr sz="800" b="0">
                 <a:solidFill>
                   <a:srgbClr val="FFFFFF"/>
                 </a:solidFill>
@@ -17869,8 +17869,8 @@
         </p:nvSpPr>
         <p:spPr>
           <a:xfrm>
-            <a:off x="7973568" y="4251960"/>
-            <a:ext cx="1719072" cy="1508760"/>
+            <a:off x="5266944" y="4160520"/>
+            <a:ext cx="1508760" cy="1417320"/>
           </a:xfrm>
           <a:prstGeom prst="roundRect">
             <a:avLst/>
@@ -17909,7 +17909,7 @@
               </a:spcAft>
             </a:pPr>
             <a:r>
-              <a:rPr sz="900" b="0">
+              <a:rPr sz="800" b="0">
                 <a:solidFill>
                   <a:srgbClr val="FFFFFF"/>
                 </a:solidFill>
@@ -17928,7 +17928,7 @@
               </a:spcAft>
             </a:pPr>
             <a:r>
-              <a:rPr sz="900" b="0">
+              <a:rPr sz="800" b="0">
                 <a:solidFill>
                   <a:srgbClr val="FFFFFF"/>
                 </a:solidFill>
@@ -17947,7 +17947,7 @@
               </a:spcAft>
             </a:pPr>
             <a:r>
-              <a:rPr sz="900" b="0">
+              <a:rPr sz="800" b="0">
                 <a:solidFill>
                   <a:srgbClr val="FFFFFF"/>
                 </a:solidFill>
@@ -17966,7 +17966,7 @@
               </a:spcAft>
             </a:pPr>
             <a:r>
-              <a:rPr sz="900" b="0">
+              <a:rPr sz="800" b="0">
                 <a:solidFill>
                   <a:srgbClr val="FFFFFF"/>
                 </a:solidFill>
@@ -17985,7 +17985,7 @@
               </a:spcAft>
             </a:pPr>
             <a:r>
-              <a:rPr sz="900" b="0">
+              <a:rPr sz="800" b="0">
                 <a:solidFill>
                   <a:srgbClr val="FFFFFF"/>
                 </a:solidFill>
@@ -18004,8 +18004,8 @@
         </p:nvSpPr>
         <p:spPr>
           <a:xfrm>
-            <a:off x="9875520" y="4251960"/>
-            <a:ext cx="1719072" cy="1508760"/>
+            <a:off x="6931152" y="4160520"/>
+            <a:ext cx="1508760" cy="1417320"/>
           </a:xfrm>
           <a:prstGeom prst="roundRect">
             <a:avLst/>
@@ -18044,7 +18044,7 @@
               </a:spcAft>
             </a:pPr>
             <a:r>
-              <a:rPr sz="900" b="0">
+              <a:rPr sz="800" b="0">
                 <a:solidFill>
                   <a:srgbClr val="FFFFFF"/>
                 </a:solidFill>
@@ -18063,7 +18063,142 @@
               </a:spcAft>
             </a:pPr>
             <a:r>
-              <a:rPr sz="900" b="0">
+              <a:rPr sz="800" b="0">
+                <a:solidFill>
+                  <a:srgbClr val="FFFFFF"/>
+                </a:solidFill>
+                <a:latin typeface="Arial"/>
+              </a:rPr>
+              <a:t>v2.4.0.0</a:t>
+            </a:r>
+          </a:p>
+          <a:p>
+            <a:pPr algn="ctr">
+              <a:spcBef>
+                <a:spcPts val="200"/>
+              </a:spcBef>
+              <a:spcAft>
+                <a:spcPts val="200"/>
+              </a:spcAft>
+            </a:pPr>
+            <a:r>
+              <a:rPr sz="800" b="0">
+                <a:solidFill>
+                  <a:srgbClr val="FFFFFF"/>
+                </a:solidFill>
+                <a:latin typeface="Arial"/>
+              </a:rPr>
+              <a:t/>
+            </a:r>
+          </a:p>
+          <a:p>
+            <a:pPr algn="ctr">
+              <a:spcBef>
+                <a:spcPts val="200"/>
+              </a:spcBef>
+              <a:spcAft>
+                <a:spcPts val="200"/>
+              </a:spcAft>
+            </a:pPr>
+            <a:r>
+              <a:rPr sz="800" b="0">
+                <a:solidFill>
+                  <a:srgbClr val="FFFFFF"/>
+                </a:solidFill>
+                <a:latin typeface="Arial"/>
+              </a:rPr>
+              <a:t>Federation</a:t>
+            </a:r>
+          </a:p>
+          <a:p>
+            <a:pPr algn="ctr">
+              <a:spcBef>
+                <a:spcPts val="200"/>
+              </a:spcBef>
+              <a:spcAft>
+                <a:spcPts val="200"/>
+              </a:spcAft>
+            </a:pPr>
+            <a:r>
+              <a:rPr sz="800" b="0">
+                <a:solidFill>
+                  <a:srgbClr val="FFFFFF"/>
+                </a:solidFill>
+                <a:latin typeface="Arial"/>
+              </a:rPr>
+              <a:t>Feb 2027</a:t>
+            </a:r>
+          </a:p>
+        </p:txBody>
+      </p:sp>
+      <p:sp>
+        <p:nvSpPr>
+          <p:cNvPr id="26" name="Rounded Rectangle 25"/>
+          <p:cNvSpPr/>
+          <p:nvPr/>
+        </p:nvSpPr>
+        <p:spPr>
+          <a:xfrm>
+            <a:off x="8595360" y="4160520"/>
+            <a:ext cx="1508760" cy="1417320"/>
+          </a:xfrm>
+          <a:prstGeom prst="roundRect">
+            <a:avLst/>
+          </a:prstGeom>
+          <a:solidFill>
+            <a:srgbClr val="1976D2"/>
+          </a:solidFill>
+          <a:ln>
+            <a:noFill/>
+          </a:ln>
+        </p:spPr>
+        <p:style>
+          <a:lnRef idx="1">
+            <a:schemeClr val="accent1"/>
+          </a:lnRef>
+          <a:fillRef idx="3">
+            <a:schemeClr val="accent1"/>
+          </a:fillRef>
+          <a:effectRef idx="2">
+            <a:schemeClr val="accent1"/>
+          </a:effectRef>
+          <a:fontRef idx="minor">
+            <a:schemeClr val="lt1"/>
+          </a:fontRef>
+        </p:style>
+        <p:txBody>
+          <a:bodyPr rtlCol="0" anchor="ctr" wrap="square"/>
+          <a:lstStyle/>
+          <a:p>
+            <a:pPr algn="ctr">
+              <a:spcBef>
+                <a:spcPts val="200"/>
+              </a:spcBef>
+              <a:spcAft>
+                <a:spcPts val="200"/>
+              </a:spcAft>
+            </a:pPr>
+            <a:r>
+              <a:rPr sz="800" b="0">
+                <a:solidFill>
+                  <a:srgbClr val="FFFFFF"/>
+                </a:solidFill>
+                <a:latin typeface="Arial"/>
+              </a:rPr>
+              <a:t>Phase 13</a:t>
+            </a:r>
+          </a:p>
+          <a:p>
+            <a:pPr algn="ctr">
+              <a:spcBef>
+                <a:spcPts val="200"/>
+              </a:spcBef>
+              <a:spcAft>
+                <a:spcPts val="200"/>
+              </a:spcAft>
+            </a:pPr>
+            <a:r>
+              <a:rPr sz="800" b="0">
                 <a:solidFill>
                   <a:srgbClr val="FFFFFF"/>
                 </a:solidFill>
@@ -18082,7 +18217,7 @@
               </a:spcAft>
             </a:pPr>
             <a:r>
-              <a:rPr sz="900" b="0">
+              <a:rPr sz="800" b="0">
                 <a:solidFill>
                   <a:srgbClr val="FFFFFF"/>
                 </a:solidFill>
@@ -18101,7 +18236,7 @@
               </a:spcAft>
             </a:pPr>
             <a:r>
-              <a:rPr sz="900" b="0">
+              <a:rPr sz="800" b="0">
                 <a:solidFill>
                   <a:srgbClr val="FFFFFF"/>
                 </a:solidFill>
@@ -18120,20 +18255,20 @@
               </a:spcAft>
             </a:pPr>
             <a:r>
-              <a:rPr sz="900" b="0">
-                <a:solidFill>
-                  <a:srgbClr val="FFFFFF"/>
-                </a:solidFill>
-                <a:latin typeface="Arial"/>
-              </a:rPr>
-              <a:t>Feb 2027</a:t>
-            </a:r>
-          </a:p>
-        </p:txBody>
-      </p:sp>
-      <p:sp>
-        <p:nvSpPr>
-          <p:cNvPr id="26" name="TextBox 25"/>
+              <a:rPr sz="800" b="0">
+                <a:solidFill>
+                  <a:srgbClr val="FFFFFF"/>
+                </a:solidFill>
+                <a:latin typeface="Arial"/>
+              </a:rPr>
+              <a:t>Mar 2027</a:t>
+            </a:r>
+          </a:p>
+        </p:txBody>
+      </p:sp>
+      <p:sp>
+        <p:nvSpPr>
+          <p:cNvPr id="27" name="TextBox 26"/>
           <p:cNvSpPr txBox="1"/>
           <p:nvPr/>
         </p:nvSpPr>
@@ -19566,7 +19701,7 @@
                 </a:solidFill>
                 <a:latin typeface="Arial"/>
               </a:rPr>
-              <a:t>Futures: Long-Term (Phases 10–12)</a:t>
+              <a:t>Futures: Long-Term (Phases 10–13)</a:t>
             </a:r>
           </a:p>
         </p:txBody>
@@ -19660,7 +19795,7 @@
         </p:nvGraphicFramePr>
         <p:xfrm>
           <a:off x="731520" y="1371600"/>
-          <a:ext cx="9601200" cy="1463040"/>
+          <a:ext cx="9601200" cy="1828800"/>
         </p:xfrm>
         <a:graphic>
           <a:graphicData uri="http://schemas.openxmlformats.org/drawingml/2006/table">
@@ -20007,7 +20142,7 @@
                         </a:defRPr>
                       </a:pPr>
                       <a:r>
-                        <a:t>v3.0.0.0</a:t>
+                        <a:t>v2.4.0.0</a:t>
                       </a:r>
                     </a:p>
                   </a:txBody>
@@ -20031,7 +20166,7 @@
                         </a:defRPr>
                       </a:pPr>
                       <a:r>
-                        <a:t>Enterprise GA</a:t>
+                        <a:t>Multi-Site Federation</a:t>
                       </a:r>
                     </a:p>
                   </a:txBody>
@@ -20062,6 +20197,104 @@
                   <a:tcPr>
                     <a:solidFill>
                       <a:srgbClr val="FFFFFF"/>
+                    </a:solidFill>
+                  </a:tcPr>
+                </a:tc>
+              </a:tr>
+              <a:tr h="365760">
+                <a:tc>
+                  <a:txBody>
+                    <a:bodyPr/>
+                    <a:lstStyle/>
+                    <a:p>
+                      <a:pPr>
+                        <a:defRPr sz="1300">
+                          <a:solidFill>
+                            <a:srgbClr val="1A2332"/>
+                          </a:solidFill>
+                          <a:latin typeface="Arial"/>
+                        </a:defRPr>
+                      </a:pPr>
+                      <a:r>
+                        <a:t>13</a:t>
+                      </a:r>
+                    </a:p>
+                  </a:txBody>
+                  <a:tcPr>
+                    <a:solidFill>
+                      <a:srgbClr val="E3F2FD"/>
+                    </a:solidFill>
+                  </a:tcPr>
+                </a:tc>
+                <a:tc>
+                  <a:txBody>
+                    <a:bodyPr/>
+                    <a:lstStyle/>
+                    <a:p>
+                      <a:pPr>
+                        <a:defRPr sz="1300">
+                          <a:solidFill>
+                            <a:srgbClr val="1A2332"/>
+                          </a:solidFill>
+                          <a:latin typeface="Arial"/>
+                        </a:defRPr>
+                      </a:pPr>
+                      <a:r>
+                        <a:t>v3.0.0.0</a:t>
+                      </a:r>
+                    </a:p>
+                  </a:txBody>
+                  <a:tcPr>
+                    <a:solidFill>
+                      <a:srgbClr val="E3F2FD"/>
+                    </a:solidFill>
+                  </a:tcPr>
+                </a:tc>
+                <a:tc>
+                  <a:txBody>
+                    <a:bodyPr/>
+                    <a:lstStyle/>
+                    <a:p>
+                      <a:pPr>
+                        <a:defRPr sz="1300">
+                          <a:solidFill>
+                            <a:srgbClr val="1A2332"/>
+                          </a:solidFill>
+                          <a:latin typeface="Arial"/>
+                        </a:defRPr>
+                      </a:pPr>
+                      <a:r>
+                        <a:t>Enterprise GA</a:t>
+                      </a:r>
+                    </a:p>
+                  </a:txBody>
+                  <a:tcPr>
+                    <a:solidFill>
+                      <a:srgbClr val="E3F2FD"/>
+                    </a:solidFill>
+                  </a:tcPr>
+                </a:tc>
+                <a:tc>
+                  <a:txBody>
+                    <a:bodyPr/>
+                    <a:lstStyle/>
+                    <a:p>
+                      <a:pPr>
+                        <a:defRPr sz="1300">
+                          <a:solidFill>
+                            <a:srgbClr val="1A2332"/>
+                          </a:solidFill>
+                          <a:latin typeface="Arial"/>
+                        </a:defRPr>
+                      </a:pPr>
+                      <a:r>
+                        <a:t>Mar 2027</a:t>
+                      </a:r>
+                    </a:p>
+                  </a:txBody>
+                  <a:tcPr>
+                    <a:solidFill>
+                      <a:srgbClr val="E3F2FD"/>
                     </a:solidFill>
                   </a:tcPr>
                 </a:tc>

--- a/Presentations/SysManage.pptx
+++ b/Presentations/SysManage.pptx
@@ -21354,7 +21354,7 @@
                 </a:solidFill>
                 <a:latin typeface="Arial"/>
               </a:rPr>
-              <a:t>12-phase plan targeting v3.0.0.0 Enterprise GA in Q1 2027</a:t>
+              <a:t>13-phase plan targeting v3.0.0.0 Enterprise GA in Q1 2027</a:t>
             </a:r>
           </a:p>
         </p:txBody>
